--- a/Autocoders/doc/Cosmos_Presentation.pptx
+++ b/Autocoders/doc/Cosmos_Presentation.pptx
@@ -958,7 +958,7 @@
           <a:noFill/>
           <a:extLst>
             <a:ext uri="{909E8E84-426E-40dd-AFC4-6F175D3DCCD1}">
-              <a14:hiddenFill xmlns="" xmlns:a14="http://schemas.microsoft.com/office/drawing/2010/main">
+              <a14:hiddenFill xmlns:a14="http://schemas.microsoft.com/office/drawing/2010/main" xmlns="">
                 <a:solidFill>
                   <a:srgbClr val="FFFFFF"/>
                 </a:solidFill>
@@ -1018,7 +1018,7 @@
             </a:ln>
             <a:extLst>
               <a:ext uri="{91240B29-F687-4f45-9708-019B960494DF}">
-                <a14:hiddenLine xmlns="" xmlns:a14="http://schemas.microsoft.com/office/drawing/2010/main" w="9525">
+                <a14:hiddenLine xmlns:a14="http://schemas.microsoft.com/office/drawing/2010/main" xmlns="" w="9525">
                   <a:solidFill>
                     <a:srgbClr val="000000"/>
                   </a:solidFill>
@@ -1108,7 +1108,7 @@
             </a:ln>
             <a:extLst>
               <a:ext uri="{91240B29-F687-4f45-9708-019B960494DF}">
-                <a14:hiddenLine xmlns="" xmlns:a14="http://schemas.microsoft.com/office/drawing/2010/main" w="9525">
+                <a14:hiddenLine xmlns:a14="http://schemas.microsoft.com/office/drawing/2010/main" xmlns="" w="9525">
                   <a:solidFill>
                     <a:srgbClr val="000000"/>
                   </a:solidFill>
@@ -1198,7 +1198,7 @@
             </a:ln>
             <a:extLst>
               <a:ext uri="{91240B29-F687-4f45-9708-019B960494DF}">
-                <a14:hiddenLine xmlns="" xmlns:a14="http://schemas.microsoft.com/office/drawing/2010/main" w="9525">
+                <a14:hiddenLine xmlns:a14="http://schemas.microsoft.com/office/drawing/2010/main" xmlns="" w="9525">
                   <a:solidFill>
                     <a:srgbClr val="000000"/>
                   </a:solidFill>
@@ -1232,7 +1232,7 @@
             </a:ln>
             <a:extLst>
               <a:ext uri="{91240B29-F687-4f45-9708-019B960494DF}">
-                <a14:hiddenLine xmlns="" xmlns:a14="http://schemas.microsoft.com/office/drawing/2010/main" w="9525">
+                <a14:hiddenLine xmlns:a14="http://schemas.microsoft.com/office/drawing/2010/main" xmlns="" w="9525">
                   <a:solidFill>
                     <a:srgbClr val="000000"/>
                   </a:solidFill>
@@ -1322,7 +1322,7 @@
             </a:ln>
             <a:extLst>
               <a:ext uri="{91240B29-F687-4f45-9708-019B960494DF}">
-                <a14:hiddenLine xmlns="" xmlns:a14="http://schemas.microsoft.com/office/drawing/2010/main" w="9525">
+                <a14:hiddenLine xmlns:a14="http://schemas.microsoft.com/office/drawing/2010/main" xmlns="" w="9525">
                   <a:solidFill>
                     <a:srgbClr val="000000"/>
                   </a:solidFill>
@@ -1384,7 +1384,7 @@
             </a:ln>
             <a:extLst>
               <a:ext uri="{91240B29-F687-4f45-9708-019B960494DF}">
-                <a14:hiddenLine xmlns="" xmlns:a14="http://schemas.microsoft.com/office/drawing/2010/main" w="9525">
+                <a14:hiddenLine xmlns:a14="http://schemas.microsoft.com/office/drawing/2010/main" xmlns="" w="9525">
                   <a:solidFill>
                     <a:srgbClr val="000000"/>
                   </a:solidFill>
@@ -1446,7 +1446,7 @@
             </a:ln>
             <a:extLst>
               <a:ext uri="{91240B29-F687-4f45-9708-019B960494DF}">
-                <a14:hiddenLine xmlns="" xmlns:a14="http://schemas.microsoft.com/office/drawing/2010/main" w="9525">
+                <a14:hiddenLine xmlns:a14="http://schemas.microsoft.com/office/drawing/2010/main" xmlns="" w="9525">
                   <a:solidFill>
                     <a:srgbClr val="000000"/>
                   </a:solidFill>
@@ -1536,7 +1536,7 @@
             </a:ln>
             <a:extLst>
               <a:ext uri="{91240B29-F687-4f45-9708-019B960494DF}">
-                <a14:hiddenLine xmlns="" xmlns:a14="http://schemas.microsoft.com/office/drawing/2010/main" w="9525">
+                <a14:hiddenLine xmlns:a14="http://schemas.microsoft.com/office/drawing/2010/main" xmlns="" w="9525">
                   <a:solidFill>
                     <a:srgbClr val="000000"/>
                   </a:solidFill>
@@ -1598,7 +1598,7 @@
             </a:ln>
             <a:extLst>
               <a:ext uri="{91240B29-F687-4f45-9708-019B960494DF}">
-                <a14:hiddenLine xmlns="" xmlns:a14="http://schemas.microsoft.com/office/drawing/2010/main" w="9525">
+                <a14:hiddenLine xmlns:a14="http://schemas.microsoft.com/office/drawing/2010/main" xmlns="" w="9525">
                   <a:solidFill>
                     <a:srgbClr val="000000"/>
                   </a:solidFill>
@@ -1660,7 +1660,7 @@
             </a:ln>
             <a:extLst>
               <a:ext uri="{91240B29-F687-4f45-9708-019B960494DF}">
-                <a14:hiddenLine xmlns="" xmlns:a14="http://schemas.microsoft.com/office/drawing/2010/main" w="9525">
+                <a14:hiddenLine xmlns:a14="http://schemas.microsoft.com/office/drawing/2010/main" xmlns="" w="9525">
                   <a:solidFill>
                     <a:srgbClr val="000000"/>
                   </a:solidFill>
@@ -1750,7 +1750,7 @@
             </a:ln>
             <a:extLst>
               <a:ext uri="{91240B29-F687-4f45-9708-019B960494DF}">
-                <a14:hiddenLine xmlns="" xmlns:a14="http://schemas.microsoft.com/office/drawing/2010/main" w="9525">
+                <a14:hiddenLine xmlns:a14="http://schemas.microsoft.com/office/drawing/2010/main" xmlns="" w="9525">
                   <a:solidFill>
                     <a:srgbClr val="000000"/>
                   </a:solidFill>
@@ -1840,7 +1840,7 @@
             </a:ln>
             <a:extLst>
               <a:ext uri="{91240B29-F687-4f45-9708-019B960494DF}">
-                <a14:hiddenLine xmlns="" xmlns:a14="http://schemas.microsoft.com/office/drawing/2010/main" w="9525">
+                <a14:hiddenLine xmlns:a14="http://schemas.microsoft.com/office/drawing/2010/main" xmlns="" w="9525">
                   <a:solidFill>
                     <a:srgbClr val="000000"/>
                   </a:solidFill>
@@ -1902,7 +1902,7 @@
             </a:ln>
             <a:extLst>
               <a:ext uri="{91240B29-F687-4f45-9708-019B960494DF}">
-                <a14:hiddenLine xmlns="" xmlns:a14="http://schemas.microsoft.com/office/drawing/2010/main" w="9525">
+                <a14:hiddenLine xmlns:a14="http://schemas.microsoft.com/office/drawing/2010/main" xmlns="" w="9525">
                   <a:solidFill>
                     <a:srgbClr val="000000"/>
                   </a:solidFill>
@@ -2012,7 +2012,7 @@
             </a:ln>
             <a:extLst>
               <a:ext uri="{91240B29-F687-4f45-9708-019B960494DF}">
-                <a14:hiddenLine xmlns="" xmlns:a14="http://schemas.microsoft.com/office/drawing/2010/main" w="9525">
+                <a14:hiddenLine xmlns:a14="http://schemas.microsoft.com/office/drawing/2010/main" xmlns="" w="9525">
                   <a:solidFill>
                     <a:srgbClr val="000000"/>
                   </a:solidFill>
@@ -2074,7 +2074,7 @@
             </a:ln>
             <a:extLst>
               <a:ext uri="{91240B29-F687-4f45-9708-019B960494DF}">
-                <a14:hiddenLine xmlns="" xmlns:a14="http://schemas.microsoft.com/office/drawing/2010/main" w="9525">
+                <a14:hiddenLine xmlns:a14="http://schemas.microsoft.com/office/drawing/2010/main" xmlns="" w="9525">
                   <a:solidFill>
                     <a:srgbClr val="000000"/>
                   </a:solidFill>
@@ -2164,7 +2164,7 @@
             </a:ln>
             <a:extLst>
               <a:ext uri="{91240B29-F687-4f45-9708-019B960494DF}">
-                <a14:hiddenLine xmlns="" xmlns:a14="http://schemas.microsoft.com/office/drawing/2010/main" w="9525">
+                <a14:hiddenLine xmlns:a14="http://schemas.microsoft.com/office/drawing/2010/main" xmlns="" w="9525">
                   <a:solidFill>
                     <a:srgbClr val="000000"/>
                   </a:solidFill>
@@ -2254,7 +2254,7 @@
             </a:ln>
             <a:extLst>
               <a:ext uri="{91240B29-F687-4f45-9708-019B960494DF}">
-                <a14:hiddenLine xmlns="" xmlns:a14="http://schemas.microsoft.com/office/drawing/2010/main" w="9525">
+                <a14:hiddenLine xmlns:a14="http://schemas.microsoft.com/office/drawing/2010/main" xmlns="" w="9525">
                   <a:solidFill>
                     <a:srgbClr val="000000"/>
                   </a:solidFill>
@@ -2316,7 +2316,7 @@
             </a:ln>
             <a:extLst>
               <a:ext uri="{91240B29-F687-4f45-9708-019B960494DF}">
-                <a14:hiddenLine xmlns="" xmlns:a14="http://schemas.microsoft.com/office/drawing/2010/main" w="9525">
+                <a14:hiddenLine xmlns:a14="http://schemas.microsoft.com/office/drawing/2010/main" xmlns="" w="9525">
                   <a:solidFill>
                     <a:srgbClr val="000000"/>
                   </a:solidFill>
@@ -2406,7 +2406,7 @@
             </a:ln>
             <a:extLst>
               <a:ext uri="{91240B29-F687-4f45-9708-019B960494DF}">
-                <a14:hiddenLine xmlns="" xmlns:a14="http://schemas.microsoft.com/office/drawing/2010/main" w="9525">
+                <a14:hiddenLine xmlns:a14="http://schemas.microsoft.com/office/drawing/2010/main" xmlns="" w="9525">
                   <a:solidFill>
                     <a:srgbClr val="000000"/>
                   </a:solidFill>
@@ -2496,7 +2496,7 @@
             </a:ln>
             <a:extLst>
               <a:ext uri="{91240B29-F687-4f45-9708-019B960494DF}">
-                <a14:hiddenLine xmlns="" xmlns:a14="http://schemas.microsoft.com/office/drawing/2010/main" w="9525">
+                <a14:hiddenLine xmlns:a14="http://schemas.microsoft.com/office/drawing/2010/main" xmlns="" w="9525">
                   <a:solidFill>
                     <a:srgbClr val="000000"/>
                   </a:solidFill>
@@ -2552,7 +2552,7 @@
             </a:ln>
             <a:extLst>
               <a:ext uri="{91240B29-F687-4f45-9708-019B960494DF}">
-                <a14:hiddenLine xmlns="" xmlns:a14="http://schemas.microsoft.com/office/drawing/2010/main" w="9525">
+                <a14:hiddenLine xmlns:a14="http://schemas.microsoft.com/office/drawing/2010/main" xmlns="" w="9525">
                   <a:solidFill>
                     <a:srgbClr val="000000"/>
                   </a:solidFill>
@@ -2642,7 +2642,7 @@
             </a:ln>
             <a:extLst>
               <a:ext uri="{91240B29-F687-4f45-9708-019B960494DF}">
-                <a14:hiddenLine xmlns="" xmlns:a14="http://schemas.microsoft.com/office/drawing/2010/main" w="9525">
+                <a14:hiddenLine xmlns:a14="http://schemas.microsoft.com/office/drawing/2010/main" xmlns="" w="9525">
                   <a:solidFill>
                     <a:srgbClr val="000000"/>
                   </a:solidFill>
@@ -2698,7 +2698,7 @@
             </a:ln>
             <a:extLst>
               <a:ext uri="{91240B29-F687-4f45-9708-019B960494DF}">
-                <a14:hiddenLine xmlns="" xmlns:a14="http://schemas.microsoft.com/office/drawing/2010/main" w="9525">
+                <a14:hiddenLine xmlns:a14="http://schemas.microsoft.com/office/drawing/2010/main" xmlns="" w="9525">
                   <a:solidFill>
                     <a:srgbClr val="000000"/>
                   </a:solidFill>
@@ -2788,7 +2788,7 @@
             </a:ln>
             <a:extLst>
               <a:ext uri="{91240B29-F687-4f45-9708-019B960494DF}">
-                <a14:hiddenLine xmlns="" xmlns:a14="http://schemas.microsoft.com/office/drawing/2010/main" w="9525">
+                <a14:hiddenLine xmlns:a14="http://schemas.microsoft.com/office/drawing/2010/main" xmlns="" w="9525">
                   <a:solidFill>
                     <a:srgbClr val="000000"/>
                   </a:solidFill>
@@ -2856,7 +2856,7 @@
             </a:ln>
             <a:extLst>
               <a:ext uri="{91240B29-F687-4f45-9708-019B960494DF}">
-                <a14:hiddenLine xmlns="" xmlns:a14="http://schemas.microsoft.com/office/drawing/2010/main" w="9525">
+                <a14:hiddenLine xmlns:a14="http://schemas.microsoft.com/office/drawing/2010/main" xmlns="" w="9525">
                   <a:solidFill>
                     <a:srgbClr val="000000"/>
                   </a:solidFill>
@@ -2946,7 +2946,7 @@
             </a:ln>
             <a:extLst>
               <a:ext uri="{91240B29-F687-4f45-9708-019B960494DF}">
-                <a14:hiddenLine xmlns="" xmlns:a14="http://schemas.microsoft.com/office/drawing/2010/main" w="9525">
+                <a14:hiddenLine xmlns:a14="http://schemas.microsoft.com/office/drawing/2010/main" xmlns="" w="9525">
                   <a:solidFill>
                     <a:srgbClr val="000000"/>
                   </a:solidFill>
@@ -3014,7 +3014,7 @@
             </a:ln>
             <a:extLst>
               <a:ext uri="{91240B29-F687-4f45-9708-019B960494DF}">
-                <a14:hiddenLine xmlns="" xmlns:a14="http://schemas.microsoft.com/office/drawing/2010/main" w="9525">
+                <a14:hiddenLine xmlns:a14="http://schemas.microsoft.com/office/drawing/2010/main" xmlns="" w="9525">
                   <a:solidFill>
                     <a:srgbClr val="000000"/>
                   </a:solidFill>
@@ -3104,7 +3104,7 @@
             </a:ln>
             <a:extLst>
               <a:ext uri="{91240B29-F687-4f45-9708-019B960494DF}">
-                <a14:hiddenLine xmlns="" xmlns:a14="http://schemas.microsoft.com/office/drawing/2010/main" w="9525">
+                <a14:hiddenLine xmlns:a14="http://schemas.microsoft.com/office/drawing/2010/main" xmlns="" w="9525">
                   <a:solidFill>
                     <a:srgbClr val="000000"/>
                   </a:solidFill>
@@ -3138,7 +3138,7 @@
             </a:ln>
             <a:extLst>
               <a:ext uri="{91240B29-F687-4f45-9708-019B960494DF}">
-                <a14:hiddenLine xmlns="" xmlns:a14="http://schemas.microsoft.com/office/drawing/2010/main" w="9525">
+                <a14:hiddenLine xmlns:a14="http://schemas.microsoft.com/office/drawing/2010/main" xmlns="" w="9525">
                   <a:solidFill>
                     <a:srgbClr val="000000"/>
                   </a:solidFill>
@@ -3228,7 +3228,7 @@
             </a:ln>
             <a:extLst>
               <a:ext uri="{91240B29-F687-4f45-9708-019B960494DF}">
-                <a14:hiddenLine xmlns="" xmlns:a14="http://schemas.microsoft.com/office/drawing/2010/main" w="9525">
+                <a14:hiddenLine xmlns:a14="http://schemas.microsoft.com/office/drawing/2010/main" xmlns="" w="9525">
                   <a:solidFill>
                     <a:srgbClr val="000000"/>
                   </a:solidFill>
@@ -3290,7 +3290,7 @@
             </a:ln>
             <a:extLst>
               <a:ext uri="{91240B29-F687-4f45-9708-019B960494DF}">
-                <a14:hiddenLine xmlns="" xmlns:a14="http://schemas.microsoft.com/office/drawing/2010/main" w="9525">
+                <a14:hiddenLine xmlns:a14="http://schemas.microsoft.com/office/drawing/2010/main" xmlns="" w="9525">
                   <a:solidFill>
                     <a:srgbClr val="000000"/>
                   </a:solidFill>
@@ -3352,7 +3352,7 @@
             </a:ln>
             <a:extLst>
               <a:ext uri="{91240B29-F687-4f45-9708-019B960494DF}">
-                <a14:hiddenLine xmlns="" xmlns:a14="http://schemas.microsoft.com/office/drawing/2010/main" w="9525">
+                <a14:hiddenLine xmlns:a14="http://schemas.microsoft.com/office/drawing/2010/main" xmlns="" w="9525">
                   <a:solidFill>
                     <a:srgbClr val="000000"/>
                   </a:solidFill>
@@ -3442,7 +3442,7 @@
             </a:ln>
             <a:extLst>
               <a:ext uri="{91240B29-F687-4f45-9708-019B960494DF}">
-                <a14:hiddenLine xmlns="" xmlns:a14="http://schemas.microsoft.com/office/drawing/2010/main" w="9525">
+                <a14:hiddenLine xmlns:a14="http://schemas.microsoft.com/office/drawing/2010/main" xmlns="" w="9525">
                   <a:solidFill>
                     <a:srgbClr val="000000"/>
                   </a:solidFill>
@@ -3510,7 +3510,7 @@
             </a:ln>
             <a:extLst>
               <a:ext uri="{91240B29-F687-4f45-9708-019B960494DF}">
-                <a14:hiddenLine xmlns="" xmlns:a14="http://schemas.microsoft.com/office/drawing/2010/main" w="9525">
+                <a14:hiddenLine xmlns:a14="http://schemas.microsoft.com/office/drawing/2010/main" xmlns="" w="9525">
                   <a:solidFill>
                     <a:srgbClr val="000000"/>
                   </a:solidFill>
@@ -3572,7 +3572,7 @@
             </a:ln>
             <a:extLst>
               <a:ext uri="{91240B29-F687-4f45-9708-019B960494DF}">
-                <a14:hiddenLine xmlns="" xmlns:a14="http://schemas.microsoft.com/office/drawing/2010/main" w="9525">
+                <a14:hiddenLine xmlns:a14="http://schemas.microsoft.com/office/drawing/2010/main" xmlns="" w="9525">
                   <a:solidFill>
                     <a:srgbClr val="000000"/>
                   </a:solidFill>
@@ -3662,7 +3662,7 @@
             </a:ln>
             <a:extLst>
               <a:ext uri="{91240B29-F687-4f45-9708-019B960494DF}">
-                <a14:hiddenLine xmlns="" xmlns:a14="http://schemas.microsoft.com/office/drawing/2010/main" w="9525">
+                <a14:hiddenLine xmlns:a14="http://schemas.microsoft.com/office/drawing/2010/main" xmlns="" w="9525">
                   <a:solidFill>
                     <a:srgbClr val="000000"/>
                   </a:solidFill>
@@ -3724,7 +3724,7 @@
             </a:ln>
             <a:extLst>
               <a:ext uri="{91240B29-F687-4f45-9708-019B960494DF}">
-                <a14:hiddenLine xmlns="" xmlns:a14="http://schemas.microsoft.com/office/drawing/2010/main" w="9525">
+                <a14:hiddenLine xmlns:a14="http://schemas.microsoft.com/office/drawing/2010/main" xmlns="" w="9525">
                   <a:solidFill>
                     <a:srgbClr val="000000"/>
                   </a:solidFill>
@@ -3814,7 +3814,7 @@
             </a:ln>
             <a:extLst>
               <a:ext uri="{91240B29-F687-4f45-9708-019B960494DF}">
-                <a14:hiddenLine xmlns="" xmlns:a14="http://schemas.microsoft.com/office/drawing/2010/main" w="9525">
+                <a14:hiddenLine xmlns:a14="http://schemas.microsoft.com/office/drawing/2010/main" xmlns="" w="9525">
                   <a:solidFill>
                     <a:srgbClr val="000000"/>
                   </a:solidFill>
@@ -3876,7 +3876,7 @@
             </a:ln>
             <a:extLst>
               <a:ext uri="{91240B29-F687-4f45-9708-019B960494DF}">
-                <a14:hiddenLine xmlns="" xmlns:a14="http://schemas.microsoft.com/office/drawing/2010/main" w="9525">
+                <a14:hiddenLine xmlns:a14="http://schemas.microsoft.com/office/drawing/2010/main" xmlns="" w="9525">
                   <a:solidFill>
                     <a:srgbClr val="000000"/>
                   </a:solidFill>
@@ -3966,7 +3966,7 @@
             </a:ln>
             <a:extLst>
               <a:ext uri="{91240B29-F687-4f45-9708-019B960494DF}">
-                <a14:hiddenLine xmlns="" xmlns:a14="http://schemas.microsoft.com/office/drawing/2010/main" w="9525">
+                <a14:hiddenLine xmlns:a14="http://schemas.microsoft.com/office/drawing/2010/main" xmlns="" w="9525">
                   <a:solidFill>
                     <a:srgbClr val="000000"/>
                   </a:solidFill>
@@ -4000,7 +4000,7 @@
             </a:ln>
             <a:extLst>
               <a:ext uri="{91240B29-F687-4f45-9708-019B960494DF}">
-                <a14:hiddenLine xmlns="" xmlns:a14="http://schemas.microsoft.com/office/drawing/2010/main" w="9525">
+                <a14:hiddenLine xmlns:a14="http://schemas.microsoft.com/office/drawing/2010/main" xmlns="" w="9525">
                   <a:solidFill>
                     <a:srgbClr val="000000"/>
                   </a:solidFill>
@@ -4065,7 +4065,7 @@
             </a:ln>
             <a:extLst>
               <a:ext uri="{91240B29-F687-4f45-9708-019B960494DF}">
-                <a14:hiddenLine xmlns="" xmlns:a14="http://schemas.microsoft.com/office/drawing/2010/main" w="9525">
+                <a14:hiddenLine xmlns:a14="http://schemas.microsoft.com/office/drawing/2010/main" xmlns="" w="9525">
                   <a:solidFill>
                     <a:srgbClr val="000000"/>
                   </a:solidFill>
@@ -4155,7 +4155,7 @@
             </a:ln>
             <a:extLst>
               <a:ext uri="{91240B29-F687-4f45-9708-019B960494DF}">
-                <a14:hiddenLine xmlns="" xmlns:a14="http://schemas.microsoft.com/office/drawing/2010/main" w="9525">
+                <a14:hiddenLine xmlns:a14="http://schemas.microsoft.com/office/drawing/2010/main" xmlns="" w="9525">
                   <a:solidFill>
                     <a:srgbClr val="000000"/>
                   </a:solidFill>
@@ -4217,7 +4217,7 @@
             </a:ln>
             <a:extLst>
               <a:ext uri="{91240B29-F687-4f45-9708-019B960494DF}">
-                <a14:hiddenLine xmlns="" xmlns:a14="http://schemas.microsoft.com/office/drawing/2010/main" w="9525">
+                <a14:hiddenLine xmlns:a14="http://schemas.microsoft.com/office/drawing/2010/main" xmlns="" w="9525">
                   <a:solidFill>
                     <a:srgbClr val="000000"/>
                   </a:solidFill>
@@ -4307,7 +4307,7 @@
             </a:ln>
             <a:extLst>
               <a:ext uri="{91240B29-F687-4f45-9708-019B960494DF}">
-                <a14:hiddenLine xmlns="" xmlns:a14="http://schemas.microsoft.com/office/drawing/2010/main" w="9525">
+                <a14:hiddenLine xmlns:a14="http://schemas.microsoft.com/office/drawing/2010/main" xmlns="" w="9525">
                   <a:solidFill>
                     <a:srgbClr val="000000"/>
                   </a:solidFill>
@@ -4397,7 +4397,7 @@
             </a:ln>
             <a:extLst>
               <a:ext uri="{91240B29-F687-4f45-9708-019B960494DF}">
-                <a14:hiddenLine xmlns="" xmlns:a14="http://schemas.microsoft.com/office/drawing/2010/main" w="9525">
+                <a14:hiddenLine xmlns:a14="http://schemas.microsoft.com/office/drawing/2010/main" xmlns="" w="9525">
                   <a:solidFill>
                     <a:srgbClr val="000000"/>
                   </a:solidFill>
@@ -4462,7 +4462,7 @@
             </a:ln>
             <a:extLst>
               <a:ext uri="{91240B29-F687-4f45-9708-019B960494DF}">
-                <a14:hiddenLine xmlns="" xmlns:a14="http://schemas.microsoft.com/office/drawing/2010/main" w="9525">
+                <a14:hiddenLine xmlns:a14="http://schemas.microsoft.com/office/drawing/2010/main" xmlns="" w="9525">
                   <a:solidFill>
                     <a:srgbClr val="000000"/>
                   </a:solidFill>
@@ -4524,7 +4524,7 @@
             </a:ln>
             <a:extLst>
               <a:ext uri="{91240B29-F687-4f45-9708-019B960494DF}">
-                <a14:hiddenLine xmlns="" xmlns:a14="http://schemas.microsoft.com/office/drawing/2010/main" w="9525">
+                <a14:hiddenLine xmlns:a14="http://schemas.microsoft.com/office/drawing/2010/main" xmlns="" w="9525">
                   <a:solidFill>
                     <a:srgbClr val="000000"/>
                   </a:solidFill>
@@ -4614,7 +4614,7 @@
             </a:ln>
             <a:extLst>
               <a:ext uri="{91240B29-F687-4f45-9708-019B960494DF}">
-                <a14:hiddenLine xmlns="" xmlns:a14="http://schemas.microsoft.com/office/drawing/2010/main" w="9525">
+                <a14:hiddenLine xmlns:a14="http://schemas.microsoft.com/office/drawing/2010/main" xmlns="" w="9525">
                   <a:solidFill>
                     <a:srgbClr val="000000"/>
                   </a:solidFill>
@@ -4704,7 +4704,7 @@
             </a:ln>
             <a:extLst>
               <a:ext uri="{91240B29-F687-4f45-9708-019B960494DF}">
-                <a14:hiddenLine xmlns="" xmlns:a14="http://schemas.microsoft.com/office/drawing/2010/main" w="9525">
+                <a14:hiddenLine xmlns:a14="http://schemas.microsoft.com/office/drawing/2010/main" xmlns="" w="9525">
                   <a:solidFill>
                     <a:srgbClr val="000000"/>
                   </a:solidFill>
@@ -4766,7 +4766,7 @@
             </a:ln>
             <a:extLst>
               <a:ext uri="{91240B29-F687-4f45-9708-019B960494DF}">
-                <a14:hiddenLine xmlns="" xmlns:a14="http://schemas.microsoft.com/office/drawing/2010/main" w="9525">
+                <a14:hiddenLine xmlns:a14="http://schemas.microsoft.com/office/drawing/2010/main" xmlns="" w="9525">
                   <a:solidFill>
                     <a:srgbClr val="000000"/>
                   </a:solidFill>
@@ -4886,7 +4886,7 @@
             </a:ln>
             <a:extLst>
               <a:ext uri="{91240B29-F687-4f45-9708-019B960494DF}">
-                <a14:hiddenLine xmlns="" xmlns:a14="http://schemas.microsoft.com/office/drawing/2010/main" w="9525">
+                <a14:hiddenLine xmlns:a14="http://schemas.microsoft.com/office/drawing/2010/main" xmlns="" w="9525">
                   <a:solidFill>
                     <a:srgbClr val="000000"/>
                   </a:solidFill>
@@ -4954,7 +4954,7 @@
             </a:ln>
             <a:extLst>
               <a:ext uri="{91240B29-F687-4f45-9708-019B960494DF}">
-                <a14:hiddenLine xmlns="" xmlns:a14="http://schemas.microsoft.com/office/drawing/2010/main" w="9525">
+                <a14:hiddenLine xmlns:a14="http://schemas.microsoft.com/office/drawing/2010/main" xmlns="" w="9525">
                   <a:solidFill>
                     <a:srgbClr val="000000"/>
                   </a:solidFill>
@@ -5044,7 +5044,7 @@
             </a:ln>
             <a:extLst>
               <a:ext uri="{91240B29-F687-4f45-9708-019B960494DF}">
-                <a14:hiddenLine xmlns="" xmlns:a14="http://schemas.microsoft.com/office/drawing/2010/main" w="9525">
+                <a14:hiddenLine xmlns:a14="http://schemas.microsoft.com/office/drawing/2010/main" xmlns="" w="9525">
                   <a:solidFill>
                     <a:srgbClr val="000000"/>
                   </a:solidFill>
@@ -9766,7 +9766,7 @@
           <a:noFill/>
           <a:extLst>
             <a:ext uri="{909E8E84-426E-40dd-AFC4-6F175D3DCCD1}">
-              <a14:hiddenFill xmlns="" xmlns:a14="http://schemas.microsoft.com/office/drawing/2010/main">
+              <a14:hiddenFill xmlns:a14="http://schemas.microsoft.com/office/drawing/2010/main" xmlns="">
                 <a:solidFill>
                   <a:srgbClr val="FFFFFF"/>
                 </a:solidFill>
@@ -9840,7 +9840,7 @@
               </a:ln>
               <a:extLst>
                 <a:ext uri="{91240B29-F687-4f45-9708-019B960494DF}">
-                  <a14:hiddenLine xmlns="" xmlns:a14="http://schemas.microsoft.com/office/drawing/2010/main" w="9525">
+                  <a14:hiddenLine xmlns:a14="http://schemas.microsoft.com/office/drawing/2010/main" xmlns="" w="9525">
                     <a:solidFill>
                       <a:srgbClr val="000000"/>
                     </a:solidFill>
@@ -9930,7 +9930,7 @@
               </a:ln>
               <a:extLst>
                 <a:ext uri="{91240B29-F687-4f45-9708-019B960494DF}">
-                  <a14:hiddenLine xmlns="" xmlns:a14="http://schemas.microsoft.com/office/drawing/2010/main" w="9525">
+                  <a14:hiddenLine xmlns:a14="http://schemas.microsoft.com/office/drawing/2010/main" xmlns="" w="9525">
                     <a:solidFill>
                       <a:srgbClr val="000000"/>
                     </a:solidFill>
@@ -10020,7 +10020,7 @@
               </a:ln>
               <a:extLst>
                 <a:ext uri="{91240B29-F687-4f45-9708-019B960494DF}">
-                  <a14:hiddenLine xmlns="" xmlns:a14="http://schemas.microsoft.com/office/drawing/2010/main" w="9525">
+                  <a14:hiddenLine xmlns:a14="http://schemas.microsoft.com/office/drawing/2010/main" xmlns="" w="9525">
                     <a:solidFill>
                       <a:srgbClr val="000000"/>
                     </a:solidFill>
@@ -10082,7 +10082,7 @@
               </a:ln>
               <a:extLst>
                 <a:ext uri="{91240B29-F687-4f45-9708-019B960494DF}">
-                  <a14:hiddenLine xmlns="" xmlns:a14="http://schemas.microsoft.com/office/drawing/2010/main" w="9525">
+                  <a14:hiddenLine xmlns:a14="http://schemas.microsoft.com/office/drawing/2010/main" xmlns="" w="9525">
                     <a:solidFill>
                       <a:srgbClr val="000000"/>
                     </a:solidFill>
@@ -10172,7 +10172,7 @@
               </a:ln>
               <a:extLst>
                 <a:ext uri="{91240B29-F687-4f45-9708-019B960494DF}">
-                  <a14:hiddenLine xmlns="" xmlns:a14="http://schemas.microsoft.com/office/drawing/2010/main" w="9525">
+                  <a14:hiddenLine xmlns:a14="http://schemas.microsoft.com/office/drawing/2010/main" xmlns="" w="9525">
                     <a:solidFill>
                       <a:srgbClr val="000000"/>
                     </a:solidFill>
@@ -10234,7 +10234,7 @@
               </a:ln>
               <a:extLst>
                 <a:ext uri="{91240B29-F687-4f45-9708-019B960494DF}">
-                  <a14:hiddenLine xmlns="" xmlns:a14="http://schemas.microsoft.com/office/drawing/2010/main" w="9525">
+                  <a14:hiddenLine xmlns:a14="http://schemas.microsoft.com/office/drawing/2010/main" xmlns="" w="9525">
                     <a:solidFill>
                       <a:srgbClr val="000000"/>
                     </a:solidFill>
@@ -10296,7 +10296,7 @@
               </a:ln>
               <a:extLst>
                 <a:ext uri="{91240B29-F687-4f45-9708-019B960494DF}">
-                  <a14:hiddenLine xmlns="" xmlns:a14="http://schemas.microsoft.com/office/drawing/2010/main" w="9525">
+                  <a14:hiddenLine xmlns:a14="http://schemas.microsoft.com/office/drawing/2010/main" xmlns="" w="9525">
                     <a:solidFill>
                       <a:srgbClr val="000000"/>
                     </a:solidFill>
@@ -10386,7 +10386,7 @@
               </a:ln>
               <a:extLst>
                 <a:ext uri="{91240B29-F687-4f45-9708-019B960494DF}">
-                  <a14:hiddenLine xmlns="" xmlns:a14="http://schemas.microsoft.com/office/drawing/2010/main" w="9525">
+                  <a14:hiddenLine xmlns:a14="http://schemas.microsoft.com/office/drawing/2010/main" xmlns="" w="9525">
                     <a:solidFill>
                       <a:srgbClr val="000000"/>
                     </a:solidFill>
@@ -10476,7 +10476,7 @@
               </a:ln>
               <a:extLst>
                 <a:ext uri="{91240B29-F687-4f45-9708-019B960494DF}">
-                  <a14:hiddenLine xmlns="" xmlns:a14="http://schemas.microsoft.com/office/drawing/2010/main" w="9525">
+                  <a14:hiddenLine xmlns:a14="http://schemas.microsoft.com/office/drawing/2010/main" xmlns="" w="9525">
                     <a:solidFill>
                       <a:srgbClr val="000000"/>
                     </a:solidFill>
@@ -10538,7 +10538,7 @@
               </a:ln>
               <a:extLst>
                 <a:ext uri="{91240B29-F687-4f45-9708-019B960494DF}">
-                  <a14:hiddenLine xmlns="" xmlns:a14="http://schemas.microsoft.com/office/drawing/2010/main" w="9525">
+                  <a14:hiddenLine xmlns:a14="http://schemas.microsoft.com/office/drawing/2010/main" xmlns="" w="9525">
                     <a:solidFill>
                       <a:srgbClr val="000000"/>
                     </a:solidFill>
@@ -10648,7 +10648,7 @@
               </a:ln>
               <a:extLst>
                 <a:ext uri="{91240B29-F687-4f45-9708-019B960494DF}">
-                  <a14:hiddenLine xmlns="" xmlns:a14="http://schemas.microsoft.com/office/drawing/2010/main" w="9525">
+                  <a14:hiddenLine xmlns:a14="http://schemas.microsoft.com/office/drawing/2010/main" xmlns="" w="9525">
                     <a:solidFill>
                       <a:srgbClr val="000000"/>
                     </a:solidFill>
@@ -10732,7 +10732,7 @@
               </a:ln>
               <a:extLst>
                 <a:ext uri="{91240B29-F687-4f45-9708-019B960494DF}">
-                  <a14:hiddenLine xmlns="" xmlns:a14="http://schemas.microsoft.com/office/drawing/2010/main" w="9525">
+                  <a14:hiddenLine xmlns:a14="http://schemas.microsoft.com/office/drawing/2010/main" xmlns="" w="9525">
                     <a:solidFill>
                       <a:srgbClr val="000000"/>
                     </a:solidFill>
@@ -10794,7 +10794,7 @@
               </a:ln>
               <a:extLst>
                 <a:ext uri="{91240B29-F687-4f45-9708-019B960494DF}">
-                  <a14:hiddenLine xmlns="" xmlns:a14="http://schemas.microsoft.com/office/drawing/2010/main" w="9525">
+                  <a14:hiddenLine xmlns:a14="http://schemas.microsoft.com/office/drawing/2010/main" xmlns="" w="9525">
                     <a:solidFill>
                       <a:srgbClr val="000000"/>
                     </a:solidFill>
@@ -10856,7 +10856,7 @@
               </a:ln>
               <a:extLst>
                 <a:ext uri="{91240B29-F687-4f45-9708-019B960494DF}">
-                  <a14:hiddenLine xmlns="" xmlns:a14="http://schemas.microsoft.com/office/drawing/2010/main" w="9525">
+                  <a14:hiddenLine xmlns:a14="http://schemas.microsoft.com/office/drawing/2010/main" xmlns="" w="9525">
                     <a:solidFill>
                       <a:srgbClr val="000000"/>
                     </a:solidFill>
@@ -10946,7 +10946,7 @@
               </a:ln>
               <a:extLst>
                 <a:ext uri="{91240B29-F687-4f45-9708-019B960494DF}">
-                  <a14:hiddenLine xmlns="" xmlns:a14="http://schemas.microsoft.com/office/drawing/2010/main" w="9525">
+                  <a14:hiddenLine xmlns:a14="http://schemas.microsoft.com/office/drawing/2010/main" xmlns="" w="9525">
                     <a:solidFill>
                       <a:srgbClr val="000000"/>
                     </a:solidFill>
@@ -10980,7 +10980,7 @@
               </a:ln>
               <a:extLst>
                 <a:ext uri="{91240B29-F687-4f45-9708-019B960494DF}">
-                  <a14:hiddenLine xmlns="" xmlns:a14="http://schemas.microsoft.com/office/drawing/2010/main" w="9525">
+                  <a14:hiddenLine xmlns:a14="http://schemas.microsoft.com/office/drawing/2010/main" xmlns="" w="9525">
                     <a:solidFill>
                       <a:srgbClr val="000000"/>
                     </a:solidFill>
@@ -11045,7 +11045,7 @@
               </a:ln>
               <a:extLst>
                 <a:ext uri="{91240B29-F687-4f45-9708-019B960494DF}">
-                  <a14:hiddenLine xmlns="" xmlns:a14="http://schemas.microsoft.com/office/drawing/2010/main" w="9525">
+                  <a14:hiddenLine xmlns:a14="http://schemas.microsoft.com/office/drawing/2010/main" xmlns="" w="9525">
                     <a:solidFill>
                       <a:srgbClr val="000000"/>
                     </a:solidFill>
@@ -11135,7 +11135,7 @@
               </a:ln>
               <a:extLst>
                 <a:ext uri="{91240B29-F687-4f45-9708-019B960494DF}">
-                  <a14:hiddenLine xmlns="" xmlns:a14="http://schemas.microsoft.com/office/drawing/2010/main" w="9525">
+                  <a14:hiddenLine xmlns:a14="http://schemas.microsoft.com/office/drawing/2010/main" xmlns="" w="9525">
                     <a:solidFill>
                       <a:srgbClr val="000000"/>
                     </a:solidFill>
@@ -11197,7 +11197,7 @@
               </a:ln>
               <a:extLst>
                 <a:ext uri="{91240B29-F687-4f45-9708-019B960494DF}">
-                  <a14:hiddenLine xmlns="" xmlns:a14="http://schemas.microsoft.com/office/drawing/2010/main" w="9525">
+                  <a14:hiddenLine xmlns:a14="http://schemas.microsoft.com/office/drawing/2010/main" xmlns="" w="9525">
                     <a:solidFill>
                       <a:srgbClr val="000000"/>
                     </a:solidFill>
@@ -11287,7 +11287,7 @@
               </a:ln>
               <a:extLst>
                 <a:ext uri="{91240B29-F687-4f45-9708-019B960494DF}">
-                  <a14:hiddenLine xmlns="" xmlns:a14="http://schemas.microsoft.com/office/drawing/2010/main" w="9525">
+                  <a14:hiddenLine xmlns:a14="http://schemas.microsoft.com/office/drawing/2010/main" xmlns="" w="9525">
                     <a:solidFill>
                       <a:srgbClr val="000000"/>
                     </a:solidFill>
@@ -11352,7 +11352,7 @@
               </a:ln>
               <a:extLst>
                 <a:ext uri="{91240B29-F687-4f45-9708-019B960494DF}">
-                  <a14:hiddenLine xmlns="" xmlns:a14="http://schemas.microsoft.com/office/drawing/2010/main" w="9525">
+                  <a14:hiddenLine xmlns:a14="http://schemas.microsoft.com/office/drawing/2010/main" xmlns="" w="9525">
                     <a:solidFill>
                       <a:srgbClr val="000000"/>
                     </a:solidFill>
@@ -11414,7 +11414,7 @@
               </a:ln>
               <a:extLst>
                 <a:ext uri="{91240B29-F687-4f45-9708-019B960494DF}">
-                  <a14:hiddenLine xmlns="" xmlns:a14="http://schemas.microsoft.com/office/drawing/2010/main" w="9525">
+                  <a14:hiddenLine xmlns:a14="http://schemas.microsoft.com/office/drawing/2010/main" xmlns="" w="9525">
                     <a:solidFill>
                       <a:srgbClr val="000000"/>
                     </a:solidFill>
@@ -11504,7 +11504,7 @@
               </a:ln>
               <a:extLst>
                 <a:ext uri="{91240B29-F687-4f45-9708-019B960494DF}">
-                  <a14:hiddenLine xmlns="" xmlns:a14="http://schemas.microsoft.com/office/drawing/2010/main" w="9525">
+                  <a14:hiddenLine xmlns:a14="http://schemas.microsoft.com/office/drawing/2010/main" xmlns="" w="9525">
                     <a:solidFill>
                       <a:srgbClr val="000000"/>
                     </a:solidFill>
@@ -11594,7 +11594,7 @@
               </a:ln>
               <a:extLst>
                 <a:ext uri="{91240B29-F687-4f45-9708-019B960494DF}">
-                  <a14:hiddenLine xmlns="" xmlns:a14="http://schemas.microsoft.com/office/drawing/2010/main" w="9525">
+                  <a14:hiddenLine xmlns:a14="http://schemas.microsoft.com/office/drawing/2010/main" xmlns="" w="9525">
                     <a:solidFill>
                       <a:srgbClr val="000000"/>
                     </a:solidFill>
@@ -11659,7 +11659,7 @@
               </a:ln>
               <a:extLst>
                 <a:ext uri="{91240B29-F687-4f45-9708-019B960494DF}">
-                  <a14:hiddenLine xmlns="" xmlns:a14="http://schemas.microsoft.com/office/drawing/2010/main" w="9525">
+                  <a14:hiddenLine xmlns:a14="http://schemas.microsoft.com/office/drawing/2010/main" xmlns="" w="9525">
                     <a:solidFill>
                       <a:srgbClr val="000000"/>
                     </a:solidFill>
@@ -11779,7 +11779,7 @@
               </a:ln>
               <a:extLst>
                 <a:ext uri="{91240B29-F687-4f45-9708-019B960494DF}">
-                  <a14:hiddenLine xmlns="" xmlns:a14="http://schemas.microsoft.com/office/drawing/2010/main" w="9525">
+                  <a14:hiddenLine xmlns:a14="http://schemas.microsoft.com/office/drawing/2010/main" xmlns="" w="9525">
                     <a:solidFill>
                       <a:srgbClr val="000000"/>
                     </a:solidFill>
@@ -11877,7 +11877,7 @@
               </a:ln>
               <a:extLst>
                 <a:ext uri="{91240B29-F687-4f45-9708-019B960494DF}">
-                  <a14:hiddenLine xmlns="" xmlns:a14="http://schemas.microsoft.com/office/drawing/2010/main" w="9525">
+                  <a14:hiddenLine xmlns:a14="http://schemas.microsoft.com/office/drawing/2010/main" xmlns="" w="9525">
                     <a:solidFill>
                       <a:srgbClr val="000000"/>
                     </a:solidFill>
@@ -11992,7 +11992,7 @@
               </a:ln>
               <a:extLst>
                 <a:ext uri="{91240B29-F687-4f45-9708-019B960494DF}">
-                  <a14:hiddenLine xmlns="" xmlns:a14="http://schemas.microsoft.com/office/drawing/2010/main" w="9525">
+                  <a14:hiddenLine xmlns:a14="http://schemas.microsoft.com/office/drawing/2010/main" xmlns="" w="9525">
                     <a:solidFill>
                       <a:srgbClr val="000000"/>
                     </a:solidFill>
@@ -12082,7 +12082,7 @@
               </a:ln>
               <a:extLst>
                 <a:ext uri="{91240B29-F687-4f45-9708-019B960494DF}">
-                  <a14:hiddenLine xmlns="" xmlns:a14="http://schemas.microsoft.com/office/drawing/2010/main" w="9525">
+                  <a14:hiddenLine xmlns:a14="http://schemas.microsoft.com/office/drawing/2010/main" xmlns="" w="9525">
                     <a:solidFill>
                       <a:srgbClr val="000000"/>
                     </a:solidFill>
@@ -12147,7 +12147,7 @@
               </a:ln>
               <a:extLst>
                 <a:ext uri="{91240B29-F687-4f45-9708-019B960494DF}">
-                  <a14:hiddenLine xmlns="" xmlns:a14="http://schemas.microsoft.com/office/drawing/2010/main" w="9525">
+                  <a14:hiddenLine xmlns:a14="http://schemas.microsoft.com/office/drawing/2010/main" xmlns="" w="9525">
                     <a:solidFill>
                       <a:srgbClr val="000000"/>
                     </a:solidFill>
@@ -12237,7 +12237,7 @@
               </a:ln>
               <a:extLst>
                 <a:ext uri="{91240B29-F687-4f45-9708-019B960494DF}">
-                  <a14:hiddenLine xmlns="" xmlns:a14="http://schemas.microsoft.com/office/drawing/2010/main" w="9525">
+                  <a14:hiddenLine xmlns:a14="http://schemas.microsoft.com/office/drawing/2010/main" xmlns="" w="9525">
                     <a:solidFill>
                       <a:srgbClr val="000000"/>
                     </a:solidFill>
@@ -12305,7 +12305,7 @@
               </a:ln>
               <a:extLst>
                 <a:ext uri="{91240B29-F687-4f45-9708-019B960494DF}">
-                  <a14:hiddenLine xmlns="" xmlns:a14="http://schemas.microsoft.com/office/drawing/2010/main" w="9525">
+                  <a14:hiddenLine xmlns:a14="http://schemas.microsoft.com/office/drawing/2010/main" xmlns="" w="9525">
                     <a:solidFill>
                       <a:srgbClr val="000000"/>
                     </a:solidFill>
@@ -12395,7 +12395,7 @@
               </a:ln>
               <a:extLst>
                 <a:ext uri="{91240B29-F687-4f45-9708-019B960494DF}">
-                  <a14:hiddenLine xmlns="" xmlns:a14="http://schemas.microsoft.com/office/drawing/2010/main" w="9525">
+                  <a14:hiddenLine xmlns:a14="http://schemas.microsoft.com/office/drawing/2010/main" xmlns="" w="9525">
                     <a:solidFill>
                       <a:srgbClr val="000000"/>
                     </a:solidFill>
@@ -12463,7 +12463,7 @@
               </a:ln>
               <a:extLst>
                 <a:ext uri="{91240B29-F687-4f45-9708-019B960494DF}">
-                  <a14:hiddenLine xmlns="" xmlns:a14="http://schemas.microsoft.com/office/drawing/2010/main" w="9525">
+                  <a14:hiddenLine xmlns:a14="http://schemas.microsoft.com/office/drawing/2010/main" xmlns="" w="9525">
                     <a:solidFill>
                       <a:srgbClr val="000000"/>
                     </a:solidFill>
@@ -12553,7 +12553,7 @@
               </a:ln>
               <a:extLst>
                 <a:ext uri="{91240B29-F687-4f45-9708-019B960494DF}">
-                  <a14:hiddenLine xmlns="" xmlns:a14="http://schemas.microsoft.com/office/drawing/2010/main" w="9525">
+                  <a14:hiddenLine xmlns:a14="http://schemas.microsoft.com/office/drawing/2010/main" xmlns="" w="9525">
                     <a:solidFill>
                       <a:srgbClr val="000000"/>
                     </a:solidFill>
@@ -12587,7 +12587,7 @@
               </a:ln>
               <a:extLst>
                 <a:ext uri="{91240B29-F687-4f45-9708-019B960494DF}">
-                  <a14:hiddenLine xmlns="" xmlns:a14="http://schemas.microsoft.com/office/drawing/2010/main" w="9525">
+                  <a14:hiddenLine xmlns:a14="http://schemas.microsoft.com/office/drawing/2010/main" xmlns="" w="9525">
                     <a:solidFill>
                       <a:srgbClr val="000000"/>
                     </a:solidFill>
@@ -13205,6 +13205,33 @@
               <a:rPr lang="en-US" dirty="0"/>
               <a:t> deployment applications</a:t>
             </a:r>
+          </a:p>
+          <a:p>
+            <a:r>
+              <a:rPr lang="en-US" dirty="0"/>
+              <a:t>Date: 6/28/2018</a:t>
+            </a:r>
+          </a:p>
+          <a:p>
+            <a:r>
+              <a:rPr lang="en-US" dirty="0"/>
+              <a:t>Jordan </a:t>
+            </a:r>
+            <a:r>
+              <a:rPr lang="en-US" dirty="0" err="1"/>
+              <a:t>ishii</a:t>
+            </a:r>
+            <a:r>
+              <a:rPr lang="en-US"/>
+              <a:t>: jordanishii1@</a:t>
+            </a:r>
+            <a:r>
+              <a:rPr lang="en-US" dirty="0"/>
+              <a:t>gmail.com</a:t>
+            </a:r>
+          </a:p>
+          <a:p>
+            <a:endParaRPr lang="en-US" dirty="0"/>
           </a:p>
         </p:txBody>
       </p:sp>

--- a/Autocoders/doc/Cosmos_Presentation.pptx
+++ b/Autocoders/doc/Cosmos_Presentation.pptx
@@ -688,7 +688,10 @@
           <a:bodyPr/>
           <a:lstStyle/>
           <a:p>
-            <a:endParaRPr lang="en-US" dirty="0"/>
+            <a:r>
+              <a:rPr lang="en-US" dirty="0"/>
+              <a:t>Say that we’ll cover the telemetry viewer and commanding apps later</a:t>
+            </a:r>
           </a:p>
         </p:txBody>
       </p:sp>
@@ -9648,13 +9651,8 @@
             </a:r>
             <a:r>
               <a:rPr lang="en-US" sz="2400" cap="none" dirty="0"/>
-              <a:t> | mid-level: generator, parser | lowest-level: models</a:t>
-            </a:r>
-            <a:r>
-              <a:rPr lang="en-US" sz="2400" cap="none"/>
-              <a:t>, writers</a:t>
-            </a:r>
-            <a:endParaRPr lang="en-US" sz="2400" cap="none" dirty="0"/>
+              <a:t> | mid-level: generator, parser | lowest-level: models, writers</a:t>
+            </a:r>
           </a:p>
         </p:txBody>
       </p:sp>
@@ -10118,7 +10116,7 @@
             </a:r>
             <a:r>
               <a:rPr lang="en-US" sz="2400" cap="none" dirty="0"/>
-              <a:t> XML</a:t>
+              <a:t> Topology XML</a:t>
             </a:r>
           </a:p>
           <a:p>
@@ -10283,12 +10281,6 @@
             <a:r>
               <a:rPr lang="en-US" sz="2000" cap="none" dirty="0"/>
               <a:t>Data viewer app for monitoring EVR’s</a:t>
-            </a:r>
-          </a:p>
-          <a:p>
-            <a:r>
-              <a:rPr lang="en-US" sz="2400" cap="none" dirty="0"/>
-              <a:t>Support for commanding</a:t>
             </a:r>
           </a:p>
         </p:txBody>
@@ -11135,13 +11127,43 @@
           <a:p>
             <a:r>
               <a:rPr lang="en-US" sz="2400" cap="none" dirty="0"/>
-              <a:t>Command and telemetry server application communicates with the other applications via JSON messaging</a:t>
-            </a:r>
-          </a:p>
-          <a:p>
-            <a:r>
-              <a:rPr lang="en-US" sz="2400" cap="none" dirty="0"/>
-              <a:t>New apps can be built using COSMOS API and JSON communication</a:t>
+              <a:t>Other utility applications:</a:t>
+            </a:r>
+          </a:p>
+          <a:p>
+            <a:pPr lvl="1"/>
+            <a:r>
+              <a:rPr lang="en-US" sz="2000" cap="none" dirty="0"/>
+              <a:t>Binary file reader (Telemetry Extractor, Table Manager)</a:t>
+            </a:r>
+          </a:p>
+          <a:p>
+            <a:pPr lvl="1"/>
+            <a:r>
+              <a:rPr lang="en-US" sz="2000" cap="none" dirty="0"/>
+              <a:t>Script runner, Test runner</a:t>
+            </a:r>
+          </a:p>
+          <a:p>
+            <a:pPr lvl="1"/>
+            <a:r>
+              <a:rPr lang="en-US" sz="2000" cap="none" dirty="0"/>
+              <a:t>Text editor for config files with documentation and syntax completion (Config Editor)</a:t>
+            </a:r>
+          </a:p>
+          <a:p>
+            <a:pPr lvl="1"/>
+            <a:r>
+              <a:rPr lang="en-US" sz="2000" cap="none" dirty="0"/>
+              <a:t>Long term trending database on top of </a:t>
+            </a:r>
+            <a:r>
+              <a:rPr lang="en-US" sz="2000" cap="none" dirty="0" err="1"/>
+              <a:t>PostgreSql</a:t>
+            </a:r>
+            <a:r>
+              <a:rPr lang="en-US" sz="2000" cap="none" dirty="0"/>
+              <a:t> database integrated within all viewer apps to simulate certain time ranges (DART)</a:t>
             </a:r>
           </a:p>
         </p:txBody>

--- a/Autocoders/doc/Cosmos_Presentation.pptx
+++ b/Autocoders/doc/Cosmos_Presentation.pptx
@@ -9637,20 +9637,27 @@
             </a:r>
             <a:r>
               <a:rPr lang="en-US" sz="2400" cap="none" dirty="0"/>
-              <a:t> creates config files in a variable directory path, can remove targets after they are created</a:t>
-            </a:r>
-          </a:p>
-          <a:p>
-            <a:r>
-              <a:rPr lang="en-US" sz="2400" cap="none" dirty="0"/>
+              <a:t> generates config files</a:t>
+            </a:r>
+          </a:p>
+          <a:p>
+            <a:pPr lvl="1"/>
+            <a:r>
+              <a:rPr lang="en-US" sz="2200" cap="none" dirty="0"/>
+              <a:t>Certain files optionally edited </a:t>
+            </a:r>
+          </a:p>
+          <a:p>
+            <a:r>
+              <a:rPr lang="en-US" sz="2600" cap="none" dirty="0"/>
               <a:t>Structure of tool -&gt; highest-level: </a:t>
             </a:r>
             <a:r>
-              <a:rPr lang="en-US" sz="2400" cap="none" dirty="0" err="1"/>
+              <a:rPr lang="en-US" sz="2600" cap="none" dirty="0" err="1"/>
               <a:t>cosmosgen</a:t>
             </a:r>
             <a:r>
-              <a:rPr lang="en-US" sz="2400" cap="none" dirty="0"/>
+              <a:rPr lang="en-US" sz="2600" cap="none" dirty="0"/>
               <a:t> | mid-level: generator, parser | lowest-level: models, writers</a:t>
             </a:r>
           </a:p>
@@ -9918,8 +9925,8 @@
         </p:nvSpPr>
         <p:spPr>
           <a:xfrm>
-            <a:off x="994874" y="1053733"/>
-            <a:ext cx="9905999" cy="5405681"/>
+            <a:off x="571128" y="1076036"/>
+            <a:ext cx="10580092" cy="5570091"/>
           </a:xfrm>
         </p:spPr>
         <p:txBody>
@@ -9929,30 +9936,53 @@
           <a:lstStyle/>
           <a:p>
             <a:r>
-              <a:rPr lang="en-US" sz="2400" cap="none" dirty="0"/>
+              <a:rPr lang="en-US" sz="2800" cap="none" dirty="0"/>
               <a:t>COSMOS – open source system to interface embedded system commanding and telemetry-monitoring</a:t>
             </a:r>
           </a:p>
           <a:p>
             <a:r>
-              <a:rPr lang="en-US" sz="2400" cap="none" dirty="0"/>
-              <a:t>Built-in tools to send commands, receive and display EVR and channel telemetry</a:t>
-            </a:r>
-          </a:p>
-          <a:p>
-            <a:r>
-              <a:rPr lang="en-US" sz="2400" cap="none" dirty="0"/>
-              <a:t>Interface, tools configured via text files and customized with Ruby scripts, Ruby API, and JSON communication</a:t>
-            </a:r>
-          </a:p>
-          <a:p>
-            <a:r>
-              <a:rPr lang="en-US" sz="2400" cap="none" dirty="0" err="1"/>
+              <a:rPr lang="en-US" sz="2800" cap="none" dirty="0"/>
+              <a:t>Built-in tools to send commands, receive and display telemetry</a:t>
+            </a:r>
+          </a:p>
+          <a:p>
+            <a:r>
+              <a:rPr lang="en-US" sz="2800" cap="none" dirty="0"/>
+              <a:t>COSMOS configured and customized via text files</a:t>
+            </a:r>
+          </a:p>
+          <a:p>
+            <a:pPr lvl="1"/>
+            <a:r>
+              <a:rPr lang="en-US" sz="2800" cap="none" dirty="0"/>
+              <a:t>Some optional Ruby API code maybe needed</a:t>
+            </a:r>
+          </a:p>
+          <a:p>
+            <a:r>
+              <a:rPr lang="en-US" sz="2800" cap="none" dirty="0" err="1"/>
               <a:t>cosmosgen.py</a:t>
             </a:r>
             <a:r>
-              <a:rPr lang="en-US" sz="2400" cap="none" dirty="0"/>
-              <a:t> generator tool uses Topology XML files to create the necessary config files to add a deployment’s command and telemetry data to COSMOS</a:t>
+              <a:rPr lang="en-US" sz="2800" cap="none" dirty="0"/>
+              <a:t> generator tool uses </a:t>
+            </a:r>
+            <a:r>
+              <a:rPr lang="en-US" sz="2800" cap="none" dirty="0" err="1"/>
+              <a:t>Fprime</a:t>
+            </a:r>
+            <a:r>
+              <a:rPr lang="en-US" sz="2800" cap="none" dirty="0"/>
+              <a:t> topology XML to create the necessary configuration files for COSMOS to handle </a:t>
+            </a:r>
+            <a:r>
+              <a:rPr lang="en-US" sz="2800" cap="none" dirty="0" err="1"/>
+              <a:t>Fprime</a:t>
+            </a:r>
+            <a:r>
+              <a:rPr lang="en-US" sz="2800" cap="none" dirty="0"/>
+              <a:t> command and telemetry data</a:t>
             </a:r>
           </a:p>
         </p:txBody>
@@ -10090,15 +10120,7 @@
             </a:r>
             <a:r>
               <a:rPr lang="en-US" sz="2400" cap="none" dirty="0"/>
-              <a:t> GSE (</a:t>
-            </a:r>
-            <a:r>
-              <a:rPr lang="en-US" sz="2400" cap="none" dirty="0" err="1"/>
-              <a:t>a.ka</a:t>
-            </a:r>
-            <a:r>
-              <a:rPr lang="en-US" sz="2400" cap="none" dirty="0"/>
-              <a:t>. GDS)</a:t>
+              <a:t> GSE (a.k.a. GDS)</a:t>
             </a:r>
           </a:p>
           <a:p>
@@ -10130,7 +10152,21 @@
             <a:pPr lvl="1"/>
             <a:r>
               <a:rPr lang="en-US" sz="2000" cap="none" dirty="0"/>
-              <a:t>Variable length command arguments not supported (i.e. strings, etc.) – A COSMOS issue </a:t>
+              <a:t>Variable length command arguments not supported (i.e. strings, etc.) – A COSMOS issue</a:t>
+            </a:r>
+          </a:p>
+          <a:p>
+            <a:pPr lvl="1"/>
+            <a:r>
+              <a:rPr lang="en-US" sz="2000" cap="none" dirty="0"/>
+              <a:t>Not yet supporting complex serializable telemetry channels (this is coming)</a:t>
+            </a:r>
+          </a:p>
+          <a:p>
+            <a:pPr lvl="1"/>
+            <a:r>
+              <a:rPr lang="en-US" sz="2000" cap="none" dirty="0"/>
+              <a:t>Not yet tested on a Linux platform but should work </a:t>
             </a:r>
           </a:p>
           <a:p>
@@ -10264,9 +10300,31 @@
             </a:r>
           </a:p>
           <a:p>
+            <a:pPr lvl="1"/>
+            <a:r>
+              <a:rPr lang="en-US" sz="2200" cap="none" dirty="0"/>
+              <a:t>REF_INT shown is the </a:t>
+            </a:r>
+            <a:r>
+              <a:rPr lang="en-US" sz="2200" cap="none" dirty="0" err="1"/>
+              <a:t>Fprime</a:t>
+            </a:r>
+            <a:r>
+              <a:rPr lang="en-US" sz="2200" cap="none" dirty="0"/>
+              <a:t> Ref app</a:t>
+            </a:r>
+          </a:p>
+          <a:p>
             <a:r>
               <a:rPr lang="en-US" sz="2400" cap="none" dirty="0"/>
-              <a:t>Support EVR’s and channels, but no difference inside of COSMOS – both generalized as telemetry</a:t>
+              <a:t>Support EVR’s and channels</a:t>
+            </a:r>
+          </a:p>
+          <a:p>
+            <a:pPr lvl="1"/>
+            <a:r>
+              <a:rPr lang="en-US" sz="2200" cap="none" dirty="0"/>
+              <a:t>Both generalized telemetry within COSMOS</a:t>
             </a:r>
           </a:p>
           <a:p>
@@ -12686,8 +12744,8 @@
         </p:nvSpPr>
         <p:spPr>
           <a:xfrm>
-            <a:off x="622797" y="1423798"/>
-            <a:ext cx="10738964" cy="3728232"/>
+            <a:off x="459246" y="1334588"/>
+            <a:ext cx="10738964" cy="5266934"/>
           </a:xfrm>
         </p:spPr>
         <p:txBody>
@@ -12698,35 +12756,47 @@
           <a:p>
             <a:r>
               <a:rPr lang="en-US" sz="2400" cap="none" dirty="0"/>
-              <a:t>COSMOS targets, interfaces, and tools all configured in text files using COSMOS API</a:t>
+              <a:t>COSMOS installed via Ruby’s “gem install” command</a:t>
             </a:r>
           </a:p>
           <a:p>
             <a:r>
               <a:rPr lang="en-US" sz="2400" cap="none" dirty="0"/>
-              <a:t>COSMOS installed via gem install, demo built by command “cosmos demo DIR_NAME”</a:t>
+              <a:t>The default configuration generated by the command “cosmos demo DIR_NAME”</a:t>
             </a:r>
           </a:p>
           <a:p>
             <a:r>
               <a:rPr lang="en-US" sz="2400" cap="none" dirty="0"/>
-              <a:t>Main uses: specifying contents of </a:t>
-            </a:r>
-            <a:r>
-              <a:rPr lang="en-US" sz="2400" cap="none" dirty="0" err="1"/>
-              <a:t>cmd</a:t>
-            </a:r>
-            <a:r>
-              <a:rPr lang="en-US" sz="2400" cap="none" dirty="0"/>
-              <a:t>, </a:t>
-            </a:r>
-            <a:r>
-              <a:rPr lang="en-US" sz="2400" cap="none" dirty="0" err="1"/>
-              <a:t>tlm</a:t>
-            </a:r>
-            <a:r>
-              <a:rPr lang="en-US" sz="2400" cap="none" dirty="0"/>
-              <a:t> packets, creating interface, setting paths for tools to find target configurations</a:t>
+              <a:t>COSMOS has specific configuration text files to adapt it to any embedded target:</a:t>
+            </a:r>
+          </a:p>
+          <a:p>
+            <a:pPr lvl="1"/>
+            <a:r>
+              <a:rPr lang="en-US" sz="2200" cap="none" dirty="0"/>
+              <a:t>Interface/Protocol files</a:t>
+            </a:r>
+          </a:p>
+          <a:p>
+            <a:pPr lvl="1"/>
+            <a:r>
+              <a:rPr lang="en-US" sz="2200" cap="none" dirty="0"/>
+              <a:t>Command packet files</a:t>
+            </a:r>
+          </a:p>
+          <a:p>
+            <a:pPr lvl="1"/>
+            <a:r>
+              <a:rPr lang="en-US" sz="2200" cap="none" dirty="0"/>
+              <a:t>Telemetry (channel, EVR) packet files</a:t>
+            </a:r>
+          </a:p>
+          <a:p>
+            <a:pPr lvl="1"/>
+            <a:r>
+              <a:rPr lang="en-US" sz="2200" cap="none" dirty="0"/>
+              <a:t>Tools configuration files</a:t>
             </a:r>
           </a:p>
         </p:txBody>

--- a/Autocoders/doc/Cosmos_Presentation.pptx
+++ b/Autocoders/doc/Cosmos_Presentation.pptx
@@ -5,7 +5,7 @@
     <p:sldMasterId id="2147483712" r:id="rId1"/>
   </p:sldMasterIdLst>
   <p:notesMasterIdLst>
-    <p:notesMasterId r:id="rId15"/>
+    <p:notesMasterId r:id="rId17"/>
   </p:notesMasterIdLst>
   <p:sldIdLst>
     <p:sldId id="267" r:id="rId2"/>
@@ -16,11 +16,13 @@
     <p:sldId id="268" r:id="rId7"/>
     <p:sldId id="262" r:id="rId8"/>
     <p:sldId id="263" r:id="rId9"/>
-    <p:sldId id="266" r:id="rId10"/>
-    <p:sldId id="260" r:id="rId11"/>
-    <p:sldId id="261" r:id="rId12"/>
-    <p:sldId id="270" r:id="rId13"/>
-    <p:sldId id="265" r:id="rId14"/>
+    <p:sldId id="271" r:id="rId10"/>
+    <p:sldId id="272" r:id="rId11"/>
+    <p:sldId id="266" r:id="rId12"/>
+    <p:sldId id="260" r:id="rId13"/>
+    <p:sldId id="261" r:id="rId14"/>
+    <p:sldId id="270" r:id="rId15"/>
+    <p:sldId id="265" r:id="rId16"/>
   </p:sldIdLst>
   <p:sldSz cx="12192000" cy="6858000"/>
   <p:notesSz cx="6858000" cy="9144000"/>
@@ -560,6 +562,174 @@
 </p:notes>
 </file>
 
+<file path=ppt/notesSlides/notesSlide10.xml><?xml version="1.0" encoding="utf-8"?>
+<p:notes xmlns:a="http://schemas.openxmlformats.org/drawingml/2006/main" xmlns:r="http://schemas.openxmlformats.org/officeDocument/2006/relationships" xmlns:p="http://schemas.openxmlformats.org/presentationml/2006/main">
+  <p:cSld>
+    <p:spTree>
+      <p:nvGrpSpPr>
+        <p:cNvPr id="1" name=""/>
+        <p:cNvGrpSpPr/>
+        <p:nvPr/>
+      </p:nvGrpSpPr>
+      <p:grpSpPr>
+        <a:xfrm>
+          <a:off x="0" y="0"/>
+          <a:ext cx="0" cy="0"/>
+          <a:chOff x="0" y="0"/>
+          <a:chExt cx="0" cy="0"/>
+        </a:xfrm>
+      </p:grpSpPr>
+      <p:sp>
+        <p:nvSpPr>
+          <p:cNvPr id="2" name="Slide Image Placeholder 1"/>
+          <p:cNvSpPr>
+            <a:spLocks noGrp="1" noRot="1" noChangeAspect="1"/>
+          </p:cNvSpPr>
+          <p:nvPr>
+            <p:ph type="sldImg"/>
+          </p:nvPr>
+        </p:nvSpPr>
+        <p:spPr/>
+      </p:sp>
+      <p:sp>
+        <p:nvSpPr>
+          <p:cNvPr id="3" name="Notes Placeholder 2"/>
+          <p:cNvSpPr>
+            <a:spLocks noGrp="1"/>
+          </p:cNvSpPr>
+          <p:nvPr>
+            <p:ph type="body" idx="1"/>
+          </p:nvPr>
+        </p:nvSpPr>
+        <p:spPr/>
+        <p:txBody>
+          <a:bodyPr/>
+          <a:lstStyle/>
+          <a:p>
+            <a:endParaRPr lang="en-US" dirty="0"/>
+          </a:p>
+        </p:txBody>
+      </p:sp>
+      <p:sp>
+        <p:nvSpPr>
+          <p:cNvPr id="4" name="Slide Number Placeholder 3"/>
+          <p:cNvSpPr>
+            <a:spLocks noGrp="1"/>
+          </p:cNvSpPr>
+          <p:nvPr>
+            <p:ph type="sldNum" sz="quarter" idx="10"/>
+          </p:nvPr>
+        </p:nvSpPr>
+        <p:spPr/>
+        <p:txBody>
+          <a:bodyPr/>
+          <a:lstStyle/>
+          <a:p>
+            <a:fld id="{FA4625F1-02DA-D947-A864-B629D78D5BA9}" type="slidenum">
+              <a:rPr lang="en-US" smtClean="0"/>
+              <a:t>14</a:t>
+            </a:fld>
+            <a:endParaRPr lang="en-US"/>
+          </a:p>
+        </p:txBody>
+      </p:sp>
+    </p:spTree>
+    <p:extLst>
+      <p:ext uri="{BB962C8B-B14F-4D97-AF65-F5344CB8AC3E}">
+        <p14:creationId xmlns:p14="http://schemas.microsoft.com/office/powerpoint/2010/main" val="1148607223"/>
+      </p:ext>
+    </p:extLst>
+  </p:cSld>
+  <p:clrMapOvr>
+    <a:masterClrMapping/>
+  </p:clrMapOvr>
+</p:notes>
+</file>
+
+<file path=ppt/notesSlides/notesSlide11.xml><?xml version="1.0" encoding="utf-8"?>
+<p:notes xmlns:a="http://schemas.openxmlformats.org/drawingml/2006/main" xmlns:r="http://schemas.openxmlformats.org/officeDocument/2006/relationships" xmlns:p="http://schemas.openxmlformats.org/presentationml/2006/main">
+  <p:cSld>
+    <p:spTree>
+      <p:nvGrpSpPr>
+        <p:cNvPr id="1" name=""/>
+        <p:cNvGrpSpPr/>
+        <p:nvPr/>
+      </p:nvGrpSpPr>
+      <p:grpSpPr>
+        <a:xfrm>
+          <a:off x="0" y="0"/>
+          <a:ext cx="0" cy="0"/>
+          <a:chOff x="0" y="0"/>
+          <a:chExt cx="0" cy="0"/>
+        </a:xfrm>
+      </p:grpSpPr>
+      <p:sp>
+        <p:nvSpPr>
+          <p:cNvPr id="2" name="Slide Image Placeholder 1"/>
+          <p:cNvSpPr>
+            <a:spLocks noGrp="1" noRot="1" noChangeAspect="1"/>
+          </p:cNvSpPr>
+          <p:nvPr>
+            <p:ph type="sldImg"/>
+          </p:nvPr>
+        </p:nvSpPr>
+        <p:spPr/>
+      </p:sp>
+      <p:sp>
+        <p:nvSpPr>
+          <p:cNvPr id="3" name="Notes Placeholder 2"/>
+          <p:cNvSpPr>
+            <a:spLocks noGrp="1"/>
+          </p:cNvSpPr>
+          <p:nvPr>
+            <p:ph type="body" idx="1"/>
+          </p:nvPr>
+        </p:nvSpPr>
+        <p:spPr/>
+        <p:txBody>
+          <a:bodyPr/>
+          <a:lstStyle/>
+          <a:p>
+            <a:endParaRPr lang="en-US" dirty="0"/>
+          </a:p>
+        </p:txBody>
+      </p:sp>
+      <p:sp>
+        <p:nvSpPr>
+          <p:cNvPr id="4" name="Slide Number Placeholder 3"/>
+          <p:cNvSpPr>
+            <a:spLocks noGrp="1"/>
+          </p:cNvSpPr>
+          <p:nvPr>
+            <p:ph type="sldNum" sz="quarter" idx="10"/>
+          </p:nvPr>
+        </p:nvSpPr>
+        <p:spPr/>
+        <p:txBody>
+          <a:bodyPr/>
+          <a:lstStyle/>
+          <a:p>
+            <a:fld id="{FA4625F1-02DA-D947-A864-B629D78D5BA9}" type="slidenum">
+              <a:rPr lang="en-US" smtClean="0"/>
+              <a:t>15</a:t>
+            </a:fld>
+            <a:endParaRPr lang="en-US"/>
+          </a:p>
+        </p:txBody>
+      </p:sp>
+    </p:spTree>
+    <p:extLst>
+      <p:ext uri="{BB962C8B-B14F-4D97-AF65-F5344CB8AC3E}">
+        <p14:creationId xmlns:p14="http://schemas.microsoft.com/office/powerpoint/2010/main" val="3854515242"/>
+      </p:ext>
+    </p:extLst>
+  </p:cSld>
+  <p:clrMapOvr>
+    <a:masterClrMapping/>
+  </p:clrMapOvr>
+</p:notes>
+</file>
+
 <file path=ppt/notesSlides/notesSlide2.xml><?xml version="1.0" encoding="utf-8"?>
 <p:notes xmlns:a="http://schemas.openxmlformats.org/drawingml/2006/main" xmlns:r="http://schemas.openxmlformats.org/officeDocument/2006/relationships" xmlns:p="http://schemas.openxmlformats.org/presentationml/2006/main">
   <p:cSld>
@@ -973,7 +1143,7 @@
     </p:spTree>
     <p:extLst>
       <p:ext uri="{BB962C8B-B14F-4D97-AF65-F5344CB8AC3E}">
-        <p14:creationId xmlns:p14="http://schemas.microsoft.com/office/powerpoint/2010/main" val="3551905920"/>
+        <p14:creationId xmlns:p14="http://schemas.microsoft.com/office/powerpoint/2010/main" val="1859001778"/>
       </p:ext>
     </p:extLst>
   </p:cSld>
@@ -1057,7 +1227,7 @@
     </p:spTree>
     <p:extLst>
       <p:ext uri="{BB962C8B-B14F-4D97-AF65-F5344CB8AC3E}">
-        <p14:creationId xmlns:p14="http://schemas.microsoft.com/office/powerpoint/2010/main" val="3104876400"/>
+        <p14:creationId xmlns:p14="http://schemas.microsoft.com/office/powerpoint/2010/main" val="584414764"/>
       </p:ext>
     </p:extLst>
   </p:cSld>
@@ -1132,7 +1302,7 @@
           <a:p>
             <a:fld id="{FA4625F1-02DA-D947-A864-B629D78D5BA9}" type="slidenum">
               <a:rPr lang="en-US" smtClean="0"/>
-              <a:t>12</a:t>
+              <a:t>11</a:t>
             </a:fld>
             <a:endParaRPr lang="en-US"/>
           </a:p>
@@ -1141,7 +1311,7 @@
     </p:spTree>
     <p:extLst>
       <p:ext uri="{BB962C8B-B14F-4D97-AF65-F5344CB8AC3E}">
-        <p14:creationId xmlns:p14="http://schemas.microsoft.com/office/powerpoint/2010/main" val="1148607223"/>
+        <p14:creationId xmlns:p14="http://schemas.microsoft.com/office/powerpoint/2010/main" val="2691880284"/>
       </p:ext>
     </p:extLst>
   </p:cSld>
@@ -1216,7 +1386,7 @@
           <a:p>
             <a:fld id="{FA4625F1-02DA-D947-A864-B629D78D5BA9}" type="slidenum">
               <a:rPr lang="en-US" smtClean="0"/>
-              <a:t>13</a:t>
+              <a:t>12</a:t>
             </a:fld>
             <a:endParaRPr lang="en-US"/>
           </a:p>
@@ -1225,7 +1395,7 @@
     </p:spTree>
     <p:extLst>
       <p:ext uri="{BB962C8B-B14F-4D97-AF65-F5344CB8AC3E}">
-        <p14:creationId xmlns:p14="http://schemas.microsoft.com/office/powerpoint/2010/main" val="3854515242"/>
+        <p14:creationId xmlns:p14="http://schemas.microsoft.com/office/powerpoint/2010/main" val="3104876400"/>
       </p:ext>
     </p:extLst>
   </p:cSld>
@@ -8063,6 +8233,4117 @@
           <p:cNvPr id="2" name="Title 1">
             <a:extLst>
               <a:ext uri="{FF2B5EF4-FFF2-40B4-BE49-F238E27FC236}">
+                <a16:creationId xmlns:a16="http://schemas.microsoft.com/office/drawing/2014/main" id="{3AB2A1BC-A8F7-B94A-9D56-1AC480D954A8}"/>
+              </a:ext>
+            </a:extLst>
+          </p:cNvPr>
+          <p:cNvSpPr>
+            <a:spLocks noGrp="1"/>
+          </p:cNvSpPr>
+          <p:nvPr>
+            <p:ph type="title"/>
+          </p:nvPr>
+        </p:nvSpPr>
+        <p:spPr>
+          <a:xfrm>
+            <a:off x="912185" y="118096"/>
+            <a:ext cx="10364451" cy="1596177"/>
+          </a:xfrm>
+        </p:spPr>
+        <p:txBody>
+          <a:bodyPr/>
+          <a:lstStyle/>
+          <a:p>
+            <a:r>
+              <a:rPr lang="en-US" dirty="0"/>
+              <a:t>Configuration cont.</a:t>
+            </a:r>
+          </a:p>
+        </p:txBody>
+      </p:sp>
+      <p:pic>
+        <p:nvPicPr>
+          <p:cNvPr id="8" name="Picture 7">
+            <a:extLst>
+              <a:ext uri="{FF2B5EF4-FFF2-40B4-BE49-F238E27FC236}">
+                <a16:creationId xmlns:a16="http://schemas.microsoft.com/office/drawing/2014/main" id="{D74B8B45-CC44-7541-9825-6A2DC506DD0B}"/>
+              </a:ext>
+            </a:extLst>
+          </p:cNvPr>
+          <p:cNvPicPr>
+            <a:picLocks noChangeAspect="1"/>
+          </p:cNvPicPr>
+          <p:nvPr/>
+        </p:nvPicPr>
+        <p:blipFill>
+          <a:blip r:embed="rId3"/>
+          <a:stretch>
+            <a:fillRect/>
+          </a:stretch>
+        </p:blipFill>
+        <p:spPr>
+          <a:xfrm>
+            <a:off x="2606513" y="1714273"/>
+            <a:ext cx="6975794" cy="4565199"/>
+          </a:xfrm>
+          <a:prstGeom prst="rect">
+            <a:avLst/>
+          </a:prstGeom>
+          <a:ln>
+            <a:solidFill>
+              <a:schemeClr val="tx1"/>
+            </a:solidFill>
+          </a:ln>
+        </p:spPr>
+      </p:pic>
+      <p:sp>
+        <p:nvSpPr>
+          <p:cNvPr id="10" name="TextBox 9">
+            <a:extLst>
+              <a:ext uri="{FF2B5EF4-FFF2-40B4-BE49-F238E27FC236}">
+                <a16:creationId xmlns:a16="http://schemas.microsoft.com/office/drawing/2014/main" id="{EEB86CDB-DD3B-DB46-888C-5A459BFDC08B}"/>
+              </a:ext>
+            </a:extLst>
+          </p:cNvPr>
+          <p:cNvSpPr txBox="1"/>
+          <p:nvPr/>
+        </p:nvSpPr>
+        <p:spPr>
+          <a:xfrm>
+            <a:off x="6229507" y="6279472"/>
+            <a:ext cx="3352800" cy="400110"/>
+          </a:xfrm>
+          <a:prstGeom prst="rect">
+            <a:avLst/>
+          </a:prstGeom>
+          <a:noFill/>
+        </p:spPr>
+        <p:txBody>
+          <a:bodyPr wrap="square" rtlCol="0">
+            <a:spAutoFit/>
+          </a:bodyPr>
+          <a:lstStyle/>
+          <a:p>
+            <a:pPr algn="ctr"/>
+            <a:r>
+              <a:rPr lang="en-US" sz="2000" dirty="0"/>
+              <a:t>Channel Screen Display Config</a:t>
+            </a:r>
+          </a:p>
+        </p:txBody>
+      </p:sp>
+      <p:cxnSp>
+        <p:nvCxnSpPr>
+          <p:cNvPr id="11" name="Straight Arrow Connector 10">
+            <a:extLst>
+              <a:ext uri="{FF2B5EF4-FFF2-40B4-BE49-F238E27FC236}">
+                <a16:creationId xmlns:a16="http://schemas.microsoft.com/office/drawing/2014/main" id="{C54EFF07-23E5-7F49-BA8B-B6611D7BC0A0}"/>
+              </a:ext>
+            </a:extLst>
+          </p:cNvPr>
+          <p:cNvCxnSpPr>
+            <a:cxnSpLocks/>
+            <a:stCxn id="13" idx="3"/>
+          </p:cNvCxnSpPr>
+          <p:nvPr/>
+        </p:nvCxnSpPr>
+        <p:spPr>
+          <a:xfrm flipV="1">
+            <a:off x="1788718" y="2489201"/>
+            <a:ext cx="954482" cy="317499"/>
+          </a:xfrm>
+          <a:prstGeom prst="straightConnector1">
+            <a:avLst/>
+          </a:prstGeom>
+          <a:ln w="57150">
+            <a:tailEnd type="triangle"/>
+          </a:ln>
+        </p:spPr>
+        <p:style>
+          <a:lnRef idx="1">
+            <a:schemeClr val="accent1"/>
+          </a:lnRef>
+          <a:fillRef idx="0">
+            <a:schemeClr val="accent1"/>
+          </a:fillRef>
+          <a:effectRef idx="0">
+            <a:schemeClr val="accent1"/>
+          </a:effectRef>
+          <a:fontRef idx="minor">
+            <a:schemeClr val="tx1"/>
+          </a:fontRef>
+        </p:style>
+      </p:cxnSp>
+      <p:sp>
+        <p:nvSpPr>
+          <p:cNvPr id="13" name="TextBox 12">
+            <a:extLst>
+              <a:ext uri="{FF2B5EF4-FFF2-40B4-BE49-F238E27FC236}">
+                <a16:creationId xmlns:a16="http://schemas.microsoft.com/office/drawing/2014/main" id="{549172D0-6238-E144-AB76-462A8AAE5FFD}"/>
+              </a:ext>
+            </a:extLst>
+          </p:cNvPr>
+          <p:cNvSpPr txBox="1"/>
+          <p:nvPr/>
+        </p:nvSpPr>
+        <p:spPr>
+          <a:xfrm>
+            <a:off x="378551" y="1914148"/>
+            <a:ext cx="1410167" cy="1785104"/>
+          </a:xfrm>
+          <a:prstGeom prst="rect">
+            <a:avLst/>
+          </a:prstGeom>
+        </p:spPr>
+        <p:style>
+          <a:lnRef idx="2">
+            <a:schemeClr val="dk1"/>
+          </a:lnRef>
+          <a:fillRef idx="1">
+            <a:schemeClr val="lt1"/>
+          </a:fillRef>
+          <a:effectRef idx="0">
+            <a:schemeClr val="dk1"/>
+          </a:effectRef>
+          <a:fontRef idx="minor">
+            <a:schemeClr val="dk1"/>
+          </a:fontRef>
+        </p:style>
+        <p:txBody>
+          <a:bodyPr wrap="square" rtlCol="0">
+            <a:spAutoFit/>
+          </a:bodyPr>
+          <a:lstStyle/>
+          <a:p>
+            <a:r>
+              <a:rPr lang="en-US" sz="2200" dirty="0"/>
+              <a:t>Settings change color and size of screen</a:t>
+            </a:r>
+          </a:p>
+        </p:txBody>
+      </p:sp>
+      <p:cxnSp>
+        <p:nvCxnSpPr>
+          <p:cNvPr id="14" name="Straight Arrow Connector 13">
+            <a:extLst>
+              <a:ext uri="{FF2B5EF4-FFF2-40B4-BE49-F238E27FC236}">
+                <a16:creationId xmlns:a16="http://schemas.microsoft.com/office/drawing/2014/main" id="{39C085CE-AD32-CD48-AF9A-2F4BC5A3819D}"/>
+              </a:ext>
+            </a:extLst>
+          </p:cNvPr>
+          <p:cNvCxnSpPr>
+            <a:cxnSpLocks/>
+            <a:stCxn id="15" idx="1"/>
+          </p:cNvCxnSpPr>
+          <p:nvPr/>
+        </p:nvCxnSpPr>
+        <p:spPr>
+          <a:xfrm flipH="1">
+            <a:off x="4559300" y="2606825"/>
+            <a:ext cx="5135718" cy="215444"/>
+          </a:xfrm>
+          <a:prstGeom prst="straightConnector1">
+            <a:avLst/>
+          </a:prstGeom>
+          <a:ln w="57150">
+            <a:tailEnd type="triangle"/>
+          </a:ln>
+        </p:spPr>
+        <p:style>
+          <a:lnRef idx="1">
+            <a:schemeClr val="accent1"/>
+          </a:lnRef>
+          <a:fillRef idx="0">
+            <a:schemeClr val="accent1"/>
+          </a:fillRef>
+          <a:effectRef idx="0">
+            <a:schemeClr val="accent1"/>
+          </a:effectRef>
+          <a:fontRef idx="minor">
+            <a:schemeClr val="tx1"/>
+          </a:fontRef>
+        </p:style>
+      </p:cxnSp>
+      <p:sp>
+        <p:nvSpPr>
+          <p:cNvPr id="15" name="TextBox 14">
+            <a:extLst>
+              <a:ext uri="{FF2B5EF4-FFF2-40B4-BE49-F238E27FC236}">
+                <a16:creationId xmlns:a16="http://schemas.microsoft.com/office/drawing/2014/main" id="{E23C792E-4C37-2A46-A3ED-D4F1DCA72C7E}"/>
+              </a:ext>
+            </a:extLst>
+          </p:cNvPr>
+          <p:cNvSpPr txBox="1"/>
+          <p:nvPr/>
+        </p:nvSpPr>
+        <p:spPr>
+          <a:xfrm>
+            <a:off x="9695018" y="1714273"/>
+            <a:ext cx="1410167" cy="1785104"/>
+          </a:xfrm>
+          <a:prstGeom prst="rect">
+            <a:avLst/>
+          </a:prstGeom>
+        </p:spPr>
+        <p:style>
+          <a:lnRef idx="2">
+            <a:schemeClr val="dk1"/>
+          </a:lnRef>
+          <a:fillRef idx="1">
+            <a:schemeClr val="lt1"/>
+          </a:fillRef>
+          <a:effectRef idx="0">
+            <a:schemeClr val="dk1"/>
+          </a:effectRef>
+          <a:fontRef idx="minor">
+            <a:schemeClr val="dk1"/>
+          </a:fontRef>
+        </p:style>
+        <p:txBody>
+          <a:bodyPr wrap="square" rtlCol="0">
+            <a:spAutoFit/>
+          </a:bodyPr>
+          <a:lstStyle/>
+          <a:p>
+            <a:r>
+              <a:rPr lang="en-US" sz="2200" dirty="0"/>
+              <a:t>Layouts include Vertical, Horizontal, Matrix</a:t>
+            </a:r>
+          </a:p>
+        </p:txBody>
+      </p:sp>
+      <p:cxnSp>
+        <p:nvCxnSpPr>
+          <p:cNvPr id="16" name="Straight Arrow Connector 15">
+            <a:extLst>
+              <a:ext uri="{FF2B5EF4-FFF2-40B4-BE49-F238E27FC236}">
+                <a16:creationId xmlns:a16="http://schemas.microsoft.com/office/drawing/2014/main" id="{024E1E4C-7535-044C-95F0-6E2A582A5DCB}"/>
+              </a:ext>
+            </a:extLst>
+          </p:cNvPr>
+          <p:cNvCxnSpPr>
+            <a:cxnSpLocks/>
+            <a:stCxn id="17" idx="3"/>
+          </p:cNvCxnSpPr>
+          <p:nvPr/>
+        </p:nvCxnSpPr>
+        <p:spPr>
+          <a:xfrm>
+            <a:off x="1788718" y="5200400"/>
+            <a:ext cx="1233882" cy="158123"/>
+          </a:xfrm>
+          <a:prstGeom prst="straightConnector1">
+            <a:avLst/>
+          </a:prstGeom>
+          <a:ln w="57150">
+            <a:tailEnd type="triangle"/>
+          </a:ln>
+        </p:spPr>
+        <p:style>
+          <a:lnRef idx="1">
+            <a:schemeClr val="accent1"/>
+          </a:lnRef>
+          <a:fillRef idx="0">
+            <a:schemeClr val="accent1"/>
+          </a:fillRef>
+          <a:effectRef idx="0">
+            <a:schemeClr val="accent1"/>
+          </a:effectRef>
+          <a:fontRef idx="minor">
+            <a:schemeClr val="tx1"/>
+          </a:fontRef>
+        </p:style>
+      </p:cxnSp>
+      <p:sp>
+        <p:nvSpPr>
+          <p:cNvPr id="17" name="TextBox 16">
+            <a:extLst>
+              <a:ext uri="{FF2B5EF4-FFF2-40B4-BE49-F238E27FC236}">
+                <a16:creationId xmlns:a16="http://schemas.microsoft.com/office/drawing/2014/main" id="{26E9DC44-9D15-4D46-9237-762B146DCC53}"/>
+              </a:ext>
+            </a:extLst>
+          </p:cNvPr>
+          <p:cNvSpPr txBox="1"/>
+          <p:nvPr/>
+        </p:nvSpPr>
+        <p:spPr>
+          <a:xfrm>
+            <a:off x="378551" y="4138571"/>
+            <a:ext cx="1410167" cy="2123658"/>
+          </a:xfrm>
+          <a:prstGeom prst="rect">
+            <a:avLst/>
+          </a:prstGeom>
+        </p:spPr>
+        <p:style>
+          <a:lnRef idx="2">
+            <a:schemeClr val="dk1"/>
+          </a:lnRef>
+          <a:fillRef idx="1">
+            <a:schemeClr val="lt1"/>
+          </a:fillRef>
+          <a:effectRef idx="0">
+            <a:schemeClr val="dk1"/>
+          </a:effectRef>
+          <a:fontRef idx="minor">
+            <a:schemeClr val="dk1"/>
+          </a:fontRef>
+        </p:style>
+        <p:txBody>
+          <a:bodyPr wrap="square" rtlCol="0">
+            <a:spAutoFit/>
+          </a:bodyPr>
+          <a:lstStyle/>
+          <a:p>
+            <a:r>
+              <a:rPr lang="en-US" sz="2200" dirty="0"/>
+              <a:t>Any telemetry data can be put in Value widget</a:t>
+            </a:r>
+          </a:p>
+        </p:txBody>
+      </p:sp>
+    </p:spTree>
+    <p:extLst>
+      <p:ext uri="{BB962C8B-B14F-4D97-AF65-F5344CB8AC3E}">
+        <p14:creationId xmlns:p14="http://schemas.microsoft.com/office/powerpoint/2010/main" val="177678163"/>
+      </p:ext>
+    </p:extLst>
+  </p:cSld>
+  <p:clrMapOvr>
+    <a:masterClrMapping/>
+  </p:clrMapOvr>
+  <mc:AlternateContent xmlns:mc="http://schemas.openxmlformats.org/markup-compatibility/2006" xmlns:p14="http://schemas.microsoft.com/office/powerpoint/2010/main">
+    <mc:Choice Requires="p14">
+      <p:transition spd="med" p14:dur="700">
+        <p:fade/>
+      </p:transition>
+    </mc:Choice>
+    <mc:Fallback xmlns="">
+      <p:transition spd="med">
+        <p:fade/>
+      </p:transition>
+    </mc:Fallback>
+  </mc:AlternateContent>
+  <p:timing>
+    <p:tnLst>
+      <p:par>
+        <p:cTn id="1" dur="indefinite" restart="never" nodeType="tmRoot">
+          <p:childTnLst>
+            <p:seq concurrent="1" nextAc="seek">
+              <p:cTn id="2" dur="indefinite" nodeType="mainSeq">
+                <p:childTnLst>
+                  <p:par>
+                    <p:cTn id="3" fill="hold">
+                      <p:stCondLst>
+                        <p:cond delay="indefinite"/>
+                      </p:stCondLst>
+                      <p:childTnLst>
+                        <p:par>
+                          <p:cTn id="4" fill="hold">
+                            <p:stCondLst>
+                              <p:cond delay="0"/>
+                            </p:stCondLst>
+                            <p:childTnLst>
+                              <p:par>
+                                <p:cTn id="5" presetID="1" presetClass="exit" presetSubtype="0" fill="hold" grpId="0" nodeType="clickEffect">
+                                  <p:stCondLst>
+                                    <p:cond delay="0"/>
+                                  </p:stCondLst>
+                                  <p:childTnLst>
+                                    <p:set>
+                                      <p:cBhvr>
+                                        <p:cTn id="6" dur="1" fill="hold">
+                                          <p:stCondLst>
+                                            <p:cond delay="0"/>
+                                          </p:stCondLst>
+                                        </p:cTn>
+                                        <p:tgtEl>
+                                          <p:spTgt spid="13"/>
+                                        </p:tgtEl>
+                                        <p:attrNameLst>
+                                          <p:attrName>style.visibility</p:attrName>
+                                        </p:attrNameLst>
+                                      </p:cBhvr>
+                                      <p:to>
+                                        <p:strVal val="hidden"/>
+                                      </p:to>
+                                    </p:set>
+                                  </p:childTnLst>
+                                </p:cTn>
+                              </p:par>
+                              <p:par>
+                                <p:cTn id="7" presetID="1" presetClass="exit" presetSubtype="0" fill="hold" nodeType="withEffect">
+                                  <p:stCondLst>
+                                    <p:cond delay="0"/>
+                                  </p:stCondLst>
+                                  <p:childTnLst>
+                                    <p:set>
+                                      <p:cBhvr>
+                                        <p:cTn id="8" dur="1" fill="hold">
+                                          <p:stCondLst>
+                                            <p:cond delay="0"/>
+                                          </p:stCondLst>
+                                        </p:cTn>
+                                        <p:tgtEl>
+                                          <p:spTgt spid="11"/>
+                                        </p:tgtEl>
+                                        <p:attrNameLst>
+                                          <p:attrName>style.visibility</p:attrName>
+                                        </p:attrNameLst>
+                                      </p:cBhvr>
+                                      <p:to>
+                                        <p:strVal val="hidden"/>
+                                      </p:to>
+                                    </p:set>
+                                  </p:childTnLst>
+                                </p:cTn>
+                              </p:par>
+                              <p:par>
+                                <p:cTn id="9" presetID="10" presetClass="entr" presetSubtype="0" fill="hold" grpId="1" nodeType="withEffect">
+                                  <p:stCondLst>
+                                    <p:cond delay="0"/>
+                                  </p:stCondLst>
+                                  <p:childTnLst>
+                                    <p:set>
+                                      <p:cBhvr>
+                                        <p:cTn id="10" dur="1" fill="hold">
+                                          <p:stCondLst>
+                                            <p:cond delay="0"/>
+                                          </p:stCondLst>
+                                        </p:cTn>
+                                        <p:tgtEl>
+                                          <p:spTgt spid="15"/>
+                                        </p:tgtEl>
+                                        <p:attrNameLst>
+                                          <p:attrName>style.visibility</p:attrName>
+                                        </p:attrNameLst>
+                                      </p:cBhvr>
+                                      <p:to>
+                                        <p:strVal val="visible"/>
+                                      </p:to>
+                                    </p:set>
+                                    <p:animEffect transition="in" filter="fade">
+                                      <p:cBhvr>
+                                        <p:cTn id="11" dur="500"/>
+                                        <p:tgtEl>
+                                          <p:spTgt spid="15"/>
+                                        </p:tgtEl>
+                                      </p:cBhvr>
+                                    </p:animEffect>
+                                  </p:childTnLst>
+                                </p:cTn>
+                              </p:par>
+                              <p:par>
+                                <p:cTn id="12" presetID="10" presetClass="entr" presetSubtype="0" fill="hold" nodeType="withEffect">
+                                  <p:stCondLst>
+                                    <p:cond delay="0"/>
+                                  </p:stCondLst>
+                                  <p:childTnLst>
+                                    <p:set>
+                                      <p:cBhvr>
+                                        <p:cTn id="13" dur="1" fill="hold">
+                                          <p:stCondLst>
+                                            <p:cond delay="0"/>
+                                          </p:stCondLst>
+                                        </p:cTn>
+                                        <p:tgtEl>
+                                          <p:spTgt spid="14"/>
+                                        </p:tgtEl>
+                                        <p:attrNameLst>
+                                          <p:attrName>style.visibility</p:attrName>
+                                        </p:attrNameLst>
+                                      </p:cBhvr>
+                                      <p:to>
+                                        <p:strVal val="visible"/>
+                                      </p:to>
+                                    </p:set>
+                                    <p:animEffect transition="in" filter="fade">
+                                      <p:cBhvr>
+                                        <p:cTn id="14" dur="500"/>
+                                        <p:tgtEl>
+                                          <p:spTgt spid="14"/>
+                                        </p:tgtEl>
+                                      </p:cBhvr>
+                                    </p:animEffect>
+                                  </p:childTnLst>
+                                </p:cTn>
+                              </p:par>
+                            </p:childTnLst>
+                          </p:cTn>
+                        </p:par>
+                      </p:childTnLst>
+                    </p:cTn>
+                  </p:par>
+                  <p:par>
+                    <p:cTn id="15" fill="hold">
+                      <p:stCondLst>
+                        <p:cond delay="indefinite"/>
+                      </p:stCondLst>
+                      <p:childTnLst>
+                        <p:par>
+                          <p:cTn id="16" fill="hold">
+                            <p:stCondLst>
+                              <p:cond delay="0"/>
+                            </p:stCondLst>
+                            <p:childTnLst>
+                              <p:par>
+                                <p:cTn id="17" presetID="1" presetClass="exit" presetSubtype="0" fill="hold" grpId="0" nodeType="clickEffect">
+                                  <p:stCondLst>
+                                    <p:cond delay="0"/>
+                                  </p:stCondLst>
+                                  <p:childTnLst>
+                                    <p:set>
+                                      <p:cBhvr>
+                                        <p:cTn id="18" dur="1" fill="hold">
+                                          <p:stCondLst>
+                                            <p:cond delay="0"/>
+                                          </p:stCondLst>
+                                        </p:cTn>
+                                        <p:tgtEl>
+                                          <p:spTgt spid="15"/>
+                                        </p:tgtEl>
+                                        <p:attrNameLst>
+                                          <p:attrName>style.visibility</p:attrName>
+                                        </p:attrNameLst>
+                                      </p:cBhvr>
+                                      <p:to>
+                                        <p:strVal val="hidden"/>
+                                      </p:to>
+                                    </p:set>
+                                  </p:childTnLst>
+                                </p:cTn>
+                              </p:par>
+                              <p:par>
+                                <p:cTn id="19" presetID="1" presetClass="exit" presetSubtype="0" fill="hold" nodeType="withEffect">
+                                  <p:stCondLst>
+                                    <p:cond delay="0"/>
+                                  </p:stCondLst>
+                                  <p:childTnLst>
+                                    <p:set>
+                                      <p:cBhvr>
+                                        <p:cTn id="20" dur="1" fill="hold">
+                                          <p:stCondLst>
+                                            <p:cond delay="0"/>
+                                          </p:stCondLst>
+                                        </p:cTn>
+                                        <p:tgtEl>
+                                          <p:spTgt spid="14"/>
+                                        </p:tgtEl>
+                                        <p:attrNameLst>
+                                          <p:attrName>style.visibility</p:attrName>
+                                        </p:attrNameLst>
+                                      </p:cBhvr>
+                                      <p:to>
+                                        <p:strVal val="hidden"/>
+                                      </p:to>
+                                    </p:set>
+                                  </p:childTnLst>
+                                </p:cTn>
+                              </p:par>
+                              <p:par>
+                                <p:cTn id="21" presetID="10" presetClass="entr" presetSubtype="0" fill="hold" grpId="1" nodeType="withEffect">
+                                  <p:stCondLst>
+                                    <p:cond delay="0"/>
+                                  </p:stCondLst>
+                                  <p:childTnLst>
+                                    <p:set>
+                                      <p:cBhvr>
+                                        <p:cTn id="22" dur="1" fill="hold">
+                                          <p:stCondLst>
+                                            <p:cond delay="0"/>
+                                          </p:stCondLst>
+                                        </p:cTn>
+                                        <p:tgtEl>
+                                          <p:spTgt spid="17"/>
+                                        </p:tgtEl>
+                                        <p:attrNameLst>
+                                          <p:attrName>style.visibility</p:attrName>
+                                        </p:attrNameLst>
+                                      </p:cBhvr>
+                                      <p:to>
+                                        <p:strVal val="visible"/>
+                                      </p:to>
+                                    </p:set>
+                                    <p:animEffect transition="in" filter="fade">
+                                      <p:cBhvr>
+                                        <p:cTn id="23" dur="500"/>
+                                        <p:tgtEl>
+                                          <p:spTgt spid="17"/>
+                                        </p:tgtEl>
+                                      </p:cBhvr>
+                                    </p:animEffect>
+                                  </p:childTnLst>
+                                </p:cTn>
+                              </p:par>
+                              <p:par>
+                                <p:cTn id="24" presetID="10" presetClass="entr" presetSubtype="0" fill="hold" nodeType="withEffect">
+                                  <p:stCondLst>
+                                    <p:cond delay="0"/>
+                                  </p:stCondLst>
+                                  <p:childTnLst>
+                                    <p:set>
+                                      <p:cBhvr>
+                                        <p:cTn id="25" dur="1" fill="hold">
+                                          <p:stCondLst>
+                                            <p:cond delay="0"/>
+                                          </p:stCondLst>
+                                        </p:cTn>
+                                        <p:tgtEl>
+                                          <p:spTgt spid="16"/>
+                                        </p:tgtEl>
+                                        <p:attrNameLst>
+                                          <p:attrName>style.visibility</p:attrName>
+                                        </p:attrNameLst>
+                                      </p:cBhvr>
+                                      <p:to>
+                                        <p:strVal val="visible"/>
+                                      </p:to>
+                                    </p:set>
+                                    <p:animEffect transition="in" filter="fade">
+                                      <p:cBhvr>
+                                        <p:cTn id="26" dur="500"/>
+                                        <p:tgtEl>
+                                          <p:spTgt spid="16"/>
+                                        </p:tgtEl>
+                                      </p:cBhvr>
+                                    </p:animEffect>
+                                  </p:childTnLst>
+                                </p:cTn>
+                              </p:par>
+                            </p:childTnLst>
+                          </p:cTn>
+                        </p:par>
+                      </p:childTnLst>
+                    </p:cTn>
+                  </p:par>
+                </p:childTnLst>
+              </p:cTn>
+              <p:prevCondLst>
+                <p:cond evt="onPrev" delay="0">
+                  <p:tgtEl>
+                    <p:sldTgt/>
+                  </p:tgtEl>
+                </p:cond>
+              </p:prevCondLst>
+              <p:nextCondLst>
+                <p:cond evt="onNext" delay="0">
+                  <p:tgtEl>
+                    <p:sldTgt/>
+                  </p:tgtEl>
+                </p:cond>
+              </p:nextCondLst>
+            </p:seq>
+          </p:childTnLst>
+        </p:cTn>
+      </p:par>
+    </p:tnLst>
+    <p:bldLst>
+      <p:bldP spid="13" grpId="0" animBg="1"/>
+      <p:bldP spid="15" grpId="0" animBg="1"/>
+      <p:bldP spid="15" grpId="1" animBg="1"/>
+      <p:bldP spid="17" grpId="1" animBg="1"/>
+    </p:bldLst>
+  </p:timing>
+</p:sld>
+</file>
+
+<file path=ppt/slides/slide11.xml><?xml version="1.0" encoding="utf-8"?>
+<p:sld xmlns:a="http://schemas.openxmlformats.org/drawingml/2006/main" xmlns:r="http://schemas.openxmlformats.org/officeDocument/2006/relationships" xmlns:p="http://schemas.openxmlformats.org/presentationml/2006/main">
+  <p:cSld>
+    <p:spTree>
+      <p:nvGrpSpPr>
+        <p:cNvPr id="1" name=""/>
+        <p:cNvGrpSpPr/>
+        <p:nvPr/>
+      </p:nvGrpSpPr>
+      <p:grpSpPr>
+        <a:xfrm>
+          <a:off x="0" y="0"/>
+          <a:ext cx="0" cy="0"/>
+          <a:chOff x="0" y="0"/>
+          <a:chExt cx="0" cy="0"/>
+        </a:xfrm>
+      </p:grpSpPr>
+      <p:sp>
+        <p:nvSpPr>
+          <p:cNvPr id="2" name="Title 1">
+            <a:extLst>
+              <a:ext uri="{FF2B5EF4-FFF2-40B4-BE49-F238E27FC236}">
+                <a16:creationId xmlns:a16="http://schemas.microsoft.com/office/drawing/2014/main" id="{FC200CF2-2E8D-874D-931B-03B1DE3D5350}"/>
+              </a:ext>
+            </a:extLst>
+          </p:cNvPr>
+          <p:cNvSpPr>
+            <a:spLocks noGrp="1"/>
+          </p:cNvSpPr>
+          <p:nvPr>
+            <p:ph type="title"/>
+          </p:nvPr>
+        </p:nvSpPr>
+        <p:spPr>
+          <a:xfrm>
+            <a:off x="914668" y="95252"/>
+            <a:ext cx="10364451" cy="1596177"/>
+          </a:xfrm>
+        </p:spPr>
+        <p:txBody>
+          <a:bodyPr/>
+          <a:lstStyle/>
+          <a:p>
+            <a:r>
+              <a:rPr lang="en-US" dirty="0"/>
+              <a:t>CONFIGURATION CONT.</a:t>
+            </a:r>
+          </a:p>
+        </p:txBody>
+      </p:sp>
+      <p:pic>
+        <p:nvPicPr>
+          <p:cNvPr id="5" name="Content Placeholder 4">
+            <a:extLst>
+              <a:ext uri="{FF2B5EF4-FFF2-40B4-BE49-F238E27FC236}">
+                <a16:creationId xmlns:a16="http://schemas.microsoft.com/office/drawing/2014/main" id="{336C2984-6940-4F40-A9CA-92CE37B490EE}"/>
+              </a:ext>
+            </a:extLst>
+          </p:cNvPr>
+          <p:cNvPicPr>
+            <a:picLocks noGrp="1" noChangeAspect="1"/>
+          </p:cNvPicPr>
+          <p:nvPr>
+            <p:ph idx="1"/>
+          </p:nvPr>
+        </p:nvPicPr>
+        <p:blipFill>
+          <a:blip r:embed="rId3"/>
+          <a:stretch>
+            <a:fillRect/>
+          </a:stretch>
+        </p:blipFill>
+        <p:spPr>
+          <a:xfrm>
+            <a:off x="3769832" y="1762551"/>
+            <a:ext cx="1722414" cy="4412854"/>
+          </a:xfrm>
+          <a:ln>
+            <a:solidFill>
+              <a:schemeClr val="tx1"/>
+            </a:solidFill>
+          </a:ln>
+        </p:spPr>
+      </p:pic>
+      <p:cxnSp>
+        <p:nvCxnSpPr>
+          <p:cNvPr id="7" name="Straight Arrow Connector 6">
+            <a:extLst>
+              <a:ext uri="{FF2B5EF4-FFF2-40B4-BE49-F238E27FC236}">
+                <a16:creationId xmlns:a16="http://schemas.microsoft.com/office/drawing/2014/main" id="{88476651-320C-D747-BF3B-90BE66CCD148}"/>
+              </a:ext>
+            </a:extLst>
+          </p:cNvPr>
+          <p:cNvCxnSpPr>
+            <a:cxnSpLocks/>
+            <a:stCxn id="28" idx="3"/>
+          </p:cNvCxnSpPr>
+          <p:nvPr/>
+        </p:nvCxnSpPr>
+        <p:spPr>
+          <a:xfrm>
+            <a:off x="3029143" y="2131229"/>
+            <a:ext cx="1242494" cy="255132"/>
+          </a:xfrm>
+          <a:prstGeom prst="straightConnector1">
+            <a:avLst/>
+          </a:prstGeom>
+          <a:ln w="28575">
+            <a:tailEnd type="triangle"/>
+          </a:ln>
+        </p:spPr>
+        <p:style>
+          <a:lnRef idx="1">
+            <a:schemeClr val="accent1"/>
+          </a:lnRef>
+          <a:fillRef idx="0">
+            <a:schemeClr val="accent1"/>
+          </a:fillRef>
+          <a:effectRef idx="0">
+            <a:schemeClr val="accent1"/>
+          </a:effectRef>
+          <a:fontRef idx="minor">
+            <a:schemeClr val="tx1"/>
+          </a:fontRef>
+        </p:style>
+      </p:cxnSp>
+      <p:pic>
+        <p:nvPicPr>
+          <p:cNvPr id="11" name="Picture 10">
+            <a:extLst>
+              <a:ext uri="{FF2B5EF4-FFF2-40B4-BE49-F238E27FC236}">
+                <a16:creationId xmlns:a16="http://schemas.microsoft.com/office/drawing/2014/main" id="{449E89B0-EDAE-D84A-9E83-AAA2602D8E61}"/>
+              </a:ext>
+            </a:extLst>
+          </p:cNvPr>
+          <p:cNvPicPr>
+            <a:picLocks noChangeAspect="1"/>
+          </p:cNvPicPr>
+          <p:nvPr/>
+        </p:nvPicPr>
+        <p:blipFill>
+          <a:blip r:embed="rId4"/>
+          <a:stretch>
+            <a:fillRect/>
+          </a:stretch>
+        </p:blipFill>
+        <p:spPr>
+          <a:xfrm>
+            <a:off x="9693427" y="2612952"/>
+            <a:ext cx="2164576" cy="1944737"/>
+          </a:xfrm>
+          <a:prstGeom prst="rect">
+            <a:avLst/>
+          </a:prstGeom>
+          <a:ln>
+            <a:solidFill>
+              <a:schemeClr val="tx1"/>
+            </a:solidFill>
+          </a:ln>
+        </p:spPr>
+      </p:pic>
+      <p:cxnSp>
+        <p:nvCxnSpPr>
+          <p:cNvPr id="12" name="Straight Arrow Connector 11">
+            <a:extLst>
+              <a:ext uri="{FF2B5EF4-FFF2-40B4-BE49-F238E27FC236}">
+                <a16:creationId xmlns:a16="http://schemas.microsoft.com/office/drawing/2014/main" id="{E3CE606D-C49F-C446-BA11-64691818E7B1}"/>
+              </a:ext>
+            </a:extLst>
+          </p:cNvPr>
+          <p:cNvCxnSpPr>
+            <a:cxnSpLocks/>
+            <a:stCxn id="24" idx="3"/>
+          </p:cNvCxnSpPr>
+          <p:nvPr/>
+        </p:nvCxnSpPr>
+        <p:spPr>
+          <a:xfrm>
+            <a:off x="9505096" y="3470057"/>
+            <a:ext cx="702526" cy="104389"/>
+          </a:xfrm>
+          <a:prstGeom prst="straightConnector1">
+            <a:avLst/>
+          </a:prstGeom>
+          <a:ln w="28575">
+            <a:tailEnd type="triangle"/>
+          </a:ln>
+        </p:spPr>
+        <p:style>
+          <a:lnRef idx="1">
+            <a:schemeClr val="accent1"/>
+          </a:lnRef>
+          <a:fillRef idx="0">
+            <a:schemeClr val="accent1"/>
+          </a:fillRef>
+          <a:effectRef idx="0">
+            <a:schemeClr val="accent1"/>
+          </a:effectRef>
+          <a:fontRef idx="minor">
+            <a:schemeClr val="tx1"/>
+          </a:fontRef>
+        </p:style>
+      </p:cxnSp>
+      <p:cxnSp>
+        <p:nvCxnSpPr>
+          <p:cNvPr id="14" name="Straight Arrow Connector 13">
+            <a:extLst>
+              <a:ext uri="{FF2B5EF4-FFF2-40B4-BE49-F238E27FC236}">
+                <a16:creationId xmlns:a16="http://schemas.microsoft.com/office/drawing/2014/main" id="{8F9A31DA-3633-B544-8AD5-DBD464195B4A}"/>
+              </a:ext>
+            </a:extLst>
+          </p:cNvPr>
+          <p:cNvCxnSpPr>
+            <a:cxnSpLocks/>
+            <a:stCxn id="25" idx="3"/>
+          </p:cNvCxnSpPr>
+          <p:nvPr/>
+        </p:nvCxnSpPr>
+        <p:spPr>
+          <a:xfrm flipV="1">
+            <a:off x="9686162" y="3961411"/>
+            <a:ext cx="521460" cy="172108"/>
+          </a:xfrm>
+          <a:prstGeom prst="straightConnector1">
+            <a:avLst/>
+          </a:prstGeom>
+          <a:ln w="28575">
+            <a:tailEnd type="triangle"/>
+          </a:ln>
+        </p:spPr>
+        <p:style>
+          <a:lnRef idx="1">
+            <a:schemeClr val="accent1"/>
+          </a:lnRef>
+          <a:fillRef idx="0">
+            <a:schemeClr val="accent1"/>
+          </a:fillRef>
+          <a:effectRef idx="0">
+            <a:schemeClr val="accent1"/>
+          </a:effectRef>
+          <a:fontRef idx="minor">
+            <a:schemeClr val="tx1"/>
+          </a:fontRef>
+        </p:style>
+      </p:cxnSp>
+      <p:cxnSp>
+        <p:nvCxnSpPr>
+          <p:cNvPr id="19" name="Straight Arrow Connector 18">
+            <a:extLst>
+              <a:ext uri="{FF2B5EF4-FFF2-40B4-BE49-F238E27FC236}">
+                <a16:creationId xmlns:a16="http://schemas.microsoft.com/office/drawing/2014/main" id="{3D43A6F8-6760-7E47-9105-5B396CCD92CD}"/>
+              </a:ext>
+            </a:extLst>
+          </p:cNvPr>
+          <p:cNvCxnSpPr>
+            <a:cxnSpLocks/>
+            <a:stCxn id="27" idx="3"/>
+          </p:cNvCxnSpPr>
+          <p:nvPr/>
+        </p:nvCxnSpPr>
+        <p:spPr>
+          <a:xfrm flipV="1">
+            <a:off x="9849915" y="4106377"/>
+            <a:ext cx="357707" cy="1331139"/>
+          </a:xfrm>
+          <a:prstGeom prst="straightConnector1">
+            <a:avLst/>
+          </a:prstGeom>
+          <a:ln w="28575">
+            <a:tailEnd type="triangle"/>
+          </a:ln>
+        </p:spPr>
+        <p:style>
+          <a:lnRef idx="1">
+            <a:schemeClr val="accent1"/>
+          </a:lnRef>
+          <a:fillRef idx="0">
+            <a:schemeClr val="accent1"/>
+          </a:fillRef>
+          <a:effectRef idx="0">
+            <a:schemeClr val="accent1"/>
+          </a:effectRef>
+          <a:fontRef idx="minor">
+            <a:schemeClr val="tx1"/>
+          </a:fontRef>
+        </p:style>
+      </p:cxnSp>
+      <p:sp>
+        <p:nvSpPr>
+          <p:cNvPr id="24" name="TextBox 23">
+            <a:extLst>
+              <a:ext uri="{FF2B5EF4-FFF2-40B4-BE49-F238E27FC236}">
+                <a16:creationId xmlns:a16="http://schemas.microsoft.com/office/drawing/2014/main" id="{F95B50CB-1055-DA43-8106-41ED322BC3FE}"/>
+              </a:ext>
+            </a:extLst>
+          </p:cNvPr>
+          <p:cNvSpPr txBox="1"/>
+          <p:nvPr/>
+        </p:nvSpPr>
+        <p:spPr>
+          <a:xfrm>
+            <a:off x="8166080" y="2131229"/>
+            <a:ext cx="1339016" cy="2677656"/>
+          </a:xfrm>
+          <a:prstGeom prst="rect">
+            <a:avLst/>
+          </a:prstGeom>
+        </p:spPr>
+        <p:style>
+          <a:lnRef idx="2">
+            <a:schemeClr val="dk1"/>
+          </a:lnRef>
+          <a:fillRef idx="1">
+            <a:schemeClr val="lt1"/>
+          </a:fillRef>
+          <a:effectRef idx="0">
+            <a:schemeClr val="dk1"/>
+          </a:effectRef>
+          <a:fontRef idx="minor">
+            <a:schemeClr val="dk1"/>
+          </a:fontRef>
+        </p:style>
+        <p:txBody>
+          <a:bodyPr wrap="square" rtlCol="0">
+            <a:spAutoFit/>
+          </a:bodyPr>
+          <a:lstStyle/>
+          <a:p>
+            <a:r>
+              <a:rPr lang="en-US" sz="2400" dirty="0"/>
+              <a:t>Controls EVR display from Data Viewer app</a:t>
+            </a:r>
+          </a:p>
+        </p:txBody>
+      </p:sp>
+      <p:sp>
+        <p:nvSpPr>
+          <p:cNvPr id="25" name="TextBox 24">
+            <a:extLst>
+              <a:ext uri="{FF2B5EF4-FFF2-40B4-BE49-F238E27FC236}">
+                <a16:creationId xmlns:a16="http://schemas.microsoft.com/office/drawing/2014/main" id="{55F8BF21-7DB0-CF4E-9287-50AB742E548A}"/>
+              </a:ext>
+            </a:extLst>
+          </p:cNvPr>
+          <p:cNvSpPr txBox="1"/>
+          <p:nvPr/>
+        </p:nvSpPr>
+        <p:spPr>
+          <a:xfrm>
+            <a:off x="7764266" y="3348689"/>
+            <a:ext cx="1921896" cy="1569660"/>
+          </a:xfrm>
+          <a:prstGeom prst="rect">
+            <a:avLst/>
+          </a:prstGeom>
+        </p:spPr>
+        <p:style>
+          <a:lnRef idx="2">
+            <a:schemeClr val="dk1"/>
+          </a:lnRef>
+          <a:fillRef idx="1">
+            <a:schemeClr val="lt1"/>
+          </a:fillRef>
+          <a:effectRef idx="0">
+            <a:schemeClr val="dk1"/>
+          </a:effectRef>
+          <a:fontRef idx="minor">
+            <a:schemeClr val="dk1"/>
+          </a:fontRef>
+        </p:style>
+        <p:txBody>
+          <a:bodyPr wrap="square" rtlCol="0">
+            <a:spAutoFit/>
+          </a:bodyPr>
+          <a:lstStyle/>
+          <a:p>
+            <a:r>
+              <a:rPr lang="en-US" sz="2400" dirty="0"/>
+              <a:t>Allows variable-length </a:t>
+            </a:r>
+            <a:r>
+              <a:rPr lang="en-US" sz="2400" dirty="0" err="1"/>
+              <a:t>tlm</a:t>
+            </a:r>
+            <a:r>
+              <a:rPr lang="en-US" sz="2400" dirty="0"/>
+              <a:t> packets</a:t>
+            </a:r>
+          </a:p>
+        </p:txBody>
+      </p:sp>
+      <p:sp>
+        <p:nvSpPr>
+          <p:cNvPr id="27" name="TextBox 26">
+            <a:extLst>
+              <a:ext uri="{FF2B5EF4-FFF2-40B4-BE49-F238E27FC236}">
+                <a16:creationId xmlns:a16="http://schemas.microsoft.com/office/drawing/2014/main" id="{F779395D-1326-7146-9836-4CBE21F6E734}"/>
+              </a:ext>
+            </a:extLst>
+          </p:cNvPr>
+          <p:cNvSpPr txBox="1"/>
+          <p:nvPr/>
+        </p:nvSpPr>
+        <p:spPr>
+          <a:xfrm>
+            <a:off x="8166080" y="4837351"/>
+            <a:ext cx="1683835" cy="1200329"/>
+          </a:xfrm>
+          <a:prstGeom prst="rect">
+            <a:avLst/>
+          </a:prstGeom>
+        </p:spPr>
+        <p:style>
+          <a:lnRef idx="2">
+            <a:schemeClr val="dk1"/>
+          </a:lnRef>
+          <a:fillRef idx="1">
+            <a:schemeClr val="lt1"/>
+          </a:fillRef>
+          <a:effectRef idx="0">
+            <a:schemeClr val="dk1"/>
+          </a:effectRef>
+          <a:fontRef idx="minor">
+            <a:schemeClr val="dk1"/>
+          </a:fontRef>
+        </p:style>
+        <p:txBody>
+          <a:bodyPr wrap="square" rtlCol="0">
+            <a:spAutoFit/>
+          </a:bodyPr>
+          <a:lstStyle/>
+          <a:p>
+            <a:r>
+              <a:rPr lang="en-US" sz="2400" dirty="0"/>
+              <a:t>Drops first 13 bits Ref app sends</a:t>
+            </a:r>
+          </a:p>
+        </p:txBody>
+      </p:sp>
+      <p:sp>
+        <p:nvSpPr>
+          <p:cNvPr id="28" name="TextBox 27">
+            <a:extLst>
+              <a:ext uri="{FF2B5EF4-FFF2-40B4-BE49-F238E27FC236}">
+                <a16:creationId xmlns:a16="http://schemas.microsoft.com/office/drawing/2014/main" id="{23954D79-B346-6A4B-ABE3-F37460BA9271}"/>
+              </a:ext>
+            </a:extLst>
+          </p:cNvPr>
+          <p:cNvSpPr txBox="1"/>
+          <p:nvPr/>
+        </p:nvSpPr>
+        <p:spPr>
+          <a:xfrm>
+            <a:off x="765446" y="1531064"/>
+            <a:ext cx="2263697" cy="1200329"/>
+          </a:xfrm>
+          <a:prstGeom prst="rect">
+            <a:avLst/>
+          </a:prstGeom>
+        </p:spPr>
+        <p:style>
+          <a:lnRef idx="2">
+            <a:schemeClr val="dk1"/>
+          </a:lnRef>
+          <a:fillRef idx="1">
+            <a:schemeClr val="lt1"/>
+          </a:fillRef>
+          <a:effectRef idx="0">
+            <a:schemeClr val="dk1"/>
+          </a:effectRef>
+          <a:fontRef idx="minor">
+            <a:schemeClr val="dk1"/>
+          </a:fontRef>
+        </p:style>
+        <p:txBody>
+          <a:bodyPr wrap="square" rtlCol="0">
+            <a:spAutoFit/>
+          </a:bodyPr>
+          <a:lstStyle/>
+          <a:p>
+            <a:r>
+              <a:rPr lang="en-US" sz="2400" dirty="0"/>
+              <a:t>Adds /targets directories to cosmos path</a:t>
+            </a:r>
+          </a:p>
+        </p:txBody>
+      </p:sp>
+      <p:cxnSp>
+        <p:nvCxnSpPr>
+          <p:cNvPr id="30" name="Straight Arrow Connector 29">
+            <a:extLst>
+              <a:ext uri="{FF2B5EF4-FFF2-40B4-BE49-F238E27FC236}">
+                <a16:creationId xmlns:a16="http://schemas.microsoft.com/office/drawing/2014/main" id="{361A780A-C51D-484B-9399-DBC4EE2CE74D}"/>
+              </a:ext>
+            </a:extLst>
+          </p:cNvPr>
+          <p:cNvCxnSpPr>
+            <a:cxnSpLocks/>
+            <a:stCxn id="31" idx="3"/>
+          </p:cNvCxnSpPr>
+          <p:nvPr/>
+        </p:nvCxnSpPr>
+        <p:spPr>
+          <a:xfrm>
+            <a:off x="2790774" y="3143492"/>
+            <a:ext cx="1703168" cy="157269"/>
+          </a:xfrm>
+          <a:prstGeom prst="straightConnector1">
+            <a:avLst/>
+          </a:prstGeom>
+          <a:ln w="28575">
+            <a:tailEnd type="triangle"/>
+          </a:ln>
+        </p:spPr>
+        <p:style>
+          <a:lnRef idx="1">
+            <a:schemeClr val="accent1"/>
+          </a:lnRef>
+          <a:fillRef idx="0">
+            <a:schemeClr val="accent1"/>
+          </a:fillRef>
+          <a:effectRef idx="0">
+            <a:schemeClr val="accent1"/>
+          </a:effectRef>
+          <a:fontRef idx="minor">
+            <a:schemeClr val="tx1"/>
+          </a:fontRef>
+        </p:style>
+      </p:cxnSp>
+      <p:sp>
+        <p:nvSpPr>
+          <p:cNvPr id="31" name="TextBox 30">
+            <a:extLst>
+              <a:ext uri="{FF2B5EF4-FFF2-40B4-BE49-F238E27FC236}">
+                <a16:creationId xmlns:a16="http://schemas.microsoft.com/office/drawing/2014/main" id="{D23B60A8-9C47-A547-B4EC-30161DF6C408}"/>
+              </a:ext>
+            </a:extLst>
+          </p:cNvPr>
+          <p:cNvSpPr txBox="1"/>
+          <p:nvPr/>
+        </p:nvSpPr>
+        <p:spPr>
+          <a:xfrm>
+            <a:off x="266700" y="2727993"/>
+            <a:ext cx="2524074" cy="830997"/>
+          </a:xfrm>
+          <a:prstGeom prst="rect">
+            <a:avLst/>
+          </a:prstGeom>
+        </p:spPr>
+        <p:style>
+          <a:lnRef idx="2">
+            <a:schemeClr val="dk1"/>
+          </a:lnRef>
+          <a:fillRef idx="1">
+            <a:schemeClr val="lt1"/>
+          </a:fillRef>
+          <a:effectRef idx="0">
+            <a:schemeClr val="dk1"/>
+          </a:effectRef>
+          <a:fontRef idx="minor">
+            <a:schemeClr val="dk1"/>
+          </a:fontRef>
+        </p:style>
+        <p:txBody>
+          <a:bodyPr wrap="square" rtlCol="0">
+            <a:spAutoFit/>
+          </a:bodyPr>
+          <a:lstStyle/>
+          <a:p>
+            <a:r>
+              <a:rPr lang="en-US" sz="2400" dirty="0"/>
+              <a:t>Defines channel screen</a:t>
+            </a:r>
+          </a:p>
+        </p:txBody>
+      </p:sp>
+      <p:cxnSp>
+        <p:nvCxnSpPr>
+          <p:cNvPr id="32" name="Straight Arrow Connector 31">
+            <a:extLst>
+              <a:ext uri="{FF2B5EF4-FFF2-40B4-BE49-F238E27FC236}">
+                <a16:creationId xmlns:a16="http://schemas.microsoft.com/office/drawing/2014/main" id="{19196D3D-D4A9-A54C-8672-8129F12E8FE2}"/>
+              </a:ext>
+            </a:extLst>
+          </p:cNvPr>
+          <p:cNvCxnSpPr>
+            <a:cxnSpLocks/>
+            <a:stCxn id="33" idx="3"/>
+          </p:cNvCxnSpPr>
+          <p:nvPr/>
+        </p:nvCxnSpPr>
+        <p:spPr>
+          <a:xfrm flipV="1">
+            <a:off x="2648706" y="3640876"/>
+            <a:ext cx="1945867" cy="77565"/>
+          </a:xfrm>
+          <a:prstGeom prst="straightConnector1">
+            <a:avLst/>
+          </a:prstGeom>
+          <a:ln w="28575">
+            <a:tailEnd type="triangle"/>
+          </a:ln>
+        </p:spPr>
+        <p:style>
+          <a:lnRef idx="1">
+            <a:schemeClr val="accent1"/>
+          </a:lnRef>
+          <a:fillRef idx="0">
+            <a:schemeClr val="accent1"/>
+          </a:fillRef>
+          <a:effectRef idx="0">
+            <a:schemeClr val="accent1"/>
+          </a:effectRef>
+          <a:fontRef idx="minor">
+            <a:schemeClr val="tx1"/>
+          </a:fontRef>
+        </p:style>
+      </p:cxnSp>
+      <p:sp>
+        <p:nvSpPr>
+          <p:cNvPr id="33" name="TextBox 32">
+            <a:extLst>
+              <a:ext uri="{FF2B5EF4-FFF2-40B4-BE49-F238E27FC236}">
+                <a16:creationId xmlns:a16="http://schemas.microsoft.com/office/drawing/2014/main" id="{164EF3B8-15DF-2E45-BB0A-3A9600E06BBF}"/>
+              </a:ext>
+            </a:extLst>
+          </p:cNvPr>
+          <p:cNvSpPr txBox="1"/>
+          <p:nvPr/>
+        </p:nvSpPr>
+        <p:spPr>
+          <a:xfrm>
+            <a:off x="864464" y="3302942"/>
+            <a:ext cx="1784242" cy="830997"/>
+          </a:xfrm>
+          <a:prstGeom prst="rect">
+            <a:avLst/>
+          </a:prstGeom>
+        </p:spPr>
+        <p:style>
+          <a:lnRef idx="2">
+            <a:schemeClr val="dk1"/>
+          </a:lnRef>
+          <a:fillRef idx="1">
+            <a:schemeClr val="lt1"/>
+          </a:fillRef>
+          <a:effectRef idx="0">
+            <a:schemeClr val="dk1"/>
+          </a:effectRef>
+          <a:fontRef idx="minor">
+            <a:schemeClr val="dk1"/>
+          </a:fontRef>
+        </p:style>
+        <p:txBody>
+          <a:bodyPr wrap="square" rtlCol="0">
+            <a:spAutoFit/>
+          </a:bodyPr>
+          <a:lstStyle/>
+          <a:p>
+            <a:r>
+              <a:rPr lang="en-US" sz="2400" dirty="0"/>
+              <a:t>Partial add-on</a:t>
+            </a:r>
+          </a:p>
+        </p:txBody>
+      </p:sp>
+      <p:cxnSp>
+        <p:nvCxnSpPr>
+          <p:cNvPr id="35" name="Straight Arrow Connector 34">
+            <a:extLst>
+              <a:ext uri="{FF2B5EF4-FFF2-40B4-BE49-F238E27FC236}">
+                <a16:creationId xmlns:a16="http://schemas.microsoft.com/office/drawing/2014/main" id="{9E2B278B-4A74-0343-8C17-982D2824BA00}"/>
+              </a:ext>
+            </a:extLst>
+          </p:cNvPr>
+          <p:cNvCxnSpPr>
+            <a:cxnSpLocks/>
+            <a:stCxn id="36" idx="3"/>
+          </p:cNvCxnSpPr>
+          <p:nvPr/>
+        </p:nvCxnSpPr>
+        <p:spPr>
+          <a:xfrm flipV="1">
+            <a:off x="2601156" y="3755130"/>
+            <a:ext cx="1961376" cy="477794"/>
+          </a:xfrm>
+          <a:prstGeom prst="straightConnector1">
+            <a:avLst/>
+          </a:prstGeom>
+          <a:ln w="28575">
+            <a:tailEnd type="triangle"/>
+          </a:ln>
+        </p:spPr>
+        <p:style>
+          <a:lnRef idx="1">
+            <a:schemeClr val="accent1"/>
+          </a:lnRef>
+          <a:fillRef idx="0">
+            <a:schemeClr val="accent1"/>
+          </a:fillRef>
+          <a:effectRef idx="0">
+            <a:schemeClr val="accent1"/>
+          </a:effectRef>
+          <a:fontRef idx="minor">
+            <a:schemeClr val="tx1"/>
+          </a:fontRef>
+        </p:style>
+      </p:cxnSp>
+      <p:sp>
+        <p:nvSpPr>
+          <p:cNvPr id="36" name="TextBox 35">
+            <a:extLst>
+              <a:ext uri="{FF2B5EF4-FFF2-40B4-BE49-F238E27FC236}">
+                <a16:creationId xmlns:a16="http://schemas.microsoft.com/office/drawing/2014/main" id="{925E9E8D-0019-CB47-BB23-AF854A3B6779}"/>
+              </a:ext>
+            </a:extLst>
+          </p:cNvPr>
+          <p:cNvSpPr txBox="1"/>
+          <p:nvPr/>
+        </p:nvSpPr>
+        <p:spPr>
+          <a:xfrm>
+            <a:off x="765446" y="3817425"/>
+            <a:ext cx="1835710" cy="830997"/>
+          </a:xfrm>
+          <a:prstGeom prst="rect">
+            <a:avLst/>
+          </a:prstGeom>
+        </p:spPr>
+        <p:style>
+          <a:lnRef idx="2">
+            <a:schemeClr val="dk1"/>
+          </a:lnRef>
+          <a:fillRef idx="1">
+            <a:schemeClr val="lt1"/>
+          </a:fillRef>
+          <a:effectRef idx="0">
+            <a:schemeClr val="dk1"/>
+          </a:effectRef>
+          <a:fontRef idx="minor">
+            <a:schemeClr val="dk1"/>
+          </a:fontRef>
+        </p:style>
+        <p:txBody>
+          <a:bodyPr wrap="square" rtlCol="0">
+            <a:spAutoFit/>
+          </a:bodyPr>
+          <a:lstStyle/>
+          <a:p>
+            <a:r>
+              <a:rPr lang="en-US" sz="2400" dirty="0"/>
+              <a:t>EVR view config</a:t>
+            </a:r>
+          </a:p>
+        </p:txBody>
+      </p:sp>
+      <p:cxnSp>
+        <p:nvCxnSpPr>
+          <p:cNvPr id="38" name="Straight Arrow Connector 37">
+            <a:extLst>
+              <a:ext uri="{FF2B5EF4-FFF2-40B4-BE49-F238E27FC236}">
+                <a16:creationId xmlns:a16="http://schemas.microsoft.com/office/drawing/2014/main" id="{7F1D5555-7133-7B4E-AC4F-1087068EF64B}"/>
+              </a:ext>
+            </a:extLst>
+          </p:cNvPr>
+          <p:cNvCxnSpPr>
+            <a:cxnSpLocks/>
+            <a:stCxn id="39" idx="3"/>
+          </p:cNvCxnSpPr>
+          <p:nvPr/>
+        </p:nvCxnSpPr>
+        <p:spPr>
+          <a:xfrm flipV="1">
+            <a:off x="2578854" y="3856940"/>
+            <a:ext cx="1795347" cy="867338"/>
+          </a:xfrm>
+          <a:prstGeom prst="straightConnector1">
+            <a:avLst/>
+          </a:prstGeom>
+          <a:ln w="28575">
+            <a:tailEnd type="triangle"/>
+          </a:ln>
+        </p:spPr>
+        <p:style>
+          <a:lnRef idx="1">
+            <a:schemeClr val="accent1"/>
+          </a:lnRef>
+          <a:fillRef idx="0">
+            <a:schemeClr val="accent1"/>
+          </a:fillRef>
+          <a:effectRef idx="0">
+            <a:schemeClr val="accent1"/>
+          </a:effectRef>
+          <a:fontRef idx="minor">
+            <a:schemeClr val="tx1"/>
+          </a:fontRef>
+        </p:style>
+      </p:cxnSp>
+      <p:sp>
+        <p:nvSpPr>
+          <p:cNvPr id="39" name="TextBox 38">
+            <a:extLst>
+              <a:ext uri="{FF2B5EF4-FFF2-40B4-BE49-F238E27FC236}">
+                <a16:creationId xmlns:a16="http://schemas.microsoft.com/office/drawing/2014/main" id="{EE7B402F-A97D-804F-9DF5-08EDB7DAB8F9}"/>
+              </a:ext>
+            </a:extLst>
+          </p:cNvPr>
+          <p:cNvSpPr txBox="1"/>
+          <p:nvPr/>
+        </p:nvSpPr>
+        <p:spPr>
+          <a:xfrm>
+            <a:off x="687386" y="4308779"/>
+            <a:ext cx="1891468" cy="830997"/>
+          </a:xfrm>
+          <a:prstGeom prst="rect">
+            <a:avLst/>
+          </a:prstGeom>
+        </p:spPr>
+        <p:style>
+          <a:lnRef idx="2">
+            <a:schemeClr val="dk1"/>
+          </a:lnRef>
+          <a:fillRef idx="1">
+            <a:schemeClr val="lt1"/>
+          </a:fillRef>
+          <a:effectRef idx="0">
+            <a:schemeClr val="dk1"/>
+          </a:effectRef>
+          <a:fontRef idx="minor">
+            <a:schemeClr val="dk1"/>
+          </a:fontRef>
+        </p:style>
+        <p:txBody>
+          <a:bodyPr wrap="square" rtlCol="0">
+            <a:spAutoFit/>
+          </a:bodyPr>
+          <a:lstStyle/>
+          <a:p>
+            <a:r>
+              <a:rPr lang="en-US" sz="2400" dirty="0"/>
+              <a:t>Interface config</a:t>
+            </a:r>
+          </a:p>
+        </p:txBody>
+      </p:sp>
+      <p:cxnSp>
+        <p:nvCxnSpPr>
+          <p:cNvPr id="43" name="Straight Arrow Connector 42">
+            <a:extLst>
+              <a:ext uri="{FF2B5EF4-FFF2-40B4-BE49-F238E27FC236}">
+                <a16:creationId xmlns:a16="http://schemas.microsoft.com/office/drawing/2014/main" id="{6CA39A4B-FC6D-8741-B05C-700080D7D3D7}"/>
+              </a:ext>
+            </a:extLst>
+          </p:cNvPr>
+          <p:cNvCxnSpPr>
+            <a:cxnSpLocks/>
+            <a:stCxn id="44" idx="3"/>
+          </p:cNvCxnSpPr>
+          <p:nvPr/>
+        </p:nvCxnSpPr>
+        <p:spPr>
+          <a:xfrm flipV="1">
+            <a:off x="2535574" y="3960538"/>
+            <a:ext cx="1887487" cy="1523972"/>
+          </a:xfrm>
+          <a:prstGeom prst="straightConnector1">
+            <a:avLst/>
+          </a:prstGeom>
+          <a:ln w="28575">
+            <a:tailEnd type="triangle"/>
+          </a:ln>
+        </p:spPr>
+        <p:style>
+          <a:lnRef idx="1">
+            <a:schemeClr val="accent1"/>
+          </a:lnRef>
+          <a:fillRef idx="0">
+            <a:schemeClr val="accent1"/>
+          </a:fillRef>
+          <a:effectRef idx="0">
+            <a:schemeClr val="accent1"/>
+          </a:effectRef>
+          <a:fontRef idx="minor">
+            <a:schemeClr val="tx1"/>
+          </a:fontRef>
+        </p:style>
+      </p:cxnSp>
+      <p:sp>
+        <p:nvSpPr>
+          <p:cNvPr id="44" name="TextBox 43">
+            <a:extLst>
+              <a:ext uri="{FF2B5EF4-FFF2-40B4-BE49-F238E27FC236}">
+                <a16:creationId xmlns:a16="http://schemas.microsoft.com/office/drawing/2014/main" id="{C73BF097-70FD-654A-BF11-4B03C7ED3CA0}"/>
+              </a:ext>
+            </a:extLst>
+          </p:cNvPr>
+          <p:cNvSpPr txBox="1"/>
+          <p:nvPr/>
+        </p:nvSpPr>
+        <p:spPr>
+          <a:xfrm>
+            <a:off x="963252" y="4884345"/>
+            <a:ext cx="1572322" cy="1200329"/>
+          </a:xfrm>
+          <a:prstGeom prst="rect">
+            <a:avLst/>
+          </a:prstGeom>
+        </p:spPr>
+        <p:style>
+          <a:lnRef idx="2">
+            <a:schemeClr val="dk1"/>
+          </a:lnRef>
+          <a:fillRef idx="1">
+            <a:schemeClr val="lt1"/>
+          </a:fillRef>
+          <a:effectRef idx="0">
+            <a:schemeClr val="dk1"/>
+          </a:effectRef>
+          <a:fontRef idx="minor">
+            <a:schemeClr val="dk1"/>
+          </a:fontRef>
+        </p:style>
+        <p:txBody>
+          <a:bodyPr wrap="square" rtlCol="0">
+            <a:spAutoFit/>
+          </a:bodyPr>
+          <a:lstStyle/>
+          <a:p>
+            <a:r>
+              <a:rPr lang="en-US" sz="2400" dirty="0"/>
+              <a:t>Reference to scripts in /lib</a:t>
+            </a:r>
+          </a:p>
+        </p:txBody>
+      </p:sp>
+      <p:cxnSp>
+        <p:nvCxnSpPr>
+          <p:cNvPr id="46" name="Straight Arrow Connector 45">
+            <a:extLst>
+              <a:ext uri="{FF2B5EF4-FFF2-40B4-BE49-F238E27FC236}">
+                <a16:creationId xmlns:a16="http://schemas.microsoft.com/office/drawing/2014/main" id="{BBB702B3-4CE2-9840-817D-F50AC04DEE1A}"/>
+              </a:ext>
+            </a:extLst>
+          </p:cNvPr>
+          <p:cNvCxnSpPr>
+            <a:cxnSpLocks/>
+            <a:stCxn id="47" idx="3"/>
+          </p:cNvCxnSpPr>
+          <p:nvPr/>
+        </p:nvCxnSpPr>
+        <p:spPr>
+          <a:xfrm flipV="1">
+            <a:off x="2360070" y="4549018"/>
+            <a:ext cx="2032538" cy="1228440"/>
+          </a:xfrm>
+          <a:prstGeom prst="straightConnector1">
+            <a:avLst/>
+          </a:prstGeom>
+          <a:ln w="28575">
+            <a:tailEnd type="triangle"/>
+          </a:ln>
+        </p:spPr>
+        <p:style>
+          <a:lnRef idx="1">
+            <a:schemeClr val="accent1"/>
+          </a:lnRef>
+          <a:fillRef idx="0">
+            <a:schemeClr val="accent1"/>
+          </a:fillRef>
+          <a:effectRef idx="0">
+            <a:schemeClr val="accent1"/>
+          </a:effectRef>
+          <a:fontRef idx="minor">
+            <a:schemeClr val="tx1"/>
+          </a:fontRef>
+        </p:style>
+      </p:cxnSp>
+      <p:sp>
+        <p:nvSpPr>
+          <p:cNvPr id="47" name="TextBox 46">
+            <a:extLst>
+              <a:ext uri="{FF2B5EF4-FFF2-40B4-BE49-F238E27FC236}">
+                <a16:creationId xmlns:a16="http://schemas.microsoft.com/office/drawing/2014/main" id="{32B114AB-F150-914E-8660-3A5457DAC3DD}"/>
+              </a:ext>
+            </a:extLst>
+          </p:cNvPr>
+          <p:cNvSpPr txBox="1"/>
+          <p:nvPr/>
+        </p:nvSpPr>
+        <p:spPr>
+          <a:xfrm>
+            <a:off x="765446" y="4807962"/>
+            <a:ext cx="1594624" cy="1938992"/>
+          </a:xfrm>
+          <a:prstGeom prst="rect">
+            <a:avLst/>
+          </a:prstGeom>
+        </p:spPr>
+        <p:style>
+          <a:lnRef idx="2">
+            <a:schemeClr val="dk1"/>
+          </a:lnRef>
+          <a:fillRef idx="1">
+            <a:schemeClr val="lt1"/>
+          </a:fillRef>
+          <a:effectRef idx="0">
+            <a:schemeClr val="dk1"/>
+          </a:effectRef>
+          <a:fontRef idx="minor">
+            <a:schemeClr val="dk1"/>
+          </a:fontRef>
+        </p:style>
+        <p:txBody>
+          <a:bodyPr wrap="square" rtlCol="0">
+            <a:spAutoFit/>
+          </a:bodyPr>
+          <a:lstStyle/>
+          <a:p>
+            <a:r>
+              <a:rPr lang="en-US" sz="2400" dirty="0"/>
+              <a:t>Adds target tool directories to cosmos path</a:t>
+            </a:r>
+          </a:p>
+        </p:txBody>
+      </p:sp>
+      <p:cxnSp>
+        <p:nvCxnSpPr>
+          <p:cNvPr id="50" name="Straight Arrow Connector 49">
+            <a:extLst>
+              <a:ext uri="{FF2B5EF4-FFF2-40B4-BE49-F238E27FC236}">
+                <a16:creationId xmlns:a16="http://schemas.microsoft.com/office/drawing/2014/main" id="{1F1BE388-D50E-6B48-B258-D733CE9FB9C1}"/>
+              </a:ext>
+            </a:extLst>
+          </p:cNvPr>
+          <p:cNvCxnSpPr>
+            <a:cxnSpLocks/>
+            <a:stCxn id="47" idx="3"/>
+          </p:cNvCxnSpPr>
+          <p:nvPr/>
+        </p:nvCxnSpPr>
+        <p:spPr>
+          <a:xfrm flipV="1">
+            <a:off x="2360070" y="4752020"/>
+            <a:ext cx="2010236" cy="1025438"/>
+          </a:xfrm>
+          <a:prstGeom prst="straightConnector1">
+            <a:avLst/>
+          </a:prstGeom>
+          <a:ln w="28575">
+            <a:tailEnd type="triangle"/>
+          </a:ln>
+        </p:spPr>
+        <p:style>
+          <a:lnRef idx="1">
+            <a:schemeClr val="accent1"/>
+          </a:lnRef>
+          <a:fillRef idx="0">
+            <a:schemeClr val="accent1"/>
+          </a:fillRef>
+          <a:effectRef idx="0">
+            <a:schemeClr val="accent1"/>
+          </a:effectRef>
+          <a:fontRef idx="minor">
+            <a:schemeClr val="tx1"/>
+          </a:fontRef>
+        </p:style>
+      </p:cxnSp>
+      <p:cxnSp>
+        <p:nvCxnSpPr>
+          <p:cNvPr id="52" name="Straight Arrow Connector 51">
+            <a:extLst>
+              <a:ext uri="{FF2B5EF4-FFF2-40B4-BE49-F238E27FC236}">
+                <a16:creationId xmlns:a16="http://schemas.microsoft.com/office/drawing/2014/main" id="{39436BF7-C6BC-C94E-9698-E81BDAA45DBC}"/>
+              </a:ext>
+            </a:extLst>
+          </p:cNvPr>
+          <p:cNvCxnSpPr>
+            <a:cxnSpLocks/>
+            <a:stCxn id="47" idx="3"/>
+          </p:cNvCxnSpPr>
+          <p:nvPr/>
+        </p:nvCxnSpPr>
+        <p:spPr>
+          <a:xfrm>
+            <a:off x="2360070" y="5777458"/>
+            <a:ext cx="2062991" cy="198406"/>
+          </a:xfrm>
+          <a:prstGeom prst="straightConnector1">
+            <a:avLst/>
+          </a:prstGeom>
+          <a:ln w="28575">
+            <a:tailEnd type="triangle"/>
+          </a:ln>
+        </p:spPr>
+        <p:style>
+          <a:lnRef idx="1">
+            <a:schemeClr val="accent1"/>
+          </a:lnRef>
+          <a:fillRef idx="0">
+            <a:schemeClr val="accent1"/>
+          </a:fillRef>
+          <a:effectRef idx="0">
+            <a:schemeClr val="accent1"/>
+          </a:effectRef>
+          <a:fontRef idx="minor">
+            <a:schemeClr val="tx1"/>
+          </a:fontRef>
+        </p:style>
+      </p:cxnSp>
+      <p:cxnSp>
+        <p:nvCxnSpPr>
+          <p:cNvPr id="54" name="Straight Arrow Connector 53">
+            <a:extLst>
+              <a:ext uri="{FF2B5EF4-FFF2-40B4-BE49-F238E27FC236}">
+                <a16:creationId xmlns:a16="http://schemas.microsoft.com/office/drawing/2014/main" id="{14AAAB83-3A2F-3A45-8AED-9CBA976E4235}"/>
+              </a:ext>
+            </a:extLst>
+          </p:cNvPr>
+          <p:cNvCxnSpPr>
+            <a:cxnSpLocks/>
+            <a:stCxn id="66" idx="1"/>
+          </p:cNvCxnSpPr>
+          <p:nvPr/>
+        </p:nvCxnSpPr>
+        <p:spPr>
+          <a:xfrm flipH="1" flipV="1">
+            <a:off x="5096110" y="2827902"/>
+            <a:ext cx="657920" cy="1451285"/>
+          </a:xfrm>
+          <a:prstGeom prst="straightConnector1">
+            <a:avLst/>
+          </a:prstGeom>
+          <a:ln w="28575">
+            <a:tailEnd type="triangle"/>
+          </a:ln>
+        </p:spPr>
+        <p:style>
+          <a:lnRef idx="1">
+            <a:schemeClr val="accent1"/>
+          </a:lnRef>
+          <a:fillRef idx="0">
+            <a:schemeClr val="accent1"/>
+          </a:fillRef>
+          <a:effectRef idx="0">
+            <a:schemeClr val="accent1"/>
+          </a:effectRef>
+          <a:fontRef idx="minor">
+            <a:schemeClr val="tx1"/>
+          </a:fontRef>
+        </p:style>
+      </p:cxnSp>
+      <p:cxnSp>
+        <p:nvCxnSpPr>
+          <p:cNvPr id="56" name="Straight Arrow Connector 55">
+            <a:extLst>
+              <a:ext uri="{FF2B5EF4-FFF2-40B4-BE49-F238E27FC236}">
+                <a16:creationId xmlns:a16="http://schemas.microsoft.com/office/drawing/2014/main" id="{651E67A1-2714-DF46-BF63-19ED630FDB51}"/>
+              </a:ext>
+            </a:extLst>
+          </p:cNvPr>
+          <p:cNvCxnSpPr>
+            <a:cxnSpLocks/>
+            <a:stCxn id="66" idx="1"/>
+          </p:cNvCxnSpPr>
+          <p:nvPr/>
+        </p:nvCxnSpPr>
+        <p:spPr>
+          <a:xfrm flipH="1" flipV="1">
+            <a:off x="4907778" y="3017066"/>
+            <a:ext cx="846252" cy="1262121"/>
+          </a:xfrm>
+          <a:prstGeom prst="straightConnector1">
+            <a:avLst/>
+          </a:prstGeom>
+          <a:ln w="28575">
+            <a:tailEnd type="triangle"/>
+          </a:ln>
+        </p:spPr>
+        <p:style>
+          <a:lnRef idx="1">
+            <a:schemeClr val="accent1"/>
+          </a:lnRef>
+          <a:fillRef idx="0">
+            <a:schemeClr val="accent1"/>
+          </a:fillRef>
+          <a:effectRef idx="0">
+            <a:schemeClr val="accent1"/>
+          </a:effectRef>
+          <a:fontRef idx="minor">
+            <a:schemeClr val="tx1"/>
+          </a:fontRef>
+        </p:style>
+      </p:cxnSp>
+      <p:cxnSp>
+        <p:nvCxnSpPr>
+          <p:cNvPr id="64" name="Straight Arrow Connector 63">
+            <a:extLst>
+              <a:ext uri="{FF2B5EF4-FFF2-40B4-BE49-F238E27FC236}">
+                <a16:creationId xmlns:a16="http://schemas.microsoft.com/office/drawing/2014/main" id="{7B6E2B80-A4B5-404A-B03A-26F59170EC96}"/>
+              </a:ext>
+            </a:extLst>
+          </p:cNvPr>
+          <p:cNvCxnSpPr>
+            <a:cxnSpLocks/>
+            <a:stCxn id="66" idx="1"/>
+          </p:cNvCxnSpPr>
+          <p:nvPr/>
+        </p:nvCxnSpPr>
+        <p:spPr>
+          <a:xfrm flipH="1" flipV="1">
+            <a:off x="5029462" y="2970206"/>
+            <a:ext cx="724568" cy="1308981"/>
+          </a:xfrm>
+          <a:prstGeom prst="straightConnector1">
+            <a:avLst/>
+          </a:prstGeom>
+          <a:ln w="28575">
+            <a:tailEnd type="triangle"/>
+          </a:ln>
+        </p:spPr>
+        <p:style>
+          <a:lnRef idx="1">
+            <a:schemeClr val="accent1"/>
+          </a:lnRef>
+          <a:fillRef idx="0">
+            <a:schemeClr val="accent1"/>
+          </a:fillRef>
+          <a:effectRef idx="0">
+            <a:schemeClr val="accent1"/>
+          </a:effectRef>
+          <a:fontRef idx="minor">
+            <a:schemeClr val="tx1"/>
+          </a:fontRef>
+        </p:style>
+      </p:cxnSp>
+      <p:sp>
+        <p:nvSpPr>
+          <p:cNvPr id="66" name="TextBox 65">
+            <a:extLst>
+              <a:ext uri="{FF2B5EF4-FFF2-40B4-BE49-F238E27FC236}">
+                <a16:creationId xmlns:a16="http://schemas.microsoft.com/office/drawing/2014/main" id="{D9AAA735-7D24-B54F-816C-BBFF0C59C909}"/>
+              </a:ext>
+            </a:extLst>
+          </p:cNvPr>
+          <p:cNvSpPr txBox="1"/>
+          <p:nvPr/>
+        </p:nvSpPr>
+        <p:spPr>
+          <a:xfrm>
+            <a:off x="5754030" y="2386361"/>
+            <a:ext cx="1929161" cy="3785652"/>
+          </a:xfrm>
+          <a:prstGeom prst="rect">
+            <a:avLst/>
+          </a:prstGeom>
+        </p:spPr>
+        <p:style>
+          <a:lnRef idx="2">
+            <a:schemeClr val="dk1"/>
+          </a:lnRef>
+          <a:fillRef idx="1">
+            <a:schemeClr val="lt1"/>
+          </a:fillRef>
+          <a:effectRef idx="0">
+            <a:schemeClr val="dk1"/>
+          </a:effectRef>
+          <a:fontRef idx="minor">
+            <a:schemeClr val="dk1"/>
+          </a:fontRef>
+        </p:style>
+        <p:txBody>
+          <a:bodyPr wrap="square" rtlCol="0">
+            <a:spAutoFit/>
+          </a:bodyPr>
+          <a:lstStyle/>
+          <a:p>
+            <a:r>
+              <a:rPr lang="en-US" sz="2400" dirty="0"/>
+              <a:t>Contains definitions of cosmos </a:t>
+            </a:r>
+            <a:r>
+              <a:rPr lang="en-US" sz="2400" dirty="0" err="1"/>
+              <a:t>tlm</a:t>
+            </a:r>
+            <a:r>
+              <a:rPr lang="en-US" sz="2400" dirty="0"/>
+              <a:t> and cmd.  Each directory also contains a partial file with packet header arguments</a:t>
+            </a:r>
+          </a:p>
+        </p:txBody>
+      </p:sp>
+      <p:cxnSp>
+        <p:nvCxnSpPr>
+          <p:cNvPr id="4" name="Straight Arrow Connector 3">
+            <a:extLst>
+              <a:ext uri="{FF2B5EF4-FFF2-40B4-BE49-F238E27FC236}">
+                <a16:creationId xmlns:a16="http://schemas.microsoft.com/office/drawing/2014/main" id="{8ECE1040-FA82-FD4E-B820-2BF1FB30A7E6}"/>
+              </a:ext>
+            </a:extLst>
+          </p:cNvPr>
+          <p:cNvCxnSpPr>
+            <a:cxnSpLocks/>
+            <a:stCxn id="6" idx="1"/>
+          </p:cNvCxnSpPr>
+          <p:nvPr/>
+        </p:nvCxnSpPr>
+        <p:spPr>
+          <a:xfrm flipH="1" flipV="1">
+            <a:off x="4907778" y="5701786"/>
+            <a:ext cx="846252" cy="449801"/>
+          </a:xfrm>
+          <a:prstGeom prst="straightConnector1">
+            <a:avLst/>
+          </a:prstGeom>
+          <a:ln w="28575">
+            <a:tailEnd type="triangle"/>
+          </a:ln>
+        </p:spPr>
+        <p:style>
+          <a:lnRef idx="1">
+            <a:schemeClr val="accent1"/>
+          </a:lnRef>
+          <a:fillRef idx="0">
+            <a:schemeClr val="accent1"/>
+          </a:fillRef>
+          <a:effectRef idx="0">
+            <a:schemeClr val="accent1"/>
+          </a:effectRef>
+          <a:fontRef idx="minor">
+            <a:schemeClr val="tx1"/>
+          </a:fontRef>
+        </p:style>
+      </p:cxnSp>
+      <p:sp>
+        <p:nvSpPr>
+          <p:cNvPr id="6" name="TextBox 5">
+            <a:extLst>
+              <a:ext uri="{FF2B5EF4-FFF2-40B4-BE49-F238E27FC236}">
+                <a16:creationId xmlns:a16="http://schemas.microsoft.com/office/drawing/2014/main" id="{16B8BC80-87B3-4748-97EF-354EC7CFD856}"/>
+              </a:ext>
+            </a:extLst>
+          </p:cNvPr>
+          <p:cNvSpPr txBox="1"/>
+          <p:nvPr/>
+        </p:nvSpPr>
+        <p:spPr>
+          <a:xfrm>
+            <a:off x="5754030" y="5551422"/>
+            <a:ext cx="1929161" cy="1200329"/>
+          </a:xfrm>
+          <a:prstGeom prst="rect">
+            <a:avLst/>
+          </a:prstGeom>
+        </p:spPr>
+        <p:style>
+          <a:lnRef idx="2">
+            <a:schemeClr val="dk1"/>
+          </a:lnRef>
+          <a:fillRef idx="1">
+            <a:schemeClr val="lt1"/>
+          </a:fillRef>
+          <a:effectRef idx="0">
+            <a:schemeClr val="dk1"/>
+          </a:effectRef>
+          <a:fontRef idx="minor">
+            <a:schemeClr val="dk1"/>
+          </a:fontRef>
+        </p:style>
+        <p:txBody>
+          <a:bodyPr wrap="square" rtlCol="0">
+            <a:spAutoFit/>
+          </a:bodyPr>
+          <a:lstStyle/>
+          <a:p>
+            <a:r>
+              <a:rPr lang="en-US" sz="2400" dirty="0"/>
+              <a:t>Config files for every </a:t>
+            </a:r>
+            <a:r>
+              <a:rPr lang="en-US" sz="2400" dirty="0" err="1"/>
+              <a:t>tlm</a:t>
+            </a:r>
+            <a:r>
+              <a:rPr lang="en-US" sz="2400" dirty="0"/>
+              <a:t> packet item</a:t>
+            </a:r>
+          </a:p>
+        </p:txBody>
+      </p:sp>
+      <p:cxnSp>
+        <p:nvCxnSpPr>
+          <p:cNvPr id="37" name="Straight Arrow Connector 36">
+            <a:extLst>
+              <a:ext uri="{FF2B5EF4-FFF2-40B4-BE49-F238E27FC236}">
+                <a16:creationId xmlns:a16="http://schemas.microsoft.com/office/drawing/2014/main" id="{2EA56803-9D2D-1949-9F06-DF6658805910}"/>
+              </a:ext>
+            </a:extLst>
+          </p:cNvPr>
+          <p:cNvCxnSpPr>
+            <a:cxnSpLocks/>
+          </p:cNvCxnSpPr>
+          <p:nvPr/>
+        </p:nvCxnSpPr>
+        <p:spPr>
+          <a:xfrm>
+            <a:off x="4392609" y="2414585"/>
+            <a:ext cx="101333" cy="198367"/>
+          </a:xfrm>
+          <a:prstGeom prst="straightConnector1">
+            <a:avLst/>
+          </a:prstGeom>
+          <a:ln w="28575">
+            <a:tailEnd type="triangle"/>
+          </a:ln>
+        </p:spPr>
+        <p:style>
+          <a:lnRef idx="1">
+            <a:schemeClr val="accent1"/>
+          </a:lnRef>
+          <a:fillRef idx="0">
+            <a:schemeClr val="accent1"/>
+          </a:fillRef>
+          <a:effectRef idx="0">
+            <a:schemeClr val="accent1"/>
+          </a:effectRef>
+          <a:fontRef idx="minor">
+            <a:schemeClr val="tx1"/>
+          </a:fontRef>
+        </p:style>
+      </p:cxnSp>
+    </p:spTree>
+    <p:extLst>
+      <p:ext uri="{BB962C8B-B14F-4D97-AF65-F5344CB8AC3E}">
+        <p14:creationId xmlns:p14="http://schemas.microsoft.com/office/powerpoint/2010/main" val="1562916855"/>
+      </p:ext>
+    </p:extLst>
+  </p:cSld>
+  <p:clrMapOvr>
+    <a:masterClrMapping/>
+  </p:clrMapOvr>
+  <mc:AlternateContent xmlns:mc="http://schemas.openxmlformats.org/markup-compatibility/2006" xmlns:p14="http://schemas.microsoft.com/office/powerpoint/2010/main">
+    <mc:Choice Requires="p14">
+      <p:transition spd="med" p14:dur="700">
+        <p:fade/>
+      </p:transition>
+    </mc:Choice>
+    <mc:Fallback xmlns="">
+      <p:transition spd="med">
+        <p:fade/>
+      </p:transition>
+    </mc:Fallback>
+  </mc:AlternateContent>
+  <p:timing>
+    <p:tnLst>
+      <p:par>
+        <p:cTn id="1" dur="indefinite" restart="never" nodeType="tmRoot">
+          <p:childTnLst>
+            <p:seq concurrent="1" nextAc="seek">
+              <p:cTn id="2" dur="indefinite" nodeType="mainSeq">
+                <p:childTnLst>
+                  <p:par>
+                    <p:cTn id="3" fill="hold">
+                      <p:stCondLst>
+                        <p:cond delay="indefinite"/>
+                      </p:stCondLst>
+                      <p:childTnLst>
+                        <p:par>
+                          <p:cTn id="4" fill="hold">
+                            <p:stCondLst>
+                              <p:cond delay="0"/>
+                            </p:stCondLst>
+                            <p:childTnLst>
+                              <p:par>
+                                <p:cTn id="5" presetID="1" presetClass="exit" presetSubtype="0" fill="hold" grpId="0" nodeType="clickEffect">
+                                  <p:stCondLst>
+                                    <p:cond delay="0"/>
+                                  </p:stCondLst>
+                                  <p:childTnLst>
+                                    <p:set>
+                                      <p:cBhvr>
+                                        <p:cTn id="6" dur="1" fill="hold">
+                                          <p:stCondLst>
+                                            <p:cond delay="0"/>
+                                          </p:stCondLst>
+                                        </p:cTn>
+                                        <p:tgtEl>
+                                          <p:spTgt spid="28"/>
+                                        </p:tgtEl>
+                                        <p:attrNameLst>
+                                          <p:attrName>style.visibility</p:attrName>
+                                        </p:attrNameLst>
+                                      </p:cBhvr>
+                                      <p:to>
+                                        <p:strVal val="hidden"/>
+                                      </p:to>
+                                    </p:set>
+                                  </p:childTnLst>
+                                </p:cTn>
+                              </p:par>
+                              <p:par>
+                                <p:cTn id="7" presetID="1" presetClass="exit" presetSubtype="0" fill="hold" nodeType="withEffect">
+                                  <p:stCondLst>
+                                    <p:cond delay="0"/>
+                                  </p:stCondLst>
+                                  <p:childTnLst>
+                                    <p:set>
+                                      <p:cBhvr>
+                                        <p:cTn id="8" dur="1" fill="hold">
+                                          <p:stCondLst>
+                                            <p:cond delay="0"/>
+                                          </p:stCondLst>
+                                        </p:cTn>
+                                        <p:tgtEl>
+                                          <p:spTgt spid="7"/>
+                                        </p:tgtEl>
+                                        <p:attrNameLst>
+                                          <p:attrName>style.visibility</p:attrName>
+                                        </p:attrNameLst>
+                                      </p:cBhvr>
+                                      <p:to>
+                                        <p:strVal val="hidden"/>
+                                      </p:to>
+                                    </p:set>
+                                  </p:childTnLst>
+                                </p:cTn>
+                              </p:par>
+                              <p:par>
+                                <p:cTn id="9" presetID="1" presetClass="exit" presetSubtype="0" fill="hold" nodeType="withEffect">
+                                  <p:stCondLst>
+                                    <p:cond delay="0"/>
+                                  </p:stCondLst>
+                                  <p:childTnLst>
+                                    <p:set>
+                                      <p:cBhvr>
+                                        <p:cTn id="10" dur="1" fill="hold">
+                                          <p:stCondLst>
+                                            <p:cond delay="0"/>
+                                          </p:stCondLst>
+                                        </p:cTn>
+                                        <p:tgtEl>
+                                          <p:spTgt spid="37"/>
+                                        </p:tgtEl>
+                                        <p:attrNameLst>
+                                          <p:attrName>style.visibility</p:attrName>
+                                        </p:attrNameLst>
+                                      </p:cBhvr>
+                                      <p:to>
+                                        <p:strVal val="hidden"/>
+                                      </p:to>
+                                    </p:set>
+                                  </p:childTnLst>
+                                </p:cTn>
+                              </p:par>
+                              <p:par>
+                                <p:cTn id="11" presetID="10" presetClass="entr" presetSubtype="0" fill="hold" grpId="0" nodeType="withEffect">
+                                  <p:stCondLst>
+                                    <p:cond delay="0"/>
+                                  </p:stCondLst>
+                                  <p:childTnLst>
+                                    <p:set>
+                                      <p:cBhvr>
+                                        <p:cTn id="12" dur="1" fill="hold">
+                                          <p:stCondLst>
+                                            <p:cond delay="0"/>
+                                          </p:stCondLst>
+                                        </p:cTn>
+                                        <p:tgtEl>
+                                          <p:spTgt spid="66"/>
+                                        </p:tgtEl>
+                                        <p:attrNameLst>
+                                          <p:attrName>style.visibility</p:attrName>
+                                        </p:attrNameLst>
+                                      </p:cBhvr>
+                                      <p:to>
+                                        <p:strVal val="visible"/>
+                                      </p:to>
+                                    </p:set>
+                                    <p:animEffect transition="in" filter="fade">
+                                      <p:cBhvr>
+                                        <p:cTn id="13" dur="500"/>
+                                        <p:tgtEl>
+                                          <p:spTgt spid="66"/>
+                                        </p:tgtEl>
+                                      </p:cBhvr>
+                                    </p:animEffect>
+                                  </p:childTnLst>
+                                </p:cTn>
+                              </p:par>
+                              <p:par>
+                                <p:cTn id="14" presetID="10" presetClass="entr" presetSubtype="0" fill="hold" nodeType="withEffect">
+                                  <p:stCondLst>
+                                    <p:cond delay="0"/>
+                                  </p:stCondLst>
+                                  <p:childTnLst>
+                                    <p:set>
+                                      <p:cBhvr>
+                                        <p:cTn id="15" dur="1" fill="hold">
+                                          <p:stCondLst>
+                                            <p:cond delay="0"/>
+                                          </p:stCondLst>
+                                        </p:cTn>
+                                        <p:tgtEl>
+                                          <p:spTgt spid="54"/>
+                                        </p:tgtEl>
+                                        <p:attrNameLst>
+                                          <p:attrName>style.visibility</p:attrName>
+                                        </p:attrNameLst>
+                                      </p:cBhvr>
+                                      <p:to>
+                                        <p:strVal val="visible"/>
+                                      </p:to>
+                                    </p:set>
+                                    <p:animEffect transition="in" filter="fade">
+                                      <p:cBhvr>
+                                        <p:cTn id="16" dur="500"/>
+                                        <p:tgtEl>
+                                          <p:spTgt spid="54"/>
+                                        </p:tgtEl>
+                                      </p:cBhvr>
+                                    </p:animEffect>
+                                  </p:childTnLst>
+                                </p:cTn>
+                              </p:par>
+                              <p:par>
+                                <p:cTn id="17" presetID="10" presetClass="entr" presetSubtype="0" fill="hold" nodeType="withEffect">
+                                  <p:stCondLst>
+                                    <p:cond delay="0"/>
+                                  </p:stCondLst>
+                                  <p:childTnLst>
+                                    <p:set>
+                                      <p:cBhvr>
+                                        <p:cTn id="18" dur="1" fill="hold">
+                                          <p:stCondLst>
+                                            <p:cond delay="0"/>
+                                          </p:stCondLst>
+                                        </p:cTn>
+                                        <p:tgtEl>
+                                          <p:spTgt spid="64"/>
+                                        </p:tgtEl>
+                                        <p:attrNameLst>
+                                          <p:attrName>style.visibility</p:attrName>
+                                        </p:attrNameLst>
+                                      </p:cBhvr>
+                                      <p:to>
+                                        <p:strVal val="visible"/>
+                                      </p:to>
+                                    </p:set>
+                                    <p:animEffect transition="in" filter="fade">
+                                      <p:cBhvr>
+                                        <p:cTn id="19" dur="500"/>
+                                        <p:tgtEl>
+                                          <p:spTgt spid="64"/>
+                                        </p:tgtEl>
+                                      </p:cBhvr>
+                                    </p:animEffect>
+                                  </p:childTnLst>
+                                </p:cTn>
+                              </p:par>
+                              <p:par>
+                                <p:cTn id="20" presetID="10" presetClass="entr" presetSubtype="0" fill="hold" nodeType="withEffect">
+                                  <p:stCondLst>
+                                    <p:cond delay="0"/>
+                                  </p:stCondLst>
+                                  <p:childTnLst>
+                                    <p:set>
+                                      <p:cBhvr>
+                                        <p:cTn id="21" dur="1" fill="hold">
+                                          <p:stCondLst>
+                                            <p:cond delay="0"/>
+                                          </p:stCondLst>
+                                        </p:cTn>
+                                        <p:tgtEl>
+                                          <p:spTgt spid="56"/>
+                                        </p:tgtEl>
+                                        <p:attrNameLst>
+                                          <p:attrName>style.visibility</p:attrName>
+                                        </p:attrNameLst>
+                                      </p:cBhvr>
+                                      <p:to>
+                                        <p:strVal val="visible"/>
+                                      </p:to>
+                                    </p:set>
+                                    <p:animEffect transition="in" filter="fade">
+                                      <p:cBhvr>
+                                        <p:cTn id="22" dur="500"/>
+                                        <p:tgtEl>
+                                          <p:spTgt spid="56"/>
+                                        </p:tgtEl>
+                                      </p:cBhvr>
+                                    </p:animEffect>
+                                  </p:childTnLst>
+                                </p:cTn>
+                              </p:par>
+                            </p:childTnLst>
+                          </p:cTn>
+                        </p:par>
+                      </p:childTnLst>
+                    </p:cTn>
+                  </p:par>
+                  <p:par>
+                    <p:cTn id="23" fill="hold">
+                      <p:stCondLst>
+                        <p:cond delay="indefinite"/>
+                      </p:stCondLst>
+                      <p:childTnLst>
+                        <p:par>
+                          <p:cTn id="24" fill="hold">
+                            <p:stCondLst>
+                              <p:cond delay="0"/>
+                            </p:stCondLst>
+                            <p:childTnLst>
+                              <p:par>
+                                <p:cTn id="25" presetID="1" presetClass="exit" presetSubtype="0" fill="hold" grpId="1" nodeType="clickEffect">
+                                  <p:stCondLst>
+                                    <p:cond delay="0"/>
+                                  </p:stCondLst>
+                                  <p:childTnLst>
+                                    <p:set>
+                                      <p:cBhvr>
+                                        <p:cTn id="26" dur="1" fill="hold">
+                                          <p:stCondLst>
+                                            <p:cond delay="0"/>
+                                          </p:stCondLst>
+                                        </p:cTn>
+                                        <p:tgtEl>
+                                          <p:spTgt spid="66"/>
+                                        </p:tgtEl>
+                                        <p:attrNameLst>
+                                          <p:attrName>style.visibility</p:attrName>
+                                        </p:attrNameLst>
+                                      </p:cBhvr>
+                                      <p:to>
+                                        <p:strVal val="hidden"/>
+                                      </p:to>
+                                    </p:set>
+                                  </p:childTnLst>
+                                </p:cTn>
+                              </p:par>
+                              <p:par>
+                                <p:cTn id="27" presetID="1" presetClass="exit" presetSubtype="0" fill="hold" nodeType="withEffect">
+                                  <p:stCondLst>
+                                    <p:cond delay="0"/>
+                                  </p:stCondLst>
+                                  <p:childTnLst>
+                                    <p:set>
+                                      <p:cBhvr>
+                                        <p:cTn id="28" dur="1" fill="hold">
+                                          <p:stCondLst>
+                                            <p:cond delay="0"/>
+                                          </p:stCondLst>
+                                        </p:cTn>
+                                        <p:tgtEl>
+                                          <p:spTgt spid="54"/>
+                                        </p:tgtEl>
+                                        <p:attrNameLst>
+                                          <p:attrName>style.visibility</p:attrName>
+                                        </p:attrNameLst>
+                                      </p:cBhvr>
+                                      <p:to>
+                                        <p:strVal val="hidden"/>
+                                      </p:to>
+                                    </p:set>
+                                  </p:childTnLst>
+                                </p:cTn>
+                              </p:par>
+                              <p:par>
+                                <p:cTn id="29" presetID="1" presetClass="exit" presetSubtype="0" fill="hold" nodeType="withEffect">
+                                  <p:stCondLst>
+                                    <p:cond delay="0"/>
+                                  </p:stCondLst>
+                                  <p:childTnLst>
+                                    <p:set>
+                                      <p:cBhvr>
+                                        <p:cTn id="30" dur="1" fill="hold">
+                                          <p:stCondLst>
+                                            <p:cond delay="0"/>
+                                          </p:stCondLst>
+                                        </p:cTn>
+                                        <p:tgtEl>
+                                          <p:spTgt spid="64"/>
+                                        </p:tgtEl>
+                                        <p:attrNameLst>
+                                          <p:attrName>style.visibility</p:attrName>
+                                        </p:attrNameLst>
+                                      </p:cBhvr>
+                                      <p:to>
+                                        <p:strVal val="hidden"/>
+                                      </p:to>
+                                    </p:set>
+                                  </p:childTnLst>
+                                </p:cTn>
+                              </p:par>
+                              <p:par>
+                                <p:cTn id="31" presetID="1" presetClass="exit" presetSubtype="0" fill="hold" nodeType="withEffect">
+                                  <p:stCondLst>
+                                    <p:cond delay="0"/>
+                                  </p:stCondLst>
+                                  <p:childTnLst>
+                                    <p:set>
+                                      <p:cBhvr>
+                                        <p:cTn id="32" dur="1" fill="hold">
+                                          <p:stCondLst>
+                                            <p:cond delay="0"/>
+                                          </p:stCondLst>
+                                        </p:cTn>
+                                        <p:tgtEl>
+                                          <p:spTgt spid="56"/>
+                                        </p:tgtEl>
+                                        <p:attrNameLst>
+                                          <p:attrName>style.visibility</p:attrName>
+                                        </p:attrNameLst>
+                                      </p:cBhvr>
+                                      <p:to>
+                                        <p:strVal val="hidden"/>
+                                      </p:to>
+                                    </p:set>
+                                  </p:childTnLst>
+                                </p:cTn>
+                              </p:par>
+                              <p:par>
+                                <p:cTn id="33" presetID="10" presetClass="entr" presetSubtype="0" fill="hold" grpId="0" nodeType="withEffect">
+                                  <p:stCondLst>
+                                    <p:cond delay="0"/>
+                                  </p:stCondLst>
+                                  <p:childTnLst>
+                                    <p:set>
+                                      <p:cBhvr>
+                                        <p:cTn id="34" dur="1" fill="hold">
+                                          <p:stCondLst>
+                                            <p:cond delay="0"/>
+                                          </p:stCondLst>
+                                        </p:cTn>
+                                        <p:tgtEl>
+                                          <p:spTgt spid="31"/>
+                                        </p:tgtEl>
+                                        <p:attrNameLst>
+                                          <p:attrName>style.visibility</p:attrName>
+                                        </p:attrNameLst>
+                                      </p:cBhvr>
+                                      <p:to>
+                                        <p:strVal val="visible"/>
+                                      </p:to>
+                                    </p:set>
+                                    <p:animEffect transition="in" filter="fade">
+                                      <p:cBhvr>
+                                        <p:cTn id="35" dur="500"/>
+                                        <p:tgtEl>
+                                          <p:spTgt spid="31"/>
+                                        </p:tgtEl>
+                                      </p:cBhvr>
+                                    </p:animEffect>
+                                  </p:childTnLst>
+                                </p:cTn>
+                              </p:par>
+                              <p:par>
+                                <p:cTn id="36" presetID="10" presetClass="entr" presetSubtype="0" fill="hold" nodeType="withEffect">
+                                  <p:stCondLst>
+                                    <p:cond delay="0"/>
+                                  </p:stCondLst>
+                                  <p:childTnLst>
+                                    <p:set>
+                                      <p:cBhvr>
+                                        <p:cTn id="37" dur="1" fill="hold">
+                                          <p:stCondLst>
+                                            <p:cond delay="0"/>
+                                          </p:stCondLst>
+                                        </p:cTn>
+                                        <p:tgtEl>
+                                          <p:spTgt spid="30"/>
+                                        </p:tgtEl>
+                                        <p:attrNameLst>
+                                          <p:attrName>style.visibility</p:attrName>
+                                        </p:attrNameLst>
+                                      </p:cBhvr>
+                                      <p:to>
+                                        <p:strVal val="visible"/>
+                                      </p:to>
+                                    </p:set>
+                                    <p:animEffect transition="in" filter="fade">
+                                      <p:cBhvr>
+                                        <p:cTn id="38" dur="500"/>
+                                        <p:tgtEl>
+                                          <p:spTgt spid="30"/>
+                                        </p:tgtEl>
+                                      </p:cBhvr>
+                                    </p:animEffect>
+                                  </p:childTnLst>
+                                </p:cTn>
+                              </p:par>
+                            </p:childTnLst>
+                          </p:cTn>
+                        </p:par>
+                      </p:childTnLst>
+                    </p:cTn>
+                  </p:par>
+                  <p:par>
+                    <p:cTn id="39" fill="hold">
+                      <p:stCondLst>
+                        <p:cond delay="indefinite"/>
+                      </p:stCondLst>
+                      <p:childTnLst>
+                        <p:par>
+                          <p:cTn id="40" fill="hold">
+                            <p:stCondLst>
+                              <p:cond delay="0"/>
+                            </p:stCondLst>
+                            <p:childTnLst>
+                              <p:par>
+                                <p:cTn id="41" presetID="1" presetClass="exit" presetSubtype="0" fill="hold" grpId="1" nodeType="clickEffect">
+                                  <p:stCondLst>
+                                    <p:cond delay="0"/>
+                                  </p:stCondLst>
+                                  <p:childTnLst>
+                                    <p:set>
+                                      <p:cBhvr>
+                                        <p:cTn id="42" dur="1" fill="hold">
+                                          <p:stCondLst>
+                                            <p:cond delay="0"/>
+                                          </p:stCondLst>
+                                        </p:cTn>
+                                        <p:tgtEl>
+                                          <p:spTgt spid="31"/>
+                                        </p:tgtEl>
+                                        <p:attrNameLst>
+                                          <p:attrName>style.visibility</p:attrName>
+                                        </p:attrNameLst>
+                                      </p:cBhvr>
+                                      <p:to>
+                                        <p:strVal val="hidden"/>
+                                      </p:to>
+                                    </p:set>
+                                  </p:childTnLst>
+                                </p:cTn>
+                              </p:par>
+                              <p:par>
+                                <p:cTn id="43" presetID="1" presetClass="exit" presetSubtype="0" fill="hold" nodeType="withEffect">
+                                  <p:stCondLst>
+                                    <p:cond delay="0"/>
+                                  </p:stCondLst>
+                                  <p:childTnLst>
+                                    <p:set>
+                                      <p:cBhvr>
+                                        <p:cTn id="44" dur="1" fill="hold">
+                                          <p:stCondLst>
+                                            <p:cond delay="0"/>
+                                          </p:stCondLst>
+                                        </p:cTn>
+                                        <p:tgtEl>
+                                          <p:spTgt spid="30"/>
+                                        </p:tgtEl>
+                                        <p:attrNameLst>
+                                          <p:attrName>style.visibility</p:attrName>
+                                        </p:attrNameLst>
+                                      </p:cBhvr>
+                                      <p:to>
+                                        <p:strVal val="hidden"/>
+                                      </p:to>
+                                    </p:set>
+                                  </p:childTnLst>
+                                </p:cTn>
+                              </p:par>
+                              <p:par>
+                                <p:cTn id="45" presetID="10" presetClass="entr" presetSubtype="0" fill="hold" grpId="0" nodeType="withEffect">
+                                  <p:stCondLst>
+                                    <p:cond delay="0"/>
+                                  </p:stCondLst>
+                                  <p:childTnLst>
+                                    <p:set>
+                                      <p:cBhvr>
+                                        <p:cTn id="46" dur="1" fill="hold">
+                                          <p:stCondLst>
+                                            <p:cond delay="0"/>
+                                          </p:stCondLst>
+                                        </p:cTn>
+                                        <p:tgtEl>
+                                          <p:spTgt spid="33"/>
+                                        </p:tgtEl>
+                                        <p:attrNameLst>
+                                          <p:attrName>style.visibility</p:attrName>
+                                        </p:attrNameLst>
+                                      </p:cBhvr>
+                                      <p:to>
+                                        <p:strVal val="visible"/>
+                                      </p:to>
+                                    </p:set>
+                                    <p:animEffect transition="in" filter="fade">
+                                      <p:cBhvr>
+                                        <p:cTn id="47" dur="500"/>
+                                        <p:tgtEl>
+                                          <p:spTgt spid="33"/>
+                                        </p:tgtEl>
+                                      </p:cBhvr>
+                                    </p:animEffect>
+                                  </p:childTnLst>
+                                </p:cTn>
+                              </p:par>
+                              <p:par>
+                                <p:cTn id="48" presetID="10" presetClass="entr" presetSubtype="0" fill="hold" nodeType="withEffect">
+                                  <p:stCondLst>
+                                    <p:cond delay="0"/>
+                                  </p:stCondLst>
+                                  <p:childTnLst>
+                                    <p:set>
+                                      <p:cBhvr>
+                                        <p:cTn id="49" dur="1" fill="hold">
+                                          <p:stCondLst>
+                                            <p:cond delay="0"/>
+                                          </p:stCondLst>
+                                        </p:cTn>
+                                        <p:tgtEl>
+                                          <p:spTgt spid="32"/>
+                                        </p:tgtEl>
+                                        <p:attrNameLst>
+                                          <p:attrName>style.visibility</p:attrName>
+                                        </p:attrNameLst>
+                                      </p:cBhvr>
+                                      <p:to>
+                                        <p:strVal val="visible"/>
+                                      </p:to>
+                                    </p:set>
+                                    <p:animEffect transition="in" filter="fade">
+                                      <p:cBhvr>
+                                        <p:cTn id="50" dur="500"/>
+                                        <p:tgtEl>
+                                          <p:spTgt spid="32"/>
+                                        </p:tgtEl>
+                                      </p:cBhvr>
+                                    </p:animEffect>
+                                  </p:childTnLst>
+                                </p:cTn>
+                              </p:par>
+                            </p:childTnLst>
+                          </p:cTn>
+                        </p:par>
+                      </p:childTnLst>
+                    </p:cTn>
+                  </p:par>
+                  <p:par>
+                    <p:cTn id="51" fill="hold">
+                      <p:stCondLst>
+                        <p:cond delay="indefinite"/>
+                      </p:stCondLst>
+                      <p:childTnLst>
+                        <p:par>
+                          <p:cTn id="52" fill="hold">
+                            <p:stCondLst>
+                              <p:cond delay="0"/>
+                            </p:stCondLst>
+                            <p:childTnLst>
+                              <p:par>
+                                <p:cTn id="53" presetID="1" presetClass="exit" presetSubtype="0" fill="hold" grpId="1" nodeType="clickEffect">
+                                  <p:stCondLst>
+                                    <p:cond delay="0"/>
+                                  </p:stCondLst>
+                                  <p:childTnLst>
+                                    <p:set>
+                                      <p:cBhvr>
+                                        <p:cTn id="54" dur="1" fill="hold">
+                                          <p:stCondLst>
+                                            <p:cond delay="0"/>
+                                          </p:stCondLst>
+                                        </p:cTn>
+                                        <p:tgtEl>
+                                          <p:spTgt spid="33"/>
+                                        </p:tgtEl>
+                                        <p:attrNameLst>
+                                          <p:attrName>style.visibility</p:attrName>
+                                        </p:attrNameLst>
+                                      </p:cBhvr>
+                                      <p:to>
+                                        <p:strVal val="hidden"/>
+                                      </p:to>
+                                    </p:set>
+                                  </p:childTnLst>
+                                </p:cTn>
+                              </p:par>
+                              <p:par>
+                                <p:cTn id="55" presetID="1" presetClass="exit" presetSubtype="0" fill="hold" nodeType="withEffect">
+                                  <p:stCondLst>
+                                    <p:cond delay="0"/>
+                                  </p:stCondLst>
+                                  <p:childTnLst>
+                                    <p:set>
+                                      <p:cBhvr>
+                                        <p:cTn id="56" dur="1" fill="hold">
+                                          <p:stCondLst>
+                                            <p:cond delay="0"/>
+                                          </p:stCondLst>
+                                        </p:cTn>
+                                        <p:tgtEl>
+                                          <p:spTgt spid="32"/>
+                                        </p:tgtEl>
+                                        <p:attrNameLst>
+                                          <p:attrName>style.visibility</p:attrName>
+                                        </p:attrNameLst>
+                                      </p:cBhvr>
+                                      <p:to>
+                                        <p:strVal val="hidden"/>
+                                      </p:to>
+                                    </p:set>
+                                  </p:childTnLst>
+                                </p:cTn>
+                              </p:par>
+                              <p:par>
+                                <p:cTn id="57" presetID="10" presetClass="entr" presetSubtype="0" fill="hold" grpId="0" nodeType="withEffect">
+                                  <p:stCondLst>
+                                    <p:cond delay="0"/>
+                                  </p:stCondLst>
+                                  <p:childTnLst>
+                                    <p:set>
+                                      <p:cBhvr>
+                                        <p:cTn id="58" dur="1" fill="hold">
+                                          <p:stCondLst>
+                                            <p:cond delay="0"/>
+                                          </p:stCondLst>
+                                        </p:cTn>
+                                        <p:tgtEl>
+                                          <p:spTgt spid="36"/>
+                                        </p:tgtEl>
+                                        <p:attrNameLst>
+                                          <p:attrName>style.visibility</p:attrName>
+                                        </p:attrNameLst>
+                                      </p:cBhvr>
+                                      <p:to>
+                                        <p:strVal val="visible"/>
+                                      </p:to>
+                                    </p:set>
+                                    <p:animEffect transition="in" filter="fade">
+                                      <p:cBhvr>
+                                        <p:cTn id="59" dur="500"/>
+                                        <p:tgtEl>
+                                          <p:spTgt spid="36"/>
+                                        </p:tgtEl>
+                                      </p:cBhvr>
+                                    </p:animEffect>
+                                  </p:childTnLst>
+                                </p:cTn>
+                              </p:par>
+                              <p:par>
+                                <p:cTn id="60" presetID="10" presetClass="entr" presetSubtype="0" fill="hold" nodeType="withEffect">
+                                  <p:stCondLst>
+                                    <p:cond delay="0"/>
+                                  </p:stCondLst>
+                                  <p:childTnLst>
+                                    <p:set>
+                                      <p:cBhvr>
+                                        <p:cTn id="61" dur="1" fill="hold">
+                                          <p:stCondLst>
+                                            <p:cond delay="0"/>
+                                          </p:stCondLst>
+                                        </p:cTn>
+                                        <p:tgtEl>
+                                          <p:spTgt spid="35"/>
+                                        </p:tgtEl>
+                                        <p:attrNameLst>
+                                          <p:attrName>style.visibility</p:attrName>
+                                        </p:attrNameLst>
+                                      </p:cBhvr>
+                                      <p:to>
+                                        <p:strVal val="visible"/>
+                                      </p:to>
+                                    </p:set>
+                                    <p:animEffect transition="in" filter="fade">
+                                      <p:cBhvr>
+                                        <p:cTn id="62" dur="500"/>
+                                        <p:tgtEl>
+                                          <p:spTgt spid="35"/>
+                                        </p:tgtEl>
+                                      </p:cBhvr>
+                                    </p:animEffect>
+                                  </p:childTnLst>
+                                </p:cTn>
+                              </p:par>
+                            </p:childTnLst>
+                          </p:cTn>
+                        </p:par>
+                      </p:childTnLst>
+                    </p:cTn>
+                  </p:par>
+                  <p:par>
+                    <p:cTn id="63" fill="hold">
+                      <p:stCondLst>
+                        <p:cond delay="indefinite"/>
+                      </p:stCondLst>
+                      <p:childTnLst>
+                        <p:par>
+                          <p:cTn id="64" fill="hold">
+                            <p:stCondLst>
+                              <p:cond delay="0"/>
+                            </p:stCondLst>
+                            <p:childTnLst>
+                              <p:par>
+                                <p:cTn id="65" presetID="1" presetClass="exit" presetSubtype="0" fill="hold" grpId="1" nodeType="clickEffect">
+                                  <p:stCondLst>
+                                    <p:cond delay="0"/>
+                                  </p:stCondLst>
+                                  <p:childTnLst>
+                                    <p:set>
+                                      <p:cBhvr>
+                                        <p:cTn id="66" dur="1" fill="hold">
+                                          <p:stCondLst>
+                                            <p:cond delay="0"/>
+                                          </p:stCondLst>
+                                        </p:cTn>
+                                        <p:tgtEl>
+                                          <p:spTgt spid="36"/>
+                                        </p:tgtEl>
+                                        <p:attrNameLst>
+                                          <p:attrName>style.visibility</p:attrName>
+                                        </p:attrNameLst>
+                                      </p:cBhvr>
+                                      <p:to>
+                                        <p:strVal val="hidden"/>
+                                      </p:to>
+                                    </p:set>
+                                  </p:childTnLst>
+                                </p:cTn>
+                              </p:par>
+                              <p:par>
+                                <p:cTn id="67" presetID="1" presetClass="exit" presetSubtype="0" fill="hold" nodeType="withEffect">
+                                  <p:stCondLst>
+                                    <p:cond delay="0"/>
+                                  </p:stCondLst>
+                                  <p:childTnLst>
+                                    <p:set>
+                                      <p:cBhvr>
+                                        <p:cTn id="68" dur="1" fill="hold">
+                                          <p:stCondLst>
+                                            <p:cond delay="0"/>
+                                          </p:stCondLst>
+                                        </p:cTn>
+                                        <p:tgtEl>
+                                          <p:spTgt spid="35"/>
+                                        </p:tgtEl>
+                                        <p:attrNameLst>
+                                          <p:attrName>style.visibility</p:attrName>
+                                        </p:attrNameLst>
+                                      </p:cBhvr>
+                                      <p:to>
+                                        <p:strVal val="hidden"/>
+                                      </p:to>
+                                    </p:set>
+                                  </p:childTnLst>
+                                </p:cTn>
+                              </p:par>
+                              <p:par>
+                                <p:cTn id="69" presetID="10" presetClass="entr" presetSubtype="0" fill="hold" grpId="0" nodeType="withEffect">
+                                  <p:stCondLst>
+                                    <p:cond delay="0"/>
+                                  </p:stCondLst>
+                                  <p:childTnLst>
+                                    <p:set>
+                                      <p:cBhvr>
+                                        <p:cTn id="70" dur="1" fill="hold">
+                                          <p:stCondLst>
+                                            <p:cond delay="0"/>
+                                          </p:stCondLst>
+                                        </p:cTn>
+                                        <p:tgtEl>
+                                          <p:spTgt spid="39"/>
+                                        </p:tgtEl>
+                                        <p:attrNameLst>
+                                          <p:attrName>style.visibility</p:attrName>
+                                        </p:attrNameLst>
+                                      </p:cBhvr>
+                                      <p:to>
+                                        <p:strVal val="visible"/>
+                                      </p:to>
+                                    </p:set>
+                                    <p:animEffect transition="in" filter="fade">
+                                      <p:cBhvr>
+                                        <p:cTn id="71" dur="500"/>
+                                        <p:tgtEl>
+                                          <p:spTgt spid="39"/>
+                                        </p:tgtEl>
+                                      </p:cBhvr>
+                                    </p:animEffect>
+                                  </p:childTnLst>
+                                </p:cTn>
+                              </p:par>
+                              <p:par>
+                                <p:cTn id="72" presetID="10" presetClass="entr" presetSubtype="0" fill="hold" nodeType="withEffect">
+                                  <p:stCondLst>
+                                    <p:cond delay="0"/>
+                                  </p:stCondLst>
+                                  <p:childTnLst>
+                                    <p:set>
+                                      <p:cBhvr>
+                                        <p:cTn id="73" dur="1" fill="hold">
+                                          <p:stCondLst>
+                                            <p:cond delay="0"/>
+                                          </p:stCondLst>
+                                        </p:cTn>
+                                        <p:tgtEl>
+                                          <p:spTgt spid="38"/>
+                                        </p:tgtEl>
+                                        <p:attrNameLst>
+                                          <p:attrName>style.visibility</p:attrName>
+                                        </p:attrNameLst>
+                                      </p:cBhvr>
+                                      <p:to>
+                                        <p:strVal val="visible"/>
+                                      </p:to>
+                                    </p:set>
+                                    <p:animEffect transition="in" filter="fade">
+                                      <p:cBhvr>
+                                        <p:cTn id="74" dur="500"/>
+                                        <p:tgtEl>
+                                          <p:spTgt spid="38"/>
+                                        </p:tgtEl>
+                                      </p:cBhvr>
+                                    </p:animEffect>
+                                  </p:childTnLst>
+                                </p:cTn>
+                              </p:par>
+                            </p:childTnLst>
+                          </p:cTn>
+                        </p:par>
+                      </p:childTnLst>
+                    </p:cTn>
+                  </p:par>
+                  <p:par>
+                    <p:cTn id="75" fill="hold">
+                      <p:stCondLst>
+                        <p:cond delay="indefinite"/>
+                      </p:stCondLst>
+                      <p:childTnLst>
+                        <p:par>
+                          <p:cTn id="76" fill="hold">
+                            <p:stCondLst>
+                              <p:cond delay="0"/>
+                            </p:stCondLst>
+                            <p:childTnLst>
+                              <p:par>
+                                <p:cTn id="77" presetID="1" presetClass="exit" presetSubtype="0" fill="hold" grpId="1" nodeType="clickEffect">
+                                  <p:stCondLst>
+                                    <p:cond delay="0"/>
+                                  </p:stCondLst>
+                                  <p:childTnLst>
+                                    <p:set>
+                                      <p:cBhvr>
+                                        <p:cTn id="78" dur="1" fill="hold">
+                                          <p:stCondLst>
+                                            <p:cond delay="0"/>
+                                          </p:stCondLst>
+                                        </p:cTn>
+                                        <p:tgtEl>
+                                          <p:spTgt spid="39"/>
+                                        </p:tgtEl>
+                                        <p:attrNameLst>
+                                          <p:attrName>style.visibility</p:attrName>
+                                        </p:attrNameLst>
+                                      </p:cBhvr>
+                                      <p:to>
+                                        <p:strVal val="hidden"/>
+                                      </p:to>
+                                    </p:set>
+                                  </p:childTnLst>
+                                </p:cTn>
+                              </p:par>
+                              <p:par>
+                                <p:cTn id="79" presetID="1" presetClass="exit" presetSubtype="0" fill="hold" nodeType="withEffect">
+                                  <p:stCondLst>
+                                    <p:cond delay="0"/>
+                                  </p:stCondLst>
+                                  <p:childTnLst>
+                                    <p:set>
+                                      <p:cBhvr>
+                                        <p:cTn id="80" dur="1" fill="hold">
+                                          <p:stCondLst>
+                                            <p:cond delay="0"/>
+                                          </p:stCondLst>
+                                        </p:cTn>
+                                        <p:tgtEl>
+                                          <p:spTgt spid="38"/>
+                                        </p:tgtEl>
+                                        <p:attrNameLst>
+                                          <p:attrName>style.visibility</p:attrName>
+                                        </p:attrNameLst>
+                                      </p:cBhvr>
+                                      <p:to>
+                                        <p:strVal val="hidden"/>
+                                      </p:to>
+                                    </p:set>
+                                  </p:childTnLst>
+                                </p:cTn>
+                              </p:par>
+                              <p:par>
+                                <p:cTn id="81" presetID="10" presetClass="entr" presetSubtype="0" fill="hold" grpId="0" nodeType="withEffect">
+                                  <p:stCondLst>
+                                    <p:cond delay="0"/>
+                                  </p:stCondLst>
+                                  <p:childTnLst>
+                                    <p:set>
+                                      <p:cBhvr>
+                                        <p:cTn id="82" dur="1" fill="hold">
+                                          <p:stCondLst>
+                                            <p:cond delay="0"/>
+                                          </p:stCondLst>
+                                        </p:cTn>
+                                        <p:tgtEl>
+                                          <p:spTgt spid="44"/>
+                                        </p:tgtEl>
+                                        <p:attrNameLst>
+                                          <p:attrName>style.visibility</p:attrName>
+                                        </p:attrNameLst>
+                                      </p:cBhvr>
+                                      <p:to>
+                                        <p:strVal val="visible"/>
+                                      </p:to>
+                                    </p:set>
+                                    <p:animEffect transition="in" filter="fade">
+                                      <p:cBhvr>
+                                        <p:cTn id="83" dur="500"/>
+                                        <p:tgtEl>
+                                          <p:spTgt spid="44"/>
+                                        </p:tgtEl>
+                                      </p:cBhvr>
+                                    </p:animEffect>
+                                  </p:childTnLst>
+                                </p:cTn>
+                              </p:par>
+                              <p:par>
+                                <p:cTn id="84" presetID="10" presetClass="entr" presetSubtype="0" fill="hold" nodeType="withEffect">
+                                  <p:stCondLst>
+                                    <p:cond delay="0"/>
+                                  </p:stCondLst>
+                                  <p:childTnLst>
+                                    <p:set>
+                                      <p:cBhvr>
+                                        <p:cTn id="85" dur="1" fill="hold">
+                                          <p:stCondLst>
+                                            <p:cond delay="0"/>
+                                          </p:stCondLst>
+                                        </p:cTn>
+                                        <p:tgtEl>
+                                          <p:spTgt spid="43"/>
+                                        </p:tgtEl>
+                                        <p:attrNameLst>
+                                          <p:attrName>style.visibility</p:attrName>
+                                        </p:attrNameLst>
+                                      </p:cBhvr>
+                                      <p:to>
+                                        <p:strVal val="visible"/>
+                                      </p:to>
+                                    </p:set>
+                                    <p:animEffect transition="in" filter="fade">
+                                      <p:cBhvr>
+                                        <p:cTn id="86" dur="500"/>
+                                        <p:tgtEl>
+                                          <p:spTgt spid="43"/>
+                                        </p:tgtEl>
+                                      </p:cBhvr>
+                                    </p:animEffect>
+                                  </p:childTnLst>
+                                </p:cTn>
+                              </p:par>
+                            </p:childTnLst>
+                          </p:cTn>
+                        </p:par>
+                      </p:childTnLst>
+                    </p:cTn>
+                  </p:par>
+                  <p:par>
+                    <p:cTn id="87" fill="hold">
+                      <p:stCondLst>
+                        <p:cond delay="indefinite"/>
+                      </p:stCondLst>
+                      <p:childTnLst>
+                        <p:par>
+                          <p:cTn id="88" fill="hold">
+                            <p:stCondLst>
+                              <p:cond delay="0"/>
+                            </p:stCondLst>
+                            <p:childTnLst>
+                              <p:par>
+                                <p:cTn id="89" presetID="1" presetClass="exit" presetSubtype="0" fill="hold" grpId="1" nodeType="clickEffect">
+                                  <p:stCondLst>
+                                    <p:cond delay="0"/>
+                                  </p:stCondLst>
+                                  <p:childTnLst>
+                                    <p:set>
+                                      <p:cBhvr>
+                                        <p:cTn id="90" dur="1" fill="hold">
+                                          <p:stCondLst>
+                                            <p:cond delay="0"/>
+                                          </p:stCondLst>
+                                        </p:cTn>
+                                        <p:tgtEl>
+                                          <p:spTgt spid="44"/>
+                                        </p:tgtEl>
+                                        <p:attrNameLst>
+                                          <p:attrName>style.visibility</p:attrName>
+                                        </p:attrNameLst>
+                                      </p:cBhvr>
+                                      <p:to>
+                                        <p:strVal val="hidden"/>
+                                      </p:to>
+                                    </p:set>
+                                  </p:childTnLst>
+                                </p:cTn>
+                              </p:par>
+                              <p:par>
+                                <p:cTn id="91" presetID="1" presetClass="exit" presetSubtype="0" fill="hold" nodeType="withEffect">
+                                  <p:stCondLst>
+                                    <p:cond delay="0"/>
+                                  </p:stCondLst>
+                                  <p:childTnLst>
+                                    <p:set>
+                                      <p:cBhvr>
+                                        <p:cTn id="92" dur="1" fill="hold">
+                                          <p:stCondLst>
+                                            <p:cond delay="0"/>
+                                          </p:stCondLst>
+                                        </p:cTn>
+                                        <p:tgtEl>
+                                          <p:spTgt spid="43"/>
+                                        </p:tgtEl>
+                                        <p:attrNameLst>
+                                          <p:attrName>style.visibility</p:attrName>
+                                        </p:attrNameLst>
+                                      </p:cBhvr>
+                                      <p:to>
+                                        <p:strVal val="hidden"/>
+                                      </p:to>
+                                    </p:set>
+                                  </p:childTnLst>
+                                </p:cTn>
+                              </p:par>
+                              <p:par>
+                                <p:cTn id="93" presetID="10" presetClass="entr" presetSubtype="0" fill="hold" grpId="0" nodeType="withEffect">
+                                  <p:stCondLst>
+                                    <p:cond delay="0"/>
+                                  </p:stCondLst>
+                                  <p:childTnLst>
+                                    <p:set>
+                                      <p:cBhvr>
+                                        <p:cTn id="94" dur="1" fill="hold">
+                                          <p:stCondLst>
+                                            <p:cond delay="0"/>
+                                          </p:stCondLst>
+                                        </p:cTn>
+                                        <p:tgtEl>
+                                          <p:spTgt spid="47"/>
+                                        </p:tgtEl>
+                                        <p:attrNameLst>
+                                          <p:attrName>style.visibility</p:attrName>
+                                        </p:attrNameLst>
+                                      </p:cBhvr>
+                                      <p:to>
+                                        <p:strVal val="visible"/>
+                                      </p:to>
+                                    </p:set>
+                                    <p:animEffect transition="in" filter="fade">
+                                      <p:cBhvr>
+                                        <p:cTn id="95" dur="500"/>
+                                        <p:tgtEl>
+                                          <p:spTgt spid="47"/>
+                                        </p:tgtEl>
+                                      </p:cBhvr>
+                                    </p:animEffect>
+                                  </p:childTnLst>
+                                </p:cTn>
+                              </p:par>
+                              <p:par>
+                                <p:cTn id="96" presetID="10" presetClass="entr" presetSubtype="0" fill="hold" nodeType="withEffect">
+                                  <p:stCondLst>
+                                    <p:cond delay="0"/>
+                                  </p:stCondLst>
+                                  <p:childTnLst>
+                                    <p:set>
+                                      <p:cBhvr>
+                                        <p:cTn id="97" dur="1" fill="hold">
+                                          <p:stCondLst>
+                                            <p:cond delay="0"/>
+                                          </p:stCondLst>
+                                        </p:cTn>
+                                        <p:tgtEl>
+                                          <p:spTgt spid="46"/>
+                                        </p:tgtEl>
+                                        <p:attrNameLst>
+                                          <p:attrName>style.visibility</p:attrName>
+                                        </p:attrNameLst>
+                                      </p:cBhvr>
+                                      <p:to>
+                                        <p:strVal val="visible"/>
+                                      </p:to>
+                                    </p:set>
+                                    <p:animEffect transition="in" filter="fade">
+                                      <p:cBhvr>
+                                        <p:cTn id="98" dur="500"/>
+                                        <p:tgtEl>
+                                          <p:spTgt spid="46"/>
+                                        </p:tgtEl>
+                                      </p:cBhvr>
+                                    </p:animEffect>
+                                  </p:childTnLst>
+                                </p:cTn>
+                              </p:par>
+                              <p:par>
+                                <p:cTn id="99" presetID="10" presetClass="entr" presetSubtype="0" fill="hold" nodeType="withEffect">
+                                  <p:stCondLst>
+                                    <p:cond delay="0"/>
+                                  </p:stCondLst>
+                                  <p:childTnLst>
+                                    <p:set>
+                                      <p:cBhvr>
+                                        <p:cTn id="100" dur="1" fill="hold">
+                                          <p:stCondLst>
+                                            <p:cond delay="0"/>
+                                          </p:stCondLst>
+                                        </p:cTn>
+                                        <p:tgtEl>
+                                          <p:spTgt spid="50"/>
+                                        </p:tgtEl>
+                                        <p:attrNameLst>
+                                          <p:attrName>style.visibility</p:attrName>
+                                        </p:attrNameLst>
+                                      </p:cBhvr>
+                                      <p:to>
+                                        <p:strVal val="visible"/>
+                                      </p:to>
+                                    </p:set>
+                                    <p:animEffect transition="in" filter="fade">
+                                      <p:cBhvr>
+                                        <p:cTn id="101" dur="500"/>
+                                        <p:tgtEl>
+                                          <p:spTgt spid="50"/>
+                                        </p:tgtEl>
+                                      </p:cBhvr>
+                                    </p:animEffect>
+                                  </p:childTnLst>
+                                </p:cTn>
+                              </p:par>
+                              <p:par>
+                                <p:cTn id="102" presetID="10" presetClass="entr" presetSubtype="0" fill="hold" nodeType="withEffect">
+                                  <p:stCondLst>
+                                    <p:cond delay="0"/>
+                                  </p:stCondLst>
+                                  <p:childTnLst>
+                                    <p:set>
+                                      <p:cBhvr>
+                                        <p:cTn id="103" dur="1" fill="hold">
+                                          <p:stCondLst>
+                                            <p:cond delay="0"/>
+                                          </p:stCondLst>
+                                        </p:cTn>
+                                        <p:tgtEl>
+                                          <p:spTgt spid="52"/>
+                                        </p:tgtEl>
+                                        <p:attrNameLst>
+                                          <p:attrName>style.visibility</p:attrName>
+                                        </p:attrNameLst>
+                                      </p:cBhvr>
+                                      <p:to>
+                                        <p:strVal val="visible"/>
+                                      </p:to>
+                                    </p:set>
+                                    <p:animEffect transition="in" filter="fade">
+                                      <p:cBhvr>
+                                        <p:cTn id="104" dur="500"/>
+                                        <p:tgtEl>
+                                          <p:spTgt spid="52"/>
+                                        </p:tgtEl>
+                                      </p:cBhvr>
+                                    </p:animEffect>
+                                  </p:childTnLst>
+                                </p:cTn>
+                              </p:par>
+                            </p:childTnLst>
+                          </p:cTn>
+                        </p:par>
+                      </p:childTnLst>
+                    </p:cTn>
+                  </p:par>
+                  <p:par>
+                    <p:cTn id="105" fill="hold">
+                      <p:stCondLst>
+                        <p:cond delay="indefinite"/>
+                      </p:stCondLst>
+                      <p:childTnLst>
+                        <p:par>
+                          <p:cTn id="106" fill="hold">
+                            <p:stCondLst>
+                              <p:cond delay="0"/>
+                            </p:stCondLst>
+                            <p:childTnLst>
+                              <p:par>
+                                <p:cTn id="107" presetID="1" presetClass="exit" presetSubtype="0" fill="hold" grpId="1" nodeType="clickEffect">
+                                  <p:stCondLst>
+                                    <p:cond delay="0"/>
+                                  </p:stCondLst>
+                                  <p:childTnLst>
+                                    <p:set>
+                                      <p:cBhvr>
+                                        <p:cTn id="108" dur="1" fill="hold">
+                                          <p:stCondLst>
+                                            <p:cond delay="0"/>
+                                          </p:stCondLst>
+                                        </p:cTn>
+                                        <p:tgtEl>
+                                          <p:spTgt spid="47"/>
+                                        </p:tgtEl>
+                                        <p:attrNameLst>
+                                          <p:attrName>style.visibility</p:attrName>
+                                        </p:attrNameLst>
+                                      </p:cBhvr>
+                                      <p:to>
+                                        <p:strVal val="hidden"/>
+                                      </p:to>
+                                    </p:set>
+                                  </p:childTnLst>
+                                </p:cTn>
+                              </p:par>
+                              <p:par>
+                                <p:cTn id="109" presetID="1" presetClass="exit" presetSubtype="0" fill="hold" nodeType="withEffect">
+                                  <p:stCondLst>
+                                    <p:cond delay="0"/>
+                                  </p:stCondLst>
+                                  <p:childTnLst>
+                                    <p:set>
+                                      <p:cBhvr>
+                                        <p:cTn id="110" dur="1" fill="hold">
+                                          <p:stCondLst>
+                                            <p:cond delay="0"/>
+                                          </p:stCondLst>
+                                        </p:cTn>
+                                        <p:tgtEl>
+                                          <p:spTgt spid="46"/>
+                                        </p:tgtEl>
+                                        <p:attrNameLst>
+                                          <p:attrName>style.visibility</p:attrName>
+                                        </p:attrNameLst>
+                                      </p:cBhvr>
+                                      <p:to>
+                                        <p:strVal val="hidden"/>
+                                      </p:to>
+                                    </p:set>
+                                  </p:childTnLst>
+                                </p:cTn>
+                              </p:par>
+                              <p:par>
+                                <p:cTn id="111" presetID="1" presetClass="exit" presetSubtype="0" fill="hold" nodeType="withEffect">
+                                  <p:stCondLst>
+                                    <p:cond delay="0"/>
+                                  </p:stCondLst>
+                                  <p:childTnLst>
+                                    <p:set>
+                                      <p:cBhvr>
+                                        <p:cTn id="112" dur="1" fill="hold">
+                                          <p:stCondLst>
+                                            <p:cond delay="0"/>
+                                          </p:stCondLst>
+                                        </p:cTn>
+                                        <p:tgtEl>
+                                          <p:spTgt spid="50"/>
+                                        </p:tgtEl>
+                                        <p:attrNameLst>
+                                          <p:attrName>style.visibility</p:attrName>
+                                        </p:attrNameLst>
+                                      </p:cBhvr>
+                                      <p:to>
+                                        <p:strVal val="hidden"/>
+                                      </p:to>
+                                    </p:set>
+                                  </p:childTnLst>
+                                </p:cTn>
+                              </p:par>
+                              <p:par>
+                                <p:cTn id="113" presetID="1" presetClass="exit" presetSubtype="0" fill="hold" nodeType="withEffect">
+                                  <p:stCondLst>
+                                    <p:cond delay="0"/>
+                                  </p:stCondLst>
+                                  <p:childTnLst>
+                                    <p:set>
+                                      <p:cBhvr>
+                                        <p:cTn id="114" dur="1" fill="hold">
+                                          <p:stCondLst>
+                                            <p:cond delay="0"/>
+                                          </p:stCondLst>
+                                        </p:cTn>
+                                        <p:tgtEl>
+                                          <p:spTgt spid="52"/>
+                                        </p:tgtEl>
+                                        <p:attrNameLst>
+                                          <p:attrName>style.visibility</p:attrName>
+                                        </p:attrNameLst>
+                                      </p:cBhvr>
+                                      <p:to>
+                                        <p:strVal val="hidden"/>
+                                      </p:to>
+                                    </p:set>
+                                  </p:childTnLst>
+                                </p:cTn>
+                              </p:par>
+                              <p:par>
+                                <p:cTn id="115" presetID="10" presetClass="entr" presetSubtype="0" fill="hold" grpId="0" nodeType="withEffect">
+                                  <p:stCondLst>
+                                    <p:cond delay="0"/>
+                                  </p:stCondLst>
+                                  <p:childTnLst>
+                                    <p:set>
+                                      <p:cBhvr>
+                                        <p:cTn id="116" dur="1" fill="hold">
+                                          <p:stCondLst>
+                                            <p:cond delay="0"/>
+                                          </p:stCondLst>
+                                        </p:cTn>
+                                        <p:tgtEl>
+                                          <p:spTgt spid="6"/>
+                                        </p:tgtEl>
+                                        <p:attrNameLst>
+                                          <p:attrName>style.visibility</p:attrName>
+                                        </p:attrNameLst>
+                                      </p:cBhvr>
+                                      <p:to>
+                                        <p:strVal val="visible"/>
+                                      </p:to>
+                                    </p:set>
+                                    <p:animEffect transition="in" filter="fade">
+                                      <p:cBhvr>
+                                        <p:cTn id="117" dur="500"/>
+                                        <p:tgtEl>
+                                          <p:spTgt spid="6"/>
+                                        </p:tgtEl>
+                                      </p:cBhvr>
+                                    </p:animEffect>
+                                  </p:childTnLst>
+                                </p:cTn>
+                              </p:par>
+                              <p:par>
+                                <p:cTn id="118" presetID="10" presetClass="entr" presetSubtype="0" fill="hold" nodeType="withEffect">
+                                  <p:stCondLst>
+                                    <p:cond delay="0"/>
+                                  </p:stCondLst>
+                                  <p:childTnLst>
+                                    <p:set>
+                                      <p:cBhvr>
+                                        <p:cTn id="119" dur="1" fill="hold">
+                                          <p:stCondLst>
+                                            <p:cond delay="0"/>
+                                          </p:stCondLst>
+                                        </p:cTn>
+                                        <p:tgtEl>
+                                          <p:spTgt spid="4"/>
+                                        </p:tgtEl>
+                                        <p:attrNameLst>
+                                          <p:attrName>style.visibility</p:attrName>
+                                        </p:attrNameLst>
+                                      </p:cBhvr>
+                                      <p:to>
+                                        <p:strVal val="visible"/>
+                                      </p:to>
+                                    </p:set>
+                                    <p:animEffect transition="in" filter="fade">
+                                      <p:cBhvr>
+                                        <p:cTn id="120" dur="500"/>
+                                        <p:tgtEl>
+                                          <p:spTgt spid="4"/>
+                                        </p:tgtEl>
+                                      </p:cBhvr>
+                                    </p:animEffect>
+                                  </p:childTnLst>
+                                </p:cTn>
+                              </p:par>
+                            </p:childTnLst>
+                          </p:cTn>
+                        </p:par>
+                      </p:childTnLst>
+                    </p:cTn>
+                  </p:par>
+                  <p:par>
+                    <p:cTn id="121" fill="hold">
+                      <p:stCondLst>
+                        <p:cond delay="indefinite"/>
+                      </p:stCondLst>
+                      <p:childTnLst>
+                        <p:par>
+                          <p:cTn id="122" fill="hold">
+                            <p:stCondLst>
+                              <p:cond delay="0"/>
+                            </p:stCondLst>
+                            <p:childTnLst>
+                              <p:par>
+                                <p:cTn id="123" presetID="1" presetClass="exit" presetSubtype="0" fill="hold" grpId="1" nodeType="clickEffect">
+                                  <p:stCondLst>
+                                    <p:cond delay="0"/>
+                                  </p:stCondLst>
+                                  <p:childTnLst>
+                                    <p:set>
+                                      <p:cBhvr>
+                                        <p:cTn id="124" dur="1" fill="hold">
+                                          <p:stCondLst>
+                                            <p:cond delay="0"/>
+                                          </p:stCondLst>
+                                        </p:cTn>
+                                        <p:tgtEl>
+                                          <p:spTgt spid="6"/>
+                                        </p:tgtEl>
+                                        <p:attrNameLst>
+                                          <p:attrName>style.visibility</p:attrName>
+                                        </p:attrNameLst>
+                                      </p:cBhvr>
+                                      <p:to>
+                                        <p:strVal val="hidden"/>
+                                      </p:to>
+                                    </p:set>
+                                  </p:childTnLst>
+                                </p:cTn>
+                              </p:par>
+                              <p:par>
+                                <p:cTn id="125" presetID="1" presetClass="exit" presetSubtype="0" fill="hold" nodeType="withEffect">
+                                  <p:stCondLst>
+                                    <p:cond delay="0"/>
+                                  </p:stCondLst>
+                                  <p:childTnLst>
+                                    <p:set>
+                                      <p:cBhvr>
+                                        <p:cTn id="126" dur="1" fill="hold">
+                                          <p:stCondLst>
+                                            <p:cond delay="0"/>
+                                          </p:stCondLst>
+                                        </p:cTn>
+                                        <p:tgtEl>
+                                          <p:spTgt spid="4"/>
+                                        </p:tgtEl>
+                                        <p:attrNameLst>
+                                          <p:attrName>style.visibility</p:attrName>
+                                        </p:attrNameLst>
+                                      </p:cBhvr>
+                                      <p:to>
+                                        <p:strVal val="hidden"/>
+                                      </p:to>
+                                    </p:set>
+                                  </p:childTnLst>
+                                </p:cTn>
+                              </p:par>
+                              <p:par>
+                                <p:cTn id="127" presetID="10" presetClass="entr" presetSubtype="0" fill="hold" grpId="0" nodeType="withEffect">
+                                  <p:stCondLst>
+                                    <p:cond delay="0"/>
+                                  </p:stCondLst>
+                                  <p:childTnLst>
+                                    <p:set>
+                                      <p:cBhvr>
+                                        <p:cTn id="128" dur="1" fill="hold">
+                                          <p:stCondLst>
+                                            <p:cond delay="0"/>
+                                          </p:stCondLst>
+                                        </p:cTn>
+                                        <p:tgtEl>
+                                          <p:spTgt spid="24"/>
+                                        </p:tgtEl>
+                                        <p:attrNameLst>
+                                          <p:attrName>style.visibility</p:attrName>
+                                        </p:attrNameLst>
+                                      </p:cBhvr>
+                                      <p:to>
+                                        <p:strVal val="visible"/>
+                                      </p:to>
+                                    </p:set>
+                                    <p:animEffect transition="in" filter="fade">
+                                      <p:cBhvr>
+                                        <p:cTn id="129" dur="500"/>
+                                        <p:tgtEl>
+                                          <p:spTgt spid="24"/>
+                                        </p:tgtEl>
+                                      </p:cBhvr>
+                                    </p:animEffect>
+                                  </p:childTnLst>
+                                </p:cTn>
+                              </p:par>
+                              <p:par>
+                                <p:cTn id="130" presetID="10" presetClass="entr" presetSubtype="0" fill="hold" nodeType="withEffect">
+                                  <p:stCondLst>
+                                    <p:cond delay="0"/>
+                                  </p:stCondLst>
+                                  <p:childTnLst>
+                                    <p:set>
+                                      <p:cBhvr>
+                                        <p:cTn id="131" dur="1" fill="hold">
+                                          <p:stCondLst>
+                                            <p:cond delay="0"/>
+                                          </p:stCondLst>
+                                        </p:cTn>
+                                        <p:tgtEl>
+                                          <p:spTgt spid="12"/>
+                                        </p:tgtEl>
+                                        <p:attrNameLst>
+                                          <p:attrName>style.visibility</p:attrName>
+                                        </p:attrNameLst>
+                                      </p:cBhvr>
+                                      <p:to>
+                                        <p:strVal val="visible"/>
+                                      </p:to>
+                                    </p:set>
+                                    <p:animEffect transition="in" filter="fade">
+                                      <p:cBhvr>
+                                        <p:cTn id="132" dur="500"/>
+                                        <p:tgtEl>
+                                          <p:spTgt spid="12"/>
+                                        </p:tgtEl>
+                                      </p:cBhvr>
+                                    </p:animEffect>
+                                  </p:childTnLst>
+                                </p:cTn>
+                              </p:par>
+                            </p:childTnLst>
+                          </p:cTn>
+                        </p:par>
+                      </p:childTnLst>
+                    </p:cTn>
+                  </p:par>
+                  <p:par>
+                    <p:cTn id="133" fill="hold">
+                      <p:stCondLst>
+                        <p:cond delay="indefinite"/>
+                      </p:stCondLst>
+                      <p:childTnLst>
+                        <p:par>
+                          <p:cTn id="134" fill="hold">
+                            <p:stCondLst>
+                              <p:cond delay="0"/>
+                            </p:stCondLst>
+                            <p:childTnLst>
+                              <p:par>
+                                <p:cTn id="135" presetID="1" presetClass="exit" presetSubtype="0" fill="hold" grpId="1" nodeType="clickEffect">
+                                  <p:stCondLst>
+                                    <p:cond delay="0"/>
+                                  </p:stCondLst>
+                                  <p:childTnLst>
+                                    <p:set>
+                                      <p:cBhvr>
+                                        <p:cTn id="136" dur="1" fill="hold">
+                                          <p:stCondLst>
+                                            <p:cond delay="0"/>
+                                          </p:stCondLst>
+                                        </p:cTn>
+                                        <p:tgtEl>
+                                          <p:spTgt spid="24"/>
+                                        </p:tgtEl>
+                                        <p:attrNameLst>
+                                          <p:attrName>style.visibility</p:attrName>
+                                        </p:attrNameLst>
+                                      </p:cBhvr>
+                                      <p:to>
+                                        <p:strVal val="hidden"/>
+                                      </p:to>
+                                    </p:set>
+                                  </p:childTnLst>
+                                </p:cTn>
+                              </p:par>
+                              <p:par>
+                                <p:cTn id="137" presetID="1" presetClass="exit" presetSubtype="0" fill="hold" nodeType="withEffect">
+                                  <p:stCondLst>
+                                    <p:cond delay="0"/>
+                                  </p:stCondLst>
+                                  <p:childTnLst>
+                                    <p:set>
+                                      <p:cBhvr>
+                                        <p:cTn id="138" dur="1" fill="hold">
+                                          <p:stCondLst>
+                                            <p:cond delay="0"/>
+                                          </p:stCondLst>
+                                        </p:cTn>
+                                        <p:tgtEl>
+                                          <p:spTgt spid="12"/>
+                                        </p:tgtEl>
+                                        <p:attrNameLst>
+                                          <p:attrName>style.visibility</p:attrName>
+                                        </p:attrNameLst>
+                                      </p:cBhvr>
+                                      <p:to>
+                                        <p:strVal val="hidden"/>
+                                      </p:to>
+                                    </p:set>
+                                  </p:childTnLst>
+                                </p:cTn>
+                              </p:par>
+                              <p:par>
+                                <p:cTn id="139" presetID="10" presetClass="entr" presetSubtype="0" fill="hold" nodeType="withEffect">
+                                  <p:stCondLst>
+                                    <p:cond delay="0"/>
+                                  </p:stCondLst>
+                                  <p:childTnLst>
+                                    <p:set>
+                                      <p:cBhvr>
+                                        <p:cTn id="140" dur="1" fill="hold">
+                                          <p:stCondLst>
+                                            <p:cond delay="0"/>
+                                          </p:stCondLst>
+                                        </p:cTn>
+                                        <p:tgtEl>
+                                          <p:spTgt spid="14"/>
+                                        </p:tgtEl>
+                                        <p:attrNameLst>
+                                          <p:attrName>style.visibility</p:attrName>
+                                        </p:attrNameLst>
+                                      </p:cBhvr>
+                                      <p:to>
+                                        <p:strVal val="visible"/>
+                                      </p:to>
+                                    </p:set>
+                                    <p:animEffect transition="in" filter="fade">
+                                      <p:cBhvr>
+                                        <p:cTn id="141" dur="500"/>
+                                        <p:tgtEl>
+                                          <p:spTgt spid="14"/>
+                                        </p:tgtEl>
+                                      </p:cBhvr>
+                                    </p:animEffect>
+                                  </p:childTnLst>
+                                </p:cTn>
+                              </p:par>
+                              <p:par>
+                                <p:cTn id="142" presetID="10" presetClass="entr" presetSubtype="0" fill="hold" grpId="0" nodeType="withEffect">
+                                  <p:stCondLst>
+                                    <p:cond delay="0"/>
+                                  </p:stCondLst>
+                                  <p:childTnLst>
+                                    <p:set>
+                                      <p:cBhvr>
+                                        <p:cTn id="143" dur="1" fill="hold">
+                                          <p:stCondLst>
+                                            <p:cond delay="0"/>
+                                          </p:stCondLst>
+                                        </p:cTn>
+                                        <p:tgtEl>
+                                          <p:spTgt spid="25"/>
+                                        </p:tgtEl>
+                                        <p:attrNameLst>
+                                          <p:attrName>style.visibility</p:attrName>
+                                        </p:attrNameLst>
+                                      </p:cBhvr>
+                                      <p:to>
+                                        <p:strVal val="visible"/>
+                                      </p:to>
+                                    </p:set>
+                                    <p:animEffect transition="in" filter="fade">
+                                      <p:cBhvr>
+                                        <p:cTn id="144" dur="500"/>
+                                        <p:tgtEl>
+                                          <p:spTgt spid="25"/>
+                                        </p:tgtEl>
+                                      </p:cBhvr>
+                                    </p:animEffect>
+                                  </p:childTnLst>
+                                </p:cTn>
+                              </p:par>
+                            </p:childTnLst>
+                          </p:cTn>
+                        </p:par>
+                      </p:childTnLst>
+                    </p:cTn>
+                  </p:par>
+                  <p:par>
+                    <p:cTn id="145" fill="hold">
+                      <p:stCondLst>
+                        <p:cond delay="indefinite"/>
+                      </p:stCondLst>
+                      <p:childTnLst>
+                        <p:par>
+                          <p:cTn id="146" fill="hold">
+                            <p:stCondLst>
+                              <p:cond delay="0"/>
+                            </p:stCondLst>
+                            <p:childTnLst>
+                              <p:par>
+                                <p:cTn id="147" presetID="1" presetClass="exit" presetSubtype="0" fill="hold" grpId="1" nodeType="clickEffect">
+                                  <p:stCondLst>
+                                    <p:cond delay="0"/>
+                                  </p:stCondLst>
+                                  <p:childTnLst>
+                                    <p:set>
+                                      <p:cBhvr>
+                                        <p:cTn id="148" dur="1" fill="hold">
+                                          <p:stCondLst>
+                                            <p:cond delay="0"/>
+                                          </p:stCondLst>
+                                        </p:cTn>
+                                        <p:tgtEl>
+                                          <p:spTgt spid="25"/>
+                                        </p:tgtEl>
+                                        <p:attrNameLst>
+                                          <p:attrName>style.visibility</p:attrName>
+                                        </p:attrNameLst>
+                                      </p:cBhvr>
+                                      <p:to>
+                                        <p:strVal val="hidden"/>
+                                      </p:to>
+                                    </p:set>
+                                  </p:childTnLst>
+                                </p:cTn>
+                              </p:par>
+                              <p:par>
+                                <p:cTn id="149" presetID="1" presetClass="exit" presetSubtype="0" fill="hold" nodeType="withEffect">
+                                  <p:stCondLst>
+                                    <p:cond delay="0"/>
+                                  </p:stCondLst>
+                                  <p:childTnLst>
+                                    <p:set>
+                                      <p:cBhvr>
+                                        <p:cTn id="150" dur="1" fill="hold">
+                                          <p:stCondLst>
+                                            <p:cond delay="0"/>
+                                          </p:stCondLst>
+                                        </p:cTn>
+                                        <p:tgtEl>
+                                          <p:spTgt spid="14"/>
+                                        </p:tgtEl>
+                                        <p:attrNameLst>
+                                          <p:attrName>style.visibility</p:attrName>
+                                        </p:attrNameLst>
+                                      </p:cBhvr>
+                                      <p:to>
+                                        <p:strVal val="hidden"/>
+                                      </p:to>
+                                    </p:set>
+                                  </p:childTnLst>
+                                </p:cTn>
+                              </p:par>
+                              <p:par>
+                                <p:cTn id="151" presetID="10" presetClass="entr" presetSubtype="0" fill="hold" nodeType="withEffect">
+                                  <p:stCondLst>
+                                    <p:cond delay="0"/>
+                                  </p:stCondLst>
+                                  <p:childTnLst>
+                                    <p:set>
+                                      <p:cBhvr>
+                                        <p:cTn id="152" dur="1" fill="hold">
+                                          <p:stCondLst>
+                                            <p:cond delay="0"/>
+                                          </p:stCondLst>
+                                        </p:cTn>
+                                        <p:tgtEl>
+                                          <p:spTgt spid="19"/>
+                                        </p:tgtEl>
+                                        <p:attrNameLst>
+                                          <p:attrName>style.visibility</p:attrName>
+                                        </p:attrNameLst>
+                                      </p:cBhvr>
+                                      <p:to>
+                                        <p:strVal val="visible"/>
+                                      </p:to>
+                                    </p:set>
+                                    <p:animEffect transition="in" filter="fade">
+                                      <p:cBhvr>
+                                        <p:cTn id="153" dur="500"/>
+                                        <p:tgtEl>
+                                          <p:spTgt spid="19"/>
+                                        </p:tgtEl>
+                                      </p:cBhvr>
+                                    </p:animEffect>
+                                  </p:childTnLst>
+                                </p:cTn>
+                              </p:par>
+                              <p:par>
+                                <p:cTn id="154" presetID="10" presetClass="entr" presetSubtype="0" fill="hold" grpId="0" nodeType="withEffect">
+                                  <p:stCondLst>
+                                    <p:cond delay="0"/>
+                                  </p:stCondLst>
+                                  <p:childTnLst>
+                                    <p:set>
+                                      <p:cBhvr>
+                                        <p:cTn id="155" dur="1" fill="hold">
+                                          <p:stCondLst>
+                                            <p:cond delay="0"/>
+                                          </p:stCondLst>
+                                        </p:cTn>
+                                        <p:tgtEl>
+                                          <p:spTgt spid="27"/>
+                                        </p:tgtEl>
+                                        <p:attrNameLst>
+                                          <p:attrName>style.visibility</p:attrName>
+                                        </p:attrNameLst>
+                                      </p:cBhvr>
+                                      <p:to>
+                                        <p:strVal val="visible"/>
+                                      </p:to>
+                                    </p:set>
+                                    <p:animEffect transition="in" filter="fade">
+                                      <p:cBhvr>
+                                        <p:cTn id="156" dur="500"/>
+                                        <p:tgtEl>
+                                          <p:spTgt spid="27"/>
+                                        </p:tgtEl>
+                                      </p:cBhvr>
+                                    </p:animEffect>
+                                  </p:childTnLst>
+                                </p:cTn>
+                              </p:par>
+                              <p:par>
+                                <p:cTn id="157" presetID="1" presetClass="exit" presetSubtype="0" fill="hold" nodeType="withEffect">
+                                  <p:stCondLst>
+                                    <p:cond delay="0"/>
+                                  </p:stCondLst>
+                                  <p:childTnLst>
+                                    <p:set>
+                                      <p:cBhvr>
+                                        <p:cTn id="158" dur="1" fill="hold">
+                                          <p:stCondLst>
+                                            <p:cond delay="0"/>
+                                          </p:stCondLst>
+                                        </p:cTn>
+                                        <p:tgtEl>
+                                          <p:spTgt spid="37"/>
+                                        </p:tgtEl>
+                                        <p:attrNameLst>
+                                          <p:attrName>style.visibility</p:attrName>
+                                        </p:attrNameLst>
+                                      </p:cBhvr>
+                                      <p:to>
+                                        <p:strVal val="hidden"/>
+                                      </p:to>
+                                    </p:set>
+                                  </p:childTnLst>
+                                </p:cTn>
+                              </p:par>
+                            </p:childTnLst>
+                          </p:cTn>
+                        </p:par>
+                      </p:childTnLst>
+                    </p:cTn>
+                  </p:par>
+                </p:childTnLst>
+              </p:cTn>
+              <p:prevCondLst>
+                <p:cond evt="onPrev" delay="0">
+                  <p:tgtEl>
+                    <p:sldTgt/>
+                  </p:tgtEl>
+                </p:cond>
+              </p:prevCondLst>
+              <p:nextCondLst>
+                <p:cond evt="onNext" delay="0">
+                  <p:tgtEl>
+                    <p:sldTgt/>
+                  </p:tgtEl>
+                </p:cond>
+              </p:nextCondLst>
+            </p:seq>
+          </p:childTnLst>
+        </p:cTn>
+      </p:par>
+    </p:tnLst>
+    <p:bldLst>
+      <p:bldP spid="24" grpId="0" animBg="1"/>
+      <p:bldP spid="24" grpId="1" animBg="1"/>
+      <p:bldP spid="25" grpId="0" animBg="1"/>
+      <p:bldP spid="25" grpId="1" animBg="1"/>
+      <p:bldP spid="27" grpId="0" animBg="1"/>
+      <p:bldP spid="28" grpId="0" animBg="1"/>
+      <p:bldP spid="31" grpId="0" animBg="1"/>
+      <p:bldP spid="31" grpId="1" animBg="1"/>
+      <p:bldP spid="33" grpId="0" animBg="1"/>
+      <p:bldP spid="33" grpId="1" animBg="1"/>
+      <p:bldP spid="36" grpId="0" animBg="1"/>
+      <p:bldP spid="36" grpId="1" animBg="1"/>
+      <p:bldP spid="39" grpId="0" animBg="1"/>
+      <p:bldP spid="39" grpId="1" animBg="1"/>
+      <p:bldP spid="44" grpId="0" animBg="1"/>
+      <p:bldP spid="44" grpId="1" animBg="1"/>
+      <p:bldP spid="47" grpId="0" animBg="1"/>
+      <p:bldP spid="47" grpId="1" animBg="1"/>
+      <p:bldP spid="66" grpId="0" animBg="1"/>
+      <p:bldP spid="66" grpId="1" animBg="1"/>
+      <p:bldP spid="6" grpId="0" animBg="1"/>
+      <p:bldP spid="6" grpId="1" animBg="1"/>
+    </p:bldLst>
+  </p:timing>
+</p:sld>
+</file>
+
+<file path=ppt/slides/slide12.xml><?xml version="1.0" encoding="utf-8"?>
+<p:sld xmlns:a="http://schemas.openxmlformats.org/drawingml/2006/main" xmlns:r="http://schemas.openxmlformats.org/officeDocument/2006/relationships" xmlns:p="http://schemas.openxmlformats.org/presentationml/2006/main">
+  <p:cSld>
+    <p:spTree>
+      <p:nvGrpSpPr>
+        <p:cNvPr id="1" name=""/>
+        <p:cNvGrpSpPr/>
+        <p:nvPr/>
+      </p:nvGrpSpPr>
+      <p:grpSpPr>
+        <a:xfrm>
+          <a:off x="0" y="0"/>
+          <a:ext cx="0" cy="0"/>
+          <a:chOff x="0" y="0"/>
+          <a:chExt cx="0" cy="0"/>
+        </a:xfrm>
+      </p:grpSpPr>
+      <p:sp>
+        <p:nvSpPr>
+          <p:cNvPr id="2" name="Title 1">
+            <a:extLst>
+              <a:ext uri="{FF2B5EF4-FFF2-40B4-BE49-F238E27FC236}">
                 <a16:creationId xmlns:a16="http://schemas.microsoft.com/office/drawing/2014/main" id="{30B7E2A8-679C-364A-B7B2-3D1DE0288C66}"/>
               </a:ext>
             </a:extLst>
@@ -8121,7 +12402,7 @@
           <a:p>
             <a:r>
               <a:rPr lang="en-US" sz="2400" cap="none" dirty="0"/>
-              <a:t>Tool takes topology XML as input, and generates all necessary config files to add deployment targets, interfaces, and commands, EVR’s, channels configuration to cosmos</a:t>
+              <a:t>Tool takes topology XML as input, and generates all necessary config files to add deployment targets, interfaces, and commands, EVR’s, channels configuration to COSMOS</a:t>
             </a:r>
           </a:p>
           <a:p>
@@ -8167,7 +12448,7 @@
             </a:r>
             <a:r>
               <a:rPr lang="en-US" sz="2400" cap="none" dirty="0"/>
-              <a:t>/bin, cosmos package added to </a:t>
+              <a:t>/bin, COSMOS generator package added to </a:t>
             </a:r>
             <a:r>
               <a:rPr lang="en-US" sz="2400" cap="none" dirty="0" err="1"/>
@@ -8255,7 +12536,7 @@
             </a:pPr>
             <a:r>
               <a:rPr lang="en-US" sz="2000" cap="none" dirty="0"/>
-              <a:t>Execute the ref as “./Ref –p 5000 –a 127.0.0.1”</a:t>
+              <a:t>Execute the Ref App as “./Ref –p 5000 –a 127.0.0.1”</a:t>
             </a:r>
           </a:p>
         </p:txBody>
@@ -8285,7 +12566,7 @@
 </p:sld>
 </file>
 
-<file path=ppt/slides/slide11.xml><?xml version="1.0" encoding="utf-8"?>
+<file path=ppt/slides/slide13.xml><?xml version="1.0" encoding="utf-8"?>
 <p:sld xmlns:a="http://schemas.openxmlformats.org/drawingml/2006/main" xmlns:r="http://schemas.openxmlformats.org/officeDocument/2006/relationships" xmlns:p="http://schemas.openxmlformats.org/presentationml/2006/main">
   <p:cSld>
     <p:spTree>
@@ -8349,8 +12630,8 @@
         </p:nvSpPr>
         <p:spPr>
           <a:xfrm>
-            <a:off x="3352379" y="5118803"/>
-            <a:ext cx="2833289" cy="1569660"/>
+            <a:off x="2779585" y="5288340"/>
+            <a:ext cx="2680419" cy="1569660"/>
           </a:xfrm>
           <a:prstGeom prst="rect">
             <a:avLst/>
@@ -8389,14 +12670,15 @@
           </p:cNvPr>
           <p:cNvCxnSpPr>
             <a:cxnSpLocks/>
+            <a:stCxn id="19" idx="1"/>
             <a:endCxn id="21" idx="0"/>
           </p:cNvCxnSpPr>
           <p:nvPr/>
         </p:nvCxnSpPr>
         <p:spPr>
           <a:xfrm flipH="1">
-            <a:off x="4589071" y="2340114"/>
-            <a:ext cx="935429" cy="589833"/>
+            <a:off x="3652081" y="2066817"/>
+            <a:ext cx="1676239" cy="863130"/>
           </a:xfrm>
           <a:prstGeom prst="straightConnector1">
             <a:avLst/>
@@ -8434,7 +12716,7 @@
         </p:nvSpPr>
         <p:spPr>
           <a:xfrm>
-            <a:off x="8829921" y="2364699"/>
+            <a:off x="9333024" y="2298945"/>
             <a:ext cx="2883826" cy="2062103"/>
           </a:xfrm>
           <a:prstGeom prst="rect">
@@ -8477,7 +12759,7 @@
         </p:nvSpPr>
         <p:spPr>
           <a:xfrm>
-            <a:off x="1682665" y="2256600"/>
+            <a:off x="628182" y="2256600"/>
             <a:ext cx="2298700" cy="2062103"/>
           </a:xfrm>
           <a:prstGeom prst="rect">
@@ -8512,7 +12794,7 @@
         </p:nvSpPr>
         <p:spPr>
           <a:xfrm>
-            <a:off x="6812863" y="5124735"/>
+            <a:off x="7280039" y="5245992"/>
             <a:ext cx="3099764" cy="1569660"/>
           </a:xfrm>
           <a:prstGeom prst="rect">
@@ -8528,16 +12810,21 @@
           <a:p>
             <a:r>
               <a:rPr lang="en-US" sz="3200" dirty="0"/>
-              <a:t>Contain packet data used by .</a:t>
+              <a:t>Reused from </a:t>
             </a:r>
             <a:r>
               <a:rPr lang="en-US" sz="3200" dirty="0" err="1"/>
-              <a:t>tmpl</a:t>
+              <a:t>Fprime</a:t>
             </a:r>
             <a:r>
               <a:rPr lang="en-US" sz="3200" dirty="0"/>
-              <a:t> files</a:t>
-            </a:r>
+              <a:t> </a:t>
+            </a:r>
+            <a:r>
+              <a:rPr lang="en-US" sz="3200" dirty="0" err="1"/>
+              <a:t>codegen.py</a:t>
+            </a:r>
+            <a:endParaRPr lang="en-US" sz="3200" dirty="0"/>
           </a:p>
         </p:txBody>
       </p:sp>
@@ -8555,7 +12842,7 @@
         </p:nvSpPr>
         <p:spPr>
           <a:xfrm>
-            <a:off x="4112719" y="1671825"/>
+            <a:off x="3882400" y="1459070"/>
             <a:ext cx="1237975" cy="584775"/>
           </a:xfrm>
           <a:prstGeom prst="rect">
@@ -8590,7 +12877,7 @@
         </p:nvSpPr>
         <p:spPr bwMode="auto">
           <a:xfrm>
-            <a:off x="5423668" y="1666767"/>
+            <a:off x="5328320" y="1666767"/>
             <a:ext cx="1524000" cy="800100"/>
           </a:xfrm>
           <a:prstGeom prst="roundRect">
@@ -8680,7 +12967,7 @@
         </p:nvSpPr>
         <p:spPr bwMode="auto">
           <a:xfrm>
-            <a:off x="3827071" y="2929947"/>
+            <a:off x="2890081" y="2929947"/>
             <a:ext cx="1524000" cy="800100"/>
           </a:xfrm>
           <a:prstGeom prst="roundRect">
@@ -8770,7 +13057,7 @@
         </p:nvSpPr>
         <p:spPr bwMode="auto">
           <a:xfrm>
-            <a:off x="6981904" y="2929947"/>
+            <a:off x="7629566" y="2929947"/>
             <a:ext cx="1524000" cy="800100"/>
           </a:xfrm>
           <a:prstGeom prst="roundRect">
@@ -8835,7 +13122,7 @@
                   </a:outerShdw>
                 </a:effectLst>
               </a:rPr>
-              <a:t>Parser</a:t>
+              <a:t>Cosmos Parser</a:t>
             </a:r>
           </a:p>
         </p:txBody>
@@ -8854,7 +13141,7 @@
         </p:nvSpPr>
         <p:spPr bwMode="auto">
           <a:xfrm>
-            <a:off x="3826694" y="4299636"/>
+            <a:off x="2890081" y="4508486"/>
             <a:ext cx="1524000" cy="800100"/>
           </a:xfrm>
           <a:prstGeom prst="roundRect">
@@ -8944,7 +13231,7 @@
         </p:nvSpPr>
         <p:spPr bwMode="auto">
           <a:xfrm>
-            <a:off x="6981904" y="4299636"/>
+            <a:off x="7629566" y="4508486"/>
             <a:ext cx="1524000" cy="800100"/>
           </a:xfrm>
           <a:prstGeom prst="roundRect">
@@ -9009,7 +13296,7 @@
                   </a:outerShdw>
                 </a:effectLst>
               </a:rPr>
-              <a:t>Models</a:t>
+              <a:t>XML Parsers</a:t>
             </a:r>
             <a:endParaRPr kumimoji="0" lang="en-US" sz="1600" b="0" i="1" u="none" strike="noStrike" cap="none" normalizeH="0" baseline="0" dirty="0">
               <a:ln>
@@ -9031,14 +13318,15 @@
           </p:cNvPr>
           <p:cNvCxnSpPr>
             <a:cxnSpLocks/>
+            <a:stCxn id="19" idx="3"/>
             <a:endCxn id="23" idx="0"/>
           </p:cNvCxnSpPr>
           <p:nvPr/>
         </p:nvCxnSpPr>
         <p:spPr>
           <a:xfrm>
-            <a:off x="6909306" y="2426796"/>
-            <a:ext cx="834598" cy="503151"/>
+            <a:off x="6852320" y="2066817"/>
+            <a:ext cx="1539246" cy="863130"/>
           </a:xfrm>
           <a:prstGeom prst="straightConnector1">
             <a:avLst/>
@@ -9079,9 +13367,9 @@
           <p:nvPr/>
         </p:nvCxnSpPr>
         <p:spPr>
-          <a:xfrm flipH="1">
-            <a:off x="4588694" y="3730047"/>
-            <a:ext cx="377" cy="569589"/>
+          <a:xfrm>
+            <a:off x="3652081" y="3730047"/>
+            <a:ext cx="0" cy="778439"/>
           </a:xfrm>
           <a:prstGeom prst="straightConnector1">
             <a:avLst/>
@@ -9123,8 +13411,8 @@
         </p:nvCxnSpPr>
         <p:spPr>
           <a:xfrm>
-            <a:off x="7743904" y="3730047"/>
-            <a:ext cx="0" cy="569589"/>
+            <a:off x="8391566" y="3730047"/>
+            <a:ext cx="0" cy="778439"/>
           </a:xfrm>
           <a:prstGeom prst="straightConnector1">
             <a:avLst/>
@@ -9148,6 +13436,112 @@
           </a:fontRef>
         </p:style>
       </p:cxnSp>
+      <p:sp>
+        <p:nvSpPr>
+          <p:cNvPr id="32" name="Rounded Rectangle 31">
+            <a:extLst>
+              <a:ext uri="{FF2B5EF4-FFF2-40B4-BE49-F238E27FC236}">
+                <a16:creationId xmlns:a16="http://schemas.microsoft.com/office/drawing/2014/main" id="{0B0E0928-3071-F448-9D45-B8026C84BF08}"/>
+              </a:ext>
+            </a:extLst>
+          </p:cNvPr>
+          <p:cNvSpPr/>
+          <p:nvPr/>
+        </p:nvSpPr>
+        <p:spPr bwMode="auto">
+          <a:xfrm>
+            <a:off x="5328320" y="3518603"/>
+            <a:ext cx="1524000" cy="800100"/>
+          </a:xfrm>
+          <a:prstGeom prst="roundRect">
+            <a:avLst/>
+          </a:prstGeom>
+          <a:ln>
+            <a:headEnd type="none" w="med" len="med"/>
+            <a:tailEnd type="none" w="med" len="med"/>
+          </a:ln>
+        </p:spPr>
+        <p:style>
+          <a:lnRef idx="2">
+            <a:schemeClr val="accent3">
+              <a:shade val="50000"/>
+            </a:schemeClr>
+          </a:lnRef>
+          <a:fillRef idx="1">
+            <a:schemeClr val="accent3"/>
+          </a:fillRef>
+          <a:effectRef idx="0">
+            <a:schemeClr val="accent3"/>
+          </a:effectRef>
+          <a:fontRef idx="minor">
+            <a:schemeClr val="lt1"/>
+          </a:fontRef>
+        </p:style>
+        <p:txBody>
+          <a:bodyPr vert="horz" wrap="none" lIns="91440" tIns="45720" rIns="91440" bIns="45720" numCol="1" rtlCol="0" anchor="ctr" anchorCtr="0" compatLnSpc="1">
+            <a:prstTxWarp prst="textNoShape">
+              <a:avLst/>
+            </a:prstTxWarp>
+          </a:bodyPr>
+          <a:lstStyle/>
+          <a:p>
+            <a:pPr marL="0" marR="0" indent="0" algn="ctr" defTabSz="914400" rtl="0" eaLnBrk="1" fontAlgn="base" latinLnBrk="0" hangingPunct="1">
+              <a:lnSpc>
+                <a:spcPct val="100000"/>
+              </a:lnSpc>
+              <a:spcBef>
+                <a:spcPct val="0"/>
+              </a:spcBef>
+              <a:spcAft>
+                <a:spcPct val="0"/>
+              </a:spcAft>
+              <a:buClrTx/>
+              <a:buSzTx/>
+              <a:buFontTx/>
+              <a:buNone/>
+              <a:tabLst/>
+            </a:pPr>
+            <a:r>
+              <a:rPr lang="en-US" sz="1600" b="0" i="1" cap="none" dirty="0">
+                <a:ln w="0"/>
+                <a:solidFill>
+                  <a:schemeClr val="tx1"/>
+                </a:solidFill>
+                <a:effectLst>
+                  <a:outerShdw blurRad="38100" dist="19050" dir="2700000" algn="tl" rotWithShape="0">
+                    <a:schemeClr val="dk1">
+                      <a:alpha val="40000"/>
+                    </a:schemeClr>
+                  </a:outerShdw>
+                </a:effectLst>
+              </a:rPr>
+              <a:t>Model</a:t>
+            </a:r>
+            <a:r>
+              <a:rPr lang="en-US" sz="1600" i="1" dirty="0">
+                <a:ln w="0"/>
+                <a:solidFill>
+                  <a:schemeClr val="tx1"/>
+                </a:solidFill>
+                <a:effectLst>
+                  <a:outerShdw blurRad="38100" dist="19050" dir="2700000" algn="tl" rotWithShape="0">
+                    <a:schemeClr val="dk1">
+                      <a:alpha val="40000"/>
+                    </a:schemeClr>
+                  </a:outerShdw>
+                </a:effectLst>
+              </a:rPr>
+              <a:t>s</a:t>
+            </a:r>
+            <a:endParaRPr kumimoji="0" lang="en-US" sz="1600" b="0" i="1" u="none" strike="noStrike" cap="none" normalizeH="0" baseline="0" dirty="0">
+              <a:ln>
+                <a:noFill/>
+              </a:ln>
+              <a:effectLst/>
+            </a:endParaRPr>
+          </a:p>
+        </p:txBody>
+      </p:sp>
     </p:spTree>
     <p:extLst>
       <p:ext uri="{BB962C8B-B14F-4D97-AF65-F5344CB8AC3E}">
@@ -9498,6 +13892,51 @@
                       </p:childTnLst>
                     </p:cTn>
                   </p:par>
+                  <p:par>
+                    <p:cTn id="31" fill="hold">
+                      <p:stCondLst>
+                        <p:cond delay="indefinite"/>
+                      </p:stCondLst>
+                      <p:childTnLst>
+                        <p:par>
+                          <p:cTn id="32" fill="hold">
+                            <p:stCondLst>
+                              <p:cond delay="0"/>
+                            </p:stCondLst>
+                            <p:childTnLst>
+                              <p:par>
+                                <p:cTn id="33" presetID="1" presetClass="exit" presetSubtype="0" fill="hold" grpId="1" nodeType="clickEffect">
+                                  <p:stCondLst>
+                                    <p:cond delay="0"/>
+                                  </p:stCondLst>
+                                  <p:childTnLst>
+                                    <p:set>
+                                      <p:cBhvr>
+                                        <p:cTn id="34" dur="1" fill="hold">
+                                          <p:stCondLst>
+                                            <p:cond delay="0"/>
+                                          </p:stCondLst>
+                                        </p:cTn>
+                                        <p:tgtEl>
+                                          <p:spTgt spid="35"/>
+                                        </p:tgtEl>
+                                        <p:attrNameLst>
+                                          <p:attrName>style.visibility</p:attrName>
+                                        </p:attrNameLst>
+                                      </p:cBhvr>
+                                      <p:to>
+                                        <p:strVal val="hidden"/>
+                                      </p:to>
+                                    </p:set>
+                                  </p:childTnLst>
+                                </p:cTn>
+                              </p:par>
+                            </p:childTnLst>
+                          </p:cTn>
+                        </p:par>
+                      </p:childTnLst>
+                    </p:cTn>
+                  </p:par>
                 </p:childTnLst>
               </p:cTn>
               <p:prevCondLst>
@@ -9527,13 +13966,14 @@
       <p:bldP spid="20" grpId="0"/>
       <p:bldP spid="20" grpId="1"/>
       <p:bldP spid="35" grpId="0"/>
+      <p:bldP spid="35" grpId="1"/>
       <p:bldP spid="49" grpId="0"/>
     </p:bldLst>
   </p:timing>
 </p:sld>
 </file>
 
-<file path=ppt/slides/slide12.xml><?xml version="1.0" encoding="utf-8"?>
+<file path=ppt/slides/slide14.xml><?xml version="1.0" encoding="utf-8"?>
 <p:sld xmlns:a="http://schemas.openxmlformats.org/drawingml/2006/main" xmlns:r="http://schemas.openxmlformats.org/officeDocument/2006/relationships" xmlns:p="http://schemas.openxmlformats.org/presentationml/2006/main">
   <p:cSld>
     <p:spTree>
@@ -9613,15 +14053,7 @@
           <a:p>
             <a:r>
               <a:rPr lang="en-US" sz="2400" cap="none" dirty="0"/>
-              <a:t>COSMOS sends commands, receive and display EVR and channel telemetry </a:t>
-            </a:r>
-            <a:r>
-              <a:rPr lang="en-US" sz="2400" cap="none" dirty="0" err="1"/>
-              <a:t>Fprime’s</a:t>
-            </a:r>
-            <a:r>
-              <a:rPr lang="en-US" sz="2400" cap="none" dirty="0"/>
-              <a:t> GSE</a:t>
+              <a:t>COSMOS sends commands, receive and display EVR and channel telemetry</a:t>
             </a:r>
           </a:p>
           <a:p>
@@ -9650,16 +14082,13 @@
           <a:p>
             <a:r>
               <a:rPr lang="en-US" sz="2600" cap="none" dirty="0"/>
-              <a:t>Structure of tool -&gt; highest-level: </a:t>
-            </a:r>
-            <a:r>
-              <a:rPr lang="en-US" sz="2600" cap="none" dirty="0" err="1"/>
-              <a:t>cosmosgen</a:t>
-            </a:r>
-            <a:r>
-              <a:rPr lang="en-US" sz="2600" cap="none" dirty="0"/>
-              <a:t> | mid-level: generator, parser | lowest-level: models, writers</a:t>
-            </a:r>
+              <a:t>Tool structured with models </a:t>
+            </a:r>
+            <a:r>
+              <a:rPr lang="en-US" sz="2600" cap="none"/>
+              <a:t>as go-between for Writers and Parsers</a:t>
+            </a:r>
+            <a:endParaRPr lang="en-US" sz="2600" cap="none" dirty="0"/>
           </a:p>
         </p:txBody>
       </p:sp>
@@ -9688,7 +14117,7 @@
 </p:sld>
 </file>
 
-<file path=ppt/slides/slide13.xml><?xml version="1.0" encoding="utf-8"?>
+<file path=ppt/slides/slide15.xml><?xml version="1.0" encoding="utf-8"?>
 <p:sld xmlns:a="http://schemas.openxmlformats.org/drawingml/2006/main" xmlns:r="http://schemas.openxmlformats.org/officeDocument/2006/relationships" xmlns:p="http://schemas.openxmlformats.org/presentationml/2006/main">
   <p:cSld>
     <p:spTree>
@@ -9937,7 +14366,7 @@
           <a:p>
             <a:r>
               <a:rPr lang="en-US" sz="2800" cap="none" dirty="0"/>
-              <a:t>COSMOS – open source system to interface embedded system commanding and telemetry-monitoring</a:t>
+              <a:t>COSMOS – open source user interface that connects to embedded systems</a:t>
             </a:r>
           </a:p>
           <a:p>
@@ -10371,6 +14800,11 @@
           <a:prstGeom prst="rect">
             <a:avLst/>
           </a:prstGeom>
+          <a:ln>
+            <a:solidFill>
+              <a:schemeClr val="tx1"/>
+            </a:solidFill>
+          </a:ln>
         </p:spPr>
       </p:pic>
       <p:sp>
@@ -11254,6 +15688,11 @@
           <a:prstGeom prst="rect">
             <a:avLst/>
           </a:prstGeom>
+          <a:ln>
+            <a:solidFill>
+              <a:schemeClr val="tx1"/>
+            </a:solidFill>
+          </a:ln>
         </p:spPr>
       </p:pic>
       <p:sp>
@@ -11453,6 +15892,11 @@
           <a:prstGeom prst="rect">
             <a:avLst/>
           </a:prstGeom>
+          <a:ln>
+            <a:solidFill>
+              <a:schemeClr val="tx1"/>
+            </a:solidFill>
+          </a:ln>
         </p:spPr>
       </p:pic>
       <p:pic>
@@ -11477,12 +15921,17 @@
         </p:blipFill>
         <p:spPr>
           <a:xfrm>
-            <a:off x="5556367" y="1237052"/>
+            <a:off x="5566185" y="1237050"/>
             <a:ext cx="6083300" cy="4838700"/>
           </a:xfrm>
           <a:prstGeom prst="rect">
             <a:avLst/>
           </a:prstGeom>
+          <a:ln>
+            <a:solidFill>
+              <a:schemeClr val="tx1"/>
+            </a:solidFill>
+          </a:ln>
         </p:spPr>
       </p:pic>
       <p:pic>
@@ -11507,12 +15956,17 @@
         </p:blipFill>
         <p:spPr>
           <a:xfrm>
-            <a:off x="6769217" y="2367352"/>
+            <a:off x="6779035" y="2367350"/>
             <a:ext cx="3657600" cy="2578100"/>
           </a:xfrm>
           <a:prstGeom prst="rect">
             <a:avLst/>
           </a:prstGeom>
+          <a:ln>
+            <a:solidFill>
+              <a:schemeClr val="tx1"/>
+            </a:solidFill>
+          </a:ln>
         </p:spPr>
       </p:pic>
       <p:sp>
@@ -12895,7 +17349,7 @@
         <p:spPr>
           <a:xfrm>
             <a:off x="554376" y="1416398"/>
-            <a:ext cx="5382597" cy="4957897"/>
+            <a:ext cx="5382597" cy="5149502"/>
           </a:xfrm>
         </p:spPr>
         <p:txBody>
@@ -12905,33 +17359,33 @@
           <a:lstStyle/>
           <a:p>
             <a:r>
-              <a:rPr lang="en-US" sz="2400" cap="none" dirty="0"/>
+              <a:rPr lang="en-US" sz="2700" cap="none" dirty="0"/>
+              <a:t>Servers, write protocols and read protocols link to ruby scripts allowing for custom creation</a:t>
+            </a:r>
+          </a:p>
+          <a:p>
+            <a:r>
+              <a:rPr lang="en-US" sz="2700" cap="none" dirty="0"/>
               <a:t>Support for multi-string telemetry but not commands, support all </a:t>
             </a:r>
             <a:r>
-              <a:rPr lang="en-US" sz="2400" cap="none" dirty="0" err="1"/>
+              <a:rPr lang="en-US" sz="2700" cap="none" dirty="0" err="1"/>
               <a:t>Fprime</a:t>
             </a:r>
             <a:r>
-              <a:rPr lang="en-US" sz="2400" cap="none" dirty="0"/>
+              <a:rPr lang="en-US" sz="2700" cap="none" dirty="0"/>
               <a:t> data types and </a:t>
             </a:r>
             <a:r>
-              <a:rPr lang="en-US" sz="2400" cap="none" dirty="0" err="1"/>
+              <a:rPr lang="en-US" sz="2700" cap="none" dirty="0" err="1"/>
               <a:t>serializables</a:t>
             </a:r>
-            <a:endParaRPr lang="en-US" sz="2400" cap="none" dirty="0"/>
-          </a:p>
-          <a:p>
-            <a:r>
-              <a:rPr lang="en-US" sz="2400" cap="none" dirty="0"/>
-              <a:t>Embedded ruby capability to reuse text</a:t>
-            </a:r>
-          </a:p>
-          <a:p>
-            <a:r>
-              <a:rPr lang="en-US" sz="2400" cap="none" dirty="0"/>
-              <a:t>Servers, write protocols and read protocols link to ruby scripts allowing for custom creation</a:t>
+            <a:endParaRPr lang="en-US" sz="2700" cap="none" dirty="0"/>
+          </a:p>
+          <a:p>
+            <a:r>
+              <a:rPr lang="en-US" sz="2700" cap="none" dirty="0"/>
+              <a:t>Header files for commands and telemetry created using syntax &lt;%= %&gt;</a:t>
             </a:r>
           </a:p>
         </p:txBody>
@@ -12958,12 +17412,17 @@
         </p:blipFill>
         <p:spPr>
           <a:xfrm>
-            <a:off x="6098265" y="4635631"/>
+            <a:off x="6132631" y="1389604"/>
             <a:ext cx="5798232" cy="1449558"/>
           </a:xfrm>
           <a:prstGeom prst="rect">
             <a:avLst/>
           </a:prstGeom>
+          <a:ln>
+            <a:solidFill>
+              <a:schemeClr val="tx1"/>
+            </a:solidFill>
+          </a:ln>
         </p:spPr>
       </p:pic>
       <p:pic>
@@ -12988,12 +17447,17 @@
         </p:blipFill>
         <p:spPr>
           <a:xfrm>
-            <a:off x="6094411" y="1726973"/>
+            <a:off x="6170611" y="3911373"/>
             <a:ext cx="5802086" cy="2524982"/>
           </a:xfrm>
           <a:prstGeom prst="rect">
             <a:avLst/>
           </a:prstGeom>
+          <a:ln>
+            <a:solidFill>
+              <a:schemeClr val="tx1"/>
+            </a:solidFill>
+          </a:ln>
         </p:spPr>
       </p:pic>
       <p:sp>
@@ -13010,7 +17474,7 @@
         </p:nvSpPr>
         <p:spPr>
           <a:xfrm>
-            <a:off x="9194241" y="1326863"/>
+            <a:off x="9270441" y="3511263"/>
             <a:ext cx="3200779" cy="400110"/>
           </a:xfrm>
           <a:prstGeom prst="rect">
@@ -13046,7 +17510,7 @@
         </p:nvSpPr>
         <p:spPr>
           <a:xfrm>
-            <a:off x="8995454" y="6068755"/>
+            <a:off x="9029820" y="2822728"/>
             <a:ext cx="3200779" cy="400110"/>
           </a:xfrm>
           <a:prstGeom prst="rect">
@@ -13084,7 +17548,7 @@
         </p:nvCxnSpPr>
         <p:spPr>
           <a:xfrm flipV="1">
-            <a:off x="7527235" y="3922644"/>
+            <a:off x="7603435" y="6107044"/>
             <a:ext cx="251792" cy="569843"/>
           </a:xfrm>
           <a:prstGeom prst="straightConnector1">
@@ -13125,7 +17589,7 @@
         </p:nvCxnSpPr>
         <p:spPr>
           <a:xfrm flipH="1" flipV="1">
-            <a:off x="7977810" y="3922645"/>
+            <a:off x="8054010" y="6107045"/>
             <a:ext cx="371060" cy="569842"/>
           </a:xfrm>
           <a:prstGeom prst="straightConnector1">
@@ -13166,7 +17630,7 @@
         </p:nvCxnSpPr>
         <p:spPr>
           <a:xfrm flipH="1">
-            <a:off x="9316278" y="2989464"/>
+            <a:off x="9392478" y="5173864"/>
             <a:ext cx="1630018" cy="466963"/>
           </a:xfrm>
           <a:prstGeom prst="straightConnector1">
@@ -13207,7 +17671,7 @@
         </p:nvCxnSpPr>
         <p:spPr>
           <a:xfrm flipV="1">
-            <a:off x="7275443" y="5852838"/>
+            <a:off x="7309809" y="2606811"/>
             <a:ext cx="251792" cy="569843"/>
           </a:xfrm>
           <a:prstGeom prst="straightConnector1">
@@ -13288,7 +17752,7 @@
                                           </p:stCondLst>
                                         </p:cTn>
                                         <p:tgtEl>
-                                          <p:spTgt spid="5"/>
+                                          <p:spTgt spid="25"/>
                                         </p:tgtEl>
                                         <p:attrNameLst>
                                           <p:attrName>style.visibility</p:attrName>
@@ -13302,7 +17766,7 @@
                                 </p:cTn>
                               </p:par>
                               <p:par>
-                                <p:cTn id="7" presetID="1" presetClass="exit" presetSubtype="0" fill="hold" nodeType="withEffect">
+                                <p:cTn id="7" presetID="10" presetClass="entr" presetSubtype="0" fill="hold" nodeType="withEffect">
                                   <p:stCondLst>
                                     <p:cond delay="0"/>
                                   </p:stCondLst>
@@ -13322,6 +17786,94 @@
                                         </p:attrNameLst>
                                       </p:cBhvr>
                                       <p:to>
+                                        <p:strVal val="visible"/>
+                                      </p:to>
+                                    </p:set>
+                                    <p:animEffect transition="in" filter="fade">
+                                      <p:cBhvr>
+                                        <p:cTn id="9" dur="500"/>
+                                        <p:tgtEl>
+                                          <p:spTgt spid="11"/>
+                                        </p:tgtEl>
+                                      </p:cBhvr>
+                                    </p:animEffect>
+                                  </p:childTnLst>
+                                </p:cTn>
+                              </p:par>
+                              <p:par>
+                                <p:cTn id="10" presetID="10" presetClass="entr" presetSubtype="0" fill="hold" nodeType="withEffect">
+                                  <p:stCondLst>
+                                    <p:cond delay="0"/>
+                                  </p:stCondLst>
+                                  <p:childTnLst>
+                                    <p:set>
+                                      <p:cBhvr>
+                                        <p:cTn id="11" dur="1" fill="hold">
+                                          <p:stCondLst>
+                                            <p:cond delay="0"/>
+                                          </p:stCondLst>
+                                        </p:cTn>
+                                        <p:tgtEl>
+                                          <p:spTgt spid="5"/>
+                                        </p:tgtEl>
+                                        <p:attrNameLst>
+                                          <p:attrName>style.visibility</p:attrName>
+                                        </p:attrNameLst>
+                                      </p:cBhvr>
+                                      <p:to>
+                                        <p:strVal val="visible"/>
+                                      </p:to>
+                                    </p:set>
+                                    <p:animEffect transition="in" filter="fade">
+                                      <p:cBhvr>
+                                        <p:cTn id="12" dur="500"/>
+                                        <p:tgtEl>
+                                          <p:spTgt spid="5"/>
+                                        </p:tgtEl>
+                                      </p:cBhvr>
+                                    </p:animEffect>
+                                  </p:childTnLst>
+                                </p:cTn>
+                              </p:par>
+                            </p:childTnLst>
+                          </p:cTn>
+                        </p:par>
+                      </p:childTnLst>
+                    </p:cTn>
+                  </p:par>
+                  <p:par>
+                    <p:cTn id="13" fill="hold">
+                      <p:stCondLst>
+                        <p:cond delay="indefinite"/>
+                      </p:stCondLst>
+                      <p:childTnLst>
+                        <p:par>
+                          <p:cTn id="14" fill="hold">
+                            <p:stCondLst>
+                              <p:cond delay="0"/>
+                            </p:stCondLst>
+                            <p:childTnLst>
+                              <p:par>
+                                <p:cTn id="15" presetID="1" presetClass="exit" presetSubtype="0" fill="hold" nodeType="clickEffect">
+                                  <p:stCondLst>
+                                    <p:cond delay="0"/>
+                                  </p:stCondLst>
+                                  <p:childTnLst>
+                                    <p:set>
+                                      <p:cBhvr>
+                                        <p:cTn id="16" dur="1" fill="hold">
+                                          <p:stCondLst>
+                                            <p:cond delay="0"/>
+                                          </p:stCondLst>
+                                        </p:cTn>
+                                        <p:tgtEl>
+                                          <p:spTgt spid="5"/>
+                                        </p:tgtEl>
+                                        <p:attrNameLst>
+                                          <p:attrName>style.visibility</p:attrName>
+                                        </p:attrNameLst>
+                                      </p:cBhvr>
+                                      <p:to>
                                         <p:strVal val="hidden"/>
                                       </p:to>
                                     </p:set>
@@ -13329,14 +17881,41 @@
                                 </p:cTn>
                               </p:par>
                               <p:par>
-                                <p:cTn id="9" presetID="10" presetClass="entr" presetSubtype="0" fill="hold" nodeType="withEffect">
+                                <p:cTn id="17" presetID="1" presetClass="exit" presetSubtype="0" fill="hold" nodeType="withEffect">
                                   <p:stCondLst>
                                     <p:cond delay="0"/>
                                   </p:stCondLst>
                                   <p:childTnLst>
                                     <p:set>
                                       <p:cBhvr>
-                                        <p:cTn id="10" dur="1" fill="hold">
+                                        <p:cTn id="18" dur="1" fill="hold">
+                                          <p:stCondLst>
+                                            <p:cond delay="0"/>
+                                          </p:stCondLst>
+                                        </p:cTn>
+                                        <p:tgtEl>
+                                          <p:spTgt spid="11"/>
+                                        </p:tgtEl>
+                                        <p:attrNameLst>
+                                          <p:attrName>style.visibility</p:attrName>
+                                        </p:attrNameLst>
+                                      </p:cBhvr>
+                                      <p:to>
+                                        <p:strVal val="hidden"/>
+                                      </p:to>
+                                    </p:set>
+                                  </p:childTnLst>
+                                </p:cTn>
+                              </p:par>
+                              <p:par>
+                                <p:cTn id="19" presetID="10" presetClass="entr" presetSubtype="0" fill="hold" nodeType="withEffect">
+                                  <p:stCondLst>
+                                    <p:cond delay="0"/>
+                                  </p:stCondLst>
+                                  <p:childTnLst>
+                                    <p:set>
+                                      <p:cBhvr>
+                                        <p:cTn id="20" dur="1" fill="hold">
                                           <p:stCondLst>
                                             <p:cond delay="0"/>
                                           </p:stCondLst>
@@ -13354,89 +17933,9 @@
                                     </p:set>
                                     <p:animEffect transition="in" filter="fade">
                                       <p:cBhvr>
-                                        <p:cTn id="11" dur="500"/>
+                                        <p:cTn id="21" dur="500"/>
                                         <p:tgtEl>
                                           <p:spTgt spid="21"/>
-                                        </p:tgtEl>
-                                      </p:cBhvr>
-                                    </p:animEffect>
-                                  </p:childTnLst>
-                                </p:cTn>
-                              </p:par>
-                            </p:childTnLst>
-                          </p:cTn>
-                        </p:par>
-                      </p:childTnLst>
-                    </p:cTn>
-                  </p:par>
-                  <p:par>
-                    <p:cTn id="12" fill="hold">
-                      <p:stCondLst>
-                        <p:cond delay="indefinite"/>
-                      </p:stCondLst>
-                      <p:childTnLst>
-                        <p:par>
-                          <p:cTn id="13" fill="hold">
-                            <p:stCondLst>
-                              <p:cond delay="0"/>
-                            </p:stCondLst>
-                            <p:childTnLst>
-                              <p:par>
-                                <p:cTn id="14" presetID="1" presetClass="exit" presetSubtype="0" fill="hold" nodeType="clickEffect">
-                                  <p:stCondLst>
-                                    <p:cond delay="0"/>
-                                  </p:stCondLst>
-                                  <p:childTnLst>
-                                    <p:set>
-                                      <p:cBhvr>
-                                        <p:cTn id="15" dur="1" fill="hold">
-                                          <p:stCondLst>
-                                            <p:cond delay="0"/>
-                                          </p:stCondLst>
-                                        </p:cTn>
-                                        <p:tgtEl>
-                                          <p:spTgt spid="21"/>
-                                        </p:tgtEl>
-                                        <p:attrNameLst>
-                                          <p:attrName>style.visibility</p:attrName>
-                                        </p:attrNameLst>
-                                      </p:cBhvr>
-                                      <p:to>
-                                        <p:strVal val="hidden"/>
-                                      </p:to>
-                                    </p:set>
-                                  </p:childTnLst>
-                                </p:cTn>
-                              </p:par>
-                              <p:par>
-                                <p:cTn id="16" presetID="10" presetClass="entr" presetSubtype="0" fill="hold" nodeType="withEffect">
-                                  <p:stCondLst>
-                                    <p:cond delay="0"/>
-                                  </p:stCondLst>
-                                  <p:childTnLst>
-                                    <p:set>
-                                      <p:cBhvr>
-                                        <p:cTn id="17" dur="1" fill="hold">
-                                          <p:stCondLst>
-                                            <p:cond delay="0"/>
-                                          </p:stCondLst>
-                                        </p:cTn>
-                                        <p:tgtEl>
-                                          <p:spTgt spid="25"/>
-                                        </p:tgtEl>
-                                        <p:attrNameLst>
-                                          <p:attrName>style.visibility</p:attrName>
-                                        </p:attrNameLst>
-                                      </p:cBhvr>
-                                      <p:to>
-                                        <p:strVal val="visible"/>
-                                      </p:to>
-                                    </p:set>
-                                    <p:animEffect transition="in" filter="fade">
-                                      <p:cBhvr>
-                                        <p:cTn id="18" dur="500"/>
-                                        <p:tgtEl>
-                                          <p:spTgt spid="25"/>
                                         </p:tgtEl>
                                       </p:cBhvr>
                                     </p:animEffect>
@@ -13496,7 +17995,7 @@
           <p:cNvPr id="2" name="Title 1">
             <a:extLst>
               <a:ext uri="{FF2B5EF4-FFF2-40B4-BE49-F238E27FC236}">
-                <a16:creationId xmlns:a16="http://schemas.microsoft.com/office/drawing/2014/main" id="{FC200CF2-2E8D-874D-931B-03B1DE3D5350}"/>
+                <a16:creationId xmlns:a16="http://schemas.microsoft.com/office/drawing/2014/main" id="{3AB2A1BC-A8F7-B94A-9D56-1AC480D954A8}"/>
               </a:ext>
             </a:extLst>
           </p:cNvPr>
@@ -13509,7 +18008,7 @@
         </p:nvSpPr>
         <p:spPr>
           <a:xfrm>
-            <a:off x="914668" y="95252"/>
+            <a:off x="912185" y="118096"/>
             <a:ext cx="10364451" cy="1596177"/>
           </a:xfrm>
         </p:spPr>
@@ -13519,26 +18018,24 @@
           <a:p>
             <a:r>
               <a:rPr lang="en-US" dirty="0"/>
-              <a:t>CONFIGURATION CONT.</a:t>
+              <a:t>Configuration cont.</a:t>
             </a:r>
           </a:p>
         </p:txBody>
       </p:sp>
       <p:pic>
         <p:nvPicPr>
-          <p:cNvPr id="5" name="Content Placeholder 4">
+          <p:cNvPr id="9" name="Picture 8">
             <a:extLst>
               <a:ext uri="{FF2B5EF4-FFF2-40B4-BE49-F238E27FC236}">
-                <a16:creationId xmlns:a16="http://schemas.microsoft.com/office/drawing/2014/main" id="{336C2984-6940-4F40-A9CA-92CE37B490EE}"/>
+                <a16:creationId xmlns:a16="http://schemas.microsoft.com/office/drawing/2014/main" id="{009EB450-745A-3C4D-95A9-D3A05F4596F7}"/>
               </a:ext>
             </a:extLst>
           </p:cNvPr>
           <p:cNvPicPr>
-            <a:picLocks noGrp="1" noChangeAspect="1"/>
+            <a:picLocks noChangeAspect="1"/>
           </p:cNvPicPr>
-          <p:nvPr>
-            <p:ph idx="1"/>
-          </p:nvPr>
+          <p:nvPr/>
         </p:nvPicPr>
         <p:blipFill>
           <a:blip r:embed="rId3"/>
@@ -13548,35 +18045,79 @@
         </p:blipFill>
         <p:spPr>
           <a:xfrm>
-            <a:off x="3769832" y="1762551"/>
-            <a:ext cx="1722414" cy="4412854"/>
+            <a:off x="2665251" y="1714273"/>
+            <a:ext cx="6858318" cy="4565199"/>
           </a:xfrm>
+          <a:prstGeom prst="rect">
+            <a:avLst/>
+          </a:prstGeom>
+          <a:ln>
+            <a:solidFill>
+              <a:schemeClr val="tx1"/>
+            </a:solidFill>
+          </a:ln>
         </p:spPr>
       </p:pic>
+      <p:sp>
+        <p:nvSpPr>
+          <p:cNvPr id="19" name="TextBox 18">
+            <a:extLst>
+              <a:ext uri="{FF2B5EF4-FFF2-40B4-BE49-F238E27FC236}">
+                <a16:creationId xmlns:a16="http://schemas.microsoft.com/office/drawing/2014/main" id="{83F35CD8-1170-BC45-8CF7-97C0423ACBD9}"/>
+              </a:ext>
+            </a:extLst>
+          </p:cNvPr>
+          <p:cNvSpPr txBox="1"/>
+          <p:nvPr/>
+        </p:nvSpPr>
+        <p:spPr>
+          <a:xfrm>
+            <a:off x="8164789" y="6279472"/>
+            <a:ext cx="1358780" cy="400110"/>
+          </a:xfrm>
+          <a:prstGeom prst="rect">
+            <a:avLst/>
+          </a:prstGeom>
+          <a:noFill/>
+        </p:spPr>
+        <p:txBody>
+          <a:bodyPr wrap="square" rtlCol="0">
+            <a:spAutoFit/>
+          </a:bodyPr>
+          <a:lstStyle/>
+          <a:p>
+            <a:pPr algn="ctr"/>
+            <a:r>
+              <a:rPr lang="en-US" sz="2000" dirty="0"/>
+              <a:t>EVR Config</a:t>
+            </a:r>
+          </a:p>
+        </p:txBody>
+      </p:sp>
       <p:cxnSp>
         <p:nvCxnSpPr>
-          <p:cNvPr id="7" name="Straight Arrow Connector 6">
+          <p:cNvPr id="17" name="Straight Arrow Connector 16">
             <a:extLst>
               <a:ext uri="{FF2B5EF4-FFF2-40B4-BE49-F238E27FC236}">
-                <a16:creationId xmlns:a16="http://schemas.microsoft.com/office/drawing/2014/main" id="{88476651-320C-D747-BF3B-90BE66CCD148}"/>
+                <a16:creationId xmlns:a16="http://schemas.microsoft.com/office/drawing/2014/main" id="{B3403E20-7736-9949-BE4C-03E732C65635}"/>
               </a:ext>
             </a:extLst>
           </p:cNvPr>
           <p:cNvCxnSpPr>
             <a:cxnSpLocks/>
-            <a:stCxn id="28" idx="3"/>
+            <a:stCxn id="24" idx="3"/>
           </p:cNvCxnSpPr>
           <p:nvPr/>
         </p:nvCxnSpPr>
         <p:spPr>
           <a:xfrm>
-            <a:off x="3029143" y="2131229"/>
-            <a:ext cx="1242494" cy="255132"/>
+            <a:off x="1788718" y="2806700"/>
+            <a:ext cx="876533" cy="292100"/>
           </a:xfrm>
           <a:prstGeom prst="straightConnector1">
             <a:avLst/>
           </a:prstGeom>
-          <a:ln w="28575">
+          <a:ln w="57150">
             <a:tailEnd type="triangle"/>
           </a:ln>
         </p:spPr>
@@ -13595,168 +18136,12 @@
           </a:fontRef>
         </p:style>
       </p:cxnSp>
-      <p:pic>
-        <p:nvPicPr>
-          <p:cNvPr id="11" name="Picture 10">
-            <a:extLst>
-              <a:ext uri="{FF2B5EF4-FFF2-40B4-BE49-F238E27FC236}">
-                <a16:creationId xmlns:a16="http://schemas.microsoft.com/office/drawing/2014/main" id="{449E89B0-EDAE-D84A-9E83-AAA2602D8E61}"/>
-              </a:ext>
-            </a:extLst>
-          </p:cNvPr>
-          <p:cNvPicPr>
-            <a:picLocks noChangeAspect="1"/>
-          </p:cNvPicPr>
-          <p:nvPr/>
-        </p:nvPicPr>
-        <p:blipFill>
-          <a:blip r:embed="rId4"/>
-          <a:stretch>
-            <a:fillRect/>
-          </a:stretch>
-        </p:blipFill>
-        <p:spPr>
-          <a:xfrm>
-            <a:off x="9693427" y="2612952"/>
-            <a:ext cx="2164576" cy="1944737"/>
-          </a:xfrm>
-          <a:prstGeom prst="rect">
-            <a:avLst/>
-          </a:prstGeom>
-        </p:spPr>
-      </p:pic>
-      <p:cxnSp>
-        <p:nvCxnSpPr>
-          <p:cNvPr id="12" name="Straight Arrow Connector 11">
-            <a:extLst>
-              <a:ext uri="{FF2B5EF4-FFF2-40B4-BE49-F238E27FC236}">
-                <a16:creationId xmlns:a16="http://schemas.microsoft.com/office/drawing/2014/main" id="{E3CE606D-C49F-C446-BA11-64691818E7B1}"/>
-              </a:ext>
-            </a:extLst>
-          </p:cNvPr>
-          <p:cNvCxnSpPr>
-            <a:cxnSpLocks/>
-            <a:stCxn id="24" idx="3"/>
-          </p:cNvCxnSpPr>
-          <p:nvPr/>
-        </p:nvCxnSpPr>
-        <p:spPr>
-          <a:xfrm>
-            <a:off x="9505096" y="2733807"/>
-            <a:ext cx="702526" cy="843052"/>
-          </a:xfrm>
-          <a:prstGeom prst="straightConnector1">
-            <a:avLst/>
-          </a:prstGeom>
-          <a:ln w="28575">
-            <a:tailEnd type="triangle"/>
-          </a:ln>
-        </p:spPr>
-        <p:style>
-          <a:lnRef idx="1">
-            <a:schemeClr val="accent1"/>
-          </a:lnRef>
-          <a:fillRef idx="0">
-            <a:schemeClr val="accent1"/>
-          </a:fillRef>
-          <a:effectRef idx="0">
-            <a:schemeClr val="accent1"/>
-          </a:effectRef>
-          <a:fontRef idx="minor">
-            <a:schemeClr val="tx1"/>
-          </a:fontRef>
-        </p:style>
-      </p:cxnSp>
-      <p:cxnSp>
-        <p:nvCxnSpPr>
-          <p:cNvPr id="14" name="Straight Arrow Connector 13">
-            <a:extLst>
-              <a:ext uri="{FF2B5EF4-FFF2-40B4-BE49-F238E27FC236}">
-                <a16:creationId xmlns:a16="http://schemas.microsoft.com/office/drawing/2014/main" id="{8F9A31DA-3633-B544-8AD5-DBD464195B4A}"/>
-              </a:ext>
-            </a:extLst>
-          </p:cNvPr>
-          <p:cNvCxnSpPr>
-            <a:cxnSpLocks/>
-            <a:stCxn id="25" idx="3"/>
-          </p:cNvCxnSpPr>
-          <p:nvPr/>
-        </p:nvCxnSpPr>
-        <p:spPr>
-          <a:xfrm>
-            <a:off x="9686162" y="3948854"/>
-            <a:ext cx="521460" cy="12557"/>
-          </a:xfrm>
-          <a:prstGeom prst="straightConnector1">
-            <a:avLst/>
-          </a:prstGeom>
-          <a:ln w="28575">
-            <a:tailEnd type="triangle"/>
-          </a:ln>
-        </p:spPr>
-        <p:style>
-          <a:lnRef idx="1">
-            <a:schemeClr val="accent1"/>
-          </a:lnRef>
-          <a:fillRef idx="0">
-            <a:schemeClr val="accent1"/>
-          </a:fillRef>
-          <a:effectRef idx="0">
-            <a:schemeClr val="accent1"/>
-          </a:effectRef>
-          <a:fontRef idx="minor">
-            <a:schemeClr val="tx1"/>
-          </a:fontRef>
-        </p:style>
-      </p:cxnSp>
-      <p:cxnSp>
-        <p:nvCxnSpPr>
-          <p:cNvPr id="19" name="Straight Arrow Connector 18">
-            <a:extLst>
-              <a:ext uri="{FF2B5EF4-FFF2-40B4-BE49-F238E27FC236}">
-                <a16:creationId xmlns:a16="http://schemas.microsoft.com/office/drawing/2014/main" id="{3D43A6F8-6760-7E47-9105-5B396CCD92CD}"/>
-              </a:ext>
-            </a:extLst>
-          </p:cNvPr>
-          <p:cNvCxnSpPr>
-            <a:cxnSpLocks/>
-            <a:stCxn id="27" idx="3"/>
-          </p:cNvCxnSpPr>
-          <p:nvPr/>
-        </p:nvCxnSpPr>
-        <p:spPr>
-          <a:xfrm flipV="1">
-            <a:off x="9849915" y="4106377"/>
-            <a:ext cx="357707" cy="1331139"/>
-          </a:xfrm>
-          <a:prstGeom prst="straightConnector1">
-            <a:avLst/>
-          </a:prstGeom>
-          <a:ln w="28575">
-            <a:tailEnd type="triangle"/>
-          </a:ln>
-        </p:spPr>
-        <p:style>
-          <a:lnRef idx="1">
-            <a:schemeClr val="accent1"/>
-          </a:lnRef>
-          <a:fillRef idx="0">
-            <a:schemeClr val="accent1"/>
-          </a:fillRef>
-          <a:effectRef idx="0">
-            <a:schemeClr val="accent1"/>
-          </a:effectRef>
-          <a:fontRef idx="minor">
-            <a:schemeClr val="tx1"/>
-          </a:fontRef>
-        </p:style>
-      </p:cxnSp>
       <p:sp>
         <p:nvSpPr>
           <p:cNvPr id="24" name="TextBox 23">
             <a:extLst>
               <a:ext uri="{FF2B5EF4-FFF2-40B4-BE49-F238E27FC236}">
-                <a16:creationId xmlns:a16="http://schemas.microsoft.com/office/drawing/2014/main" id="{F95B50CB-1055-DA43-8106-41ED322BC3FE}"/>
+                <a16:creationId xmlns:a16="http://schemas.microsoft.com/office/drawing/2014/main" id="{4B35156E-75F3-AE4B-A607-4C3119F15E0D}"/>
               </a:ext>
             </a:extLst>
           </p:cNvPr>
@@ -13765,8 +18150,8 @@
         </p:nvSpPr>
         <p:spPr>
           <a:xfrm>
-            <a:off x="8166080" y="2133642"/>
-            <a:ext cx="1339016" cy="1200329"/>
+            <a:off x="378551" y="1914148"/>
+            <a:ext cx="1410167" cy="1785104"/>
           </a:xfrm>
           <a:prstGeom prst="rect">
             <a:avLst/>
@@ -13793,18 +18178,60 @@
           <a:lstStyle/>
           <a:p>
             <a:r>
-              <a:rPr lang="en-US" sz="2400" dirty="0"/>
-              <a:t>Controls EVR display</a:t>
-            </a:r>
-          </a:p>
-        </p:txBody>
-      </p:sp>
-      <p:sp>
-        <p:nvSpPr>
-          <p:cNvPr id="25" name="TextBox 24">
+              <a:rPr lang="en-US" sz="2200" dirty="0"/>
+              <a:t>Comments contain extra data from XML file</a:t>
+            </a:r>
+          </a:p>
+        </p:txBody>
+      </p:sp>
+      <p:cxnSp>
+        <p:nvCxnSpPr>
+          <p:cNvPr id="26" name="Straight Arrow Connector 25">
             <a:extLst>
               <a:ext uri="{FF2B5EF4-FFF2-40B4-BE49-F238E27FC236}">
-                <a16:creationId xmlns:a16="http://schemas.microsoft.com/office/drawing/2014/main" id="{55F8BF21-7DB0-CF4E-9287-50AB742E548A}"/>
+                <a16:creationId xmlns:a16="http://schemas.microsoft.com/office/drawing/2014/main" id="{C2C338F2-DF7D-D74B-A696-5455F538AB3C}"/>
+              </a:ext>
+            </a:extLst>
+          </p:cNvPr>
+          <p:cNvCxnSpPr>
+            <a:cxnSpLocks/>
+            <a:stCxn id="27" idx="1"/>
+          </p:cNvCxnSpPr>
+          <p:nvPr/>
+        </p:nvCxnSpPr>
+        <p:spPr>
+          <a:xfrm flipH="1">
+            <a:off x="7150102" y="2268271"/>
+            <a:ext cx="2544916" cy="1249629"/>
+          </a:xfrm>
+          <a:prstGeom prst="straightConnector1">
+            <a:avLst/>
+          </a:prstGeom>
+          <a:ln w="57150">
+            <a:tailEnd type="triangle"/>
+          </a:ln>
+        </p:spPr>
+        <p:style>
+          <a:lnRef idx="1">
+            <a:schemeClr val="accent1"/>
+          </a:lnRef>
+          <a:fillRef idx="0">
+            <a:schemeClr val="accent1"/>
+          </a:fillRef>
+          <a:effectRef idx="0">
+            <a:schemeClr val="accent1"/>
+          </a:effectRef>
+          <a:fontRef idx="minor">
+            <a:schemeClr val="tx1"/>
+          </a:fontRef>
+        </p:style>
+      </p:cxnSp>
+      <p:sp>
+        <p:nvSpPr>
+          <p:cNvPr id="27" name="TextBox 26">
+            <a:extLst>
+              <a:ext uri="{FF2B5EF4-FFF2-40B4-BE49-F238E27FC236}">
+                <a16:creationId xmlns:a16="http://schemas.microsoft.com/office/drawing/2014/main" id="{00287D93-7789-1E43-8EA4-2B3F4F9B22A7}"/>
               </a:ext>
             </a:extLst>
           </p:cNvPr>
@@ -13813,8 +18240,8 @@
         </p:nvSpPr>
         <p:spPr>
           <a:xfrm>
-            <a:off x="7764266" y="3348689"/>
-            <a:ext cx="1921896" cy="1200329"/>
+            <a:off x="9695018" y="1714273"/>
+            <a:ext cx="1410167" cy="1107996"/>
           </a:xfrm>
           <a:prstGeom prst="rect">
             <a:avLst/>
@@ -13841,26 +18268,60 @@
           <a:lstStyle/>
           <a:p>
             <a:r>
-              <a:rPr lang="en-US" sz="2400" dirty="0"/>
-              <a:t>Allows multi string </a:t>
-            </a:r>
-            <a:r>
-              <a:rPr lang="en-US" sz="2400" dirty="0" err="1"/>
-              <a:t>tlm</a:t>
-            </a:r>
-            <a:r>
-              <a:rPr lang="en-US" sz="2400" dirty="0"/>
-              <a:t> packets</a:t>
-            </a:r>
-          </a:p>
-        </p:txBody>
-      </p:sp>
-      <p:sp>
-        <p:nvSpPr>
-          <p:cNvPr id="27" name="TextBox 26">
+              <a:rPr lang="en-US" sz="2200" dirty="0"/>
+              <a:t>Link to header file</a:t>
+            </a:r>
+          </a:p>
+        </p:txBody>
+      </p:sp>
+      <p:cxnSp>
+        <p:nvCxnSpPr>
+          <p:cNvPr id="31" name="Straight Arrow Connector 30">
             <a:extLst>
               <a:ext uri="{FF2B5EF4-FFF2-40B4-BE49-F238E27FC236}">
-                <a16:creationId xmlns:a16="http://schemas.microsoft.com/office/drawing/2014/main" id="{F779395D-1326-7146-9836-4CBE21F6E734}"/>
+                <a16:creationId xmlns:a16="http://schemas.microsoft.com/office/drawing/2014/main" id="{E2BDE331-2C45-7C42-BC91-B6361D59A99C}"/>
+              </a:ext>
+            </a:extLst>
+          </p:cNvPr>
+          <p:cNvCxnSpPr>
+            <a:cxnSpLocks/>
+            <a:stCxn id="32" idx="1"/>
+          </p:cNvCxnSpPr>
+          <p:nvPr/>
+        </p:nvCxnSpPr>
+        <p:spPr>
+          <a:xfrm flipH="1" flipV="1">
+            <a:off x="5359400" y="3983121"/>
+            <a:ext cx="4507068" cy="915565"/>
+          </a:xfrm>
+          <a:prstGeom prst="straightConnector1">
+            <a:avLst/>
+          </a:prstGeom>
+          <a:ln w="57150">
+            <a:tailEnd type="triangle"/>
+          </a:ln>
+        </p:spPr>
+        <p:style>
+          <a:lnRef idx="1">
+            <a:schemeClr val="accent1"/>
+          </a:lnRef>
+          <a:fillRef idx="0">
+            <a:schemeClr val="accent1"/>
+          </a:fillRef>
+          <a:effectRef idx="0">
+            <a:schemeClr val="accent1"/>
+          </a:effectRef>
+          <a:fontRef idx="minor">
+            <a:schemeClr val="tx1"/>
+          </a:fontRef>
+        </p:style>
+      </p:cxnSp>
+      <p:sp>
+        <p:nvSpPr>
+          <p:cNvPr id="32" name="TextBox 31">
+            <a:extLst>
+              <a:ext uri="{FF2B5EF4-FFF2-40B4-BE49-F238E27FC236}">
+                <a16:creationId xmlns:a16="http://schemas.microsoft.com/office/drawing/2014/main" id="{FA2FD5F3-DFCF-7F47-81FD-3F71FA0DD396}"/>
               </a:ext>
             </a:extLst>
           </p:cNvPr>
@@ -13869,8 +18330,8 @@
         </p:nvSpPr>
         <p:spPr>
           <a:xfrm>
-            <a:off x="8166080" y="4837351"/>
-            <a:ext cx="1683835" cy="1200329"/>
+            <a:off x="9866468" y="3836857"/>
+            <a:ext cx="1410167" cy="2123658"/>
           </a:xfrm>
           <a:prstGeom prst="rect">
             <a:avLst/>
@@ -13897,18 +18358,59 @@
           <a:lstStyle/>
           <a:p>
             <a:r>
-              <a:rPr lang="en-US" sz="2400" dirty="0"/>
-              <a:t>Drops first 13 bits Ref app sends</a:t>
-            </a:r>
-          </a:p>
-        </p:txBody>
-      </p:sp>
-      <p:sp>
-        <p:nvSpPr>
-          <p:cNvPr id="28" name="TextBox 27">
+              <a:rPr lang="en-US" sz="2200" dirty="0"/>
+              <a:t>EVR argument data contain name and type</a:t>
+            </a:r>
+          </a:p>
+        </p:txBody>
+      </p:sp>
+      <p:cxnSp>
+        <p:nvCxnSpPr>
+          <p:cNvPr id="36" name="Straight Arrow Connector 35">
             <a:extLst>
               <a:ext uri="{FF2B5EF4-FFF2-40B4-BE49-F238E27FC236}">
-                <a16:creationId xmlns:a16="http://schemas.microsoft.com/office/drawing/2014/main" id="{23954D79-B346-6A4B-ABE3-F37460BA9271}"/>
+                <a16:creationId xmlns:a16="http://schemas.microsoft.com/office/drawing/2014/main" id="{C0DA8C09-A43D-A941-B59C-AE8A42389496}"/>
+              </a:ext>
+            </a:extLst>
+          </p:cNvPr>
+          <p:cNvCxnSpPr>
+            <a:cxnSpLocks/>
+          </p:cNvCxnSpPr>
+          <p:nvPr/>
+        </p:nvCxnSpPr>
+        <p:spPr>
+          <a:xfrm flipV="1">
+            <a:off x="1788718" y="4591804"/>
+            <a:ext cx="1259282" cy="354123"/>
+          </a:xfrm>
+          <a:prstGeom prst="straightConnector1">
+            <a:avLst/>
+          </a:prstGeom>
+          <a:ln w="57150">
+            <a:tailEnd type="triangle"/>
+          </a:ln>
+        </p:spPr>
+        <p:style>
+          <a:lnRef idx="1">
+            <a:schemeClr val="accent1"/>
+          </a:lnRef>
+          <a:fillRef idx="0">
+            <a:schemeClr val="accent1"/>
+          </a:fillRef>
+          <a:effectRef idx="0">
+            <a:schemeClr val="accent1"/>
+          </a:effectRef>
+          <a:fontRef idx="minor">
+            <a:schemeClr val="tx1"/>
+          </a:fontRef>
+        </p:style>
+      </p:cxnSp>
+      <p:sp>
+        <p:nvSpPr>
+          <p:cNvPr id="37" name="TextBox 36">
+            <a:extLst>
+              <a:ext uri="{FF2B5EF4-FFF2-40B4-BE49-F238E27FC236}">
+                <a16:creationId xmlns:a16="http://schemas.microsoft.com/office/drawing/2014/main" id="{53DE21EF-FA46-764C-8C56-33D623CCD6B6}"/>
               </a:ext>
             </a:extLst>
           </p:cNvPr>
@@ -13917,8 +18419,8 @@
         </p:nvSpPr>
         <p:spPr>
           <a:xfrm>
-            <a:off x="765446" y="1531064"/>
-            <a:ext cx="2263697" cy="1200329"/>
+            <a:off x="402843" y="3991352"/>
+            <a:ext cx="1410167" cy="1785104"/>
           </a:xfrm>
           <a:prstGeom prst="rect">
             <a:avLst/>
@@ -13945,912 +18447,8 @@
           <a:lstStyle/>
           <a:p>
             <a:r>
-              <a:rPr lang="en-US" sz="2400" dirty="0"/>
-              <a:t>Adds /targets directories to cosmos path</a:t>
-            </a:r>
-          </a:p>
-        </p:txBody>
-      </p:sp>
-      <p:cxnSp>
-        <p:nvCxnSpPr>
-          <p:cNvPr id="30" name="Straight Arrow Connector 29">
-            <a:extLst>
-              <a:ext uri="{FF2B5EF4-FFF2-40B4-BE49-F238E27FC236}">
-                <a16:creationId xmlns:a16="http://schemas.microsoft.com/office/drawing/2014/main" id="{361A780A-C51D-484B-9399-DBC4EE2CE74D}"/>
-              </a:ext>
-            </a:extLst>
-          </p:cNvPr>
-          <p:cNvCxnSpPr>
-            <a:cxnSpLocks/>
-            <a:stCxn id="31" idx="3"/>
-          </p:cNvCxnSpPr>
-          <p:nvPr/>
-        </p:nvCxnSpPr>
-        <p:spPr>
-          <a:xfrm>
-            <a:off x="2790774" y="3143492"/>
-            <a:ext cx="1703168" cy="157269"/>
-          </a:xfrm>
-          <a:prstGeom prst="straightConnector1">
-            <a:avLst/>
-          </a:prstGeom>
-          <a:ln w="28575">
-            <a:tailEnd type="triangle"/>
-          </a:ln>
-        </p:spPr>
-        <p:style>
-          <a:lnRef idx="1">
-            <a:schemeClr val="accent1"/>
-          </a:lnRef>
-          <a:fillRef idx="0">
-            <a:schemeClr val="accent1"/>
-          </a:fillRef>
-          <a:effectRef idx="0">
-            <a:schemeClr val="accent1"/>
-          </a:effectRef>
-          <a:fontRef idx="minor">
-            <a:schemeClr val="tx1"/>
-          </a:fontRef>
-        </p:style>
-      </p:cxnSp>
-      <p:sp>
-        <p:nvSpPr>
-          <p:cNvPr id="31" name="TextBox 30">
-            <a:extLst>
-              <a:ext uri="{FF2B5EF4-FFF2-40B4-BE49-F238E27FC236}">
-                <a16:creationId xmlns:a16="http://schemas.microsoft.com/office/drawing/2014/main" id="{D23B60A8-9C47-A547-B4EC-30161DF6C408}"/>
-              </a:ext>
-            </a:extLst>
-          </p:cNvPr>
-          <p:cNvSpPr txBox="1"/>
-          <p:nvPr/>
-        </p:nvSpPr>
-        <p:spPr>
-          <a:xfrm>
-            <a:off x="266700" y="2727993"/>
-            <a:ext cx="2524074" cy="830997"/>
-          </a:xfrm>
-          <a:prstGeom prst="rect">
-            <a:avLst/>
-          </a:prstGeom>
-        </p:spPr>
-        <p:style>
-          <a:lnRef idx="2">
-            <a:schemeClr val="dk1"/>
-          </a:lnRef>
-          <a:fillRef idx="1">
-            <a:schemeClr val="lt1"/>
-          </a:fillRef>
-          <a:effectRef idx="0">
-            <a:schemeClr val="dk1"/>
-          </a:effectRef>
-          <a:fontRef idx="minor">
-            <a:schemeClr val="dk1"/>
-          </a:fontRef>
-        </p:style>
-        <p:txBody>
-          <a:bodyPr wrap="square" rtlCol="0">
-            <a:spAutoFit/>
-          </a:bodyPr>
-          <a:lstStyle/>
-          <a:p>
-            <a:r>
-              <a:rPr lang="en-US" sz="2400" dirty="0"/>
-              <a:t>Defines channel screen</a:t>
-            </a:r>
-          </a:p>
-        </p:txBody>
-      </p:sp>
-      <p:cxnSp>
-        <p:nvCxnSpPr>
-          <p:cNvPr id="32" name="Straight Arrow Connector 31">
-            <a:extLst>
-              <a:ext uri="{FF2B5EF4-FFF2-40B4-BE49-F238E27FC236}">
-                <a16:creationId xmlns:a16="http://schemas.microsoft.com/office/drawing/2014/main" id="{19196D3D-D4A9-A54C-8672-8129F12E8FE2}"/>
-              </a:ext>
-            </a:extLst>
-          </p:cNvPr>
-          <p:cNvCxnSpPr>
-            <a:cxnSpLocks/>
-            <a:stCxn id="33" idx="3"/>
-          </p:cNvCxnSpPr>
-          <p:nvPr/>
-        </p:nvCxnSpPr>
-        <p:spPr>
-          <a:xfrm flipV="1">
-            <a:off x="2648706" y="3640876"/>
-            <a:ext cx="1945867" cy="77565"/>
-          </a:xfrm>
-          <a:prstGeom prst="straightConnector1">
-            <a:avLst/>
-          </a:prstGeom>
-          <a:ln w="28575">
-            <a:tailEnd type="triangle"/>
-          </a:ln>
-        </p:spPr>
-        <p:style>
-          <a:lnRef idx="1">
-            <a:schemeClr val="accent1"/>
-          </a:lnRef>
-          <a:fillRef idx="0">
-            <a:schemeClr val="accent1"/>
-          </a:fillRef>
-          <a:effectRef idx="0">
-            <a:schemeClr val="accent1"/>
-          </a:effectRef>
-          <a:fontRef idx="minor">
-            <a:schemeClr val="tx1"/>
-          </a:fontRef>
-        </p:style>
-      </p:cxnSp>
-      <p:sp>
-        <p:nvSpPr>
-          <p:cNvPr id="33" name="TextBox 32">
-            <a:extLst>
-              <a:ext uri="{FF2B5EF4-FFF2-40B4-BE49-F238E27FC236}">
-                <a16:creationId xmlns:a16="http://schemas.microsoft.com/office/drawing/2014/main" id="{164EF3B8-15DF-2E45-BB0A-3A9600E06BBF}"/>
-              </a:ext>
-            </a:extLst>
-          </p:cNvPr>
-          <p:cNvSpPr txBox="1"/>
-          <p:nvPr/>
-        </p:nvSpPr>
-        <p:spPr>
-          <a:xfrm>
-            <a:off x="864464" y="3302942"/>
-            <a:ext cx="1784242" cy="830997"/>
-          </a:xfrm>
-          <a:prstGeom prst="rect">
-            <a:avLst/>
-          </a:prstGeom>
-        </p:spPr>
-        <p:style>
-          <a:lnRef idx="2">
-            <a:schemeClr val="dk1"/>
-          </a:lnRef>
-          <a:fillRef idx="1">
-            <a:schemeClr val="lt1"/>
-          </a:fillRef>
-          <a:effectRef idx="0">
-            <a:schemeClr val="dk1"/>
-          </a:effectRef>
-          <a:fontRef idx="minor">
-            <a:schemeClr val="dk1"/>
-          </a:fontRef>
-        </p:style>
-        <p:txBody>
-          <a:bodyPr wrap="square" rtlCol="0">
-            <a:spAutoFit/>
-          </a:bodyPr>
-          <a:lstStyle/>
-          <a:p>
-            <a:r>
-              <a:rPr lang="en-US" sz="2400" dirty="0"/>
-              <a:t>Partial add-on</a:t>
-            </a:r>
-          </a:p>
-        </p:txBody>
-      </p:sp>
-      <p:cxnSp>
-        <p:nvCxnSpPr>
-          <p:cNvPr id="35" name="Straight Arrow Connector 34">
-            <a:extLst>
-              <a:ext uri="{FF2B5EF4-FFF2-40B4-BE49-F238E27FC236}">
-                <a16:creationId xmlns:a16="http://schemas.microsoft.com/office/drawing/2014/main" id="{9E2B278B-4A74-0343-8C17-982D2824BA00}"/>
-              </a:ext>
-            </a:extLst>
-          </p:cNvPr>
-          <p:cNvCxnSpPr>
-            <a:cxnSpLocks/>
-            <a:stCxn id="36" idx="3"/>
-          </p:cNvCxnSpPr>
-          <p:nvPr/>
-        </p:nvCxnSpPr>
-        <p:spPr>
-          <a:xfrm flipV="1">
-            <a:off x="2601156" y="3755130"/>
-            <a:ext cx="1961376" cy="477794"/>
-          </a:xfrm>
-          <a:prstGeom prst="straightConnector1">
-            <a:avLst/>
-          </a:prstGeom>
-          <a:ln w="28575">
-            <a:tailEnd type="triangle"/>
-          </a:ln>
-        </p:spPr>
-        <p:style>
-          <a:lnRef idx="1">
-            <a:schemeClr val="accent1"/>
-          </a:lnRef>
-          <a:fillRef idx="0">
-            <a:schemeClr val="accent1"/>
-          </a:fillRef>
-          <a:effectRef idx="0">
-            <a:schemeClr val="accent1"/>
-          </a:effectRef>
-          <a:fontRef idx="minor">
-            <a:schemeClr val="tx1"/>
-          </a:fontRef>
-        </p:style>
-      </p:cxnSp>
-      <p:sp>
-        <p:nvSpPr>
-          <p:cNvPr id="36" name="TextBox 35">
-            <a:extLst>
-              <a:ext uri="{FF2B5EF4-FFF2-40B4-BE49-F238E27FC236}">
-                <a16:creationId xmlns:a16="http://schemas.microsoft.com/office/drawing/2014/main" id="{925E9E8D-0019-CB47-BB23-AF854A3B6779}"/>
-              </a:ext>
-            </a:extLst>
-          </p:cNvPr>
-          <p:cNvSpPr txBox="1"/>
-          <p:nvPr/>
-        </p:nvSpPr>
-        <p:spPr>
-          <a:xfrm>
-            <a:off x="765446" y="3817425"/>
-            <a:ext cx="1835710" cy="830997"/>
-          </a:xfrm>
-          <a:prstGeom prst="rect">
-            <a:avLst/>
-          </a:prstGeom>
-        </p:spPr>
-        <p:style>
-          <a:lnRef idx="2">
-            <a:schemeClr val="dk1"/>
-          </a:lnRef>
-          <a:fillRef idx="1">
-            <a:schemeClr val="lt1"/>
-          </a:fillRef>
-          <a:effectRef idx="0">
-            <a:schemeClr val="dk1"/>
-          </a:effectRef>
-          <a:fontRef idx="minor">
-            <a:schemeClr val="dk1"/>
-          </a:fontRef>
-        </p:style>
-        <p:txBody>
-          <a:bodyPr wrap="square" rtlCol="0">
-            <a:spAutoFit/>
-          </a:bodyPr>
-          <a:lstStyle/>
-          <a:p>
-            <a:r>
-              <a:rPr lang="en-US" sz="2400" dirty="0"/>
-              <a:t>EVR view config</a:t>
-            </a:r>
-          </a:p>
-        </p:txBody>
-      </p:sp>
-      <p:cxnSp>
-        <p:nvCxnSpPr>
-          <p:cNvPr id="38" name="Straight Arrow Connector 37">
-            <a:extLst>
-              <a:ext uri="{FF2B5EF4-FFF2-40B4-BE49-F238E27FC236}">
-                <a16:creationId xmlns:a16="http://schemas.microsoft.com/office/drawing/2014/main" id="{7F1D5555-7133-7B4E-AC4F-1087068EF64B}"/>
-              </a:ext>
-            </a:extLst>
-          </p:cNvPr>
-          <p:cNvCxnSpPr>
-            <a:cxnSpLocks/>
-            <a:stCxn id="39" idx="3"/>
-          </p:cNvCxnSpPr>
-          <p:nvPr/>
-        </p:nvCxnSpPr>
-        <p:spPr>
-          <a:xfrm flipV="1">
-            <a:off x="2578854" y="3856940"/>
-            <a:ext cx="1795347" cy="867338"/>
-          </a:xfrm>
-          <a:prstGeom prst="straightConnector1">
-            <a:avLst/>
-          </a:prstGeom>
-          <a:ln w="28575">
-            <a:tailEnd type="triangle"/>
-          </a:ln>
-        </p:spPr>
-        <p:style>
-          <a:lnRef idx="1">
-            <a:schemeClr val="accent1"/>
-          </a:lnRef>
-          <a:fillRef idx="0">
-            <a:schemeClr val="accent1"/>
-          </a:fillRef>
-          <a:effectRef idx="0">
-            <a:schemeClr val="accent1"/>
-          </a:effectRef>
-          <a:fontRef idx="minor">
-            <a:schemeClr val="tx1"/>
-          </a:fontRef>
-        </p:style>
-      </p:cxnSp>
-      <p:sp>
-        <p:nvSpPr>
-          <p:cNvPr id="39" name="TextBox 38">
-            <a:extLst>
-              <a:ext uri="{FF2B5EF4-FFF2-40B4-BE49-F238E27FC236}">
-                <a16:creationId xmlns:a16="http://schemas.microsoft.com/office/drawing/2014/main" id="{EE7B402F-A97D-804F-9DF5-08EDB7DAB8F9}"/>
-              </a:ext>
-            </a:extLst>
-          </p:cNvPr>
-          <p:cNvSpPr txBox="1"/>
-          <p:nvPr/>
-        </p:nvSpPr>
-        <p:spPr>
-          <a:xfrm>
-            <a:off x="687386" y="4308779"/>
-            <a:ext cx="1891468" cy="830997"/>
-          </a:xfrm>
-          <a:prstGeom prst="rect">
-            <a:avLst/>
-          </a:prstGeom>
-        </p:spPr>
-        <p:style>
-          <a:lnRef idx="2">
-            <a:schemeClr val="dk1"/>
-          </a:lnRef>
-          <a:fillRef idx="1">
-            <a:schemeClr val="lt1"/>
-          </a:fillRef>
-          <a:effectRef idx="0">
-            <a:schemeClr val="dk1"/>
-          </a:effectRef>
-          <a:fontRef idx="minor">
-            <a:schemeClr val="dk1"/>
-          </a:fontRef>
-        </p:style>
-        <p:txBody>
-          <a:bodyPr wrap="square" rtlCol="0">
-            <a:spAutoFit/>
-          </a:bodyPr>
-          <a:lstStyle/>
-          <a:p>
-            <a:r>
-              <a:rPr lang="en-US" sz="2400" dirty="0"/>
-              <a:t>Interface config</a:t>
-            </a:r>
-          </a:p>
-        </p:txBody>
-      </p:sp>
-      <p:cxnSp>
-        <p:nvCxnSpPr>
-          <p:cNvPr id="43" name="Straight Arrow Connector 42">
-            <a:extLst>
-              <a:ext uri="{FF2B5EF4-FFF2-40B4-BE49-F238E27FC236}">
-                <a16:creationId xmlns:a16="http://schemas.microsoft.com/office/drawing/2014/main" id="{6CA39A4B-FC6D-8741-B05C-700080D7D3D7}"/>
-              </a:ext>
-            </a:extLst>
-          </p:cNvPr>
-          <p:cNvCxnSpPr>
-            <a:cxnSpLocks/>
-            <a:stCxn id="44" idx="3"/>
-          </p:cNvCxnSpPr>
-          <p:nvPr/>
-        </p:nvCxnSpPr>
-        <p:spPr>
-          <a:xfrm flipV="1">
-            <a:off x="2535574" y="3960538"/>
-            <a:ext cx="1887487" cy="1523972"/>
-          </a:xfrm>
-          <a:prstGeom prst="straightConnector1">
-            <a:avLst/>
-          </a:prstGeom>
-          <a:ln w="28575">
-            <a:tailEnd type="triangle"/>
-          </a:ln>
-        </p:spPr>
-        <p:style>
-          <a:lnRef idx="1">
-            <a:schemeClr val="accent1"/>
-          </a:lnRef>
-          <a:fillRef idx="0">
-            <a:schemeClr val="accent1"/>
-          </a:fillRef>
-          <a:effectRef idx="0">
-            <a:schemeClr val="accent1"/>
-          </a:effectRef>
-          <a:fontRef idx="minor">
-            <a:schemeClr val="tx1"/>
-          </a:fontRef>
-        </p:style>
-      </p:cxnSp>
-      <p:sp>
-        <p:nvSpPr>
-          <p:cNvPr id="44" name="TextBox 43">
-            <a:extLst>
-              <a:ext uri="{FF2B5EF4-FFF2-40B4-BE49-F238E27FC236}">
-                <a16:creationId xmlns:a16="http://schemas.microsoft.com/office/drawing/2014/main" id="{C73BF097-70FD-654A-BF11-4B03C7ED3CA0}"/>
-              </a:ext>
-            </a:extLst>
-          </p:cNvPr>
-          <p:cNvSpPr txBox="1"/>
-          <p:nvPr/>
-        </p:nvSpPr>
-        <p:spPr>
-          <a:xfrm>
-            <a:off x="963252" y="4884345"/>
-            <a:ext cx="1572322" cy="1200329"/>
-          </a:xfrm>
-          <a:prstGeom prst="rect">
-            <a:avLst/>
-          </a:prstGeom>
-        </p:spPr>
-        <p:style>
-          <a:lnRef idx="2">
-            <a:schemeClr val="dk1"/>
-          </a:lnRef>
-          <a:fillRef idx="1">
-            <a:schemeClr val="lt1"/>
-          </a:fillRef>
-          <a:effectRef idx="0">
-            <a:schemeClr val="dk1"/>
-          </a:effectRef>
-          <a:fontRef idx="minor">
-            <a:schemeClr val="dk1"/>
-          </a:fontRef>
-        </p:style>
-        <p:txBody>
-          <a:bodyPr wrap="square" rtlCol="0">
-            <a:spAutoFit/>
-          </a:bodyPr>
-          <a:lstStyle/>
-          <a:p>
-            <a:r>
-              <a:rPr lang="en-US" sz="2400" dirty="0"/>
-              <a:t>Reference to scripts in /lib</a:t>
-            </a:r>
-          </a:p>
-        </p:txBody>
-      </p:sp>
-      <p:cxnSp>
-        <p:nvCxnSpPr>
-          <p:cNvPr id="46" name="Straight Arrow Connector 45">
-            <a:extLst>
-              <a:ext uri="{FF2B5EF4-FFF2-40B4-BE49-F238E27FC236}">
-                <a16:creationId xmlns:a16="http://schemas.microsoft.com/office/drawing/2014/main" id="{BBB702B3-4CE2-9840-817D-F50AC04DEE1A}"/>
-              </a:ext>
-            </a:extLst>
-          </p:cNvPr>
-          <p:cNvCxnSpPr>
-            <a:cxnSpLocks/>
-            <a:stCxn id="47" idx="3"/>
-          </p:cNvCxnSpPr>
-          <p:nvPr/>
-        </p:nvCxnSpPr>
-        <p:spPr>
-          <a:xfrm flipV="1">
-            <a:off x="2388456" y="4549019"/>
-            <a:ext cx="1960526" cy="1429708"/>
-          </a:xfrm>
-          <a:prstGeom prst="straightConnector1">
-            <a:avLst/>
-          </a:prstGeom>
-          <a:ln w="28575">
-            <a:tailEnd type="triangle"/>
-          </a:ln>
-        </p:spPr>
-        <p:style>
-          <a:lnRef idx="1">
-            <a:schemeClr val="accent1"/>
-          </a:lnRef>
-          <a:fillRef idx="0">
-            <a:schemeClr val="accent1"/>
-          </a:fillRef>
-          <a:effectRef idx="0">
-            <a:schemeClr val="accent1"/>
-          </a:effectRef>
-          <a:fontRef idx="minor">
-            <a:schemeClr val="tx1"/>
-          </a:fontRef>
-        </p:style>
-      </p:cxnSp>
-      <p:sp>
-        <p:nvSpPr>
-          <p:cNvPr id="47" name="TextBox 46">
-            <a:extLst>
-              <a:ext uri="{FF2B5EF4-FFF2-40B4-BE49-F238E27FC236}">
-                <a16:creationId xmlns:a16="http://schemas.microsoft.com/office/drawing/2014/main" id="{32B114AB-F150-914E-8660-3A5457DAC3DD}"/>
-              </a:ext>
-            </a:extLst>
-          </p:cNvPr>
-          <p:cNvSpPr txBox="1"/>
-          <p:nvPr/>
-        </p:nvSpPr>
-        <p:spPr>
-          <a:xfrm>
-            <a:off x="793832" y="5193897"/>
-            <a:ext cx="1594624" cy="1569660"/>
-          </a:xfrm>
-          <a:prstGeom prst="rect">
-            <a:avLst/>
-          </a:prstGeom>
-        </p:spPr>
-        <p:style>
-          <a:lnRef idx="2">
-            <a:schemeClr val="dk1"/>
-          </a:lnRef>
-          <a:fillRef idx="1">
-            <a:schemeClr val="lt1"/>
-          </a:fillRef>
-          <a:effectRef idx="0">
-            <a:schemeClr val="dk1"/>
-          </a:effectRef>
-          <a:fontRef idx="minor">
-            <a:schemeClr val="dk1"/>
-          </a:fontRef>
-        </p:style>
-        <p:txBody>
-          <a:bodyPr wrap="square" rtlCol="0">
-            <a:spAutoFit/>
-          </a:bodyPr>
-          <a:lstStyle/>
-          <a:p>
-            <a:r>
-              <a:rPr lang="en-US" sz="2400" dirty="0"/>
-              <a:t>Adds directories to cosmos path</a:t>
-            </a:r>
-          </a:p>
-        </p:txBody>
-      </p:sp>
-      <p:cxnSp>
-        <p:nvCxnSpPr>
-          <p:cNvPr id="50" name="Straight Arrow Connector 49">
-            <a:extLst>
-              <a:ext uri="{FF2B5EF4-FFF2-40B4-BE49-F238E27FC236}">
-                <a16:creationId xmlns:a16="http://schemas.microsoft.com/office/drawing/2014/main" id="{1F1BE388-D50E-6B48-B258-D733CE9FB9C1}"/>
-              </a:ext>
-            </a:extLst>
-          </p:cNvPr>
-          <p:cNvCxnSpPr>
-            <a:cxnSpLocks/>
-            <a:stCxn id="47" idx="3"/>
-          </p:cNvCxnSpPr>
-          <p:nvPr/>
-        </p:nvCxnSpPr>
-        <p:spPr>
-          <a:xfrm flipV="1">
-            <a:off x="2388456" y="4750233"/>
-            <a:ext cx="1982828" cy="1228494"/>
-          </a:xfrm>
-          <a:prstGeom prst="straightConnector1">
-            <a:avLst/>
-          </a:prstGeom>
-          <a:ln w="28575">
-            <a:tailEnd type="triangle"/>
-          </a:ln>
-        </p:spPr>
-        <p:style>
-          <a:lnRef idx="1">
-            <a:schemeClr val="accent1"/>
-          </a:lnRef>
-          <a:fillRef idx="0">
-            <a:schemeClr val="accent1"/>
-          </a:fillRef>
-          <a:effectRef idx="0">
-            <a:schemeClr val="accent1"/>
-          </a:effectRef>
-          <a:fontRef idx="minor">
-            <a:schemeClr val="tx1"/>
-          </a:fontRef>
-        </p:style>
-      </p:cxnSp>
-      <p:cxnSp>
-        <p:nvCxnSpPr>
-          <p:cNvPr id="52" name="Straight Arrow Connector 51">
-            <a:extLst>
-              <a:ext uri="{FF2B5EF4-FFF2-40B4-BE49-F238E27FC236}">
-                <a16:creationId xmlns:a16="http://schemas.microsoft.com/office/drawing/2014/main" id="{39436BF7-C6BC-C94E-9698-E81BDAA45DBC}"/>
-              </a:ext>
-            </a:extLst>
-          </p:cNvPr>
-          <p:cNvCxnSpPr>
-            <a:cxnSpLocks/>
-            <a:stCxn id="47" idx="3"/>
-          </p:cNvCxnSpPr>
-          <p:nvPr/>
-        </p:nvCxnSpPr>
-        <p:spPr>
-          <a:xfrm>
-            <a:off x="2388456" y="5978727"/>
-            <a:ext cx="1982828" cy="33537"/>
-          </a:xfrm>
-          <a:prstGeom prst="straightConnector1">
-            <a:avLst/>
-          </a:prstGeom>
-          <a:ln w="28575">
-            <a:tailEnd type="triangle"/>
-          </a:ln>
-        </p:spPr>
-        <p:style>
-          <a:lnRef idx="1">
-            <a:schemeClr val="accent1"/>
-          </a:lnRef>
-          <a:fillRef idx="0">
-            <a:schemeClr val="accent1"/>
-          </a:fillRef>
-          <a:effectRef idx="0">
-            <a:schemeClr val="accent1"/>
-          </a:effectRef>
-          <a:fontRef idx="minor">
-            <a:schemeClr val="tx1"/>
-          </a:fontRef>
-        </p:style>
-      </p:cxnSp>
-      <p:cxnSp>
-        <p:nvCxnSpPr>
-          <p:cNvPr id="54" name="Straight Arrow Connector 53">
-            <a:extLst>
-              <a:ext uri="{FF2B5EF4-FFF2-40B4-BE49-F238E27FC236}">
-                <a16:creationId xmlns:a16="http://schemas.microsoft.com/office/drawing/2014/main" id="{14AAAB83-3A2F-3A45-8AED-9CBA976E4235}"/>
-              </a:ext>
-            </a:extLst>
-          </p:cNvPr>
-          <p:cNvCxnSpPr>
-            <a:cxnSpLocks/>
-            <a:stCxn id="66" idx="1"/>
-          </p:cNvCxnSpPr>
-          <p:nvPr/>
-        </p:nvCxnSpPr>
-        <p:spPr>
-          <a:xfrm flipH="1" flipV="1">
-            <a:off x="5096110" y="2827902"/>
-            <a:ext cx="657920" cy="1451285"/>
-          </a:xfrm>
-          <a:prstGeom prst="straightConnector1">
-            <a:avLst/>
-          </a:prstGeom>
-          <a:ln w="28575">
-            <a:tailEnd type="triangle"/>
-          </a:ln>
-        </p:spPr>
-        <p:style>
-          <a:lnRef idx="1">
-            <a:schemeClr val="accent1"/>
-          </a:lnRef>
-          <a:fillRef idx="0">
-            <a:schemeClr val="accent1"/>
-          </a:fillRef>
-          <a:effectRef idx="0">
-            <a:schemeClr val="accent1"/>
-          </a:effectRef>
-          <a:fontRef idx="minor">
-            <a:schemeClr val="tx1"/>
-          </a:fontRef>
-        </p:style>
-      </p:cxnSp>
-      <p:cxnSp>
-        <p:nvCxnSpPr>
-          <p:cNvPr id="56" name="Straight Arrow Connector 55">
-            <a:extLst>
-              <a:ext uri="{FF2B5EF4-FFF2-40B4-BE49-F238E27FC236}">
-                <a16:creationId xmlns:a16="http://schemas.microsoft.com/office/drawing/2014/main" id="{651E67A1-2714-DF46-BF63-19ED630FDB51}"/>
-              </a:ext>
-            </a:extLst>
-          </p:cNvPr>
-          <p:cNvCxnSpPr>
-            <a:cxnSpLocks/>
-            <a:stCxn id="66" idx="1"/>
-          </p:cNvCxnSpPr>
-          <p:nvPr/>
-        </p:nvCxnSpPr>
-        <p:spPr>
-          <a:xfrm flipH="1" flipV="1">
-            <a:off x="4907778" y="3017066"/>
-            <a:ext cx="846252" cy="1262121"/>
-          </a:xfrm>
-          <a:prstGeom prst="straightConnector1">
-            <a:avLst/>
-          </a:prstGeom>
-          <a:ln w="28575">
-            <a:tailEnd type="triangle"/>
-          </a:ln>
-        </p:spPr>
-        <p:style>
-          <a:lnRef idx="1">
-            <a:schemeClr val="accent1"/>
-          </a:lnRef>
-          <a:fillRef idx="0">
-            <a:schemeClr val="accent1"/>
-          </a:fillRef>
-          <a:effectRef idx="0">
-            <a:schemeClr val="accent1"/>
-          </a:effectRef>
-          <a:fontRef idx="minor">
-            <a:schemeClr val="tx1"/>
-          </a:fontRef>
-        </p:style>
-      </p:cxnSp>
-      <p:cxnSp>
-        <p:nvCxnSpPr>
-          <p:cNvPr id="64" name="Straight Arrow Connector 63">
-            <a:extLst>
-              <a:ext uri="{FF2B5EF4-FFF2-40B4-BE49-F238E27FC236}">
-                <a16:creationId xmlns:a16="http://schemas.microsoft.com/office/drawing/2014/main" id="{7B6E2B80-A4B5-404A-B03A-26F59170EC96}"/>
-              </a:ext>
-            </a:extLst>
-          </p:cNvPr>
-          <p:cNvCxnSpPr>
-            <a:cxnSpLocks/>
-            <a:stCxn id="66" idx="1"/>
-          </p:cNvCxnSpPr>
-          <p:nvPr/>
-        </p:nvCxnSpPr>
-        <p:spPr>
-          <a:xfrm flipH="1" flipV="1">
-            <a:off x="5029462" y="2970206"/>
-            <a:ext cx="724568" cy="1308981"/>
-          </a:xfrm>
-          <a:prstGeom prst="straightConnector1">
-            <a:avLst/>
-          </a:prstGeom>
-          <a:ln w="28575">
-            <a:tailEnd type="triangle"/>
-          </a:ln>
-        </p:spPr>
-        <p:style>
-          <a:lnRef idx="1">
-            <a:schemeClr val="accent1"/>
-          </a:lnRef>
-          <a:fillRef idx="0">
-            <a:schemeClr val="accent1"/>
-          </a:fillRef>
-          <a:effectRef idx="0">
-            <a:schemeClr val="accent1"/>
-          </a:effectRef>
-          <a:fontRef idx="minor">
-            <a:schemeClr val="tx1"/>
-          </a:fontRef>
-        </p:style>
-      </p:cxnSp>
-      <p:sp>
-        <p:nvSpPr>
-          <p:cNvPr id="66" name="TextBox 65">
-            <a:extLst>
-              <a:ext uri="{FF2B5EF4-FFF2-40B4-BE49-F238E27FC236}">
-                <a16:creationId xmlns:a16="http://schemas.microsoft.com/office/drawing/2014/main" id="{D9AAA735-7D24-B54F-816C-BBFF0C59C909}"/>
-              </a:ext>
-            </a:extLst>
-          </p:cNvPr>
-          <p:cNvSpPr txBox="1"/>
-          <p:nvPr/>
-        </p:nvSpPr>
-        <p:spPr>
-          <a:xfrm>
-            <a:off x="5754030" y="2386361"/>
-            <a:ext cx="1929161" cy="3785652"/>
-          </a:xfrm>
-          <a:prstGeom prst="rect">
-            <a:avLst/>
-          </a:prstGeom>
-        </p:spPr>
-        <p:style>
-          <a:lnRef idx="2">
-            <a:schemeClr val="dk1"/>
-          </a:lnRef>
-          <a:fillRef idx="1">
-            <a:schemeClr val="lt1"/>
-          </a:fillRef>
-          <a:effectRef idx="0">
-            <a:schemeClr val="dk1"/>
-          </a:effectRef>
-          <a:fontRef idx="minor">
-            <a:schemeClr val="dk1"/>
-          </a:fontRef>
-        </p:style>
-        <p:txBody>
-          <a:bodyPr wrap="square" rtlCol="0">
-            <a:spAutoFit/>
-          </a:bodyPr>
-          <a:lstStyle/>
-          <a:p>
-            <a:r>
-              <a:rPr lang="en-US" sz="2400" dirty="0"/>
-              <a:t>Contains definitions of cosmos </a:t>
-            </a:r>
-            <a:r>
-              <a:rPr lang="en-US" sz="2400" dirty="0" err="1"/>
-              <a:t>tlm</a:t>
-            </a:r>
-            <a:r>
-              <a:rPr lang="en-US" sz="2400" dirty="0"/>
-              <a:t> and cmd.  Each directory also contains a partial file with packet header arguments</a:t>
-            </a:r>
-          </a:p>
-        </p:txBody>
-      </p:sp>
-      <p:cxnSp>
-        <p:nvCxnSpPr>
-          <p:cNvPr id="4" name="Straight Arrow Connector 3">
-            <a:extLst>
-              <a:ext uri="{FF2B5EF4-FFF2-40B4-BE49-F238E27FC236}">
-                <a16:creationId xmlns:a16="http://schemas.microsoft.com/office/drawing/2014/main" id="{8ECE1040-FA82-FD4E-B820-2BF1FB30A7E6}"/>
-              </a:ext>
-            </a:extLst>
-          </p:cNvPr>
-          <p:cNvCxnSpPr>
-            <a:cxnSpLocks/>
-            <a:stCxn id="6" idx="1"/>
-          </p:cNvCxnSpPr>
-          <p:nvPr/>
-        </p:nvCxnSpPr>
-        <p:spPr>
-          <a:xfrm flipH="1" flipV="1">
-            <a:off x="4907778" y="5701786"/>
-            <a:ext cx="846252" cy="449801"/>
-          </a:xfrm>
-          <a:prstGeom prst="straightConnector1">
-            <a:avLst/>
-          </a:prstGeom>
-          <a:ln w="28575">
-            <a:tailEnd type="triangle"/>
-          </a:ln>
-        </p:spPr>
-        <p:style>
-          <a:lnRef idx="1">
-            <a:schemeClr val="accent1"/>
-          </a:lnRef>
-          <a:fillRef idx="0">
-            <a:schemeClr val="accent1"/>
-          </a:fillRef>
-          <a:effectRef idx="0">
-            <a:schemeClr val="accent1"/>
-          </a:effectRef>
-          <a:fontRef idx="minor">
-            <a:schemeClr val="tx1"/>
-          </a:fontRef>
-        </p:style>
-      </p:cxnSp>
-      <p:sp>
-        <p:nvSpPr>
-          <p:cNvPr id="6" name="TextBox 5">
-            <a:extLst>
-              <a:ext uri="{FF2B5EF4-FFF2-40B4-BE49-F238E27FC236}">
-                <a16:creationId xmlns:a16="http://schemas.microsoft.com/office/drawing/2014/main" id="{16B8BC80-87B3-4748-97EF-354EC7CFD856}"/>
-              </a:ext>
-            </a:extLst>
-          </p:cNvPr>
-          <p:cNvSpPr txBox="1"/>
-          <p:nvPr/>
-        </p:nvSpPr>
-        <p:spPr>
-          <a:xfrm>
-            <a:off x="5754030" y="5551422"/>
-            <a:ext cx="1929161" cy="1200329"/>
-          </a:xfrm>
-          <a:prstGeom prst="rect">
-            <a:avLst/>
-          </a:prstGeom>
-        </p:spPr>
-        <p:style>
-          <a:lnRef idx="2">
-            <a:schemeClr val="dk1"/>
-          </a:lnRef>
-          <a:fillRef idx="1">
-            <a:schemeClr val="lt1"/>
-          </a:fillRef>
-          <a:effectRef idx="0">
-            <a:schemeClr val="dk1"/>
-          </a:effectRef>
-          <a:fontRef idx="minor">
-            <a:schemeClr val="dk1"/>
-          </a:fontRef>
-        </p:style>
-        <p:txBody>
-          <a:bodyPr wrap="square" rtlCol="0">
-            <a:spAutoFit/>
-          </a:bodyPr>
-          <a:lstStyle/>
-          <a:p>
-            <a:r>
-              <a:rPr lang="en-US" sz="2400" dirty="0"/>
-              <a:t>Config files for every </a:t>
-            </a:r>
-            <a:r>
-              <a:rPr lang="en-US" sz="2400" dirty="0" err="1"/>
-              <a:t>tlm</a:t>
-            </a:r>
-            <a:r>
-              <a:rPr lang="en-US" sz="2400" dirty="0"/>
-              <a:t> packet item</a:t>
+              <a:rPr lang="en-US" sz="2200" dirty="0"/>
+              <a:t>”Derived” items not in packet sent from target</a:t>
             </a:r>
           </a:p>
         </p:txBody>
@@ -14858,7 +18456,7 @@
     </p:spTree>
     <p:extLst>
       <p:ext uri="{BB962C8B-B14F-4D97-AF65-F5344CB8AC3E}">
-        <p14:creationId xmlns:p14="http://schemas.microsoft.com/office/powerpoint/2010/main" val="409737940"/>
+        <p14:creationId xmlns:p14="http://schemas.microsoft.com/office/powerpoint/2010/main" val="1598752275"/>
       </p:ext>
     </p:extLst>
   </p:cSld>
@@ -14911,7 +18509,7 @@
                                           </p:stCondLst>
                                         </p:cTn>
                                         <p:tgtEl>
-                                          <p:spTgt spid="28"/>
+                                          <p:spTgt spid="24"/>
                                         </p:tgtEl>
                                         <p:attrNameLst>
                                           <p:attrName>style.visibility</p:attrName>
@@ -14938,7 +18536,7 @@
                                           </p:stCondLst>
                                         </p:cTn>
                                         <p:tgtEl>
-                                          <p:spTgt spid="7"/>
+                                          <p:spTgt spid="17"/>
                                         </p:tgtEl>
                                         <p:attrNameLst>
                                           <p:attrName>style.visibility</p:attrName>
@@ -14952,7 +18550,7 @@
                                 </p:cTn>
                               </p:par>
                               <p:par>
-                                <p:cTn id="9" presetID="10" presetClass="entr" presetSubtype="0" fill="hold" grpId="0" nodeType="withEffect">
+                                <p:cTn id="9" presetID="10" presetClass="entr" presetSubtype="0" fill="hold" grpId="1" nodeType="withEffect">
                                   <p:stCondLst>
                                     <p:cond delay="0"/>
                                   </p:stCondLst>
@@ -14965,7 +18563,7 @@
                                           </p:stCondLst>
                                         </p:cTn>
                                         <p:tgtEl>
-                                          <p:spTgt spid="31"/>
+                                          <p:spTgt spid="27"/>
                                         </p:tgtEl>
                                         <p:attrNameLst>
                                           <p:attrName>style.visibility</p:attrName>
@@ -14979,7 +18577,7 @@
                                       <p:cBhvr>
                                         <p:cTn id="11" dur="500"/>
                                         <p:tgtEl>
-                                          <p:spTgt spid="31"/>
+                                          <p:spTgt spid="27"/>
                                         </p:tgtEl>
                                       </p:cBhvr>
                                     </p:animEffect>
@@ -15000,7 +18598,7 @@
                                           </p:stCondLst>
                                         </p:cTn>
                                         <p:tgtEl>
-                                          <p:spTgt spid="30"/>
+                                          <p:spTgt spid="26"/>
                                         </p:tgtEl>
                                         <p:attrNameLst>
                                           <p:attrName>style.visibility</p:attrName>
@@ -15014,7 +18612,7 @@
                                       <p:cBhvr>
                                         <p:cTn id="14" dur="500"/>
                                         <p:tgtEl>
-                                          <p:spTgt spid="30"/>
+                                          <p:spTgt spid="26"/>
                                         </p:tgtEl>
                                       </p:cBhvr>
                                     </p:animEffect>
@@ -15040,7 +18638,7 @@
                             </p:stCondLst>
                             <p:childTnLst>
                               <p:par>
-                                <p:cTn id="17" presetID="1" presetClass="exit" presetSubtype="0" fill="hold" grpId="1" nodeType="clickEffect">
+                                <p:cTn id="17" presetID="1" presetClass="exit" presetSubtype="0" fill="hold" grpId="0" nodeType="clickEffect">
                                   <p:stCondLst>
                                     <p:cond delay="0"/>
                                   </p:stCondLst>
@@ -15053,7 +18651,7 @@
                                           </p:stCondLst>
                                         </p:cTn>
                                         <p:tgtEl>
-                                          <p:spTgt spid="31"/>
+                                          <p:spTgt spid="27"/>
                                         </p:tgtEl>
                                         <p:attrNameLst>
                                           <p:attrName>style.visibility</p:attrName>
@@ -15080,7 +18678,7 @@
                                           </p:stCondLst>
                                         </p:cTn>
                                         <p:tgtEl>
-                                          <p:spTgt spid="30"/>
+                                          <p:spTgt spid="26"/>
                                         </p:tgtEl>
                                         <p:attrNameLst>
                                           <p:attrName>style.visibility</p:attrName>
@@ -15094,7 +18692,7 @@
                                 </p:cTn>
                               </p:par>
                               <p:par>
-                                <p:cTn id="21" presetID="10" presetClass="entr" presetSubtype="0" fill="hold" grpId="0" nodeType="withEffect">
+                                <p:cTn id="21" presetID="10" presetClass="entr" presetSubtype="0" fill="hold" grpId="1" nodeType="withEffect">
                                   <p:stCondLst>
                                     <p:cond delay="0"/>
                                   </p:stCondLst>
@@ -15107,7 +18705,7 @@
                                           </p:stCondLst>
                                         </p:cTn>
                                         <p:tgtEl>
-                                          <p:spTgt spid="33"/>
+                                          <p:spTgt spid="32"/>
                                         </p:tgtEl>
                                         <p:attrNameLst>
                                           <p:attrName>style.visibility</p:attrName>
@@ -15121,7 +18719,7 @@
                                       <p:cBhvr>
                                         <p:cTn id="23" dur="500"/>
                                         <p:tgtEl>
-                                          <p:spTgt spid="33"/>
+                                          <p:spTgt spid="32"/>
                                         </p:tgtEl>
                                       </p:cBhvr>
                                     </p:animEffect>
@@ -15142,7 +18740,7 @@
                                           </p:stCondLst>
                                         </p:cTn>
                                         <p:tgtEl>
-                                          <p:spTgt spid="32"/>
+                                          <p:spTgt spid="31"/>
                                         </p:tgtEl>
                                         <p:attrNameLst>
                                           <p:attrName>style.visibility</p:attrName>
@@ -15156,7 +18754,7 @@
                                       <p:cBhvr>
                                         <p:cTn id="26" dur="500"/>
                                         <p:tgtEl>
-                                          <p:spTgt spid="32"/>
+                                          <p:spTgt spid="31"/>
                                         </p:tgtEl>
                                       </p:cBhvr>
                                     </p:animEffect>
@@ -15182,7 +18780,7 @@
                             </p:stCondLst>
                             <p:childTnLst>
                               <p:par>
-                                <p:cTn id="29" presetID="1" presetClass="exit" presetSubtype="0" fill="hold" grpId="1" nodeType="clickEffect">
+                                <p:cTn id="29" presetID="1" presetClass="exit" presetSubtype="0" fill="hold" grpId="0" nodeType="clickEffect">
                                   <p:stCondLst>
                                     <p:cond delay="0"/>
                                   </p:stCondLst>
@@ -15195,7 +18793,7 @@
                                           </p:stCondLst>
                                         </p:cTn>
                                         <p:tgtEl>
-                                          <p:spTgt spid="33"/>
+                                          <p:spTgt spid="32"/>
                                         </p:tgtEl>
                                         <p:attrNameLst>
                                           <p:attrName>style.visibility</p:attrName>
@@ -15222,7 +18820,7 @@
                                           </p:stCondLst>
                                         </p:cTn>
                                         <p:tgtEl>
-                                          <p:spTgt spid="32"/>
+                                          <p:spTgt spid="31"/>
                                         </p:tgtEl>
                                         <p:attrNameLst>
                                           <p:attrName>style.visibility</p:attrName>
@@ -15249,7 +18847,7 @@
                                           </p:stCondLst>
                                         </p:cTn>
                                         <p:tgtEl>
-                                          <p:spTgt spid="36"/>
+                                          <p:spTgt spid="37"/>
                                         </p:tgtEl>
                                         <p:attrNameLst>
                                           <p:attrName>style.visibility</p:attrName>
@@ -15263,7 +18861,7 @@
                                       <p:cBhvr>
                                         <p:cTn id="35" dur="500"/>
                                         <p:tgtEl>
-                                          <p:spTgt spid="36"/>
+                                          <p:spTgt spid="37"/>
                                         </p:tgtEl>
                                       </p:cBhvr>
                                     </p:animEffect>
@@ -15284,7 +18882,7 @@
                                           </p:stCondLst>
                                         </p:cTn>
                                         <p:tgtEl>
-                                          <p:spTgt spid="35"/>
+                                          <p:spTgt spid="36"/>
                                         </p:tgtEl>
                                         <p:attrNameLst>
                                           <p:attrName>style.visibility</p:attrName>
@@ -15298,1391 +18896,7 @@
                                       <p:cBhvr>
                                         <p:cTn id="38" dur="500"/>
                                         <p:tgtEl>
-                                          <p:spTgt spid="35"/>
-                                        </p:tgtEl>
-                                      </p:cBhvr>
-                                    </p:animEffect>
-                                  </p:childTnLst>
-                                </p:cTn>
-                              </p:par>
-                            </p:childTnLst>
-                          </p:cTn>
-                        </p:par>
-                      </p:childTnLst>
-                    </p:cTn>
-                  </p:par>
-                  <p:par>
-                    <p:cTn id="39" fill="hold">
-                      <p:stCondLst>
-                        <p:cond delay="indefinite"/>
-                      </p:stCondLst>
-                      <p:childTnLst>
-                        <p:par>
-                          <p:cTn id="40" fill="hold">
-                            <p:stCondLst>
-                              <p:cond delay="0"/>
-                            </p:stCondLst>
-                            <p:childTnLst>
-                              <p:par>
-                                <p:cTn id="41" presetID="1" presetClass="exit" presetSubtype="0" fill="hold" grpId="1" nodeType="clickEffect">
-                                  <p:stCondLst>
-                                    <p:cond delay="0"/>
-                                  </p:stCondLst>
-                                  <p:childTnLst>
-                                    <p:set>
-                                      <p:cBhvr>
-                                        <p:cTn id="42" dur="1" fill="hold">
-                                          <p:stCondLst>
-                                            <p:cond delay="0"/>
-                                          </p:stCondLst>
-                                        </p:cTn>
-                                        <p:tgtEl>
                                           <p:spTgt spid="36"/>
-                                        </p:tgtEl>
-                                        <p:attrNameLst>
-                                          <p:attrName>style.visibility</p:attrName>
-                                        </p:attrNameLst>
-                                      </p:cBhvr>
-                                      <p:to>
-                                        <p:strVal val="hidden"/>
-                                      </p:to>
-                                    </p:set>
-                                  </p:childTnLst>
-                                </p:cTn>
-                              </p:par>
-                              <p:par>
-                                <p:cTn id="43" presetID="1" presetClass="exit" presetSubtype="0" fill="hold" nodeType="withEffect">
-                                  <p:stCondLst>
-                                    <p:cond delay="0"/>
-                                  </p:stCondLst>
-                                  <p:childTnLst>
-                                    <p:set>
-                                      <p:cBhvr>
-                                        <p:cTn id="44" dur="1" fill="hold">
-                                          <p:stCondLst>
-                                            <p:cond delay="0"/>
-                                          </p:stCondLst>
-                                        </p:cTn>
-                                        <p:tgtEl>
-                                          <p:spTgt spid="35"/>
-                                        </p:tgtEl>
-                                        <p:attrNameLst>
-                                          <p:attrName>style.visibility</p:attrName>
-                                        </p:attrNameLst>
-                                      </p:cBhvr>
-                                      <p:to>
-                                        <p:strVal val="hidden"/>
-                                      </p:to>
-                                    </p:set>
-                                  </p:childTnLst>
-                                </p:cTn>
-                              </p:par>
-                              <p:par>
-                                <p:cTn id="45" presetID="10" presetClass="entr" presetSubtype="0" fill="hold" grpId="0" nodeType="withEffect">
-                                  <p:stCondLst>
-                                    <p:cond delay="0"/>
-                                  </p:stCondLst>
-                                  <p:childTnLst>
-                                    <p:set>
-                                      <p:cBhvr>
-                                        <p:cTn id="46" dur="1" fill="hold">
-                                          <p:stCondLst>
-                                            <p:cond delay="0"/>
-                                          </p:stCondLst>
-                                        </p:cTn>
-                                        <p:tgtEl>
-                                          <p:spTgt spid="39"/>
-                                        </p:tgtEl>
-                                        <p:attrNameLst>
-                                          <p:attrName>style.visibility</p:attrName>
-                                        </p:attrNameLst>
-                                      </p:cBhvr>
-                                      <p:to>
-                                        <p:strVal val="visible"/>
-                                      </p:to>
-                                    </p:set>
-                                    <p:animEffect transition="in" filter="fade">
-                                      <p:cBhvr>
-                                        <p:cTn id="47" dur="500"/>
-                                        <p:tgtEl>
-                                          <p:spTgt spid="39"/>
-                                        </p:tgtEl>
-                                      </p:cBhvr>
-                                    </p:animEffect>
-                                  </p:childTnLst>
-                                </p:cTn>
-                              </p:par>
-                              <p:par>
-                                <p:cTn id="48" presetID="10" presetClass="entr" presetSubtype="0" fill="hold" nodeType="withEffect">
-                                  <p:stCondLst>
-                                    <p:cond delay="0"/>
-                                  </p:stCondLst>
-                                  <p:childTnLst>
-                                    <p:set>
-                                      <p:cBhvr>
-                                        <p:cTn id="49" dur="1" fill="hold">
-                                          <p:stCondLst>
-                                            <p:cond delay="0"/>
-                                          </p:stCondLst>
-                                        </p:cTn>
-                                        <p:tgtEl>
-                                          <p:spTgt spid="38"/>
-                                        </p:tgtEl>
-                                        <p:attrNameLst>
-                                          <p:attrName>style.visibility</p:attrName>
-                                        </p:attrNameLst>
-                                      </p:cBhvr>
-                                      <p:to>
-                                        <p:strVal val="visible"/>
-                                      </p:to>
-                                    </p:set>
-                                    <p:animEffect transition="in" filter="fade">
-                                      <p:cBhvr>
-                                        <p:cTn id="50" dur="500"/>
-                                        <p:tgtEl>
-                                          <p:spTgt spid="38"/>
-                                        </p:tgtEl>
-                                      </p:cBhvr>
-                                    </p:animEffect>
-                                  </p:childTnLst>
-                                </p:cTn>
-                              </p:par>
-                            </p:childTnLst>
-                          </p:cTn>
-                        </p:par>
-                      </p:childTnLst>
-                    </p:cTn>
-                  </p:par>
-                  <p:par>
-                    <p:cTn id="51" fill="hold">
-                      <p:stCondLst>
-                        <p:cond delay="indefinite"/>
-                      </p:stCondLst>
-                      <p:childTnLst>
-                        <p:par>
-                          <p:cTn id="52" fill="hold">
-                            <p:stCondLst>
-                              <p:cond delay="0"/>
-                            </p:stCondLst>
-                            <p:childTnLst>
-                              <p:par>
-                                <p:cTn id="53" presetID="1" presetClass="exit" presetSubtype="0" fill="hold" grpId="1" nodeType="clickEffect">
-                                  <p:stCondLst>
-                                    <p:cond delay="0"/>
-                                  </p:stCondLst>
-                                  <p:childTnLst>
-                                    <p:set>
-                                      <p:cBhvr>
-                                        <p:cTn id="54" dur="1" fill="hold">
-                                          <p:stCondLst>
-                                            <p:cond delay="0"/>
-                                          </p:stCondLst>
-                                        </p:cTn>
-                                        <p:tgtEl>
-                                          <p:spTgt spid="39"/>
-                                        </p:tgtEl>
-                                        <p:attrNameLst>
-                                          <p:attrName>style.visibility</p:attrName>
-                                        </p:attrNameLst>
-                                      </p:cBhvr>
-                                      <p:to>
-                                        <p:strVal val="hidden"/>
-                                      </p:to>
-                                    </p:set>
-                                  </p:childTnLst>
-                                </p:cTn>
-                              </p:par>
-                              <p:par>
-                                <p:cTn id="55" presetID="1" presetClass="exit" presetSubtype="0" fill="hold" nodeType="withEffect">
-                                  <p:stCondLst>
-                                    <p:cond delay="0"/>
-                                  </p:stCondLst>
-                                  <p:childTnLst>
-                                    <p:set>
-                                      <p:cBhvr>
-                                        <p:cTn id="56" dur="1" fill="hold">
-                                          <p:stCondLst>
-                                            <p:cond delay="0"/>
-                                          </p:stCondLst>
-                                        </p:cTn>
-                                        <p:tgtEl>
-                                          <p:spTgt spid="38"/>
-                                        </p:tgtEl>
-                                        <p:attrNameLst>
-                                          <p:attrName>style.visibility</p:attrName>
-                                        </p:attrNameLst>
-                                      </p:cBhvr>
-                                      <p:to>
-                                        <p:strVal val="hidden"/>
-                                      </p:to>
-                                    </p:set>
-                                  </p:childTnLst>
-                                </p:cTn>
-                              </p:par>
-                              <p:par>
-                                <p:cTn id="57" presetID="10" presetClass="entr" presetSubtype="0" fill="hold" grpId="0" nodeType="withEffect">
-                                  <p:stCondLst>
-                                    <p:cond delay="0"/>
-                                  </p:stCondLst>
-                                  <p:childTnLst>
-                                    <p:set>
-                                      <p:cBhvr>
-                                        <p:cTn id="58" dur="1" fill="hold">
-                                          <p:stCondLst>
-                                            <p:cond delay="0"/>
-                                          </p:stCondLst>
-                                        </p:cTn>
-                                        <p:tgtEl>
-                                          <p:spTgt spid="44"/>
-                                        </p:tgtEl>
-                                        <p:attrNameLst>
-                                          <p:attrName>style.visibility</p:attrName>
-                                        </p:attrNameLst>
-                                      </p:cBhvr>
-                                      <p:to>
-                                        <p:strVal val="visible"/>
-                                      </p:to>
-                                    </p:set>
-                                    <p:animEffect transition="in" filter="fade">
-                                      <p:cBhvr>
-                                        <p:cTn id="59" dur="500"/>
-                                        <p:tgtEl>
-                                          <p:spTgt spid="44"/>
-                                        </p:tgtEl>
-                                      </p:cBhvr>
-                                    </p:animEffect>
-                                  </p:childTnLst>
-                                </p:cTn>
-                              </p:par>
-                              <p:par>
-                                <p:cTn id="60" presetID="10" presetClass="entr" presetSubtype="0" fill="hold" nodeType="withEffect">
-                                  <p:stCondLst>
-                                    <p:cond delay="0"/>
-                                  </p:stCondLst>
-                                  <p:childTnLst>
-                                    <p:set>
-                                      <p:cBhvr>
-                                        <p:cTn id="61" dur="1" fill="hold">
-                                          <p:stCondLst>
-                                            <p:cond delay="0"/>
-                                          </p:stCondLst>
-                                        </p:cTn>
-                                        <p:tgtEl>
-                                          <p:spTgt spid="43"/>
-                                        </p:tgtEl>
-                                        <p:attrNameLst>
-                                          <p:attrName>style.visibility</p:attrName>
-                                        </p:attrNameLst>
-                                      </p:cBhvr>
-                                      <p:to>
-                                        <p:strVal val="visible"/>
-                                      </p:to>
-                                    </p:set>
-                                    <p:animEffect transition="in" filter="fade">
-                                      <p:cBhvr>
-                                        <p:cTn id="62" dur="500"/>
-                                        <p:tgtEl>
-                                          <p:spTgt spid="43"/>
-                                        </p:tgtEl>
-                                      </p:cBhvr>
-                                    </p:animEffect>
-                                  </p:childTnLst>
-                                </p:cTn>
-                              </p:par>
-                            </p:childTnLst>
-                          </p:cTn>
-                        </p:par>
-                      </p:childTnLst>
-                    </p:cTn>
-                  </p:par>
-                  <p:par>
-                    <p:cTn id="63" fill="hold">
-                      <p:stCondLst>
-                        <p:cond delay="indefinite"/>
-                      </p:stCondLst>
-                      <p:childTnLst>
-                        <p:par>
-                          <p:cTn id="64" fill="hold">
-                            <p:stCondLst>
-                              <p:cond delay="0"/>
-                            </p:stCondLst>
-                            <p:childTnLst>
-                              <p:par>
-                                <p:cTn id="65" presetID="1" presetClass="exit" presetSubtype="0" fill="hold" grpId="1" nodeType="clickEffect">
-                                  <p:stCondLst>
-                                    <p:cond delay="0"/>
-                                  </p:stCondLst>
-                                  <p:childTnLst>
-                                    <p:set>
-                                      <p:cBhvr>
-                                        <p:cTn id="66" dur="1" fill="hold">
-                                          <p:stCondLst>
-                                            <p:cond delay="0"/>
-                                          </p:stCondLst>
-                                        </p:cTn>
-                                        <p:tgtEl>
-                                          <p:spTgt spid="44"/>
-                                        </p:tgtEl>
-                                        <p:attrNameLst>
-                                          <p:attrName>style.visibility</p:attrName>
-                                        </p:attrNameLst>
-                                      </p:cBhvr>
-                                      <p:to>
-                                        <p:strVal val="hidden"/>
-                                      </p:to>
-                                    </p:set>
-                                  </p:childTnLst>
-                                </p:cTn>
-                              </p:par>
-                              <p:par>
-                                <p:cTn id="67" presetID="1" presetClass="exit" presetSubtype="0" fill="hold" nodeType="withEffect">
-                                  <p:stCondLst>
-                                    <p:cond delay="0"/>
-                                  </p:stCondLst>
-                                  <p:childTnLst>
-                                    <p:set>
-                                      <p:cBhvr>
-                                        <p:cTn id="68" dur="1" fill="hold">
-                                          <p:stCondLst>
-                                            <p:cond delay="0"/>
-                                          </p:stCondLst>
-                                        </p:cTn>
-                                        <p:tgtEl>
-                                          <p:spTgt spid="43"/>
-                                        </p:tgtEl>
-                                        <p:attrNameLst>
-                                          <p:attrName>style.visibility</p:attrName>
-                                        </p:attrNameLst>
-                                      </p:cBhvr>
-                                      <p:to>
-                                        <p:strVal val="hidden"/>
-                                      </p:to>
-                                    </p:set>
-                                  </p:childTnLst>
-                                </p:cTn>
-                              </p:par>
-                              <p:par>
-                                <p:cTn id="69" presetID="10" presetClass="entr" presetSubtype="0" fill="hold" grpId="0" nodeType="withEffect">
-                                  <p:stCondLst>
-                                    <p:cond delay="0"/>
-                                  </p:stCondLst>
-                                  <p:childTnLst>
-                                    <p:set>
-                                      <p:cBhvr>
-                                        <p:cTn id="70" dur="1" fill="hold">
-                                          <p:stCondLst>
-                                            <p:cond delay="0"/>
-                                          </p:stCondLst>
-                                        </p:cTn>
-                                        <p:tgtEl>
-                                          <p:spTgt spid="47"/>
-                                        </p:tgtEl>
-                                        <p:attrNameLst>
-                                          <p:attrName>style.visibility</p:attrName>
-                                        </p:attrNameLst>
-                                      </p:cBhvr>
-                                      <p:to>
-                                        <p:strVal val="visible"/>
-                                      </p:to>
-                                    </p:set>
-                                    <p:animEffect transition="in" filter="fade">
-                                      <p:cBhvr>
-                                        <p:cTn id="71" dur="500"/>
-                                        <p:tgtEl>
-                                          <p:spTgt spid="47"/>
-                                        </p:tgtEl>
-                                      </p:cBhvr>
-                                    </p:animEffect>
-                                  </p:childTnLst>
-                                </p:cTn>
-                              </p:par>
-                              <p:par>
-                                <p:cTn id="72" presetID="10" presetClass="entr" presetSubtype="0" fill="hold" nodeType="withEffect">
-                                  <p:stCondLst>
-                                    <p:cond delay="0"/>
-                                  </p:stCondLst>
-                                  <p:childTnLst>
-                                    <p:set>
-                                      <p:cBhvr>
-                                        <p:cTn id="73" dur="1" fill="hold">
-                                          <p:stCondLst>
-                                            <p:cond delay="0"/>
-                                          </p:stCondLst>
-                                        </p:cTn>
-                                        <p:tgtEl>
-                                          <p:spTgt spid="46"/>
-                                        </p:tgtEl>
-                                        <p:attrNameLst>
-                                          <p:attrName>style.visibility</p:attrName>
-                                        </p:attrNameLst>
-                                      </p:cBhvr>
-                                      <p:to>
-                                        <p:strVal val="visible"/>
-                                      </p:to>
-                                    </p:set>
-                                    <p:animEffect transition="in" filter="fade">
-                                      <p:cBhvr>
-                                        <p:cTn id="74" dur="500"/>
-                                        <p:tgtEl>
-                                          <p:spTgt spid="46"/>
-                                        </p:tgtEl>
-                                      </p:cBhvr>
-                                    </p:animEffect>
-                                  </p:childTnLst>
-                                </p:cTn>
-                              </p:par>
-                              <p:par>
-                                <p:cTn id="75" presetID="10" presetClass="entr" presetSubtype="0" fill="hold" nodeType="withEffect">
-                                  <p:stCondLst>
-                                    <p:cond delay="0"/>
-                                  </p:stCondLst>
-                                  <p:childTnLst>
-                                    <p:set>
-                                      <p:cBhvr>
-                                        <p:cTn id="76" dur="1" fill="hold">
-                                          <p:stCondLst>
-                                            <p:cond delay="0"/>
-                                          </p:stCondLst>
-                                        </p:cTn>
-                                        <p:tgtEl>
-                                          <p:spTgt spid="50"/>
-                                        </p:tgtEl>
-                                        <p:attrNameLst>
-                                          <p:attrName>style.visibility</p:attrName>
-                                        </p:attrNameLst>
-                                      </p:cBhvr>
-                                      <p:to>
-                                        <p:strVal val="visible"/>
-                                      </p:to>
-                                    </p:set>
-                                    <p:animEffect transition="in" filter="fade">
-                                      <p:cBhvr>
-                                        <p:cTn id="77" dur="500"/>
-                                        <p:tgtEl>
-                                          <p:spTgt spid="50"/>
-                                        </p:tgtEl>
-                                      </p:cBhvr>
-                                    </p:animEffect>
-                                  </p:childTnLst>
-                                </p:cTn>
-                              </p:par>
-                              <p:par>
-                                <p:cTn id="78" presetID="10" presetClass="entr" presetSubtype="0" fill="hold" nodeType="withEffect">
-                                  <p:stCondLst>
-                                    <p:cond delay="0"/>
-                                  </p:stCondLst>
-                                  <p:childTnLst>
-                                    <p:set>
-                                      <p:cBhvr>
-                                        <p:cTn id="79" dur="1" fill="hold">
-                                          <p:stCondLst>
-                                            <p:cond delay="0"/>
-                                          </p:stCondLst>
-                                        </p:cTn>
-                                        <p:tgtEl>
-                                          <p:spTgt spid="52"/>
-                                        </p:tgtEl>
-                                        <p:attrNameLst>
-                                          <p:attrName>style.visibility</p:attrName>
-                                        </p:attrNameLst>
-                                      </p:cBhvr>
-                                      <p:to>
-                                        <p:strVal val="visible"/>
-                                      </p:to>
-                                    </p:set>
-                                    <p:animEffect transition="in" filter="fade">
-                                      <p:cBhvr>
-                                        <p:cTn id="80" dur="500"/>
-                                        <p:tgtEl>
-                                          <p:spTgt spid="52"/>
-                                        </p:tgtEl>
-                                      </p:cBhvr>
-                                    </p:animEffect>
-                                  </p:childTnLst>
-                                </p:cTn>
-                              </p:par>
-                            </p:childTnLst>
-                          </p:cTn>
-                        </p:par>
-                      </p:childTnLst>
-                    </p:cTn>
-                  </p:par>
-                  <p:par>
-                    <p:cTn id="81" fill="hold">
-                      <p:stCondLst>
-                        <p:cond delay="indefinite"/>
-                      </p:stCondLst>
-                      <p:childTnLst>
-                        <p:par>
-                          <p:cTn id="82" fill="hold">
-                            <p:stCondLst>
-                              <p:cond delay="0"/>
-                            </p:stCondLst>
-                            <p:childTnLst>
-                              <p:par>
-                                <p:cTn id="83" presetID="1" presetClass="exit" presetSubtype="0" fill="hold" grpId="1" nodeType="clickEffect">
-                                  <p:stCondLst>
-                                    <p:cond delay="0"/>
-                                  </p:stCondLst>
-                                  <p:childTnLst>
-                                    <p:set>
-                                      <p:cBhvr>
-                                        <p:cTn id="84" dur="1" fill="hold">
-                                          <p:stCondLst>
-                                            <p:cond delay="0"/>
-                                          </p:stCondLst>
-                                        </p:cTn>
-                                        <p:tgtEl>
-                                          <p:spTgt spid="47"/>
-                                        </p:tgtEl>
-                                        <p:attrNameLst>
-                                          <p:attrName>style.visibility</p:attrName>
-                                        </p:attrNameLst>
-                                      </p:cBhvr>
-                                      <p:to>
-                                        <p:strVal val="hidden"/>
-                                      </p:to>
-                                    </p:set>
-                                  </p:childTnLst>
-                                </p:cTn>
-                              </p:par>
-                              <p:par>
-                                <p:cTn id="85" presetID="1" presetClass="exit" presetSubtype="0" fill="hold" nodeType="withEffect">
-                                  <p:stCondLst>
-                                    <p:cond delay="0"/>
-                                  </p:stCondLst>
-                                  <p:childTnLst>
-                                    <p:set>
-                                      <p:cBhvr>
-                                        <p:cTn id="86" dur="1" fill="hold">
-                                          <p:stCondLst>
-                                            <p:cond delay="0"/>
-                                          </p:stCondLst>
-                                        </p:cTn>
-                                        <p:tgtEl>
-                                          <p:spTgt spid="46"/>
-                                        </p:tgtEl>
-                                        <p:attrNameLst>
-                                          <p:attrName>style.visibility</p:attrName>
-                                        </p:attrNameLst>
-                                      </p:cBhvr>
-                                      <p:to>
-                                        <p:strVal val="hidden"/>
-                                      </p:to>
-                                    </p:set>
-                                  </p:childTnLst>
-                                </p:cTn>
-                              </p:par>
-                              <p:par>
-                                <p:cTn id="87" presetID="1" presetClass="exit" presetSubtype="0" fill="hold" nodeType="withEffect">
-                                  <p:stCondLst>
-                                    <p:cond delay="0"/>
-                                  </p:stCondLst>
-                                  <p:childTnLst>
-                                    <p:set>
-                                      <p:cBhvr>
-                                        <p:cTn id="88" dur="1" fill="hold">
-                                          <p:stCondLst>
-                                            <p:cond delay="0"/>
-                                          </p:stCondLst>
-                                        </p:cTn>
-                                        <p:tgtEl>
-                                          <p:spTgt spid="50"/>
-                                        </p:tgtEl>
-                                        <p:attrNameLst>
-                                          <p:attrName>style.visibility</p:attrName>
-                                        </p:attrNameLst>
-                                      </p:cBhvr>
-                                      <p:to>
-                                        <p:strVal val="hidden"/>
-                                      </p:to>
-                                    </p:set>
-                                  </p:childTnLst>
-                                </p:cTn>
-                              </p:par>
-                              <p:par>
-                                <p:cTn id="89" presetID="1" presetClass="exit" presetSubtype="0" fill="hold" nodeType="withEffect">
-                                  <p:stCondLst>
-                                    <p:cond delay="0"/>
-                                  </p:stCondLst>
-                                  <p:childTnLst>
-                                    <p:set>
-                                      <p:cBhvr>
-                                        <p:cTn id="90" dur="1" fill="hold">
-                                          <p:stCondLst>
-                                            <p:cond delay="0"/>
-                                          </p:stCondLst>
-                                        </p:cTn>
-                                        <p:tgtEl>
-                                          <p:spTgt spid="52"/>
-                                        </p:tgtEl>
-                                        <p:attrNameLst>
-                                          <p:attrName>style.visibility</p:attrName>
-                                        </p:attrNameLst>
-                                      </p:cBhvr>
-                                      <p:to>
-                                        <p:strVal val="hidden"/>
-                                      </p:to>
-                                    </p:set>
-                                  </p:childTnLst>
-                                </p:cTn>
-                              </p:par>
-                              <p:par>
-                                <p:cTn id="91" presetID="10" presetClass="entr" presetSubtype="0" fill="hold" grpId="0" nodeType="withEffect">
-                                  <p:stCondLst>
-                                    <p:cond delay="0"/>
-                                  </p:stCondLst>
-                                  <p:childTnLst>
-                                    <p:set>
-                                      <p:cBhvr>
-                                        <p:cTn id="92" dur="1" fill="hold">
-                                          <p:stCondLst>
-                                            <p:cond delay="0"/>
-                                          </p:stCondLst>
-                                        </p:cTn>
-                                        <p:tgtEl>
-                                          <p:spTgt spid="66"/>
-                                        </p:tgtEl>
-                                        <p:attrNameLst>
-                                          <p:attrName>style.visibility</p:attrName>
-                                        </p:attrNameLst>
-                                      </p:cBhvr>
-                                      <p:to>
-                                        <p:strVal val="visible"/>
-                                      </p:to>
-                                    </p:set>
-                                    <p:animEffect transition="in" filter="fade">
-                                      <p:cBhvr>
-                                        <p:cTn id="93" dur="500"/>
-                                        <p:tgtEl>
-                                          <p:spTgt spid="66"/>
-                                        </p:tgtEl>
-                                      </p:cBhvr>
-                                    </p:animEffect>
-                                  </p:childTnLst>
-                                </p:cTn>
-                              </p:par>
-                              <p:par>
-                                <p:cTn id="94" presetID="10" presetClass="entr" presetSubtype="0" fill="hold" nodeType="withEffect">
-                                  <p:stCondLst>
-                                    <p:cond delay="0"/>
-                                  </p:stCondLst>
-                                  <p:childTnLst>
-                                    <p:set>
-                                      <p:cBhvr>
-                                        <p:cTn id="95" dur="1" fill="hold">
-                                          <p:stCondLst>
-                                            <p:cond delay="0"/>
-                                          </p:stCondLst>
-                                        </p:cTn>
-                                        <p:tgtEl>
-                                          <p:spTgt spid="54"/>
-                                        </p:tgtEl>
-                                        <p:attrNameLst>
-                                          <p:attrName>style.visibility</p:attrName>
-                                        </p:attrNameLst>
-                                      </p:cBhvr>
-                                      <p:to>
-                                        <p:strVal val="visible"/>
-                                      </p:to>
-                                    </p:set>
-                                    <p:animEffect transition="in" filter="fade">
-                                      <p:cBhvr>
-                                        <p:cTn id="96" dur="500"/>
-                                        <p:tgtEl>
-                                          <p:spTgt spid="54"/>
-                                        </p:tgtEl>
-                                      </p:cBhvr>
-                                    </p:animEffect>
-                                  </p:childTnLst>
-                                </p:cTn>
-                              </p:par>
-                              <p:par>
-                                <p:cTn id="97" presetID="10" presetClass="entr" presetSubtype="0" fill="hold" nodeType="withEffect">
-                                  <p:stCondLst>
-                                    <p:cond delay="0"/>
-                                  </p:stCondLst>
-                                  <p:childTnLst>
-                                    <p:set>
-                                      <p:cBhvr>
-                                        <p:cTn id="98" dur="1" fill="hold">
-                                          <p:stCondLst>
-                                            <p:cond delay="0"/>
-                                          </p:stCondLst>
-                                        </p:cTn>
-                                        <p:tgtEl>
-                                          <p:spTgt spid="64"/>
-                                        </p:tgtEl>
-                                        <p:attrNameLst>
-                                          <p:attrName>style.visibility</p:attrName>
-                                        </p:attrNameLst>
-                                      </p:cBhvr>
-                                      <p:to>
-                                        <p:strVal val="visible"/>
-                                      </p:to>
-                                    </p:set>
-                                    <p:animEffect transition="in" filter="fade">
-                                      <p:cBhvr>
-                                        <p:cTn id="99" dur="500"/>
-                                        <p:tgtEl>
-                                          <p:spTgt spid="64"/>
-                                        </p:tgtEl>
-                                      </p:cBhvr>
-                                    </p:animEffect>
-                                  </p:childTnLst>
-                                </p:cTn>
-                              </p:par>
-                              <p:par>
-                                <p:cTn id="100" presetID="10" presetClass="entr" presetSubtype="0" fill="hold" nodeType="withEffect">
-                                  <p:stCondLst>
-                                    <p:cond delay="0"/>
-                                  </p:stCondLst>
-                                  <p:childTnLst>
-                                    <p:set>
-                                      <p:cBhvr>
-                                        <p:cTn id="101" dur="1" fill="hold">
-                                          <p:stCondLst>
-                                            <p:cond delay="0"/>
-                                          </p:stCondLst>
-                                        </p:cTn>
-                                        <p:tgtEl>
-                                          <p:spTgt spid="56"/>
-                                        </p:tgtEl>
-                                        <p:attrNameLst>
-                                          <p:attrName>style.visibility</p:attrName>
-                                        </p:attrNameLst>
-                                      </p:cBhvr>
-                                      <p:to>
-                                        <p:strVal val="visible"/>
-                                      </p:to>
-                                    </p:set>
-                                    <p:animEffect transition="in" filter="fade">
-                                      <p:cBhvr>
-                                        <p:cTn id="102" dur="500"/>
-                                        <p:tgtEl>
-                                          <p:spTgt spid="56"/>
-                                        </p:tgtEl>
-                                      </p:cBhvr>
-                                    </p:animEffect>
-                                  </p:childTnLst>
-                                </p:cTn>
-                              </p:par>
-                            </p:childTnLst>
-                          </p:cTn>
-                        </p:par>
-                      </p:childTnLst>
-                    </p:cTn>
-                  </p:par>
-                  <p:par>
-                    <p:cTn id="103" fill="hold">
-                      <p:stCondLst>
-                        <p:cond delay="indefinite"/>
-                      </p:stCondLst>
-                      <p:childTnLst>
-                        <p:par>
-                          <p:cTn id="104" fill="hold">
-                            <p:stCondLst>
-                              <p:cond delay="0"/>
-                            </p:stCondLst>
-                            <p:childTnLst>
-                              <p:par>
-                                <p:cTn id="105" presetID="1" presetClass="exit" presetSubtype="0" fill="hold" grpId="1" nodeType="clickEffect">
-                                  <p:stCondLst>
-                                    <p:cond delay="0"/>
-                                  </p:stCondLst>
-                                  <p:childTnLst>
-                                    <p:set>
-                                      <p:cBhvr>
-                                        <p:cTn id="106" dur="1" fill="hold">
-                                          <p:stCondLst>
-                                            <p:cond delay="0"/>
-                                          </p:stCondLst>
-                                        </p:cTn>
-                                        <p:tgtEl>
-                                          <p:spTgt spid="66"/>
-                                        </p:tgtEl>
-                                        <p:attrNameLst>
-                                          <p:attrName>style.visibility</p:attrName>
-                                        </p:attrNameLst>
-                                      </p:cBhvr>
-                                      <p:to>
-                                        <p:strVal val="hidden"/>
-                                      </p:to>
-                                    </p:set>
-                                  </p:childTnLst>
-                                </p:cTn>
-                              </p:par>
-                              <p:par>
-                                <p:cTn id="107" presetID="1" presetClass="exit" presetSubtype="0" fill="hold" nodeType="withEffect">
-                                  <p:stCondLst>
-                                    <p:cond delay="0"/>
-                                  </p:stCondLst>
-                                  <p:childTnLst>
-                                    <p:set>
-                                      <p:cBhvr>
-                                        <p:cTn id="108" dur="1" fill="hold">
-                                          <p:stCondLst>
-                                            <p:cond delay="0"/>
-                                          </p:stCondLst>
-                                        </p:cTn>
-                                        <p:tgtEl>
-                                          <p:spTgt spid="54"/>
-                                        </p:tgtEl>
-                                        <p:attrNameLst>
-                                          <p:attrName>style.visibility</p:attrName>
-                                        </p:attrNameLst>
-                                      </p:cBhvr>
-                                      <p:to>
-                                        <p:strVal val="hidden"/>
-                                      </p:to>
-                                    </p:set>
-                                  </p:childTnLst>
-                                </p:cTn>
-                              </p:par>
-                              <p:par>
-                                <p:cTn id="109" presetID="1" presetClass="exit" presetSubtype="0" fill="hold" nodeType="withEffect">
-                                  <p:stCondLst>
-                                    <p:cond delay="0"/>
-                                  </p:stCondLst>
-                                  <p:childTnLst>
-                                    <p:set>
-                                      <p:cBhvr>
-                                        <p:cTn id="110" dur="1" fill="hold">
-                                          <p:stCondLst>
-                                            <p:cond delay="0"/>
-                                          </p:stCondLst>
-                                        </p:cTn>
-                                        <p:tgtEl>
-                                          <p:spTgt spid="64"/>
-                                        </p:tgtEl>
-                                        <p:attrNameLst>
-                                          <p:attrName>style.visibility</p:attrName>
-                                        </p:attrNameLst>
-                                      </p:cBhvr>
-                                      <p:to>
-                                        <p:strVal val="hidden"/>
-                                      </p:to>
-                                    </p:set>
-                                  </p:childTnLst>
-                                </p:cTn>
-                              </p:par>
-                              <p:par>
-                                <p:cTn id="111" presetID="1" presetClass="exit" presetSubtype="0" fill="hold" nodeType="withEffect">
-                                  <p:stCondLst>
-                                    <p:cond delay="0"/>
-                                  </p:stCondLst>
-                                  <p:childTnLst>
-                                    <p:set>
-                                      <p:cBhvr>
-                                        <p:cTn id="112" dur="1" fill="hold">
-                                          <p:stCondLst>
-                                            <p:cond delay="0"/>
-                                          </p:stCondLst>
-                                        </p:cTn>
-                                        <p:tgtEl>
-                                          <p:spTgt spid="56"/>
-                                        </p:tgtEl>
-                                        <p:attrNameLst>
-                                          <p:attrName>style.visibility</p:attrName>
-                                        </p:attrNameLst>
-                                      </p:cBhvr>
-                                      <p:to>
-                                        <p:strVal val="hidden"/>
-                                      </p:to>
-                                    </p:set>
-                                  </p:childTnLst>
-                                </p:cTn>
-                              </p:par>
-                              <p:par>
-                                <p:cTn id="113" presetID="10" presetClass="entr" presetSubtype="0" fill="hold" grpId="0" nodeType="withEffect">
-                                  <p:stCondLst>
-                                    <p:cond delay="0"/>
-                                  </p:stCondLst>
-                                  <p:childTnLst>
-                                    <p:set>
-                                      <p:cBhvr>
-                                        <p:cTn id="114" dur="1" fill="hold">
-                                          <p:stCondLst>
-                                            <p:cond delay="0"/>
-                                          </p:stCondLst>
-                                        </p:cTn>
-                                        <p:tgtEl>
-                                          <p:spTgt spid="6"/>
-                                        </p:tgtEl>
-                                        <p:attrNameLst>
-                                          <p:attrName>style.visibility</p:attrName>
-                                        </p:attrNameLst>
-                                      </p:cBhvr>
-                                      <p:to>
-                                        <p:strVal val="visible"/>
-                                      </p:to>
-                                    </p:set>
-                                    <p:animEffect transition="in" filter="fade">
-                                      <p:cBhvr>
-                                        <p:cTn id="115" dur="500"/>
-                                        <p:tgtEl>
-                                          <p:spTgt spid="6"/>
-                                        </p:tgtEl>
-                                      </p:cBhvr>
-                                    </p:animEffect>
-                                  </p:childTnLst>
-                                </p:cTn>
-                              </p:par>
-                              <p:par>
-                                <p:cTn id="116" presetID="10" presetClass="entr" presetSubtype="0" fill="hold" nodeType="withEffect">
-                                  <p:stCondLst>
-                                    <p:cond delay="0"/>
-                                  </p:stCondLst>
-                                  <p:childTnLst>
-                                    <p:set>
-                                      <p:cBhvr>
-                                        <p:cTn id="117" dur="1" fill="hold">
-                                          <p:stCondLst>
-                                            <p:cond delay="0"/>
-                                          </p:stCondLst>
-                                        </p:cTn>
-                                        <p:tgtEl>
-                                          <p:spTgt spid="4"/>
-                                        </p:tgtEl>
-                                        <p:attrNameLst>
-                                          <p:attrName>style.visibility</p:attrName>
-                                        </p:attrNameLst>
-                                      </p:cBhvr>
-                                      <p:to>
-                                        <p:strVal val="visible"/>
-                                      </p:to>
-                                    </p:set>
-                                    <p:animEffect transition="in" filter="fade">
-                                      <p:cBhvr>
-                                        <p:cTn id="118" dur="500"/>
-                                        <p:tgtEl>
-                                          <p:spTgt spid="4"/>
-                                        </p:tgtEl>
-                                      </p:cBhvr>
-                                    </p:animEffect>
-                                  </p:childTnLst>
-                                </p:cTn>
-                              </p:par>
-                            </p:childTnLst>
-                          </p:cTn>
-                        </p:par>
-                      </p:childTnLst>
-                    </p:cTn>
-                  </p:par>
-                  <p:par>
-                    <p:cTn id="119" fill="hold">
-                      <p:stCondLst>
-                        <p:cond delay="indefinite"/>
-                      </p:stCondLst>
-                      <p:childTnLst>
-                        <p:par>
-                          <p:cTn id="120" fill="hold">
-                            <p:stCondLst>
-                              <p:cond delay="0"/>
-                            </p:stCondLst>
-                            <p:childTnLst>
-                              <p:par>
-                                <p:cTn id="121" presetID="1" presetClass="exit" presetSubtype="0" fill="hold" grpId="1" nodeType="clickEffect">
-                                  <p:stCondLst>
-                                    <p:cond delay="0"/>
-                                  </p:stCondLst>
-                                  <p:childTnLst>
-                                    <p:set>
-                                      <p:cBhvr>
-                                        <p:cTn id="122" dur="1" fill="hold">
-                                          <p:stCondLst>
-                                            <p:cond delay="0"/>
-                                          </p:stCondLst>
-                                        </p:cTn>
-                                        <p:tgtEl>
-                                          <p:spTgt spid="6"/>
-                                        </p:tgtEl>
-                                        <p:attrNameLst>
-                                          <p:attrName>style.visibility</p:attrName>
-                                        </p:attrNameLst>
-                                      </p:cBhvr>
-                                      <p:to>
-                                        <p:strVal val="hidden"/>
-                                      </p:to>
-                                    </p:set>
-                                  </p:childTnLst>
-                                </p:cTn>
-                              </p:par>
-                              <p:par>
-                                <p:cTn id="123" presetID="1" presetClass="exit" presetSubtype="0" fill="hold" nodeType="withEffect">
-                                  <p:stCondLst>
-                                    <p:cond delay="0"/>
-                                  </p:stCondLst>
-                                  <p:childTnLst>
-                                    <p:set>
-                                      <p:cBhvr>
-                                        <p:cTn id="124" dur="1" fill="hold">
-                                          <p:stCondLst>
-                                            <p:cond delay="0"/>
-                                          </p:stCondLst>
-                                        </p:cTn>
-                                        <p:tgtEl>
-                                          <p:spTgt spid="4"/>
-                                        </p:tgtEl>
-                                        <p:attrNameLst>
-                                          <p:attrName>style.visibility</p:attrName>
-                                        </p:attrNameLst>
-                                      </p:cBhvr>
-                                      <p:to>
-                                        <p:strVal val="hidden"/>
-                                      </p:to>
-                                    </p:set>
-                                  </p:childTnLst>
-                                </p:cTn>
-                              </p:par>
-                              <p:par>
-                                <p:cTn id="125" presetID="10" presetClass="entr" presetSubtype="0" fill="hold" grpId="0" nodeType="withEffect">
-                                  <p:stCondLst>
-                                    <p:cond delay="0"/>
-                                  </p:stCondLst>
-                                  <p:childTnLst>
-                                    <p:set>
-                                      <p:cBhvr>
-                                        <p:cTn id="126" dur="1" fill="hold">
-                                          <p:stCondLst>
-                                            <p:cond delay="0"/>
-                                          </p:stCondLst>
-                                        </p:cTn>
-                                        <p:tgtEl>
-                                          <p:spTgt spid="24"/>
-                                        </p:tgtEl>
-                                        <p:attrNameLst>
-                                          <p:attrName>style.visibility</p:attrName>
-                                        </p:attrNameLst>
-                                      </p:cBhvr>
-                                      <p:to>
-                                        <p:strVal val="visible"/>
-                                      </p:to>
-                                    </p:set>
-                                    <p:animEffect transition="in" filter="fade">
-                                      <p:cBhvr>
-                                        <p:cTn id="127" dur="500"/>
-                                        <p:tgtEl>
-                                          <p:spTgt spid="24"/>
-                                        </p:tgtEl>
-                                      </p:cBhvr>
-                                    </p:animEffect>
-                                  </p:childTnLst>
-                                </p:cTn>
-                              </p:par>
-                              <p:par>
-                                <p:cTn id="128" presetID="10" presetClass="entr" presetSubtype="0" fill="hold" nodeType="withEffect">
-                                  <p:stCondLst>
-                                    <p:cond delay="0"/>
-                                  </p:stCondLst>
-                                  <p:childTnLst>
-                                    <p:set>
-                                      <p:cBhvr>
-                                        <p:cTn id="129" dur="1" fill="hold">
-                                          <p:stCondLst>
-                                            <p:cond delay="0"/>
-                                          </p:stCondLst>
-                                        </p:cTn>
-                                        <p:tgtEl>
-                                          <p:spTgt spid="12"/>
-                                        </p:tgtEl>
-                                        <p:attrNameLst>
-                                          <p:attrName>style.visibility</p:attrName>
-                                        </p:attrNameLst>
-                                      </p:cBhvr>
-                                      <p:to>
-                                        <p:strVal val="visible"/>
-                                      </p:to>
-                                    </p:set>
-                                    <p:animEffect transition="in" filter="fade">
-                                      <p:cBhvr>
-                                        <p:cTn id="130" dur="500"/>
-                                        <p:tgtEl>
-                                          <p:spTgt spid="12"/>
-                                        </p:tgtEl>
-                                      </p:cBhvr>
-                                    </p:animEffect>
-                                  </p:childTnLst>
-                                </p:cTn>
-                              </p:par>
-                            </p:childTnLst>
-                          </p:cTn>
-                        </p:par>
-                      </p:childTnLst>
-                    </p:cTn>
-                  </p:par>
-                  <p:par>
-                    <p:cTn id="131" fill="hold">
-                      <p:stCondLst>
-                        <p:cond delay="indefinite"/>
-                      </p:stCondLst>
-                      <p:childTnLst>
-                        <p:par>
-                          <p:cTn id="132" fill="hold">
-                            <p:stCondLst>
-                              <p:cond delay="0"/>
-                            </p:stCondLst>
-                            <p:childTnLst>
-                              <p:par>
-                                <p:cTn id="133" presetID="1" presetClass="exit" presetSubtype="0" fill="hold" grpId="1" nodeType="clickEffect">
-                                  <p:stCondLst>
-                                    <p:cond delay="0"/>
-                                  </p:stCondLst>
-                                  <p:childTnLst>
-                                    <p:set>
-                                      <p:cBhvr>
-                                        <p:cTn id="134" dur="1" fill="hold">
-                                          <p:stCondLst>
-                                            <p:cond delay="0"/>
-                                          </p:stCondLst>
-                                        </p:cTn>
-                                        <p:tgtEl>
-                                          <p:spTgt spid="24"/>
-                                        </p:tgtEl>
-                                        <p:attrNameLst>
-                                          <p:attrName>style.visibility</p:attrName>
-                                        </p:attrNameLst>
-                                      </p:cBhvr>
-                                      <p:to>
-                                        <p:strVal val="hidden"/>
-                                      </p:to>
-                                    </p:set>
-                                  </p:childTnLst>
-                                </p:cTn>
-                              </p:par>
-                              <p:par>
-                                <p:cTn id="135" presetID="1" presetClass="exit" presetSubtype="0" fill="hold" nodeType="withEffect">
-                                  <p:stCondLst>
-                                    <p:cond delay="0"/>
-                                  </p:stCondLst>
-                                  <p:childTnLst>
-                                    <p:set>
-                                      <p:cBhvr>
-                                        <p:cTn id="136" dur="1" fill="hold">
-                                          <p:stCondLst>
-                                            <p:cond delay="0"/>
-                                          </p:stCondLst>
-                                        </p:cTn>
-                                        <p:tgtEl>
-                                          <p:spTgt spid="12"/>
-                                        </p:tgtEl>
-                                        <p:attrNameLst>
-                                          <p:attrName>style.visibility</p:attrName>
-                                        </p:attrNameLst>
-                                      </p:cBhvr>
-                                      <p:to>
-                                        <p:strVal val="hidden"/>
-                                      </p:to>
-                                    </p:set>
-                                  </p:childTnLst>
-                                </p:cTn>
-                              </p:par>
-                              <p:par>
-                                <p:cTn id="137" presetID="10" presetClass="entr" presetSubtype="0" fill="hold" nodeType="withEffect">
-                                  <p:stCondLst>
-                                    <p:cond delay="0"/>
-                                  </p:stCondLst>
-                                  <p:childTnLst>
-                                    <p:set>
-                                      <p:cBhvr>
-                                        <p:cTn id="138" dur="1" fill="hold">
-                                          <p:stCondLst>
-                                            <p:cond delay="0"/>
-                                          </p:stCondLst>
-                                        </p:cTn>
-                                        <p:tgtEl>
-                                          <p:spTgt spid="14"/>
-                                        </p:tgtEl>
-                                        <p:attrNameLst>
-                                          <p:attrName>style.visibility</p:attrName>
-                                        </p:attrNameLst>
-                                      </p:cBhvr>
-                                      <p:to>
-                                        <p:strVal val="visible"/>
-                                      </p:to>
-                                    </p:set>
-                                    <p:animEffect transition="in" filter="fade">
-                                      <p:cBhvr>
-                                        <p:cTn id="139" dur="500"/>
-                                        <p:tgtEl>
-                                          <p:spTgt spid="14"/>
-                                        </p:tgtEl>
-                                      </p:cBhvr>
-                                    </p:animEffect>
-                                  </p:childTnLst>
-                                </p:cTn>
-                              </p:par>
-                              <p:par>
-                                <p:cTn id="140" presetID="10" presetClass="entr" presetSubtype="0" fill="hold" grpId="0" nodeType="withEffect">
-                                  <p:stCondLst>
-                                    <p:cond delay="0"/>
-                                  </p:stCondLst>
-                                  <p:childTnLst>
-                                    <p:set>
-                                      <p:cBhvr>
-                                        <p:cTn id="141" dur="1" fill="hold">
-                                          <p:stCondLst>
-                                            <p:cond delay="0"/>
-                                          </p:stCondLst>
-                                        </p:cTn>
-                                        <p:tgtEl>
-                                          <p:spTgt spid="25"/>
-                                        </p:tgtEl>
-                                        <p:attrNameLst>
-                                          <p:attrName>style.visibility</p:attrName>
-                                        </p:attrNameLst>
-                                      </p:cBhvr>
-                                      <p:to>
-                                        <p:strVal val="visible"/>
-                                      </p:to>
-                                    </p:set>
-                                    <p:animEffect transition="in" filter="fade">
-                                      <p:cBhvr>
-                                        <p:cTn id="142" dur="500"/>
-                                        <p:tgtEl>
-                                          <p:spTgt spid="25"/>
-                                        </p:tgtEl>
-                                      </p:cBhvr>
-                                    </p:animEffect>
-                                  </p:childTnLst>
-                                </p:cTn>
-                              </p:par>
-                            </p:childTnLst>
-                          </p:cTn>
-                        </p:par>
-                      </p:childTnLst>
-                    </p:cTn>
-                  </p:par>
-                  <p:par>
-                    <p:cTn id="143" fill="hold">
-                      <p:stCondLst>
-                        <p:cond delay="indefinite"/>
-                      </p:stCondLst>
-                      <p:childTnLst>
-                        <p:par>
-                          <p:cTn id="144" fill="hold">
-                            <p:stCondLst>
-                              <p:cond delay="0"/>
-                            </p:stCondLst>
-                            <p:childTnLst>
-                              <p:par>
-                                <p:cTn id="145" presetID="1" presetClass="exit" presetSubtype="0" fill="hold" grpId="1" nodeType="clickEffect">
-                                  <p:stCondLst>
-                                    <p:cond delay="0"/>
-                                  </p:stCondLst>
-                                  <p:childTnLst>
-                                    <p:set>
-                                      <p:cBhvr>
-                                        <p:cTn id="146" dur="1" fill="hold">
-                                          <p:stCondLst>
-                                            <p:cond delay="0"/>
-                                          </p:stCondLst>
-                                        </p:cTn>
-                                        <p:tgtEl>
-                                          <p:spTgt spid="25"/>
-                                        </p:tgtEl>
-                                        <p:attrNameLst>
-                                          <p:attrName>style.visibility</p:attrName>
-                                        </p:attrNameLst>
-                                      </p:cBhvr>
-                                      <p:to>
-                                        <p:strVal val="hidden"/>
-                                      </p:to>
-                                    </p:set>
-                                  </p:childTnLst>
-                                </p:cTn>
-                              </p:par>
-                              <p:par>
-                                <p:cTn id="147" presetID="1" presetClass="exit" presetSubtype="0" fill="hold" nodeType="withEffect">
-                                  <p:stCondLst>
-                                    <p:cond delay="0"/>
-                                  </p:stCondLst>
-                                  <p:childTnLst>
-                                    <p:set>
-                                      <p:cBhvr>
-                                        <p:cTn id="148" dur="1" fill="hold">
-                                          <p:stCondLst>
-                                            <p:cond delay="0"/>
-                                          </p:stCondLst>
-                                        </p:cTn>
-                                        <p:tgtEl>
-                                          <p:spTgt spid="14"/>
-                                        </p:tgtEl>
-                                        <p:attrNameLst>
-                                          <p:attrName>style.visibility</p:attrName>
-                                        </p:attrNameLst>
-                                      </p:cBhvr>
-                                      <p:to>
-                                        <p:strVal val="hidden"/>
-                                      </p:to>
-                                    </p:set>
-                                  </p:childTnLst>
-                                </p:cTn>
-                              </p:par>
-                              <p:par>
-                                <p:cTn id="149" presetID="10" presetClass="entr" presetSubtype="0" fill="hold" nodeType="withEffect">
-                                  <p:stCondLst>
-                                    <p:cond delay="0"/>
-                                  </p:stCondLst>
-                                  <p:childTnLst>
-                                    <p:set>
-                                      <p:cBhvr>
-                                        <p:cTn id="150" dur="1" fill="hold">
-                                          <p:stCondLst>
-                                            <p:cond delay="0"/>
-                                          </p:stCondLst>
-                                        </p:cTn>
-                                        <p:tgtEl>
-                                          <p:spTgt spid="19"/>
-                                        </p:tgtEl>
-                                        <p:attrNameLst>
-                                          <p:attrName>style.visibility</p:attrName>
-                                        </p:attrNameLst>
-                                      </p:cBhvr>
-                                      <p:to>
-                                        <p:strVal val="visible"/>
-                                      </p:to>
-                                    </p:set>
-                                    <p:animEffect transition="in" filter="fade">
-                                      <p:cBhvr>
-                                        <p:cTn id="151" dur="500"/>
-                                        <p:tgtEl>
-                                          <p:spTgt spid="19"/>
-                                        </p:tgtEl>
-                                      </p:cBhvr>
-                                    </p:animEffect>
-                                  </p:childTnLst>
-                                </p:cTn>
-                              </p:par>
-                              <p:par>
-                                <p:cTn id="152" presetID="10" presetClass="entr" presetSubtype="0" fill="hold" grpId="0" nodeType="withEffect">
-                                  <p:stCondLst>
-                                    <p:cond delay="0"/>
-                                  </p:stCondLst>
-                                  <p:childTnLst>
-                                    <p:set>
-                                      <p:cBhvr>
-                                        <p:cTn id="153" dur="1" fill="hold">
-                                          <p:stCondLst>
-                                            <p:cond delay="0"/>
-                                          </p:stCondLst>
-                                        </p:cTn>
-                                        <p:tgtEl>
-                                          <p:spTgt spid="27"/>
-                                        </p:tgtEl>
-                                        <p:attrNameLst>
-                                          <p:attrName>style.visibility</p:attrName>
-                                        </p:attrNameLst>
-                                      </p:cBhvr>
-                                      <p:to>
-                                        <p:strVal val="visible"/>
-                                      </p:to>
-                                    </p:set>
-                                    <p:animEffect transition="in" filter="fade">
-                                      <p:cBhvr>
-                                        <p:cTn id="154" dur="500"/>
-                                        <p:tgtEl>
-                                          <p:spTgt spid="27"/>
                                         </p:tgtEl>
                                       </p:cBhvr>
                                     </p:animEffect>
@@ -16718,27 +18932,11 @@
     </p:tnLst>
     <p:bldLst>
       <p:bldP spid="24" grpId="0" animBg="1"/>
-      <p:bldP spid="24" grpId="1" animBg="1"/>
-      <p:bldP spid="25" grpId="0" animBg="1"/>
-      <p:bldP spid="25" grpId="1" animBg="1"/>
       <p:bldP spid="27" grpId="0" animBg="1"/>
-      <p:bldP spid="28" grpId="0" animBg="1"/>
-      <p:bldP spid="31" grpId="0" animBg="1"/>
-      <p:bldP spid="31" grpId="1" animBg="1"/>
-      <p:bldP spid="33" grpId="0" animBg="1"/>
-      <p:bldP spid="33" grpId="1" animBg="1"/>
-      <p:bldP spid="36" grpId="0" animBg="1"/>
-      <p:bldP spid="36" grpId="1" animBg="1"/>
-      <p:bldP spid="39" grpId="0" animBg="1"/>
-      <p:bldP spid="39" grpId="1" animBg="1"/>
-      <p:bldP spid="44" grpId="0" animBg="1"/>
-      <p:bldP spid="44" grpId="1" animBg="1"/>
-      <p:bldP spid="47" grpId="0" animBg="1"/>
-      <p:bldP spid="47" grpId="1" animBg="1"/>
-      <p:bldP spid="66" grpId="0" animBg="1"/>
-      <p:bldP spid="66" grpId="1" animBg="1"/>
-      <p:bldP spid="6" grpId="0" animBg="1"/>
-      <p:bldP spid="6" grpId="1" animBg="1"/>
+      <p:bldP spid="27" grpId="1" animBg="1"/>
+      <p:bldP spid="32" grpId="0" animBg="1"/>
+      <p:bldP spid="32" grpId="1" animBg="1"/>
+      <p:bldP spid="37" grpId="0" animBg="1"/>
     </p:bldLst>
   </p:timing>
 </p:sld>

--- a/Autocoders/doc/Cosmos_Presentation.pptx
+++ b/Autocoders/doc/Cosmos_Presentation.pptx
@@ -211,7 +211,7 @@
           <a:p>
             <a:fld id="{14866109-A37E-284B-821D-A8B471871841}" type="datetimeFigureOut">
               <a:rPr lang="en-US" smtClean="0"/>
-              <a:t>6/26/18</a:t>
+              <a:t>6/28/18</a:t>
             </a:fld>
             <a:endParaRPr lang="en-US"/>
           </a:p>
@@ -1576,7 +1576,7 @@
           <a:p>
             <a:fld id="{48A87A34-81AB-432B-8DAE-1953F412C126}" type="datetimeFigureOut">
               <a:rPr lang="en-US" smtClean="0"/>
-              <a:t>6/26/18</a:t>
+              <a:t>6/28/18</a:t>
             </a:fld>
             <a:endParaRPr lang="en-US" dirty="0"/>
           </a:p>
@@ -1901,7 +1901,7 @@
             <a:fld id="{48A87A34-81AB-432B-8DAE-1953F412C126}" type="datetimeFigureOut">
               <a:rPr lang="en-US" smtClean="0"/>
               <a:pPr/>
-              <a:t>6/26/18</a:t>
+              <a:t>6/28/18</a:t>
             </a:fld>
             <a:endParaRPr lang="en-US" dirty="0"/>
           </a:p>
@@ -2137,7 +2137,7 @@
             <a:fld id="{48A87A34-81AB-432B-8DAE-1953F412C126}" type="datetimeFigureOut">
               <a:rPr lang="en-US" smtClean="0"/>
               <a:pPr/>
-              <a:t>6/26/18</a:t>
+              <a:t>6/28/18</a:t>
             </a:fld>
             <a:endParaRPr lang="en-US" dirty="0"/>
           </a:p>
@@ -2442,7 +2442,7 @@
             <a:fld id="{48A87A34-81AB-432B-8DAE-1953F412C126}" type="datetimeFigureOut">
               <a:rPr lang="en-US" smtClean="0"/>
               <a:pPr/>
-              <a:t>6/26/18</a:t>
+              <a:t>6/28/18</a:t>
             </a:fld>
             <a:endParaRPr lang="en-US" dirty="0"/>
           </a:p>
@@ -2910,7 +2910,7 @@
             <a:fld id="{48A87A34-81AB-432B-8DAE-1953F412C126}" type="datetimeFigureOut">
               <a:rPr lang="en-US" smtClean="0"/>
               <a:pPr/>
-              <a:t>6/26/18</a:t>
+              <a:t>6/28/18</a:t>
             </a:fld>
             <a:endParaRPr lang="en-US" dirty="0"/>
           </a:p>
@@ -3500,7 +3500,7 @@
             <a:fld id="{48A87A34-81AB-432B-8DAE-1953F412C126}" type="datetimeFigureOut">
               <a:rPr lang="en-US" smtClean="0"/>
               <a:pPr/>
-              <a:t>6/26/18</a:t>
+              <a:t>6/28/18</a:t>
             </a:fld>
             <a:endParaRPr lang="en-US" dirty="0"/>
           </a:p>
@@ -4366,7 +4366,7 @@
             <a:fld id="{48A87A34-81AB-432B-8DAE-1953F412C126}" type="datetimeFigureOut">
               <a:rPr lang="en-US" smtClean="0"/>
               <a:pPr/>
-              <a:t>6/26/18</a:t>
+              <a:t>6/28/18</a:t>
             </a:fld>
             <a:endParaRPr lang="en-US" dirty="0"/>
           </a:p>
@@ -4585,7 +4585,7 @@
             <a:fld id="{48A87A34-81AB-432B-8DAE-1953F412C126}" type="datetimeFigureOut">
               <a:rPr lang="en-US" smtClean="0"/>
               <a:pPr/>
-              <a:t>6/26/18</a:t>
+              <a:t>6/28/18</a:t>
             </a:fld>
             <a:endParaRPr lang="en-US" dirty="0"/>
           </a:p>
@@ -4813,7 +4813,7 @@
             <a:fld id="{48A87A34-81AB-432B-8DAE-1953F412C126}" type="datetimeFigureOut">
               <a:rPr lang="en-US" smtClean="0"/>
               <a:pPr/>
-              <a:t>6/26/18</a:t>
+              <a:t>6/28/18</a:t>
             </a:fld>
             <a:endParaRPr lang="en-US" dirty="0"/>
           </a:p>
@@ -4996,7 +4996,7 @@
           <a:p>
             <a:fld id="{48A87A34-81AB-432B-8DAE-1953F412C126}" type="datetimeFigureOut">
               <a:rPr lang="en-US" smtClean="0"/>
-              <a:t>6/26/18</a:t>
+              <a:t>6/28/18</a:t>
             </a:fld>
             <a:endParaRPr lang="en-US" dirty="0"/>
           </a:p>
@@ -5214,7 +5214,7 @@
             <a:fld id="{48A87A34-81AB-432B-8DAE-1953F412C126}" type="datetimeFigureOut">
               <a:rPr lang="en-US" smtClean="0"/>
               <a:pPr/>
-              <a:t>6/26/18</a:t>
+              <a:t>6/28/18</a:t>
             </a:fld>
             <a:endParaRPr lang="en-US" dirty="0"/>
           </a:p>
@@ -5507,7 +5507,7 @@
           <a:p>
             <a:fld id="{48A87A34-81AB-432B-8DAE-1953F412C126}" type="datetimeFigureOut">
               <a:rPr lang="en-US" smtClean="0"/>
-              <a:t>6/26/18</a:t>
+              <a:t>6/28/18</a:t>
             </a:fld>
             <a:endParaRPr lang="en-US" dirty="0"/>
           </a:p>
@@ -5787,7 +5787,7 @@
             <a:fld id="{48A87A34-81AB-432B-8DAE-1953F412C126}" type="datetimeFigureOut">
               <a:rPr lang="en-US" smtClean="0"/>
               <a:pPr/>
-              <a:t>6/26/18</a:t>
+              <a:t>6/28/18</a:t>
             </a:fld>
             <a:endParaRPr lang="en-US" dirty="0"/>
           </a:p>
@@ -6216,7 +6216,7 @@
             <a:fld id="{48A87A34-81AB-432B-8DAE-1953F412C126}" type="datetimeFigureOut">
               <a:rPr lang="en-US" smtClean="0"/>
               <a:pPr/>
-              <a:t>6/26/18</a:t>
+              <a:t>6/28/18</a:t>
             </a:fld>
             <a:endParaRPr lang="en-US" dirty="0"/>
           </a:p>
@@ -6377,7 +6377,7 @@
           <a:p>
             <a:fld id="{48A87A34-81AB-432B-8DAE-1953F412C126}" type="datetimeFigureOut">
               <a:rPr lang="en-US" smtClean="0"/>
-              <a:t>6/26/18</a:t>
+              <a:t>6/28/18</a:t>
             </a:fld>
             <a:endParaRPr lang="en-US" dirty="0"/>
           </a:p>
@@ -6514,7 +6514,7 @@
           <a:p>
             <a:fld id="{48A87A34-81AB-432B-8DAE-1953F412C126}" type="datetimeFigureOut">
               <a:rPr lang="en-US" smtClean="0"/>
-              <a:t>6/26/18</a:t>
+              <a:t>6/28/18</a:t>
             </a:fld>
             <a:endParaRPr lang="en-US" dirty="0"/>
           </a:p>
@@ -6806,7 +6806,7 @@
             <a:fld id="{48A87A34-81AB-432B-8DAE-1953F412C126}" type="datetimeFigureOut">
               <a:rPr lang="en-US" smtClean="0"/>
               <a:pPr/>
-              <a:t>6/26/18</a:t>
+              <a:t>6/28/18</a:t>
             </a:fld>
             <a:endParaRPr lang="en-US" dirty="0"/>
           </a:p>
@@ -7131,7 +7131,7 @@
           <a:p>
             <a:fld id="{48A87A34-81AB-432B-8DAE-1953F412C126}" type="datetimeFigureOut">
               <a:rPr lang="en-US" smtClean="0"/>
-              <a:t>6/26/18</a:t>
+              <a:t>6/28/18</a:t>
             </a:fld>
             <a:endParaRPr lang="en-US" dirty="0"/>
           </a:p>
@@ -7397,7 +7397,7 @@
             <a:fld id="{48A87A34-81AB-432B-8DAE-1953F412C126}" type="datetimeFigureOut">
               <a:rPr lang="en-US" smtClean="0"/>
               <a:pPr/>
-              <a:t>6/26/18</a:t>
+              <a:t>6/28/18</a:t>
             </a:fld>
             <a:endParaRPr lang="en-US" dirty="0"/>
           </a:p>
@@ -7919,7 +7919,7 @@
           <a:p>
             <a:r>
               <a:rPr lang="en-US" sz="2400" cap="none" dirty="0"/>
-              <a:t>Tailoring cosmos for use with </a:t>
+              <a:t>Tailoring COSMOS for use with </a:t>
             </a:r>
             <a:r>
               <a:rPr lang="en-US" sz="2400" cap="none" dirty="0" err="1"/>
@@ -8645,7 +8645,7 @@
                             </p:stCondLst>
                             <p:childTnLst>
                               <p:par>
-                                <p:cTn id="5" presetID="1" presetClass="exit" presetSubtype="0" fill="hold" grpId="0" nodeType="clickEffect">
+                                <p:cTn id="5" presetID="10" presetClass="entr" presetSubtype="0" fill="hold" grpId="1" nodeType="clickEffect">
                                   <p:stCondLst>
                                     <p:cond delay="0"/>
                                   </p:stCondLst>
@@ -8653,60 +8653,6 @@
                                     <p:set>
                                       <p:cBhvr>
                                         <p:cTn id="6" dur="1" fill="hold">
-                                          <p:stCondLst>
-                                            <p:cond delay="0"/>
-                                          </p:stCondLst>
-                                        </p:cTn>
-                                        <p:tgtEl>
-                                          <p:spTgt spid="13"/>
-                                        </p:tgtEl>
-                                        <p:attrNameLst>
-                                          <p:attrName>style.visibility</p:attrName>
-                                        </p:attrNameLst>
-                                      </p:cBhvr>
-                                      <p:to>
-                                        <p:strVal val="hidden"/>
-                                      </p:to>
-                                    </p:set>
-                                  </p:childTnLst>
-                                </p:cTn>
-                              </p:par>
-                              <p:par>
-                                <p:cTn id="7" presetID="1" presetClass="exit" presetSubtype="0" fill="hold" nodeType="withEffect">
-                                  <p:stCondLst>
-                                    <p:cond delay="0"/>
-                                  </p:stCondLst>
-                                  <p:childTnLst>
-                                    <p:set>
-                                      <p:cBhvr>
-                                        <p:cTn id="8" dur="1" fill="hold">
-                                          <p:stCondLst>
-                                            <p:cond delay="0"/>
-                                          </p:stCondLst>
-                                        </p:cTn>
-                                        <p:tgtEl>
-                                          <p:spTgt spid="11"/>
-                                        </p:tgtEl>
-                                        <p:attrNameLst>
-                                          <p:attrName>style.visibility</p:attrName>
-                                        </p:attrNameLst>
-                                      </p:cBhvr>
-                                      <p:to>
-                                        <p:strVal val="hidden"/>
-                                      </p:to>
-                                    </p:set>
-                                  </p:childTnLst>
-                                </p:cTn>
-                              </p:par>
-                              <p:par>
-                                <p:cTn id="9" presetID="10" presetClass="entr" presetSubtype="0" fill="hold" grpId="1" nodeType="withEffect">
-                                  <p:stCondLst>
-                                    <p:cond delay="0"/>
-                                  </p:stCondLst>
-                                  <p:childTnLst>
-                                    <p:set>
-                                      <p:cBhvr>
-                                        <p:cTn id="10" dur="1" fill="hold">
                                           <p:stCondLst>
                                             <p:cond delay="0"/>
                                           </p:stCondLst>
@@ -8724,7 +8670,7 @@
                                     </p:set>
                                     <p:animEffect transition="in" filter="fade">
                                       <p:cBhvr>
-                                        <p:cTn id="11" dur="500"/>
+                                        <p:cTn id="7" dur="500"/>
                                         <p:tgtEl>
                                           <p:spTgt spid="15"/>
                                         </p:tgtEl>
@@ -8734,14 +8680,14 @@
                                 </p:cTn>
                               </p:par>
                               <p:par>
-                                <p:cTn id="12" presetID="10" presetClass="entr" presetSubtype="0" fill="hold" nodeType="withEffect">
+                                <p:cTn id="8" presetID="10" presetClass="entr" presetSubtype="0" fill="hold" nodeType="withEffect">
                                   <p:stCondLst>
                                     <p:cond delay="0"/>
                                   </p:stCondLst>
                                   <p:childTnLst>
                                     <p:set>
                                       <p:cBhvr>
-                                        <p:cTn id="13" dur="1" fill="hold">
+                                        <p:cTn id="9" dur="1" fill="hold">
                                           <p:stCondLst>
                                             <p:cond delay="0"/>
                                           </p:stCondLst>
@@ -8759,7 +8705,7 @@
                                     </p:set>
                                     <p:animEffect transition="in" filter="fade">
                                       <p:cBhvr>
-                                        <p:cTn id="14" dur="500"/>
+                                        <p:cTn id="10" dur="500"/>
                                         <p:tgtEl>
                                           <p:spTgt spid="14"/>
                                         </p:tgtEl>
@@ -8775,80 +8721,26 @@
                     </p:cTn>
                   </p:par>
                   <p:par>
-                    <p:cTn id="15" fill="hold">
+                    <p:cTn id="11" fill="hold">
                       <p:stCondLst>
                         <p:cond delay="indefinite"/>
                       </p:stCondLst>
                       <p:childTnLst>
                         <p:par>
-                          <p:cTn id="16" fill="hold">
+                          <p:cTn id="12" fill="hold">
                             <p:stCondLst>
                               <p:cond delay="0"/>
                             </p:stCondLst>
                             <p:childTnLst>
                               <p:par>
-                                <p:cTn id="17" presetID="1" presetClass="exit" presetSubtype="0" fill="hold" grpId="0" nodeType="clickEffect">
+                                <p:cTn id="13" presetID="10" presetClass="entr" presetSubtype="0" fill="hold" grpId="1" nodeType="clickEffect">
                                   <p:stCondLst>
                                     <p:cond delay="0"/>
                                   </p:stCondLst>
                                   <p:childTnLst>
                                     <p:set>
                                       <p:cBhvr>
-                                        <p:cTn id="18" dur="1" fill="hold">
-                                          <p:stCondLst>
-                                            <p:cond delay="0"/>
-                                          </p:stCondLst>
-                                        </p:cTn>
-                                        <p:tgtEl>
-                                          <p:spTgt spid="15"/>
-                                        </p:tgtEl>
-                                        <p:attrNameLst>
-                                          <p:attrName>style.visibility</p:attrName>
-                                        </p:attrNameLst>
-                                      </p:cBhvr>
-                                      <p:to>
-                                        <p:strVal val="hidden"/>
-                                      </p:to>
-                                    </p:set>
-                                  </p:childTnLst>
-                                </p:cTn>
-                              </p:par>
-                              <p:par>
-                                <p:cTn id="19" presetID="1" presetClass="exit" presetSubtype="0" fill="hold" nodeType="withEffect">
-                                  <p:stCondLst>
-                                    <p:cond delay="0"/>
-                                  </p:stCondLst>
-                                  <p:childTnLst>
-                                    <p:set>
-                                      <p:cBhvr>
-                                        <p:cTn id="20" dur="1" fill="hold">
-                                          <p:stCondLst>
-                                            <p:cond delay="0"/>
-                                          </p:stCondLst>
-                                        </p:cTn>
-                                        <p:tgtEl>
-                                          <p:spTgt spid="14"/>
-                                        </p:tgtEl>
-                                        <p:attrNameLst>
-                                          <p:attrName>style.visibility</p:attrName>
-                                        </p:attrNameLst>
-                                      </p:cBhvr>
-                                      <p:to>
-                                        <p:strVal val="hidden"/>
-                                      </p:to>
-                                    </p:set>
-                                  </p:childTnLst>
-                                </p:cTn>
-                              </p:par>
-                              <p:par>
-                                <p:cTn id="21" presetID="10" presetClass="entr" presetSubtype="0" fill="hold" grpId="1" nodeType="withEffect">
-                                  <p:stCondLst>
-                                    <p:cond delay="0"/>
-                                  </p:stCondLst>
-                                  <p:childTnLst>
-                                    <p:set>
-                                      <p:cBhvr>
-                                        <p:cTn id="22" dur="1" fill="hold">
+                                        <p:cTn id="14" dur="1" fill="hold">
                                           <p:stCondLst>
                                             <p:cond delay="0"/>
                                           </p:stCondLst>
@@ -8866,7 +8758,7 @@
                                     </p:set>
                                     <p:animEffect transition="in" filter="fade">
                                       <p:cBhvr>
-                                        <p:cTn id="23" dur="500"/>
+                                        <p:cTn id="15" dur="500"/>
                                         <p:tgtEl>
                                           <p:spTgt spid="17"/>
                                         </p:tgtEl>
@@ -8876,14 +8768,14 @@
                                 </p:cTn>
                               </p:par>
                               <p:par>
-                                <p:cTn id="24" presetID="10" presetClass="entr" presetSubtype="0" fill="hold" nodeType="withEffect">
+                                <p:cTn id="16" presetID="10" presetClass="entr" presetSubtype="0" fill="hold" nodeType="withEffect">
                                   <p:stCondLst>
                                     <p:cond delay="0"/>
                                   </p:stCondLst>
                                   <p:childTnLst>
                                     <p:set>
                                       <p:cBhvr>
-                                        <p:cTn id="25" dur="1" fill="hold">
+                                        <p:cTn id="17" dur="1" fill="hold">
                                           <p:stCondLst>
                                             <p:cond delay="0"/>
                                           </p:stCondLst>
@@ -8901,7 +8793,7 @@
                                     </p:set>
                                     <p:animEffect transition="in" filter="fade">
                                       <p:cBhvr>
-                                        <p:cTn id="26" dur="500"/>
+                                        <p:cTn id="18" dur="500"/>
                                         <p:tgtEl>
                                           <p:spTgt spid="16"/>
                                         </p:tgtEl>
@@ -8938,8 +8830,6 @@
       </p:par>
     </p:tnLst>
     <p:bldLst>
-      <p:bldP spid="13" grpId="0" animBg="1"/>
-      <p:bldP spid="15" grpId="0" animBg="1"/>
       <p:bldP spid="15" grpId="1" animBg="1"/>
       <p:bldP spid="17" grpId="1" animBg="1"/>
     </p:bldLst>
@@ -13585,7 +13475,7 @@
                             </p:stCondLst>
                             <p:childTnLst>
                               <p:par>
-                                <p:cTn id="5" presetID="1" presetClass="exit" presetSubtype="0" fill="hold" grpId="0" nodeType="clickEffect">
+                                <p:cTn id="5" presetID="10" presetClass="entr" presetSubtype="0" fill="hold" grpId="0" nodeType="clickEffect">
                                   <p:stCondLst>
                                     <p:cond delay="0"/>
                                   </p:stCondLst>
@@ -13593,33 +13483,6 @@
                                     <p:set>
                                       <p:cBhvr>
                                         <p:cTn id="6" dur="1" fill="hold">
-                                          <p:stCondLst>
-                                            <p:cond delay="0"/>
-                                          </p:stCondLst>
-                                        </p:cTn>
-                                        <p:tgtEl>
-                                          <p:spTgt spid="49"/>
-                                        </p:tgtEl>
-                                        <p:attrNameLst>
-                                          <p:attrName>style.visibility</p:attrName>
-                                        </p:attrNameLst>
-                                      </p:cBhvr>
-                                      <p:to>
-                                        <p:strVal val="hidden"/>
-                                      </p:to>
-                                    </p:set>
-                                  </p:childTnLst>
-                                </p:cTn>
-                              </p:par>
-                              <p:par>
-                                <p:cTn id="7" presetID="10" presetClass="entr" presetSubtype="0" fill="hold" grpId="0" nodeType="withEffect">
-                                  <p:stCondLst>
-                                    <p:cond delay="0"/>
-                                  </p:stCondLst>
-                                  <p:childTnLst>
-                                    <p:set>
-                                      <p:cBhvr>
-                                        <p:cTn id="8" dur="1" fill="hold">
                                           <p:stCondLst>
                                             <p:cond delay="0"/>
                                           </p:stCondLst>
@@ -13637,7 +13500,7 @@
                                     </p:set>
                                     <p:animEffect transition="in" filter="fade">
                                       <p:cBhvr>
-                                        <p:cTn id="9" dur="500"/>
+                                        <p:cTn id="7" dur="500"/>
                                         <p:tgtEl>
                                           <p:spTgt spid="20"/>
                                         </p:tgtEl>
@@ -13653,53 +13516,26 @@
                     </p:cTn>
                   </p:par>
                   <p:par>
-                    <p:cTn id="10" fill="hold">
+                    <p:cTn id="8" fill="hold">
                       <p:stCondLst>
                         <p:cond delay="indefinite"/>
                       </p:stCondLst>
                       <p:childTnLst>
                         <p:par>
-                          <p:cTn id="11" fill="hold">
+                          <p:cTn id="9" fill="hold">
                             <p:stCondLst>
                               <p:cond delay="0"/>
                             </p:stCondLst>
                             <p:childTnLst>
                               <p:par>
-                                <p:cTn id="12" presetID="1" presetClass="exit" presetSubtype="0" fill="hold" grpId="1" nodeType="clickEffect">
+                                <p:cTn id="10" presetID="10" presetClass="entr" presetSubtype="0" fill="hold" grpId="0" nodeType="clickEffect">
                                   <p:stCondLst>
                                     <p:cond delay="0"/>
                                   </p:stCondLst>
                                   <p:childTnLst>
                                     <p:set>
                                       <p:cBhvr>
-                                        <p:cTn id="13" dur="1" fill="hold">
-                                          <p:stCondLst>
-                                            <p:cond delay="0"/>
-                                          </p:stCondLst>
-                                        </p:cTn>
-                                        <p:tgtEl>
-                                          <p:spTgt spid="20"/>
-                                        </p:tgtEl>
-                                        <p:attrNameLst>
-                                          <p:attrName>style.visibility</p:attrName>
-                                        </p:attrNameLst>
-                                      </p:cBhvr>
-                                      <p:to>
-                                        <p:strVal val="hidden"/>
-                                      </p:to>
-                                    </p:set>
-                                  </p:childTnLst>
-                                </p:cTn>
-                              </p:par>
-                              <p:par>
-                                <p:cTn id="14" presetID="10" presetClass="entr" presetSubtype="0" fill="hold" grpId="0" nodeType="withEffect">
-                                  <p:stCondLst>
-                                    <p:cond delay="0"/>
-                                  </p:stCondLst>
-                                  <p:childTnLst>
-                                    <p:set>
-                                      <p:cBhvr>
-                                        <p:cTn id="15" dur="1" fill="hold">
+                                        <p:cTn id="11" dur="1" fill="hold">
                                           <p:stCondLst>
                                             <p:cond delay="0"/>
                                           </p:stCondLst>
@@ -13717,7 +13553,7 @@
                                     </p:set>
                                     <p:animEffect transition="in" filter="fade">
                                       <p:cBhvr>
-                                        <p:cTn id="16" dur="500"/>
+                                        <p:cTn id="12" dur="500"/>
                                         <p:tgtEl>
                                           <p:spTgt spid="10"/>
                                         </p:tgtEl>
@@ -13733,53 +13569,26 @@
                     </p:cTn>
                   </p:par>
                   <p:par>
-                    <p:cTn id="17" fill="hold">
+                    <p:cTn id="13" fill="hold">
                       <p:stCondLst>
                         <p:cond delay="indefinite"/>
                       </p:stCondLst>
                       <p:childTnLst>
                         <p:par>
-                          <p:cTn id="18" fill="hold">
+                          <p:cTn id="14" fill="hold">
                             <p:stCondLst>
                               <p:cond delay="0"/>
                             </p:stCondLst>
                             <p:childTnLst>
                               <p:par>
-                                <p:cTn id="19" presetID="1" presetClass="exit" presetSubtype="0" fill="hold" grpId="1" nodeType="clickEffect">
+                                <p:cTn id="15" presetID="10" presetClass="entr" presetSubtype="0" fill="hold" grpId="0" nodeType="clickEffect">
                                   <p:stCondLst>
                                     <p:cond delay="0"/>
                                   </p:stCondLst>
                                   <p:childTnLst>
                                     <p:set>
                                       <p:cBhvr>
-                                        <p:cTn id="20" dur="1" fill="hold">
-                                          <p:stCondLst>
-                                            <p:cond delay="0"/>
-                                          </p:stCondLst>
-                                        </p:cTn>
-                                        <p:tgtEl>
-                                          <p:spTgt spid="10"/>
-                                        </p:tgtEl>
-                                        <p:attrNameLst>
-                                          <p:attrName>style.visibility</p:attrName>
-                                        </p:attrNameLst>
-                                      </p:cBhvr>
-                                      <p:to>
-                                        <p:strVal val="hidden"/>
-                                      </p:to>
-                                    </p:set>
-                                  </p:childTnLst>
-                                </p:cTn>
-                              </p:par>
-                              <p:par>
-                                <p:cTn id="21" presetID="10" presetClass="entr" presetSubtype="0" fill="hold" grpId="0" nodeType="withEffect">
-                                  <p:stCondLst>
-                                    <p:cond delay="0"/>
-                                  </p:stCondLst>
-                                  <p:childTnLst>
-                                    <p:set>
-                                      <p:cBhvr>
-                                        <p:cTn id="22" dur="1" fill="hold">
+                                        <p:cTn id="16" dur="1" fill="hold">
                                           <p:stCondLst>
                                             <p:cond delay="0"/>
                                           </p:stCondLst>
@@ -13797,7 +13606,7 @@
                                     </p:set>
                                     <p:animEffect transition="in" filter="fade">
                                       <p:cBhvr>
-                                        <p:cTn id="23" dur="500"/>
+                                        <p:cTn id="17" dur="500"/>
                                         <p:tgtEl>
                                           <p:spTgt spid="12"/>
                                         </p:tgtEl>
@@ -13813,53 +13622,26 @@
                     </p:cTn>
                   </p:par>
                   <p:par>
-                    <p:cTn id="24" fill="hold">
+                    <p:cTn id="18" fill="hold">
                       <p:stCondLst>
                         <p:cond delay="indefinite"/>
                       </p:stCondLst>
                       <p:childTnLst>
                         <p:par>
-                          <p:cTn id="25" fill="hold">
+                          <p:cTn id="19" fill="hold">
                             <p:stCondLst>
                               <p:cond delay="0"/>
                             </p:stCondLst>
                             <p:childTnLst>
                               <p:par>
-                                <p:cTn id="26" presetID="1" presetClass="exit" presetSubtype="0" fill="hold" grpId="1" nodeType="clickEffect">
+                                <p:cTn id="20" presetID="10" presetClass="entr" presetSubtype="0" fill="hold" grpId="0" nodeType="clickEffect">
                                   <p:stCondLst>
                                     <p:cond delay="0"/>
                                   </p:stCondLst>
                                   <p:childTnLst>
                                     <p:set>
                                       <p:cBhvr>
-                                        <p:cTn id="27" dur="1" fill="hold">
-                                          <p:stCondLst>
-                                            <p:cond delay="0"/>
-                                          </p:stCondLst>
-                                        </p:cTn>
-                                        <p:tgtEl>
-                                          <p:spTgt spid="12"/>
-                                        </p:tgtEl>
-                                        <p:attrNameLst>
-                                          <p:attrName>style.visibility</p:attrName>
-                                        </p:attrNameLst>
-                                      </p:cBhvr>
-                                      <p:to>
-                                        <p:strVal val="hidden"/>
-                                      </p:to>
-                                    </p:set>
-                                  </p:childTnLst>
-                                </p:cTn>
-                              </p:par>
-                              <p:par>
-                                <p:cTn id="28" presetID="10" presetClass="entr" presetSubtype="0" fill="hold" grpId="0" nodeType="withEffect">
-                                  <p:stCondLst>
-                                    <p:cond delay="0"/>
-                                  </p:stCondLst>
-                                  <p:childTnLst>
-                                    <p:set>
-                                      <p:cBhvr>
-                                        <p:cTn id="29" dur="1" fill="hold">
+                                        <p:cTn id="21" dur="1" fill="hold">
                                           <p:stCondLst>
                                             <p:cond delay="0"/>
                                           </p:stCondLst>
@@ -13877,57 +13659,12 @@
                                     </p:set>
                                     <p:animEffect transition="in" filter="fade">
                                       <p:cBhvr>
-                                        <p:cTn id="30" dur="500"/>
+                                        <p:cTn id="22" dur="500"/>
                                         <p:tgtEl>
                                           <p:spTgt spid="35"/>
                                         </p:tgtEl>
                                       </p:cBhvr>
                                     </p:animEffect>
-                                  </p:childTnLst>
-                                </p:cTn>
-                              </p:par>
-                            </p:childTnLst>
-                          </p:cTn>
-                        </p:par>
-                      </p:childTnLst>
-                    </p:cTn>
-                  </p:par>
-                  <p:par>
-                    <p:cTn id="31" fill="hold">
-                      <p:stCondLst>
-                        <p:cond delay="indefinite"/>
-                      </p:stCondLst>
-                      <p:childTnLst>
-                        <p:par>
-                          <p:cTn id="32" fill="hold">
-                            <p:stCondLst>
-                              <p:cond delay="0"/>
-                            </p:stCondLst>
-                            <p:childTnLst>
-                              <p:par>
-                                <p:cTn id="33" presetID="1" presetClass="exit" presetSubtype="0" fill="hold" grpId="1" nodeType="clickEffect">
-                                  <p:stCondLst>
-                                    <p:cond delay="0"/>
-                                  </p:stCondLst>
-                                  <p:childTnLst>
-                                    <p:set>
-                                      <p:cBhvr>
-                                        <p:cTn id="34" dur="1" fill="hold">
-                                          <p:stCondLst>
-                                            <p:cond delay="0"/>
-                                          </p:stCondLst>
-                                        </p:cTn>
-                                        <p:tgtEl>
-                                          <p:spTgt spid="35"/>
-                                        </p:tgtEl>
-                                        <p:attrNameLst>
-                                          <p:attrName>style.visibility</p:attrName>
-                                        </p:attrNameLst>
-                                      </p:cBhvr>
-                                      <p:to>
-                                        <p:strVal val="hidden"/>
-                                      </p:to>
-                                    </p:set>
                                   </p:childTnLst>
                                 </p:cTn>
                               </p:par>
@@ -13960,14 +13697,9 @@
     </p:tnLst>
     <p:bldLst>
       <p:bldP spid="10" grpId="0"/>
-      <p:bldP spid="10" grpId="1"/>
       <p:bldP spid="12" grpId="0"/>
-      <p:bldP spid="12" grpId="1"/>
       <p:bldP spid="20" grpId="0"/>
-      <p:bldP spid="20" grpId="1"/>
       <p:bldP spid="35" grpId="0"/>
-      <p:bldP spid="35" grpId="1"/>
-      <p:bldP spid="49" grpId="0"/>
     </p:bldLst>
   </p:timing>
 </p:sld>
@@ -14366,7 +14098,7 @@
           <a:p>
             <a:r>
               <a:rPr lang="en-US" sz="2800" cap="none" dirty="0"/>
-              <a:t>COSMOS – open source user interface that connects to embedded systems</a:t>
+              <a:t>COSMOS – open source system that connects to embedded systems</a:t>
             </a:r>
           </a:p>
           <a:p>
@@ -17359,8 +17091,12 @@
           <a:lstStyle/>
           <a:p>
             <a:r>
+              <a:rPr lang="en-US" sz="2700" cap="none"/>
+              <a:t>Interfaces, </a:t>
+            </a:r>
+            <a:r>
               <a:rPr lang="en-US" sz="2700" cap="none" dirty="0"/>
-              <a:t>Servers, write protocols and read protocols link to ruby scripts allowing for custom creation</a:t>
+              <a:t>write protocols and read protocols link to ruby scripts allowing for custom creation</a:t>
             </a:r>
           </a:p>
           <a:p>
@@ -18496,7 +18232,7 @@
                             </p:stCondLst>
                             <p:childTnLst>
                               <p:par>
-                                <p:cTn id="5" presetID="1" presetClass="exit" presetSubtype="0" fill="hold" grpId="0" nodeType="clickEffect">
+                                <p:cTn id="5" presetID="10" presetClass="entr" presetSubtype="0" fill="hold" grpId="1" nodeType="clickEffect">
                                   <p:stCondLst>
                                     <p:cond delay="0"/>
                                   </p:stCondLst>
@@ -18504,60 +18240,6 @@
                                     <p:set>
                                       <p:cBhvr>
                                         <p:cTn id="6" dur="1" fill="hold">
-                                          <p:stCondLst>
-                                            <p:cond delay="0"/>
-                                          </p:stCondLst>
-                                        </p:cTn>
-                                        <p:tgtEl>
-                                          <p:spTgt spid="24"/>
-                                        </p:tgtEl>
-                                        <p:attrNameLst>
-                                          <p:attrName>style.visibility</p:attrName>
-                                        </p:attrNameLst>
-                                      </p:cBhvr>
-                                      <p:to>
-                                        <p:strVal val="hidden"/>
-                                      </p:to>
-                                    </p:set>
-                                  </p:childTnLst>
-                                </p:cTn>
-                              </p:par>
-                              <p:par>
-                                <p:cTn id="7" presetID="1" presetClass="exit" presetSubtype="0" fill="hold" nodeType="withEffect">
-                                  <p:stCondLst>
-                                    <p:cond delay="0"/>
-                                  </p:stCondLst>
-                                  <p:childTnLst>
-                                    <p:set>
-                                      <p:cBhvr>
-                                        <p:cTn id="8" dur="1" fill="hold">
-                                          <p:stCondLst>
-                                            <p:cond delay="0"/>
-                                          </p:stCondLst>
-                                        </p:cTn>
-                                        <p:tgtEl>
-                                          <p:spTgt spid="17"/>
-                                        </p:tgtEl>
-                                        <p:attrNameLst>
-                                          <p:attrName>style.visibility</p:attrName>
-                                        </p:attrNameLst>
-                                      </p:cBhvr>
-                                      <p:to>
-                                        <p:strVal val="hidden"/>
-                                      </p:to>
-                                    </p:set>
-                                  </p:childTnLst>
-                                </p:cTn>
-                              </p:par>
-                              <p:par>
-                                <p:cTn id="9" presetID="10" presetClass="entr" presetSubtype="0" fill="hold" grpId="1" nodeType="withEffect">
-                                  <p:stCondLst>
-                                    <p:cond delay="0"/>
-                                  </p:stCondLst>
-                                  <p:childTnLst>
-                                    <p:set>
-                                      <p:cBhvr>
-                                        <p:cTn id="10" dur="1" fill="hold">
                                           <p:stCondLst>
                                             <p:cond delay="0"/>
                                           </p:stCondLst>
@@ -18575,7 +18257,7 @@
                                     </p:set>
                                     <p:animEffect transition="in" filter="fade">
                                       <p:cBhvr>
-                                        <p:cTn id="11" dur="500"/>
+                                        <p:cTn id="7" dur="500"/>
                                         <p:tgtEl>
                                           <p:spTgt spid="27"/>
                                         </p:tgtEl>
@@ -18585,14 +18267,14 @@
                                 </p:cTn>
                               </p:par>
                               <p:par>
-                                <p:cTn id="12" presetID="10" presetClass="entr" presetSubtype="0" fill="hold" nodeType="withEffect">
+                                <p:cTn id="8" presetID="10" presetClass="entr" presetSubtype="0" fill="hold" nodeType="withEffect">
                                   <p:stCondLst>
                                     <p:cond delay="0"/>
                                   </p:stCondLst>
                                   <p:childTnLst>
                                     <p:set>
                                       <p:cBhvr>
-                                        <p:cTn id="13" dur="1" fill="hold">
+                                        <p:cTn id="9" dur="1" fill="hold">
                                           <p:stCondLst>
                                             <p:cond delay="0"/>
                                           </p:stCondLst>
@@ -18610,7 +18292,7 @@
                                     </p:set>
                                     <p:animEffect transition="in" filter="fade">
                                       <p:cBhvr>
-                                        <p:cTn id="14" dur="500"/>
+                                        <p:cTn id="10" dur="500"/>
                                         <p:tgtEl>
                                           <p:spTgt spid="26"/>
                                         </p:tgtEl>
@@ -18626,80 +18308,26 @@
                     </p:cTn>
                   </p:par>
                   <p:par>
-                    <p:cTn id="15" fill="hold">
+                    <p:cTn id="11" fill="hold">
                       <p:stCondLst>
                         <p:cond delay="indefinite"/>
                       </p:stCondLst>
                       <p:childTnLst>
                         <p:par>
-                          <p:cTn id="16" fill="hold">
+                          <p:cTn id="12" fill="hold">
                             <p:stCondLst>
                               <p:cond delay="0"/>
                             </p:stCondLst>
                             <p:childTnLst>
                               <p:par>
-                                <p:cTn id="17" presetID="1" presetClass="exit" presetSubtype="0" fill="hold" grpId="0" nodeType="clickEffect">
+                                <p:cTn id="13" presetID="10" presetClass="entr" presetSubtype="0" fill="hold" grpId="1" nodeType="clickEffect">
                                   <p:stCondLst>
                                     <p:cond delay="0"/>
                                   </p:stCondLst>
                                   <p:childTnLst>
                                     <p:set>
                                       <p:cBhvr>
-                                        <p:cTn id="18" dur="1" fill="hold">
-                                          <p:stCondLst>
-                                            <p:cond delay="0"/>
-                                          </p:stCondLst>
-                                        </p:cTn>
-                                        <p:tgtEl>
-                                          <p:spTgt spid="27"/>
-                                        </p:tgtEl>
-                                        <p:attrNameLst>
-                                          <p:attrName>style.visibility</p:attrName>
-                                        </p:attrNameLst>
-                                      </p:cBhvr>
-                                      <p:to>
-                                        <p:strVal val="hidden"/>
-                                      </p:to>
-                                    </p:set>
-                                  </p:childTnLst>
-                                </p:cTn>
-                              </p:par>
-                              <p:par>
-                                <p:cTn id="19" presetID="1" presetClass="exit" presetSubtype="0" fill="hold" nodeType="withEffect">
-                                  <p:stCondLst>
-                                    <p:cond delay="0"/>
-                                  </p:stCondLst>
-                                  <p:childTnLst>
-                                    <p:set>
-                                      <p:cBhvr>
-                                        <p:cTn id="20" dur="1" fill="hold">
-                                          <p:stCondLst>
-                                            <p:cond delay="0"/>
-                                          </p:stCondLst>
-                                        </p:cTn>
-                                        <p:tgtEl>
-                                          <p:spTgt spid="26"/>
-                                        </p:tgtEl>
-                                        <p:attrNameLst>
-                                          <p:attrName>style.visibility</p:attrName>
-                                        </p:attrNameLst>
-                                      </p:cBhvr>
-                                      <p:to>
-                                        <p:strVal val="hidden"/>
-                                      </p:to>
-                                    </p:set>
-                                  </p:childTnLst>
-                                </p:cTn>
-                              </p:par>
-                              <p:par>
-                                <p:cTn id="21" presetID="10" presetClass="entr" presetSubtype="0" fill="hold" grpId="1" nodeType="withEffect">
-                                  <p:stCondLst>
-                                    <p:cond delay="0"/>
-                                  </p:stCondLst>
-                                  <p:childTnLst>
-                                    <p:set>
-                                      <p:cBhvr>
-                                        <p:cTn id="22" dur="1" fill="hold">
+                                        <p:cTn id="14" dur="1" fill="hold">
                                           <p:stCondLst>
                                             <p:cond delay="0"/>
                                           </p:stCondLst>
@@ -18717,9 +18345,97 @@
                                     </p:set>
                                     <p:animEffect transition="in" filter="fade">
                                       <p:cBhvr>
+                                        <p:cTn id="15" dur="500"/>
+                                        <p:tgtEl>
+                                          <p:spTgt spid="32"/>
+                                        </p:tgtEl>
+                                      </p:cBhvr>
+                                    </p:animEffect>
+                                  </p:childTnLst>
+                                </p:cTn>
+                              </p:par>
+                              <p:par>
+                                <p:cTn id="16" presetID="10" presetClass="entr" presetSubtype="0" fill="hold" nodeType="withEffect">
+                                  <p:stCondLst>
+                                    <p:cond delay="0"/>
+                                  </p:stCondLst>
+                                  <p:childTnLst>
+                                    <p:set>
+                                      <p:cBhvr>
+                                        <p:cTn id="17" dur="1" fill="hold">
+                                          <p:stCondLst>
+                                            <p:cond delay="0"/>
+                                          </p:stCondLst>
+                                        </p:cTn>
+                                        <p:tgtEl>
+                                          <p:spTgt spid="31"/>
+                                        </p:tgtEl>
+                                        <p:attrNameLst>
+                                          <p:attrName>style.visibility</p:attrName>
+                                        </p:attrNameLst>
+                                      </p:cBhvr>
+                                      <p:to>
+                                        <p:strVal val="visible"/>
+                                      </p:to>
+                                    </p:set>
+                                    <p:animEffect transition="in" filter="fade">
+                                      <p:cBhvr>
+                                        <p:cTn id="18" dur="500"/>
+                                        <p:tgtEl>
+                                          <p:spTgt spid="31"/>
+                                        </p:tgtEl>
+                                      </p:cBhvr>
+                                    </p:animEffect>
+                                  </p:childTnLst>
+                                </p:cTn>
+                              </p:par>
+                            </p:childTnLst>
+                          </p:cTn>
+                        </p:par>
+                      </p:childTnLst>
+                    </p:cTn>
+                  </p:par>
+                  <p:par>
+                    <p:cTn id="19" fill="hold">
+                      <p:stCondLst>
+                        <p:cond delay="indefinite"/>
+                      </p:stCondLst>
+                      <p:childTnLst>
+                        <p:par>
+                          <p:cTn id="20" fill="hold">
+                            <p:stCondLst>
+                              <p:cond delay="0"/>
+                            </p:stCondLst>
+                            <p:childTnLst>
+                              <p:par>
+                                <p:cTn id="21" presetID="10" presetClass="entr" presetSubtype="0" fill="hold" grpId="0" nodeType="clickEffect">
+                                  <p:stCondLst>
+                                    <p:cond delay="0"/>
+                                  </p:stCondLst>
+                                  <p:childTnLst>
+                                    <p:set>
+                                      <p:cBhvr>
+                                        <p:cTn id="22" dur="1" fill="hold">
+                                          <p:stCondLst>
+                                            <p:cond delay="0"/>
+                                          </p:stCondLst>
+                                        </p:cTn>
+                                        <p:tgtEl>
+                                          <p:spTgt spid="37"/>
+                                        </p:tgtEl>
+                                        <p:attrNameLst>
+                                          <p:attrName>style.visibility</p:attrName>
+                                        </p:attrNameLst>
+                                      </p:cBhvr>
+                                      <p:to>
+                                        <p:strVal val="visible"/>
+                                      </p:to>
+                                    </p:set>
+                                    <p:animEffect transition="in" filter="fade">
+                                      <p:cBhvr>
                                         <p:cTn id="23" dur="500"/>
                                         <p:tgtEl>
-                                          <p:spTgt spid="32"/>
+                                          <p:spTgt spid="37"/>
                                         </p:tgtEl>
                                       </p:cBhvr>
                                     </p:animEffect>
@@ -18740,7 +18456,7 @@
                                           </p:stCondLst>
                                         </p:cTn>
                                         <p:tgtEl>
-                                          <p:spTgt spid="31"/>
+                                          <p:spTgt spid="36"/>
                                         </p:tgtEl>
                                         <p:attrNameLst>
                                           <p:attrName>style.visibility</p:attrName>
@@ -18753,148 +18469,6 @@
                                     <p:animEffect transition="in" filter="fade">
                                       <p:cBhvr>
                                         <p:cTn id="26" dur="500"/>
-                                        <p:tgtEl>
-                                          <p:spTgt spid="31"/>
-                                        </p:tgtEl>
-                                      </p:cBhvr>
-                                    </p:animEffect>
-                                  </p:childTnLst>
-                                </p:cTn>
-                              </p:par>
-                            </p:childTnLst>
-                          </p:cTn>
-                        </p:par>
-                      </p:childTnLst>
-                    </p:cTn>
-                  </p:par>
-                  <p:par>
-                    <p:cTn id="27" fill="hold">
-                      <p:stCondLst>
-                        <p:cond delay="indefinite"/>
-                      </p:stCondLst>
-                      <p:childTnLst>
-                        <p:par>
-                          <p:cTn id="28" fill="hold">
-                            <p:stCondLst>
-                              <p:cond delay="0"/>
-                            </p:stCondLst>
-                            <p:childTnLst>
-                              <p:par>
-                                <p:cTn id="29" presetID="1" presetClass="exit" presetSubtype="0" fill="hold" grpId="0" nodeType="clickEffect">
-                                  <p:stCondLst>
-                                    <p:cond delay="0"/>
-                                  </p:stCondLst>
-                                  <p:childTnLst>
-                                    <p:set>
-                                      <p:cBhvr>
-                                        <p:cTn id="30" dur="1" fill="hold">
-                                          <p:stCondLst>
-                                            <p:cond delay="0"/>
-                                          </p:stCondLst>
-                                        </p:cTn>
-                                        <p:tgtEl>
-                                          <p:spTgt spid="32"/>
-                                        </p:tgtEl>
-                                        <p:attrNameLst>
-                                          <p:attrName>style.visibility</p:attrName>
-                                        </p:attrNameLst>
-                                      </p:cBhvr>
-                                      <p:to>
-                                        <p:strVal val="hidden"/>
-                                      </p:to>
-                                    </p:set>
-                                  </p:childTnLst>
-                                </p:cTn>
-                              </p:par>
-                              <p:par>
-                                <p:cTn id="31" presetID="1" presetClass="exit" presetSubtype="0" fill="hold" nodeType="withEffect">
-                                  <p:stCondLst>
-                                    <p:cond delay="0"/>
-                                  </p:stCondLst>
-                                  <p:childTnLst>
-                                    <p:set>
-                                      <p:cBhvr>
-                                        <p:cTn id="32" dur="1" fill="hold">
-                                          <p:stCondLst>
-                                            <p:cond delay="0"/>
-                                          </p:stCondLst>
-                                        </p:cTn>
-                                        <p:tgtEl>
-                                          <p:spTgt spid="31"/>
-                                        </p:tgtEl>
-                                        <p:attrNameLst>
-                                          <p:attrName>style.visibility</p:attrName>
-                                        </p:attrNameLst>
-                                      </p:cBhvr>
-                                      <p:to>
-                                        <p:strVal val="hidden"/>
-                                      </p:to>
-                                    </p:set>
-                                  </p:childTnLst>
-                                </p:cTn>
-                              </p:par>
-                              <p:par>
-                                <p:cTn id="33" presetID="10" presetClass="entr" presetSubtype="0" fill="hold" grpId="0" nodeType="withEffect">
-                                  <p:stCondLst>
-                                    <p:cond delay="0"/>
-                                  </p:stCondLst>
-                                  <p:childTnLst>
-                                    <p:set>
-                                      <p:cBhvr>
-                                        <p:cTn id="34" dur="1" fill="hold">
-                                          <p:stCondLst>
-                                            <p:cond delay="0"/>
-                                          </p:stCondLst>
-                                        </p:cTn>
-                                        <p:tgtEl>
-                                          <p:spTgt spid="37"/>
-                                        </p:tgtEl>
-                                        <p:attrNameLst>
-                                          <p:attrName>style.visibility</p:attrName>
-                                        </p:attrNameLst>
-                                      </p:cBhvr>
-                                      <p:to>
-                                        <p:strVal val="visible"/>
-                                      </p:to>
-                                    </p:set>
-                                    <p:animEffect transition="in" filter="fade">
-                                      <p:cBhvr>
-                                        <p:cTn id="35" dur="500"/>
-                                        <p:tgtEl>
-                                          <p:spTgt spid="37"/>
-                                        </p:tgtEl>
-                                      </p:cBhvr>
-                                    </p:animEffect>
-                                  </p:childTnLst>
-                                </p:cTn>
-                              </p:par>
-                              <p:par>
-                                <p:cTn id="36" presetID="10" presetClass="entr" presetSubtype="0" fill="hold" nodeType="withEffect">
-                                  <p:stCondLst>
-                                    <p:cond delay="0"/>
-                                  </p:stCondLst>
-                                  <p:childTnLst>
-                                    <p:set>
-                                      <p:cBhvr>
-                                        <p:cTn id="37" dur="1" fill="hold">
-                                          <p:stCondLst>
-                                            <p:cond delay="0"/>
-                                          </p:stCondLst>
-                                        </p:cTn>
-                                        <p:tgtEl>
-                                          <p:spTgt spid="36"/>
-                                        </p:tgtEl>
-                                        <p:attrNameLst>
-                                          <p:attrName>style.visibility</p:attrName>
-                                        </p:attrNameLst>
-                                      </p:cBhvr>
-                                      <p:to>
-                                        <p:strVal val="visible"/>
-                                      </p:to>
-                                    </p:set>
-                                    <p:animEffect transition="in" filter="fade">
-                                      <p:cBhvr>
-                                        <p:cTn id="38" dur="500"/>
                                         <p:tgtEl>
                                           <p:spTgt spid="36"/>
                                         </p:tgtEl>
@@ -18931,10 +18505,7 @@
       </p:par>
     </p:tnLst>
     <p:bldLst>
-      <p:bldP spid="24" grpId="0" animBg="1"/>
-      <p:bldP spid="27" grpId="0" animBg="1"/>
       <p:bldP spid="27" grpId="1" animBg="1"/>
-      <p:bldP spid="32" grpId="0" animBg="1"/>
       <p:bldP spid="32" grpId="1" animBg="1"/>
       <p:bldP spid="37" grpId="0" animBg="1"/>
     </p:bldLst>
